--- a/hw1/slides.pptx
+++ b/hw1/slides.pptx
@@ -16,11 +16,11 @@
     <p:sldId id="266" r:id="rId7"/>
     <p:sldId id="271" r:id="rId8"/>
     <p:sldId id="267" r:id="rId9"/>
-    <p:sldId id="277" r:id="rId10"/>
-    <p:sldId id="272" r:id="rId11"/>
-    <p:sldId id="273" r:id="rId12"/>
-    <p:sldId id="274" r:id="rId13"/>
-    <p:sldId id="275" r:id="rId14"/>
+    <p:sldId id="272" r:id="rId10"/>
+    <p:sldId id="273" r:id="rId11"/>
+    <p:sldId id="274" r:id="rId12"/>
+    <p:sldId id="275" r:id="rId13"/>
+    <p:sldId id="277" r:id="rId14"/>
     <p:sldId id="268" r:id="rId15"/>
     <p:sldId id="278" r:id="rId16"/>
     <p:sldId id="269" r:id="rId17"/>
@@ -123,6 +123,11 @@
       </a:defRPr>
     </a:lvl9pPr>
   </p:defaultTextStyle>
+  <p:extLst>
+    <p:ext uri="{EFAFB233-063F-42B5-8137-9DF3F51BA10A}">
+      <p15:sldGuideLst xmlns:p15="http://schemas.microsoft.com/office/powerpoint/2012/main"/>
+    </p:ext>
+  </p:extLst>
 </p:presentation>
 </file>
 
@@ -1795,15 +1800,15 @@
 </file>
 
 <file path=ppt/diagrams/colors3.xml><?xml version="1.0" encoding="utf-8"?>
-<dgm:colorsDef xmlns:dgm="http://schemas.openxmlformats.org/drawingml/2006/diagram" xmlns:a="http://schemas.openxmlformats.org/drawingml/2006/main" uniqueId="urn:microsoft.com/office/officeart/2005/8/colors/colorful2">
+<dgm:colorsDef xmlns:dgm="http://schemas.openxmlformats.org/drawingml/2006/diagram" xmlns:a="http://schemas.openxmlformats.org/drawingml/2006/main" uniqueId="urn:microsoft.com/office/officeart/2005/8/colors/colorful5">
   <dgm:title val=""/>
   <dgm:desc val=""/>
   <dgm:catLst>
-    <dgm:cat type="colorful" pri="10200"/>
+    <dgm:cat type="colorful" pri="10500"/>
   </dgm:catLst>
   <dgm:styleLbl name="node0">
     <dgm:fillClrLst meth="repeat">
-      <a:schemeClr val="accent1"/>
+      <a:schemeClr val="accent4"/>
     </dgm:fillClrLst>
     <dgm:linClrLst meth="repeat">
       <a:schemeClr val="lt1"/>
@@ -1815,8 +1820,8 @@
   </dgm:styleLbl>
   <dgm:styleLbl name="node1">
     <dgm:fillClrLst>
-      <a:schemeClr val="accent2"/>
-      <a:schemeClr val="accent3"/>
+      <a:schemeClr val="accent5"/>
+      <a:schemeClr val="accent6"/>
     </dgm:fillClrLst>
     <dgm:linClrLst meth="repeat">
       <a:schemeClr val="lt1"/>
@@ -1828,12 +1833,12 @@
   </dgm:styleLbl>
   <dgm:styleLbl name="alignNode1">
     <dgm:fillClrLst>
-      <a:schemeClr val="accent2"/>
-      <a:schemeClr val="accent3"/>
+      <a:schemeClr val="accent5"/>
+      <a:schemeClr val="accent6"/>
     </dgm:fillClrLst>
     <dgm:linClrLst>
-      <a:schemeClr val="accent2"/>
-      <a:schemeClr val="accent3"/>
+      <a:schemeClr val="accent5"/>
+      <a:schemeClr val="accent6"/>
     </dgm:linClrLst>
     <dgm:effectClrLst/>
     <dgm:txLinClrLst/>
@@ -1842,8 +1847,8 @@
   </dgm:styleLbl>
   <dgm:styleLbl name="lnNode1">
     <dgm:fillClrLst>
-      <a:schemeClr val="accent2"/>
-      <a:schemeClr val="accent3"/>
+      <a:schemeClr val="accent5"/>
+      <a:schemeClr val="accent6"/>
     </dgm:fillClrLst>
     <dgm:linClrLst meth="repeat">
       <a:schemeClr val="lt1"/>
@@ -1855,10 +1860,10 @@
   </dgm:styleLbl>
   <dgm:styleLbl name="vennNode1">
     <dgm:fillClrLst>
-      <a:schemeClr val="accent2">
+      <a:schemeClr val="accent5">
         <a:alpha val="50000"/>
       </a:schemeClr>
-      <a:schemeClr val="accent3">
+      <a:schemeClr val="accent6">
         <a:alpha val="50000"/>
       </a:schemeClr>
     </dgm:fillClrLst>
@@ -1872,7 +1877,7 @@
   </dgm:styleLbl>
   <dgm:styleLbl name="node2">
     <dgm:fillClrLst>
-      <a:schemeClr val="accent3"/>
+      <a:schemeClr val="accent6"/>
     </dgm:fillClrLst>
     <dgm:linClrLst meth="repeat">
       <a:schemeClr val="lt1"/>
@@ -1884,7 +1889,7 @@
   </dgm:styleLbl>
   <dgm:styleLbl name="node3">
     <dgm:fillClrLst>
-      <a:schemeClr val="accent4"/>
+      <a:schemeClr val="accent1"/>
     </dgm:fillClrLst>
     <dgm:linClrLst meth="repeat">
       <a:schemeClr val="lt1"/>
@@ -1896,7 +1901,7 @@
   </dgm:styleLbl>
   <dgm:styleLbl name="node4">
     <dgm:fillClrLst>
-      <a:schemeClr val="accent5"/>
+      <a:schemeClr val="accent2"/>
     </dgm:fillClrLst>
     <dgm:linClrLst meth="repeat">
       <a:schemeClr val="lt1"/>
@@ -1908,10 +1913,10 @@
   </dgm:styleLbl>
   <dgm:styleLbl name="fgImgPlace1">
     <dgm:fillClrLst>
-      <a:schemeClr val="accent2">
+      <a:schemeClr val="accent5">
         <a:tint val="50000"/>
       </a:schemeClr>
-      <a:schemeClr val="accent3">
+      <a:schemeClr val="accent6">
         <a:tint val="50000"/>
       </a:schemeClr>
     </dgm:fillClrLst>
@@ -1927,10 +1932,10 @@
   </dgm:styleLbl>
   <dgm:styleLbl name="alignImgPlace1">
     <dgm:fillClrLst>
-      <a:schemeClr val="accent2">
+      <a:schemeClr val="accent5">
         <a:tint val="50000"/>
       </a:schemeClr>
-      <a:schemeClr val="accent3">
+      <a:schemeClr val="accent6">
         <a:tint val="20000"/>
       </a:schemeClr>
     </dgm:fillClrLst>
@@ -1946,10 +1951,10 @@
   </dgm:styleLbl>
   <dgm:styleLbl name="bgImgPlace1">
     <dgm:fillClrLst>
-      <a:schemeClr val="accent2">
+      <a:schemeClr val="accent5">
         <a:tint val="50000"/>
       </a:schemeClr>
-      <a:schemeClr val="accent3">
+      <a:schemeClr val="accent6">
         <a:tint val="20000"/>
       </a:schemeClr>
     </dgm:fillClrLst>
@@ -1965,8 +1970,8 @@
   </dgm:styleLbl>
   <dgm:styleLbl name="sibTrans2D1">
     <dgm:fillClrLst>
-      <a:schemeClr val="accent2"/>
-      <a:schemeClr val="accent3"/>
+      <a:schemeClr val="accent5"/>
+      <a:schemeClr val="accent6"/>
     </dgm:fillClrLst>
     <dgm:linClrLst meth="repeat">
       <a:schemeClr val="lt1"/>
@@ -1978,8 +1983,8 @@
   </dgm:styleLbl>
   <dgm:styleLbl name="fgSibTrans2D1">
     <dgm:fillClrLst>
-      <a:schemeClr val="accent2"/>
-      <a:schemeClr val="accent3"/>
+      <a:schemeClr val="accent5"/>
+      <a:schemeClr val="accent6"/>
     </dgm:fillClrLst>
     <dgm:linClrLst meth="repeat">
       <a:schemeClr val="lt1"/>
@@ -1993,8 +1998,8 @@
   </dgm:styleLbl>
   <dgm:styleLbl name="bgSibTrans2D1">
     <dgm:fillClrLst>
-      <a:schemeClr val="accent2"/>
-      <a:schemeClr val="accent3"/>
+      <a:schemeClr val="accent5"/>
+      <a:schemeClr val="accent6"/>
     </dgm:fillClrLst>
     <dgm:linClrLst meth="repeat">
       <a:schemeClr val="lt1"/>
@@ -2009,8 +2014,8 @@
   <dgm:styleLbl name="sibTrans1D1">
     <dgm:fillClrLst/>
     <dgm:linClrLst>
-      <a:schemeClr val="accent2"/>
-      <a:schemeClr val="accent3"/>
+      <a:schemeClr val="accent5"/>
+      <a:schemeClr val="accent6"/>
     </dgm:linClrLst>
     <dgm:effectClrLst/>
     <dgm:txLinClrLst/>
@@ -2021,10 +2026,10 @@
   </dgm:styleLbl>
   <dgm:styleLbl name="callout">
     <dgm:fillClrLst meth="repeat">
-      <a:schemeClr val="accent2"/>
+      <a:schemeClr val="accent5"/>
     </dgm:fillClrLst>
     <dgm:linClrLst meth="repeat">
-      <a:schemeClr val="accent2">
+      <a:schemeClr val="accent5">
         <a:tint val="50000"/>
       </a:schemeClr>
     </dgm:linClrLst>
@@ -2037,7 +2042,7 @@
   </dgm:styleLbl>
   <dgm:styleLbl name="asst0">
     <dgm:fillClrLst meth="repeat">
-      <a:schemeClr val="accent2"/>
+      <a:schemeClr val="accent5"/>
     </dgm:fillClrLst>
     <dgm:linClrLst meth="repeat">
       <a:schemeClr val="lt1">
@@ -2051,7 +2056,7 @@
   </dgm:styleLbl>
   <dgm:styleLbl name="asst1">
     <dgm:fillClrLst meth="repeat">
-      <a:schemeClr val="accent3"/>
+      <a:schemeClr val="accent6"/>
     </dgm:fillClrLst>
     <dgm:linClrLst meth="repeat">
       <a:schemeClr val="lt1">
@@ -2065,7 +2070,7 @@
   </dgm:styleLbl>
   <dgm:styleLbl name="asst2">
     <dgm:fillClrLst>
-      <a:schemeClr val="accent4"/>
+      <a:schemeClr val="accent1"/>
     </dgm:fillClrLst>
     <dgm:linClrLst meth="repeat">
       <a:schemeClr val="lt1"/>
@@ -2077,7 +2082,7 @@
   </dgm:styleLbl>
   <dgm:styleLbl name="asst3">
     <dgm:fillClrLst>
-      <a:schemeClr val="accent5"/>
+      <a:schemeClr val="accent2"/>
     </dgm:fillClrLst>
     <dgm:linClrLst meth="repeat">
       <a:schemeClr val="lt1"/>
@@ -2089,32 +2094,6 @@
   </dgm:styleLbl>
   <dgm:styleLbl name="asst4">
     <dgm:fillClrLst>
-      <a:schemeClr val="accent6"/>
-    </dgm:fillClrLst>
-    <dgm:linClrLst meth="repeat">
-      <a:schemeClr val="lt1"/>
-    </dgm:linClrLst>
-    <dgm:effectClrLst/>
-    <dgm:txLinClrLst/>
-    <dgm:txFillClrLst/>
-    <dgm:txEffectClrLst/>
-  </dgm:styleLbl>
-  <dgm:styleLbl name="parChTrans2D1">
-    <dgm:fillClrLst meth="repeat">
-      <a:schemeClr val="accent2"/>
-    </dgm:fillClrLst>
-    <dgm:linClrLst meth="repeat">
-      <a:schemeClr val="lt1"/>
-    </dgm:linClrLst>
-    <dgm:effectClrLst/>
-    <dgm:txLinClrLst/>
-    <dgm:txFillClrLst meth="repeat">
-      <a:schemeClr val="lt1"/>
-    </dgm:txFillClrLst>
-    <dgm:txEffectClrLst/>
-  </dgm:styleLbl>
-  <dgm:styleLbl name="parChTrans2D2">
-    <dgm:fillClrLst meth="repeat">
       <a:schemeClr val="accent3"/>
     </dgm:fillClrLst>
     <dgm:linClrLst meth="repeat">
@@ -2125,19 +2104,7 @@
     <dgm:txFillClrLst/>
     <dgm:txEffectClrLst/>
   </dgm:styleLbl>
-  <dgm:styleLbl name="parChTrans2D3">
-    <dgm:fillClrLst meth="repeat">
-      <a:schemeClr val="accent4"/>
-    </dgm:fillClrLst>
-    <dgm:linClrLst meth="repeat">
-      <a:schemeClr val="lt1"/>
-    </dgm:linClrLst>
-    <dgm:effectClrLst/>
-    <dgm:txLinClrLst/>
-    <dgm:txFillClrLst/>
-    <dgm:txEffectClrLst/>
-  </dgm:styleLbl>
-  <dgm:styleLbl name="parChTrans2D4">
+  <dgm:styleLbl name="parChTrans2D1">
     <dgm:fillClrLst meth="repeat">
       <a:schemeClr val="accent5"/>
     </dgm:fillClrLst>
@@ -2151,9 +2118,95 @@
     </dgm:txFillClrLst>
     <dgm:txEffectClrLst/>
   </dgm:styleLbl>
+  <dgm:styleLbl name="parChTrans2D2">
+    <dgm:fillClrLst meth="repeat">
+      <a:schemeClr val="accent6"/>
+    </dgm:fillClrLst>
+    <dgm:linClrLst meth="repeat">
+      <a:schemeClr val="lt1"/>
+    </dgm:linClrLst>
+    <dgm:effectClrLst/>
+    <dgm:txLinClrLst/>
+    <dgm:txFillClrLst/>
+    <dgm:txEffectClrLst/>
+  </dgm:styleLbl>
+  <dgm:styleLbl name="parChTrans2D3">
+    <dgm:fillClrLst meth="repeat">
+      <a:schemeClr val="accent6"/>
+    </dgm:fillClrLst>
+    <dgm:linClrLst meth="repeat">
+      <a:schemeClr val="lt1"/>
+    </dgm:linClrLst>
+    <dgm:effectClrLst/>
+    <dgm:txLinClrLst/>
+    <dgm:txFillClrLst/>
+    <dgm:txEffectClrLst/>
+  </dgm:styleLbl>
+  <dgm:styleLbl name="parChTrans2D4">
+    <dgm:fillClrLst meth="repeat">
+      <a:schemeClr val="accent1"/>
+    </dgm:fillClrLst>
+    <dgm:linClrLst meth="repeat">
+      <a:schemeClr val="lt1"/>
+    </dgm:linClrLst>
+    <dgm:effectClrLst/>
+    <dgm:txLinClrLst/>
+    <dgm:txFillClrLst meth="repeat">
+      <a:schemeClr val="lt1"/>
+    </dgm:txFillClrLst>
+    <dgm:txEffectClrLst/>
+  </dgm:styleLbl>
   <dgm:styleLbl name="parChTrans1D1">
     <dgm:fillClrLst meth="repeat">
-      <a:schemeClr val="accent2"/>
+      <a:schemeClr val="accent5"/>
+    </dgm:fillClrLst>
+    <dgm:linClrLst meth="repeat">
+      <a:schemeClr val="accent5"/>
+    </dgm:linClrLst>
+    <dgm:effectClrLst/>
+    <dgm:txLinClrLst/>
+    <dgm:txFillClrLst meth="repeat">
+      <a:schemeClr val="tx1"/>
+    </dgm:txFillClrLst>
+    <dgm:txEffectClrLst/>
+  </dgm:styleLbl>
+  <dgm:styleLbl name="parChTrans1D2">
+    <dgm:fillClrLst meth="repeat">
+      <a:schemeClr val="accent6">
+        <a:tint val="90000"/>
+      </a:schemeClr>
+    </dgm:fillClrLst>
+    <dgm:linClrLst meth="repeat">
+      <a:schemeClr val="accent6"/>
+    </dgm:linClrLst>
+    <dgm:effectClrLst/>
+    <dgm:txLinClrLst/>
+    <dgm:txFillClrLst meth="repeat">
+      <a:schemeClr val="tx1"/>
+    </dgm:txFillClrLst>
+    <dgm:txEffectClrLst/>
+  </dgm:styleLbl>
+  <dgm:styleLbl name="parChTrans1D3">
+    <dgm:fillClrLst meth="repeat">
+      <a:schemeClr val="accent6">
+        <a:tint val="70000"/>
+      </a:schemeClr>
+    </dgm:fillClrLst>
+    <dgm:linClrLst meth="repeat">
+      <a:schemeClr val="accent1"/>
+    </dgm:linClrLst>
+    <dgm:effectClrLst/>
+    <dgm:txLinClrLst/>
+    <dgm:txFillClrLst meth="repeat">
+      <a:schemeClr val="tx1"/>
+    </dgm:txFillClrLst>
+    <dgm:txEffectClrLst/>
+  </dgm:styleLbl>
+  <dgm:styleLbl name="parChTrans1D4">
+    <dgm:fillClrLst meth="repeat">
+      <a:schemeClr val="accent6">
+        <a:tint val="50000"/>
+      </a:schemeClr>
     </dgm:fillClrLst>
     <dgm:linClrLst meth="repeat">
       <a:schemeClr val="accent2"/>
@@ -2165,42 +2218,61 @@
     </dgm:txFillClrLst>
     <dgm:txEffectClrLst/>
   </dgm:styleLbl>
-  <dgm:styleLbl name="parChTrans1D2">
+  <dgm:styleLbl name="fgAcc1">
     <dgm:fillClrLst meth="repeat">
-      <a:schemeClr val="accent2">
-        <a:tint val="90000"/>
+      <a:schemeClr val="lt1">
+        <a:alpha val="90000"/>
       </a:schemeClr>
     </dgm:fillClrLst>
-    <dgm:linClrLst meth="repeat">
-      <a:schemeClr val="accent3"/>
+    <dgm:linClrLst>
+      <a:schemeClr val="accent5"/>
+      <a:schemeClr val="accent6"/>
     </dgm:linClrLst>
     <dgm:effectClrLst/>
     <dgm:txLinClrLst/>
     <dgm:txFillClrLst meth="repeat">
-      <a:schemeClr val="tx1"/>
+      <a:schemeClr val="dk1"/>
     </dgm:txFillClrLst>
     <dgm:txEffectClrLst/>
   </dgm:styleLbl>
-  <dgm:styleLbl name="parChTrans1D3">
+  <dgm:styleLbl name="conFgAcc1">
     <dgm:fillClrLst meth="repeat">
-      <a:schemeClr val="accent2">
-        <a:tint val="70000"/>
+      <a:schemeClr val="lt1">
+        <a:alpha val="90000"/>
       </a:schemeClr>
     </dgm:fillClrLst>
-    <dgm:linClrLst meth="repeat">
-      <a:schemeClr val="accent4"/>
+    <dgm:linClrLst>
+      <a:schemeClr val="accent5"/>
+      <a:schemeClr val="accent6"/>
     </dgm:linClrLst>
     <dgm:effectClrLst/>
     <dgm:txLinClrLst/>
     <dgm:txFillClrLst meth="repeat">
-      <a:schemeClr val="tx1"/>
+      <a:schemeClr val="dk1"/>
     </dgm:txFillClrLst>
     <dgm:txEffectClrLst/>
   </dgm:styleLbl>
-  <dgm:styleLbl name="parChTrans1D4">
+  <dgm:styleLbl name="alignAcc1">
     <dgm:fillClrLst meth="repeat">
-      <a:schemeClr val="accent2">
-        <a:tint val="50000"/>
+      <a:schemeClr val="lt1">
+        <a:alpha val="90000"/>
+      </a:schemeClr>
+    </dgm:fillClrLst>
+    <dgm:linClrLst>
+      <a:schemeClr val="accent5"/>
+      <a:schemeClr val="accent6"/>
+    </dgm:linClrLst>
+    <dgm:effectClrLst/>
+    <dgm:txLinClrLst/>
+    <dgm:txFillClrLst meth="repeat">
+      <a:schemeClr val="dk1"/>
+    </dgm:txFillClrLst>
+    <dgm:txEffectClrLst/>
+  </dgm:styleLbl>
+  <dgm:styleLbl name="trAlignAcc1">
+    <dgm:fillClrLst meth="repeat">
+      <a:schemeClr val="lt1">
+        <a:alpha val="40000"/>
       </a:schemeClr>
     </dgm:fillClrLst>
     <dgm:linClrLst meth="repeat">
@@ -2209,19 +2281,19 @@
     <dgm:effectClrLst/>
     <dgm:txLinClrLst/>
     <dgm:txFillClrLst meth="repeat">
-      <a:schemeClr val="tx1"/>
+      <a:schemeClr val="dk1"/>
     </dgm:txFillClrLst>
     <dgm:txEffectClrLst/>
   </dgm:styleLbl>
-  <dgm:styleLbl name="fgAcc1">
+  <dgm:styleLbl name="bgAcc1">
     <dgm:fillClrLst meth="repeat">
       <a:schemeClr val="lt1">
         <a:alpha val="90000"/>
       </a:schemeClr>
     </dgm:fillClrLst>
     <dgm:linClrLst>
-      <a:schemeClr val="accent2"/>
-      <a:schemeClr val="accent3"/>
+      <a:schemeClr val="accent5"/>
+      <a:schemeClr val="accent6"/>
     </dgm:linClrLst>
     <dgm:effectClrLst/>
     <dgm:txLinClrLst/>
@@ -2230,15 +2302,13 @@
     </dgm:txFillClrLst>
     <dgm:txEffectClrLst/>
   </dgm:styleLbl>
-  <dgm:styleLbl name="conFgAcc1">
+  <dgm:styleLbl name="solidFgAcc1">
     <dgm:fillClrLst meth="repeat">
-      <a:schemeClr val="lt1">
-        <a:alpha val="90000"/>
-      </a:schemeClr>
+      <a:schemeClr val="lt1"/>
     </dgm:fillClrLst>
     <dgm:linClrLst>
-      <a:schemeClr val="accent2"/>
-      <a:schemeClr val="accent3"/>
+      <a:schemeClr val="accent5"/>
+      <a:schemeClr val="accent6"/>
     </dgm:linClrLst>
     <dgm:effectClrLst/>
     <dgm:txLinClrLst/>
@@ -2247,15 +2317,13 @@
     </dgm:txFillClrLst>
     <dgm:txEffectClrLst/>
   </dgm:styleLbl>
-  <dgm:styleLbl name="alignAcc1">
+  <dgm:styleLbl name="solidAlignAcc1">
     <dgm:fillClrLst meth="repeat">
-      <a:schemeClr val="lt1">
-        <a:alpha val="90000"/>
-      </a:schemeClr>
+      <a:schemeClr val="lt1"/>
     </dgm:fillClrLst>
     <dgm:linClrLst>
-      <a:schemeClr val="accent2"/>
-      <a:schemeClr val="accent3"/>
+      <a:schemeClr val="accent5"/>
+      <a:schemeClr val="accent6"/>
     </dgm:linClrLst>
     <dgm:effectClrLst/>
     <dgm:txLinClrLst/>
@@ -2264,14 +2332,13 @@
     </dgm:txFillClrLst>
     <dgm:txEffectClrLst/>
   </dgm:styleLbl>
-  <dgm:styleLbl name="trAlignAcc1">
+  <dgm:styleLbl name="solidBgAcc1">
     <dgm:fillClrLst meth="repeat">
-      <a:schemeClr val="lt1">
-        <a:alpha val="40000"/>
-      </a:schemeClr>
+      <a:schemeClr val="lt1"/>
     </dgm:fillClrLst>
-    <dgm:linClrLst meth="repeat">
-      <a:schemeClr val="accent2"/>
+    <dgm:linClrLst>
+      <a:schemeClr val="accent5"/>
+      <a:schemeClr val="accent6"/>
     </dgm:linClrLst>
     <dgm:effectClrLst/>
     <dgm:txLinClrLst/>
@@ -2280,85 +2347,23 @@
     </dgm:txFillClrLst>
     <dgm:txEffectClrLst/>
   </dgm:styleLbl>
-  <dgm:styleLbl name="bgAcc1">
-    <dgm:fillClrLst meth="repeat">
-      <a:schemeClr val="lt1">
-        <a:alpha val="90000"/>
-      </a:schemeClr>
-    </dgm:fillClrLst>
-    <dgm:linClrLst>
-      <a:schemeClr val="accent2"/>
-      <a:schemeClr val="accent3"/>
-    </dgm:linClrLst>
-    <dgm:effectClrLst/>
-    <dgm:txLinClrLst/>
-    <dgm:txFillClrLst meth="repeat">
-      <a:schemeClr val="dk1"/>
-    </dgm:txFillClrLst>
-    <dgm:txEffectClrLst/>
-  </dgm:styleLbl>
-  <dgm:styleLbl name="solidFgAcc1">
-    <dgm:fillClrLst meth="repeat">
-      <a:schemeClr val="lt1"/>
-    </dgm:fillClrLst>
-    <dgm:linClrLst>
-      <a:schemeClr val="accent2"/>
-      <a:schemeClr val="accent3"/>
-    </dgm:linClrLst>
-    <dgm:effectClrLst/>
-    <dgm:txLinClrLst/>
-    <dgm:txFillClrLst meth="repeat">
-      <a:schemeClr val="dk1"/>
-    </dgm:txFillClrLst>
-    <dgm:txEffectClrLst/>
-  </dgm:styleLbl>
-  <dgm:styleLbl name="solidAlignAcc1">
-    <dgm:fillClrLst meth="repeat">
-      <a:schemeClr val="lt1"/>
-    </dgm:fillClrLst>
-    <dgm:linClrLst>
-      <a:schemeClr val="accent2"/>
-      <a:schemeClr val="accent3"/>
-    </dgm:linClrLst>
-    <dgm:effectClrLst/>
-    <dgm:txLinClrLst/>
-    <dgm:txFillClrLst meth="repeat">
-      <a:schemeClr val="dk1"/>
-    </dgm:txFillClrLst>
-    <dgm:txEffectClrLst/>
-  </dgm:styleLbl>
-  <dgm:styleLbl name="solidBgAcc1">
-    <dgm:fillClrLst meth="repeat">
-      <a:schemeClr val="lt1"/>
-    </dgm:fillClrLst>
-    <dgm:linClrLst>
-      <a:schemeClr val="accent2"/>
-      <a:schemeClr val="accent3"/>
-    </dgm:linClrLst>
-    <dgm:effectClrLst/>
-    <dgm:txLinClrLst/>
-    <dgm:txFillClrLst meth="repeat">
-      <a:schemeClr val="dk1"/>
-    </dgm:txFillClrLst>
-    <dgm:txEffectClrLst/>
-  </dgm:styleLbl>
   <dgm:styleLbl name="fgAccFollowNode1">
     <dgm:fillClrLst>
-      <a:schemeClr val="accent2">
+      <a:schemeClr val="accent5">
         <a:tint val="40000"/>
         <a:alpha val="90000"/>
       </a:schemeClr>
-      <a:schemeClr val="accent3">
+      <a:schemeClr val="accent6">
         <a:tint val="40000"/>
         <a:alpha val="90000"/>
       </a:schemeClr>
     </dgm:fillClrLst>
     <dgm:linClrLst>
-      <a:schemeClr val="accent2">
+      <a:schemeClr val="accent5">
         <a:tint val="40000"/>
         <a:alpha val="90000"/>
       </a:schemeClr>
-      <a:schemeClr val="accent3">
+      <a:schemeClr val="accent5">
         <a:tint val="40000"/>
         <a:alpha val="90000"/>
       </a:schemeClr>
@@ -2372,21 +2377,21 @@
   </dgm:styleLbl>
   <dgm:styleLbl name="alignAccFollowNode1">
     <dgm:fillClrLst>
-      <a:schemeClr val="accent2">
+      <a:schemeClr val="accent5">
         <a:tint val="40000"/>
         <a:alpha val="90000"/>
       </a:schemeClr>
-      <a:schemeClr val="accent3">
+      <a:schemeClr val="accent6">
         <a:tint val="40000"/>
         <a:alpha val="90000"/>
       </a:schemeClr>
     </dgm:fillClrLst>
     <dgm:linClrLst>
-      <a:schemeClr val="accent2">
+      <a:schemeClr val="accent5">
         <a:tint val="40000"/>
         <a:alpha val="90000"/>
       </a:schemeClr>
-      <a:schemeClr val="accent3">
+      <a:schemeClr val="accent6">
         <a:tint val="40000"/>
         <a:alpha val="90000"/>
       </a:schemeClr>
@@ -2400,21 +2405,21 @@
   </dgm:styleLbl>
   <dgm:styleLbl name="bgAccFollowNode1">
     <dgm:fillClrLst>
-      <a:schemeClr val="accent2">
+      <a:schemeClr val="accent5">
         <a:tint val="40000"/>
         <a:alpha val="90000"/>
       </a:schemeClr>
-      <a:schemeClr val="accent3">
+      <a:schemeClr val="accent6">
         <a:tint val="40000"/>
         <a:alpha val="90000"/>
       </a:schemeClr>
     </dgm:fillClrLst>
     <dgm:linClrLst>
-      <a:schemeClr val="accent2">
+      <a:schemeClr val="accent5">
         <a:tint val="40000"/>
         <a:alpha val="90000"/>
       </a:schemeClr>
-      <a:schemeClr val="accent3">
+      <a:schemeClr val="accent6">
         <a:tint val="40000"/>
         <a:alpha val="90000"/>
       </a:schemeClr>
@@ -2427,6 +2432,38 @@
     <dgm:txEffectClrLst/>
   </dgm:styleLbl>
   <dgm:styleLbl name="fgAcc0">
+    <dgm:fillClrLst meth="repeat">
+      <a:schemeClr val="lt1">
+        <a:alpha val="90000"/>
+      </a:schemeClr>
+    </dgm:fillClrLst>
+    <dgm:linClrLst>
+      <a:schemeClr val="accent4"/>
+    </dgm:linClrLst>
+    <dgm:effectClrLst/>
+    <dgm:txLinClrLst/>
+    <dgm:txFillClrLst meth="repeat">
+      <a:schemeClr val="dk1"/>
+    </dgm:txFillClrLst>
+    <dgm:txEffectClrLst/>
+  </dgm:styleLbl>
+  <dgm:styleLbl name="fgAcc2">
+    <dgm:fillClrLst meth="repeat">
+      <a:schemeClr val="lt1">
+        <a:alpha val="90000"/>
+      </a:schemeClr>
+    </dgm:fillClrLst>
+    <dgm:linClrLst>
+      <a:schemeClr val="accent6"/>
+    </dgm:linClrLst>
+    <dgm:effectClrLst/>
+    <dgm:txLinClrLst/>
+    <dgm:txFillClrLst meth="repeat">
+      <a:schemeClr val="dk1"/>
+    </dgm:txFillClrLst>
+    <dgm:txEffectClrLst/>
+  </dgm:styleLbl>
+  <dgm:styleLbl name="fgAcc3">
     <dgm:fillClrLst meth="repeat">
       <a:schemeClr val="lt1">
         <a:alpha val="90000"/>
@@ -2442,14 +2479,14 @@
     </dgm:txFillClrLst>
     <dgm:txEffectClrLst/>
   </dgm:styleLbl>
-  <dgm:styleLbl name="fgAcc2">
+  <dgm:styleLbl name="fgAcc4">
     <dgm:fillClrLst meth="repeat">
       <a:schemeClr val="lt1">
         <a:alpha val="90000"/>
       </a:schemeClr>
     </dgm:fillClrLst>
     <dgm:linClrLst>
-      <a:schemeClr val="accent3"/>
+      <a:schemeClr val="accent2"/>
     </dgm:linClrLst>
     <dgm:effectClrLst/>
     <dgm:txLinClrLst/>
@@ -2458,41 +2495,9 @@
     </dgm:txFillClrLst>
     <dgm:txEffectClrLst/>
   </dgm:styleLbl>
-  <dgm:styleLbl name="fgAcc3">
-    <dgm:fillClrLst meth="repeat">
-      <a:schemeClr val="lt1">
-        <a:alpha val="90000"/>
-      </a:schemeClr>
-    </dgm:fillClrLst>
-    <dgm:linClrLst>
-      <a:schemeClr val="accent4"/>
-    </dgm:linClrLst>
-    <dgm:effectClrLst/>
-    <dgm:txLinClrLst/>
-    <dgm:txFillClrLst meth="repeat">
-      <a:schemeClr val="dk1"/>
-    </dgm:txFillClrLst>
-    <dgm:txEffectClrLst/>
-  </dgm:styleLbl>
-  <dgm:styleLbl name="fgAcc4">
-    <dgm:fillClrLst meth="repeat">
-      <a:schemeClr val="lt1">
-        <a:alpha val="90000"/>
-      </a:schemeClr>
-    </dgm:fillClrLst>
-    <dgm:linClrLst>
-      <a:schemeClr val="accent5"/>
-    </dgm:linClrLst>
-    <dgm:effectClrLst/>
-    <dgm:txLinClrLst/>
-    <dgm:txFillClrLst meth="repeat">
-      <a:schemeClr val="dk1"/>
-    </dgm:txFillClrLst>
-    <dgm:txEffectClrLst/>
-  </dgm:styleLbl>
   <dgm:styleLbl name="bgShp">
     <dgm:fillClrLst meth="repeat">
-      <a:schemeClr val="accent2">
+      <a:schemeClr val="accent5">
         <a:tint val="40000"/>
       </a:schemeClr>
     </dgm:fillClrLst>
@@ -2508,7 +2513,7 @@
   </dgm:styleLbl>
   <dgm:styleLbl name="dkBgShp">
     <dgm:fillClrLst meth="repeat">
-      <a:schemeClr val="accent2">
+      <a:schemeClr val="accent5">
         <a:shade val="90000"/>
       </a:schemeClr>
     </dgm:fillClrLst>
@@ -2524,13 +2529,13 @@
   </dgm:styleLbl>
   <dgm:styleLbl name="trBgShp">
     <dgm:fillClrLst meth="repeat">
-      <a:schemeClr val="accent2">
+      <a:schemeClr val="accent5">
         <a:tint val="50000"/>
         <a:alpha val="40000"/>
       </a:schemeClr>
     </dgm:fillClrLst>
     <dgm:linClrLst meth="repeat">
-      <a:schemeClr val="accent2"/>
+      <a:schemeClr val="accent5"/>
     </dgm:linClrLst>
     <dgm:effectClrLst/>
     <dgm:txLinClrLst/>
@@ -2541,7 +2546,7 @@
   </dgm:styleLbl>
   <dgm:styleLbl name="fgShp">
     <dgm:fillClrLst meth="repeat">
-      <a:schemeClr val="accent2">
+      <a:schemeClr val="accent5">
         <a:tint val="40000"/>
       </a:schemeClr>
     </dgm:fillClrLst>
@@ -4213,7 +4218,7 @@
 <dgm:dataModel xmlns:dgm="http://schemas.openxmlformats.org/drawingml/2006/diagram" xmlns:a="http://schemas.openxmlformats.org/drawingml/2006/main">
   <dgm:ptLst>
     <dgm:pt modelId="{37BFDBBA-CBE3-450C-B93F-F65D5BC6BB94}" type="doc">
-      <dgm:prSet loTypeId="urn:microsoft.com/office/officeart/2005/8/layout/hList1" loCatId="list" qsTypeId="urn:microsoft.com/office/officeart/2005/8/quickstyle/simple1" qsCatId="simple" csTypeId="urn:microsoft.com/office/officeart/2005/8/colors/colorful2" csCatId="colorful" phldr="1"/>
+      <dgm:prSet loTypeId="urn:microsoft.com/office/officeart/2005/8/layout/hList1" loCatId="list" qsTypeId="urn:microsoft.com/office/officeart/2005/8/quickstyle/simple1" qsCatId="simple" csTypeId="urn:microsoft.com/office/officeart/2005/8/colors/colorful5" csCatId="colorful" phldr="1"/>
       <dgm:spPr/>
       <dgm:t>
         <a:bodyPr/>
@@ -4271,7 +4276,7 @@
         <a:p>
           <a:r>
             <a:rPr lang="en-US" dirty="0"/>
-            <a:t>Imputed missing values with mean and mode</a:t>
+            <a:t>Dropped rows with missing and invalid values (94, 97, 98, 99)</a:t>
           </a:r>
         </a:p>
       </dgm:t>
@@ -4306,8 +4311,8 @@
         <a:lstStyle/>
         <a:p>
           <a:r>
-            <a:rPr lang="en-US"/>
-            <a:t>Renamed variables to be more readable</a:t>
+            <a:rPr lang="en-US" dirty="0"/>
+            <a:t>Renamed variables to be more readable/interpretable</a:t>
           </a:r>
         </a:p>
       </dgm:t>
@@ -4342,7 +4347,7 @@
         <a:lstStyle/>
         <a:p>
           <a:r>
-            <a:rPr lang="en-US"/>
+            <a:rPr lang="en-US" dirty="0"/>
             <a:t>Mapped ordinal labels to midpoints for regression</a:t>
           </a:r>
         </a:p>
@@ -4418,7 +4423,7 @@
         <a:p>
           <a:r>
             <a:rPr lang="en-US" dirty="0"/>
-            <a:t>Picked 16 variables of interest across peer, education, family, etc.</a:t>
+            <a:t>Average grade, highest grade completed</a:t>
           </a:r>
         </a:p>
       </dgm:t>
@@ -4493,7 +4498,7 @@
         <a:p>
           <a:r>
             <a:rPr lang="en-US" dirty="0"/>
-            <a:t>Tuned using </a:t>
+            <a:t>Tuned hyperparameters using </a:t>
           </a:r>
           <a:r>
             <a:rPr lang="en-US" dirty="0" err="1"/>
@@ -4696,7 +4701,7 @@
         <a:p>
           <a:r>
             <a:rPr lang="en-US" dirty="0"/>
-            <a:t>Compare feature importances across models to find commonality</a:t>
+            <a:t>Compare feature importances across models to find commonality and come to conclusion</a:t>
           </a:r>
         </a:p>
       </dgm:t>
@@ -4723,7 +4728,555 @@
         </a:p>
       </dgm:t>
     </dgm:pt>
-    <dgm:pt modelId="{5EBAACFB-B23D-BD4E-9517-1FA1E22FAB56}" type="pres">
+    <dgm:pt modelId="{270B5F7E-5BFE-5A47-A560-B214A5D1AE53}">
+      <dgm:prSet/>
+      <dgm:spPr/>
+      <dgm:t>
+        <a:bodyPr/>
+        <a:lstStyle/>
+        <a:p>
+          <a:r>
+            <a:rPr lang="en-US" dirty="0"/>
+            <a:t>Days of school skipped</a:t>
+          </a:r>
+        </a:p>
+      </dgm:t>
+    </dgm:pt>
+    <dgm:pt modelId="{C1F4CCDD-3F6D-1248-9B00-DD139574A6CB}" type="parTrans" cxnId="{930E350C-98B5-2E4F-A2C9-14A455A0B827}">
+      <dgm:prSet/>
+      <dgm:spPr/>
+      <dgm:t>
+        <a:bodyPr/>
+        <a:lstStyle/>
+        <a:p>
+          <a:endParaRPr lang="en-US"/>
+        </a:p>
+      </dgm:t>
+    </dgm:pt>
+    <dgm:pt modelId="{C0EB28B8-9588-2846-A9FE-A893451CFE47}" type="sibTrans" cxnId="{930E350C-98B5-2E4F-A2C9-14A455A0B827}">
+      <dgm:prSet/>
+      <dgm:spPr/>
+      <dgm:t>
+        <a:bodyPr/>
+        <a:lstStyle/>
+        <a:p>
+          <a:endParaRPr lang="en-US"/>
+        </a:p>
+      </dgm:t>
+    </dgm:pt>
+    <dgm:pt modelId="{730570E7-7D4A-CB4F-AED6-A3CF4FB4D9A0}">
+      <dgm:prSet/>
+      <dgm:spPr/>
+      <dgm:t>
+        <a:bodyPr/>
+        <a:lstStyle/>
+        <a:p>
+          <a:r>
+            <a:rPr lang="en-US" dirty="0"/>
+            <a:t>Parent checks/helps homework</a:t>
+          </a:r>
+        </a:p>
+      </dgm:t>
+    </dgm:pt>
+    <dgm:pt modelId="{553BBE9D-169D-2C4D-B580-CBAD3D078D4F}" type="parTrans" cxnId="{15EAEE76-AD85-7B44-B3C6-423CDAC2ACF1}">
+      <dgm:prSet/>
+      <dgm:spPr/>
+      <dgm:t>
+        <a:bodyPr/>
+        <a:lstStyle/>
+        <a:p>
+          <a:endParaRPr lang="en-US"/>
+        </a:p>
+      </dgm:t>
+    </dgm:pt>
+    <dgm:pt modelId="{DBC70A07-6D3A-2142-9266-E6B44DF70958}" type="sibTrans" cxnId="{15EAEE76-AD85-7B44-B3C6-423CDAC2ACF1}">
+      <dgm:prSet/>
+      <dgm:spPr/>
+      <dgm:t>
+        <a:bodyPr/>
+        <a:lstStyle/>
+        <a:p>
+          <a:endParaRPr lang="en-US"/>
+        </a:p>
+      </dgm:t>
+    </dgm:pt>
+    <dgm:pt modelId="{E1B0FABA-13F8-0742-BD51-96A029661829}">
+      <dgm:prSet/>
+      <dgm:spPr/>
+      <dgm:t>
+        <a:bodyPr/>
+        <a:lstStyle/>
+        <a:p>
+          <a:r>
+            <a:rPr lang="en-US" dirty="0"/>
+            <a:t>parent limits tv time, time out on school nights</a:t>
+          </a:r>
+        </a:p>
+      </dgm:t>
+    </dgm:pt>
+    <dgm:pt modelId="{6F0DFB71-B206-964A-AD03-F127D60E7246}" type="parTrans" cxnId="{CAF23E51-DED8-054A-932B-2E28AE8163B5}">
+      <dgm:prSet/>
+      <dgm:spPr/>
+      <dgm:t>
+        <a:bodyPr/>
+        <a:lstStyle/>
+        <a:p>
+          <a:endParaRPr lang="en-US"/>
+        </a:p>
+      </dgm:t>
+    </dgm:pt>
+    <dgm:pt modelId="{49EC677C-84C9-D242-B61D-FCAB88EACA8A}" type="sibTrans" cxnId="{CAF23E51-DED8-054A-932B-2E28AE8163B5}">
+      <dgm:prSet/>
+      <dgm:spPr/>
+      <dgm:t>
+        <a:bodyPr/>
+        <a:lstStyle/>
+        <a:p>
+          <a:endParaRPr lang="en-US"/>
+        </a:p>
+      </dgm:t>
+    </dgm:pt>
+    <dgm:pt modelId="{4CD007B8-D530-1D4D-B845-3EC82E08E4FC}">
+      <dgm:prSet/>
+      <dgm:spPr/>
+      <dgm:t>
+        <a:bodyPr/>
+        <a:lstStyle/>
+        <a:p>
+          <a:r>
+            <a:rPr lang="en-US" dirty="0"/>
+            <a:t>parent acknowledges good job</a:t>
+          </a:r>
+        </a:p>
+      </dgm:t>
+    </dgm:pt>
+    <dgm:pt modelId="{FC422D98-23D3-4F46-9B68-5B0E8C2BC308}" type="parTrans" cxnId="{ECA43D91-CDE2-5B4D-B89A-6ECC45AE9AE2}">
+      <dgm:prSet/>
+      <dgm:spPr/>
+      <dgm:t>
+        <a:bodyPr/>
+        <a:lstStyle/>
+        <a:p>
+          <a:endParaRPr lang="en-US"/>
+        </a:p>
+      </dgm:t>
+    </dgm:pt>
+    <dgm:pt modelId="{F6EF2123-A9CA-B04C-8BF6-335D57B0A888}" type="sibTrans" cxnId="{ECA43D91-CDE2-5B4D-B89A-6ECC45AE9AE2}">
+      <dgm:prSet/>
+      <dgm:spPr/>
+      <dgm:t>
+        <a:bodyPr/>
+        <a:lstStyle/>
+        <a:p>
+          <a:endParaRPr lang="en-US"/>
+        </a:p>
+      </dgm:t>
+    </dgm:pt>
+    <dgm:pt modelId="{5C7EC3BD-69E5-B949-8249-082D65EAA13D}">
+      <dgm:prSet/>
+      <dgm:spPr/>
+      <dgm:t>
+        <a:bodyPr/>
+        <a:lstStyle/>
+        <a:p>
+          <a:r>
+            <a:rPr lang="en-US" dirty="0"/>
+            <a:t>times argued with parent</a:t>
+          </a:r>
+        </a:p>
+      </dgm:t>
+    </dgm:pt>
+    <dgm:pt modelId="{06838F00-7508-0746-A51B-3B2FAD6C35F7}" type="parTrans" cxnId="{BB53C649-505F-4C49-B29F-9E9E9C25343D}">
+      <dgm:prSet/>
+      <dgm:spPr/>
+      <dgm:t>
+        <a:bodyPr/>
+        <a:lstStyle/>
+        <a:p>
+          <a:endParaRPr lang="en-US"/>
+        </a:p>
+      </dgm:t>
+    </dgm:pt>
+    <dgm:pt modelId="{C3095AE0-06D1-0841-B30F-27864EDB03B4}" type="sibTrans" cxnId="{BB53C649-505F-4C49-B29F-9E9E9C25343D}">
+      <dgm:prSet/>
+      <dgm:spPr/>
+      <dgm:t>
+        <a:bodyPr/>
+        <a:lstStyle/>
+        <a:p>
+          <a:endParaRPr lang="en-US"/>
+        </a:p>
+      </dgm:t>
+    </dgm:pt>
+    <dgm:pt modelId="{F7281A79-68C8-F94A-A794-46856D83E9BC}">
+      <dgm:prSet/>
+      <dgm:spPr/>
+      <dgm:t>
+        <a:bodyPr/>
+        <a:lstStyle/>
+        <a:p>
+          <a:r>
+            <a:rPr lang="en-US" dirty="0"/>
+            <a:t>how close friends feel about about trying/using marijuana</a:t>
+          </a:r>
+        </a:p>
+      </dgm:t>
+    </dgm:pt>
+    <dgm:pt modelId="{DA25561D-A9CB-3D4F-BD9B-041F33D13EE5}" type="parTrans" cxnId="{3264E3BA-2208-824E-9A28-297190E3D49A}">
+      <dgm:prSet/>
+      <dgm:spPr/>
+      <dgm:t>
+        <a:bodyPr/>
+        <a:lstStyle/>
+        <a:p>
+          <a:endParaRPr lang="en-US"/>
+        </a:p>
+      </dgm:t>
+    </dgm:pt>
+    <dgm:pt modelId="{ABA3CBF3-3ED5-B44C-9E83-B7CC21BE1B57}" type="sibTrans" cxnId="{3264E3BA-2208-824E-9A28-297190E3D49A}">
+      <dgm:prSet/>
+      <dgm:spPr/>
+      <dgm:t>
+        <a:bodyPr/>
+        <a:lstStyle/>
+        <a:p>
+          <a:endParaRPr lang="en-US"/>
+        </a:p>
+      </dgm:t>
+    </dgm:pt>
+    <dgm:pt modelId="{2A9DB637-CD07-0644-83B7-4D13A2754E55}">
+      <dgm:prSet/>
+      <dgm:spPr/>
+      <dgm:t>
+        <a:bodyPr/>
+        <a:lstStyle/>
+        <a:p>
+          <a:r>
+            <a:rPr lang="en-US" dirty="0"/>
+            <a:t>how the youth felt about going to school</a:t>
+          </a:r>
+        </a:p>
+      </dgm:t>
+    </dgm:pt>
+    <dgm:pt modelId="{8758A779-F101-8045-86CD-281EE541D868}" type="parTrans" cxnId="{F809D54B-3DD8-4642-AB8D-1BEEDA4C06A1}">
+      <dgm:prSet/>
+      <dgm:spPr/>
+      <dgm:t>
+        <a:bodyPr/>
+        <a:lstStyle/>
+        <a:p>
+          <a:endParaRPr lang="en-US"/>
+        </a:p>
+      </dgm:t>
+    </dgm:pt>
+    <dgm:pt modelId="{3924919E-90CB-C441-88C7-4B8F51F2970A}" type="sibTrans" cxnId="{F809D54B-3DD8-4642-AB8D-1BEEDA4C06A1}">
+      <dgm:prSet/>
+      <dgm:spPr/>
+      <dgm:t>
+        <a:bodyPr/>
+        <a:lstStyle/>
+        <a:p>
+          <a:endParaRPr lang="en-US"/>
+        </a:p>
+      </dgm:t>
+    </dgm:pt>
+    <dgm:pt modelId="{DB9D0D50-8872-1E48-8A8D-E83C35B65206}">
+      <dgm:prSet/>
+      <dgm:spPr/>
+      <dgm:t>
+        <a:bodyPr/>
+        <a:lstStyle/>
+        <a:p>
+          <a:r>
+            <a:rPr lang="en-US" dirty="0"/>
+            <a:t>who youth talks to about serious problems</a:t>
+          </a:r>
+        </a:p>
+      </dgm:t>
+    </dgm:pt>
+    <dgm:pt modelId="{6F38238A-6444-5B4C-96ED-B7ECA790844B}" type="parTrans" cxnId="{C9C195F4-D7D1-5648-97A2-926D8F80BB20}">
+      <dgm:prSet/>
+      <dgm:spPr/>
+      <dgm:t>
+        <a:bodyPr/>
+        <a:lstStyle/>
+        <a:p>
+          <a:endParaRPr lang="en-US"/>
+        </a:p>
+      </dgm:t>
+    </dgm:pt>
+    <dgm:pt modelId="{BBE89379-7888-614B-B6C2-DC49A43E1057}" type="sibTrans" cxnId="{C9C195F4-D7D1-5648-97A2-926D8F80BB20}">
+      <dgm:prSet/>
+      <dgm:spPr/>
+      <dgm:t>
+        <a:bodyPr/>
+        <a:lstStyle/>
+        <a:p>
+          <a:endParaRPr lang="en-US"/>
+        </a:p>
+      </dgm:t>
+    </dgm:pt>
+    <dgm:pt modelId="{6DCEDE5C-13AA-FE43-A720-1290A0A65AC2}">
+      <dgm:prSet/>
+      <dgm:spPr/>
+      <dgm:t>
+        <a:bodyPr/>
+        <a:lstStyle/>
+        <a:p>
+          <a:r>
+            <a:rPr lang="en-US" dirty="0"/>
+            <a:t>talked with parent about substances</a:t>
+          </a:r>
+        </a:p>
+      </dgm:t>
+    </dgm:pt>
+    <dgm:pt modelId="{D503C45F-EAFF-9243-A33A-4547C4339374}" type="parTrans" cxnId="{8B7FE893-04C2-D246-822D-902FE65F7014}">
+      <dgm:prSet/>
+      <dgm:spPr/>
+      <dgm:t>
+        <a:bodyPr/>
+        <a:lstStyle/>
+        <a:p>
+          <a:endParaRPr lang="en-US"/>
+        </a:p>
+      </dgm:t>
+    </dgm:pt>
+    <dgm:pt modelId="{876AD257-215F-D64D-9EB6-550918C983CB}" type="sibTrans" cxnId="{8B7FE893-04C2-D246-822D-902FE65F7014}">
+      <dgm:prSet/>
+      <dgm:spPr/>
+      <dgm:t>
+        <a:bodyPr/>
+        <a:lstStyle/>
+        <a:p>
+          <a:endParaRPr lang="en-US"/>
+        </a:p>
+      </dgm:t>
+    </dgm:pt>
+    <dgm:pt modelId="{27BE8794-CB96-5C46-8B15-F2DF4C59D637}">
+      <dgm:prSet/>
+      <dgm:spPr/>
+      <dgm:t>
+        <a:bodyPr/>
+        <a:lstStyle/>
+        <a:p>
+          <a:r>
+            <a:rPr lang="en-US" dirty="0"/>
+            <a:t>Sex, race, health status</a:t>
+          </a:r>
+        </a:p>
+      </dgm:t>
+    </dgm:pt>
+    <dgm:pt modelId="{E08FF790-68C3-5844-B161-700A07705E6B}" type="parTrans" cxnId="{1304F599-D301-7D4D-91C3-98A9D3E39F01}">
+      <dgm:prSet/>
+      <dgm:spPr/>
+      <dgm:t>
+        <a:bodyPr/>
+        <a:lstStyle/>
+        <a:p>
+          <a:endParaRPr lang="en-US"/>
+        </a:p>
+      </dgm:t>
+    </dgm:pt>
+    <dgm:pt modelId="{5C70BF36-5CAD-094F-9050-101E48432CC7}" type="sibTrans" cxnId="{1304F599-D301-7D4D-91C3-98A9D3E39F01}">
+      <dgm:prSet/>
+      <dgm:spPr/>
+      <dgm:t>
+        <a:bodyPr/>
+        <a:lstStyle/>
+        <a:p>
+          <a:endParaRPr lang="en-US"/>
+        </a:p>
+      </dgm:t>
+    </dgm:pt>
+    <dgm:pt modelId="{E2E5CB8D-7808-594C-9445-7D38A941488B}">
+      <dgm:prSet/>
+      <dgm:spPr/>
+      <dgm:t>
+        <a:bodyPr/>
+        <a:lstStyle/>
+        <a:p>
+          <a:r>
+            <a:rPr lang="en-US" dirty="0"/>
+            <a:t>Is mother/father present</a:t>
+          </a:r>
+        </a:p>
+      </dgm:t>
+    </dgm:pt>
+    <dgm:pt modelId="{81C33DFC-3CA5-D443-AB35-55B9B4889A79}" type="parTrans" cxnId="{F6178356-5449-E747-A238-AE30B96DA27F}">
+      <dgm:prSet/>
+      <dgm:spPr/>
+      <dgm:t>
+        <a:bodyPr/>
+        <a:lstStyle/>
+        <a:p>
+          <a:endParaRPr lang="en-US"/>
+        </a:p>
+      </dgm:t>
+    </dgm:pt>
+    <dgm:pt modelId="{DC5762E3-815F-6D46-9748-31C381D55993}" type="sibTrans" cxnId="{F6178356-5449-E747-A238-AE30B96DA27F}">
+      <dgm:prSet/>
+      <dgm:spPr/>
+      <dgm:t>
+        <a:bodyPr/>
+        <a:lstStyle/>
+        <a:p>
+          <a:endParaRPr lang="en-US"/>
+        </a:p>
+      </dgm:t>
+    </dgm:pt>
+    <dgm:pt modelId="{24EFE702-BB9D-B54D-9B04-32625AF8D374}">
+      <dgm:prSet/>
+      <dgm:spPr/>
+      <dgm:t>
+        <a:bodyPr/>
+        <a:lstStyle/>
+        <a:p>
+          <a:r>
+            <a:rPr lang="en-US" dirty="0"/>
+            <a:t>household income</a:t>
+          </a:r>
+        </a:p>
+      </dgm:t>
+    </dgm:pt>
+    <dgm:pt modelId="{F31C3C48-0C93-F24C-A3BA-451EE42DCF03}" type="parTrans" cxnId="{3CDB4DC4-60C1-E54B-8182-5A0357FF1BAE}">
+      <dgm:prSet/>
+      <dgm:spPr/>
+      <dgm:t>
+        <a:bodyPr/>
+        <a:lstStyle/>
+        <a:p>
+          <a:endParaRPr lang="en-US"/>
+        </a:p>
+      </dgm:t>
+    </dgm:pt>
+    <dgm:pt modelId="{93AF8EDD-8342-164C-BC03-635637739901}" type="sibTrans" cxnId="{3CDB4DC4-60C1-E54B-8182-5A0357FF1BAE}">
+      <dgm:prSet/>
+      <dgm:spPr/>
+      <dgm:t>
+        <a:bodyPr/>
+        <a:lstStyle/>
+        <a:p>
+          <a:endParaRPr lang="en-US"/>
+        </a:p>
+      </dgm:t>
+    </dgm:pt>
+    <dgm:pt modelId="{9107C22D-1A00-C845-86AA-421A21E7EEAB}">
+      <dgm:prSet/>
+      <dgm:spPr/>
+      <dgm:t>
+        <a:bodyPr/>
+        <a:lstStyle/>
+        <a:p>
+          <a:r>
+            <a:rPr lang="en-US" dirty="0"/>
+            <a:t>poverty level</a:t>
+          </a:r>
+        </a:p>
+      </dgm:t>
+    </dgm:pt>
+    <dgm:pt modelId="{0A74AF40-040B-564A-955D-3536E8F1F508}" type="parTrans" cxnId="{976F7108-39C0-2B4B-9BA0-BF23D5CA58AB}">
+      <dgm:prSet/>
+      <dgm:spPr/>
+      <dgm:t>
+        <a:bodyPr/>
+        <a:lstStyle/>
+        <a:p>
+          <a:endParaRPr lang="en-US"/>
+        </a:p>
+      </dgm:t>
+    </dgm:pt>
+    <dgm:pt modelId="{F3F0EDF0-E4C7-C94B-B8D8-BEC4C25B848E}" type="sibTrans" cxnId="{976F7108-39C0-2B4B-9BA0-BF23D5CA58AB}">
+      <dgm:prSet/>
+      <dgm:spPr/>
+      <dgm:t>
+        <a:bodyPr/>
+        <a:lstStyle/>
+        <a:p>
+          <a:endParaRPr lang="en-US"/>
+        </a:p>
+      </dgm:t>
+    </dgm:pt>
+    <dgm:pt modelId="{812750C7-0E9F-DC48-B746-22A7B7E418C1}">
+      <dgm:prSet/>
+      <dgm:spPr/>
+      <dgm:t>
+        <a:bodyPr/>
+        <a:lstStyle/>
+        <a:p>
+          <a:r>
+            <a:rPr lang="en-US" dirty="0"/>
+            <a:t>participated in problem solving group, substance prevention group, substance group counseling, pregnancy prevention program, government assistance program</a:t>
+          </a:r>
+        </a:p>
+      </dgm:t>
+    </dgm:pt>
+    <dgm:pt modelId="{5F73AD8E-7628-0E47-8FAF-36CBDE43BDF6}" type="sibTrans" cxnId="{0E2F3491-DAC8-6643-B6BC-8784EBB5BFC4}">
+      <dgm:prSet/>
+      <dgm:spPr/>
+      <dgm:t>
+        <a:bodyPr/>
+        <a:lstStyle/>
+        <a:p>
+          <a:endParaRPr lang="en-US"/>
+        </a:p>
+      </dgm:t>
+    </dgm:pt>
+    <dgm:pt modelId="{8008FA8D-1F2A-8444-914E-2C01BF92A8EC}" type="parTrans" cxnId="{0E2F3491-DAC8-6643-B6BC-8784EBB5BFC4}">
+      <dgm:prSet/>
+      <dgm:spPr/>
+      <dgm:t>
+        <a:bodyPr/>
+        <a:lstStyle/>
+        <a:p>
+          <a:endParaRPr lang="en-US"/>
+        </a:p>
+      </dgm:t>
+    </dgm:pt>
+    <dgm:pt modelId="{4F8BB305-426F-8F4B-9971-D77349A27F71}">
+      <dgm:prSet/>
+      <dgm:spPr/>
+      <dgm:t>
+        <a:bodyPr/>
+        <a:lstStyle/>
+        <a:p>
+          <a:r>
+            <a:rPr lang="en-US" dirty="0"/>
+            <a:t>Mapped binary variables to 0/1</a:t>
+          </a:r>
+        </a:p>
+      </dgm:t>
+    </dgm:pt>
+    <dgm:pt modelId="{DB7E243E-FD12-F04A-9BD5-71AD5EAC3526}" type="parTrans" cxnId="{D041DD65-CF05-E743-9D2C-DB358BF162CE}">
+      <dgm:prSet/>
+      <dgm:spPr/>
+    </dgm:pt>
+    <dgm:pt modelId="{BAE14E66-C519-3840-A3C6-B45E0CA7BABA}" type="sibTrans" cxnId="{D041DD65-CF05-E743-9D2C-DB358BF162CE}">
+      <dgm:prSet/>
+      <dgm:spPr/>
+    </dgm:pt>
+    <dgm:pt modelId="{FAF89E37-0ABA-B04D-A096-3A7664A5A18F}">
+      <dgm:prSet/>
+      <dgm:spPr/>
+      <dgm:t>
+        <a:bodyPr/>
+        <a:lstStyle/>
+        <a:p>
+          <a:r>
+            <a:rPr lang="en-US" dirty="0"/>
+            <a:t>One hot encoded categorical variables</a:t>
+          </a:r>
+        </a:p>
+      </dgm:t>
+    </dgm:pt>
+    <dgm:pt modelId="{3FFBC856-0C24-184E-9414-9B7C2361C307}" type="parTrans" cxnId="{5B011732-8CED-8C4E-A63D-E0A5C57BAA82}">
+      <dgm:prSet/>
+      <dgm:spPr/>
+    </dgm:pt>
+    <dgm:pt modelId="{EE8FED47-AC01-6240-BBC8-1F1CF0F746FE}" type="sibTrans" cxnId="{5B011732-8CED-8C4E-A63D-E0A5C57BAA82}">
+      <dgm:prSet/>
+      <dgm:spPr/>
+    </dgm:pt>
+    <dgm:pt modelId="{4480458D-E09D-3F42-8666-939ABA70CA68}" type="pres">
       <dgm:prSet presAssocID="{37BFDBBA-CBE3-450C-B93F-F65D5BC6BB94}" presName="Name0" presStyleCnt="0">
         <dgm:presLayoutVars>
           <dgm:dir/>
@@ -4733,11 +5286,11 @@
       </dgm:prSet>
       <dgm:spPr/>
     </dgm:pt>
-    <dgm:pt modelId="{6AEAD866-B146-8C43-A772-B47398FF3789}" type="pres">
+    <dgm:pt modelId="{507CB2C6-83A7-2040-B58D-AE72E923EFA8}" type="pres">
       <dgm:prSet presAssocID="{4A2900C2-53C6-4B2F-B47A-B2392D7ECC37}" presName="composite" presStyleCnt="0"/>
       <dgm:spPr/>
     </dgm:pt>
-    <dgm:pt modelId="{63B9B307-9835-7B4B-8F93-07E7D87B9FDC}" type="pres">
+    <dgm:pt modelId="{B92C2A35-BA71-C947-915E-F4DC7442EC9F}" type="pres">
       <dgm:prSet presAssocID="{4A2900C2-53C6-4B2F-B47A-B2392D7ECC37}" presName="parTx" presStyleLbl="alignNode1" presStyleIdx="0" presStyleCnt="5">
         <dgm:presLayoutVars>
           <dgm:chMax val="0"/>
@@ -4747,7 +5300,7 @@
       </dgm:prSet>
       <dgm:spPr/>
     </dgm:pt>
-    <dgm:pt modelId="{8A426991-5E41-B745-A12A-81E28BB2634E}" type="pres">
+    <dgm:pt modelId="{CE41BC9C-0369-1948-A22A-9FFDCF3F656E}" type="pres">
       <dgm:prSet presAssocID="{4A2900C2-53C6-4B2F-B47A-B2392D7ECC37}" presName="desTx" presStyleLbl="alignAccFollowNode1" presStyleIdx="0" presStyleCnt="5">
         <dgm:presLayoutVars>
           <dgm:bulletEnabled val="1"/>
@@ -4755,15 +5308,15 @@
       </dgm:prSet>
       <dgm:spPr/>
     </dgm:pt>
-    <dgm:pt modelId="{F83BA5AE-ACBD-2440-BCE1-B9FAF4EB95C5}" type="pres">
+    <dgm:pt modelId="{49546F35-4BF2-334B-AF59-A46E46DC9E9D}" type="pres">
       <dgm:prSet presAssocID="{8C997C5B-1FA6-40C6-92DB-11A6538F42B3}" presName="space" presStyleCnt="0"/>
       <dgm:spPr/>
     </dgm:pt>
-    <dgm:pt modelId="{11E550B8-6D7F-774B-97F8-72F13533C028}" type="pres">
+    <dgm:pt modelId="{FAF4E183-78E1-8045-B1EE-12965E7BB250}" type="pres">
       <dgm:prSet presAssocID="{CF6E1856-EC80-45A0-B876-F4B0F8BA2D64}" presName="composite" presStyleCnt="0"/>
       <dgm:spPr/>
     </dgm:pt>
-    <dgm:pt modelId="{0CDEB85D-9A51-DC42-90CB-ADF512BB022A}" type="pres">
+    <dgm:pt modelId="{F213BFC7-37F7-5449-91CB-93B754CD8CEB}" type="pres">
       <dgm:prSet presAssocID="{CF6E1856-EC80-45A0-B876-F4B0F8BA2D64}" presName="parTx" presStyleLbl="alignNode1" presStyleIdx="1" presStyleCnt="5">
         <dgm:presLayoutVars>
           <dgm:chMax val="0"/>
@@ -4773,7 +5326,7 @@
       </dgm:prSet>
       <dgm:spPr/>
     </dgm:pt>
-    <dgm:pt modelId="{A3015A7D-FAAC-404C-AC90-76AA2C1E50F9}" type="pres">
+    <dgm:pt modelId="{7004DD0C-5A86-7142-B52D-E2333164E475}" type="pres">
       <dgm:prSet presAssocID="{CF6E1856-EC80-45A0-B876-F4B0F8BA2D64}" presName="desTx" presStyleLbl="alignAccFollowNode1" presStyleIdx="1" presStyleCnt="5">
         <dgm:presLayoutVars>
           <dgm:bulletEnabled val="1"/>
@@ -4781,15 +5334,15 @@
       </dgm:prSet>
       <dgm:spPr/>
     </dgm:pt>
-    <dgm:pt modelId="{3BFA24CF-35B3-4343-9847-7D05F58D77C1}" type="pres">
+    <dgm:pt modelId="{A01D2790-EA11-3A4E-9406-A1F70C05A453}" type="pres">
       <dgm:prSet presAssocID="{6D5D67D7-9699-4AC7-A308-5BCB0C9AEEE1}" presName="space" presStyleCnt="0"/>
       <dgm:spPr/>
     </dgm:pt>
-    <dgm:pt modelId="{CB79DA31-4E1A-A14F-B1A5-3ECDF0C95FCA}" type="pres">
+    <dgm:pt modelId="{4E3D5CE4-31AD-6E43-9343-6BDEFFBE9996}" type="pres">
       <dgm:prSet presAssocID="{D220D7EF-F247-4FD7-99CC-F79B9AD1F03C}" presName="composite" presStyleCnt="0"/>
       <dgm:spPr/>
     </dgm:pt>
-    <dgm:pt modelId="{39A75A59-F114-5243-B95B-5AAEA8513229}" type="pres">
+    <dgm:pt modelId="{EC1D1830-C299-014C-83A0-889B4832154E}" type="pres">
       <dgm:prSet presAssocID="{D220D7EF-F247-4FD7-99CC-F79B9AD1F03C}" presName="parTx" presStyleLbl="alignNode1" presStyleIdx="2" presStyleCnt="5">
         <dgm:presLayoutVars>
           <dgm:chMax val="0"/>
@@ -4799,7 +5352,7 @@
       </dgm:prSet>
       <dgm:spPr/>
     </dgm:pt>
-    <dgm:pt modelId="{6C8C4256-C811-6F42-970D-023567063CA1}" type="pres">
+    <dgm:pt modelId="{2344A915-9AFA-AC4F-894D-A7336A379233}" type="pres">
       <dgm:prSet presAssocID="{D220D7EF-F247-4FD7-99CC-F79B9AD1F03C}" presName="desTx" presStyleLbl="alignAccFollowNode1" presStyleIdx="2" presStyleCnt="5">
         <dgm:presLayoutVars>
           <dgm:bulletEnabled val="1"/>
@@ -4807,15 +5360,15 @@
       </dgm:prSet>
       <dgm:spPr/>
     </dgm:pt>
-    <dgm:pt modelId="{2E323AFA-E098-7540-B927-E56C719A6110}" type="pres">
+    <dgm:pt modelId="{5FFCAB0A-8BBE-F543-98F1-F9B9376A19F3}" type="pres">
       <dgm:prSet presAssocID="{6222219F-5E8C-45CB-B991-203842A066A9}" presName="space" presStyleCnt="0"/>
       <dgm:spPr/>
     </dgm:pt>
-    <dgm:pt modelId="{F33A4F27-1BB9-6842-AD82-EE3E5F969BEB}" type="pres">
+    <dgm:pt modelId="{5E891A14-CE2D-EE41-90AB-CB8565CCBF0B}" type="pres">
       <dgm:prSet presAssocID="{4BDD167D-5A6F-4CF1-A986-524A3A0A96E1}" presName="composite" presStyleCnt="0"/>
       <dgm:spPr/>
     </dgm:pt>
-    <dgm:pt modelId="{570E4141-FD07-ED43-9091-7A183931E4A0}" type="pres">
+    <dgm:pt modelId="{5C642EE7-F46F-684B-915D-0D39C3B97B72}" type="pres">
       <dgm:prSet presAssocID="{4BDD167D-5A6F-4CF1-A986-524A3A0A96E1}" presName="parTx" presStyleLbl="alignNode1" presStyleIdx="3" presStyleCnt="5">
         <dgm:presLayoutVars>
           <dgm:chMax val="0"/>
@@ -4825,7 +5378,7 @@
       </dgm:prSet>
       <dgm:spPr/>
     </dgm:pt>
-    <dgm:pt modelId="{BF73365E-28D5-9944-9420-FDD5D5FE2908}" type="pres">
+    <dgm:pt modelId="{CED8DECD-1DA5-9B41-974E-69B3684004EB}" type="pres">
       <dgm:prSet presAssocID="{4BDD167D-5A6F-4CF1-A986-524A3A0A96E1}" presName="desTx" presStyleLbl="alignAccFollowNode1" presStyleIdx="3" presStyleCnt="5">
         <dgm:presLayoutVars>
           <dgm:bulletEnabled val="1"/>
@@ -4833,15 +5386,15 @@
       </dgm:prSet>
       <dgm:spPr/>
     </dgm:pt>
-    <dgm:pt modelId="{B05EBB58-D9F4-2342-8184-7CD8F7EB9512}" type="pres">
+    <dgm:pt modelId="{7A49F5D0-CD3F-2749-ABE3-C199F0B37BA5}" type="pres">
       <dgm:prSet presAssocID="{23C0A3C9-35ED-4053-AA41-04E4931DB632}" presName="space" presStyleCnt="0"/>
       <dgm:spPr/>
     </dgm:pt>
-    <dgm:pt modelId="{13B07CAB-50C2-3D48-9FA1-8D90B0DD2A51}" type="pres">
+    <dgm:pt modelId="{303D4D10-9F17-9141-BDE9-099E02B4ABBF}" type="pres">
       <dgm:prSet presAssocID="{E4F7A731-B465-FE4B-9880-85A772546222}" presName="composite" presStyleCnt="0"/>
       <dgm:spPr/>
     </dgm:pt>
-    <dgm:pt modelId="{B0F629A0-BD59-A343-8105-05130BF8E144}" type="pres">
+    <dgm:pt modelId="{5917E128-219F-1E44-87BA-D09B99447936}" type="pres">
       <dgm:prSet presAssocID="{E4F7A731-B465-FE4B-9880-85A772546222}" presName="parTx" presStyleLbl="alignNode1" presStyleIdx="4" presStyleCnt="5">
         <dgm:presLayoutVars>
           <dgm:chMax val="0"/>
@@ -4851,7 +5404,7 @@
       </dgm:prSet>
       <dgm:spPr/>
     </dgm:pt>
-    <dgm:pt modelId="{3098161A-57FD-4C4E-B4FF-4B4A1BB677BC}" type="pres">
+    <dgm:pt modelId="{D751903A-223F-214D-B6D1-9549C39ECE22}" type="pres">
       <dgm:prSet presAssocID="{E4F7A731-B465-FE4B-9880-85A772546222}" presName="desTx" presStyleLbl="alignAccFollowNode1" presStyleIdx="4" presStyleCnt="5">
         <dgm:presLayoutVars>
           <dgm:bulletEnabled val="1"/>
@@ -4861,52 +5414,84 @@
     </dgm:pt>
   </dgm:ptLst>
   <dgm:cxnLst>
+    <dgm:cxn modelId="{FABD6B00-DBD6-9244-9082-1C99FBE38B34}" type="presOf" srcId="{CF6E1856-EC80-45A0-B876-F4B0F8BA2D64}" destId="{F213BFC7-37F7-5449-91CB-93B754CD8CEB}" srcOrd="0" destOrd="0" presId="urn:microsoft.com/office/officeart/2005/8/layout/hList1"/>
     <dgm:cxn modelId="{A1AD9C07-DE1E-FC49-A6A5-A1AD5F661A02}" srcId="{37BFDBBA-CBE3-450C-B93F-F65D5BC6BB94}" destId="{E4F7A731-B465-FE4B-9880-85A772546222}" srcOrd="4" destOrd="0" parTransId="{BD5E2221-9232-F644-9DA4-10CA7CC18D3E}" sibTransId="{616C1AF7-057A-B84A-BF05-1913213FE8F6}"/>
-    <dgm:cxn modelId="{CE362A15-72BF-0447-84E7-AA62EDD31800}" type="presOf" srcId="{136EE471-31BA-49CD-B96E-990C1C55AF5E}" destId="{BF73365E-28D5-9944-9420-FDD5D5FE2908}" srcOrd="0" destOrd="1" presId="urn:microsoft.com/office/officeart/2005/8/layout/hList1"/>
-    <dgm:cxn modelId="{936F1020-0DA5-494C-AAFB-75790046F76E}" type="presOf" srcId="{CF6E1856-EC80-45A0-B876-F4B0F8BA2D64}" destId="{0CDEB85D-9A51-DC42-90CB-ADF512BB022A}" srcOrd="0" destOrd="0" presId="urn:microsoft.com/office/officeart/2005/8/layout/hList1"/>
-    <dgm:cxn modelId="{6FC02222-F089-0B44-9946-3DDEFE2BCDEC}" type="presOf" srcId="{37BFDBBA-CBE3-450C-B93F-F65D5BC6BB94}" destId="{5EBAACFB-B23D-BD4E-9517-1FA1E22FAB56}" srcOrd="0" destOrd="0" presId="urn:microsoft.com/office/officeart/2005/8/layout/hList1"/>
-    <dgm:cxn modelId="{72E37C2B-B48B-6C4C-AA49-DCB546779038}" type="presOf" srcId="{9D4447C1-93A7-4953-9216-9327D1DD6E7D}" destId="{A3015A7D-FAAC-404C-AC90-76AA2C1E50F9}" srcOrd="0" destOrd="0" presId="urn:microsoft.com/office/officeart/2005/8/layout/hList1"/>
-    <dgm:cxn modelId="{2614B044-15E6-FF49-AE95-FD8F5541A886}" type="presOf" srcId="{6F9C7250-77E1-4C67-A0D1-6EADA632973B}" destId="{6C8C4256-C811-6F42-970D-023567063CA1}" srcOrd="0" destOrd="0" presId="urn:microsoft.com/office/officeart/2005/8/layout/hList1"/>
+    <dgm:cxn modelId="{976F7108-39C0-2B4B-9BA0-BF23D5CA58AB}" srcId="{CF6E1856-EC80-45A0-B876-F4B0F8BA2D64}" destId="{9107C22D-1A00-C845-86AA-421A21E7EEAB}" srcOrd="14" destOrd="0" parTransId="{0A74AF40-040B-564A-955D-3536E8F1F508}" sibTransId="{F3F0EDF0-E4C7-C94B-B8D8-BEC4C25B848E}"/>
+    <dgm:cxn modelId="{0C07BB09-55DF-DD4F-88A5-AC60D2934465}" type="presOf" srcId="{DB9D0D50-8872-1E48-8A8D-E83C35B65206}" destId="{7004DD0C-5A86-7142-B52D-E2333164E475}" srcOrd="0" destOrd="8" presId="urn:microsoft.com/office/officeart/2005/8/layout/hList1"/>
+    <dgm:cxn modelId="{930E350C-98B5-2E4F-A2C9-14A455A0B827}" srcId="{CF6E1856-EC80-45A0-B876-F4B0F8BA2D64}" destId="{270B5F7E-5BFE-5A47-A560-B214A5D1AE53}" srcOrd="1" destOrd="0" parTransId="{C1F4CCDD-3F6D-1248-9B00-DD139574A6CB}" sibTransId="{C0EB28B8-9588-2846-A9FE-A893451CFE47}"/>
+    <dgm:cxn modelId="{A10DE60D-CCD0-E24F-A1F2-EE9BC3EA4FD8}" type="presOf" srcId="{F7281A79-68C8-F94A-A794-46856D83E9BC}" destId="{7004DD0C-5A86-7142-B52D-E2333164E475}" srcOrd="0" destOrd="6" presId="urn:microsoft.com/office/officeart/2005/8/layout/hList1"/>
+    <dgm:cxn modelId="{CB2E2B0E-395B-744C-9FAB-F1DC3DC6B8AA}" type="presOf" srcId="{136EE471-31BA-49CD-B96E-990C1C55AF5E}" destId="{CED8DECD-1DA5-9B41-974E-69B3684004EB}" srcOrd="0" destOrd="1" presId="urn:microsoft.com/office/officeart/2005/8/layout/hList1"/>
+    <dgm:cxn modelId="{2808700F-49F3-D341-8456-304C5676245C}" type="presOf" srcId="{812750C7-0E9F-DC48-B746-22A7B7E418C1}" destId="{7004DD0C-5A86-7142-B52D-E2333164E475}" srcOrd="0" destOrd="10" presId="urn:microsoft.com/office/officeart/2005/8/layout/hList1"/>
+    <dgm:cxn modelId="{24140611-48D1-1D40-9BC2-37466648FB73}" type="presOf" srcId="{2A9DB637-CD07-0644-83B7-4D13A2754E55}" destId="{7004DD0C-5A86-7142-B52D-E2333164E475}" srcOrd="0" destOrd="7" presId="urn:microsoft.com/office/officeart/2005/8/layout/hList1"/>
+    <dgm:cxn modelId="{9A014218-9B6A-AF42-8A0B-41A1F651260B}" type="presOf" srcId="{730570E7-7D4A-CB4F-AED6-A3CF4FB4D9A0}" destId="{7004DD0C-5A86-7142-B52D-E2333164E475}" srcOrd="0" destOrd="2" presId="urn:microsoft.com/office/officeart/2005/8/layout/hList1"/>
+    <dgm:cxn modelId="{6465551E-E3AE-5848-852B-43CBB1658E1C}" type="presOf" srcId="{4CD007B8-D530-1D4D-B845-3EC82E08E4FC}" destId="{7004DD0C-5A86-7142-B52D-E2333164E475}" srcOrd="0" destOrd="4" presId="urn:microsoft.com/office/officeart/2005/8/layout/hList1"/>
+    <dgm:cxn modelId="{34B2BC21-2844-CA4E-9B8A-D91B20E53DEE}" type="presOf" srcId="{4BDD167D-5A6F-4CF1-A986-524A3A0A96E1}" destId="{5C642EE7-F46F-684B-915D-0D39C3B97B72}" srcOrd="0" destOrd="0" presId="urn:microsoft.com/office/officeart/2005/8/layout/hList1"/>
+    <dgm:cxn modelId="{D1FED829-B50C-7B4F-A2A8-BA08659CACD8}" type="presOf" srcId="{FAF89E37-0ABA-B04D-A096-3A7664A5A18F}" destId="{CE41BC9C-0369-1948-A22A-9FFDCF3F656E}" srcOrd="0" destOrd="2" presId="urn:microsoft.com/office/officeart/2005/8/layout/hList1"/>
+    <dgm:cxn modelId="{C547712E-24CA-FA49-ACE1-6CA269807A12}" type="presOf" srcId="{27BE8794-CB96-5C46-8B15-F2DF4C59D637}" destId="{7004DD0C-5A86-7142-B52D-E2333164E475}" srcOrd="0" destOrd="11" presId="urn:microsoft.com/office/officeart/2005/8/layout/hList1"/>
+    <dgm:cxn modelId="{67D4E72E-E625-5042-8B0D-A93603013E7F}" type="presOf" srcId="{7390425E-DC86-4221-A3EF-0E7E98C92E97}" destId="{CE41BC9C-0369-1948-A22A-9FFDCF3F656E}" srcOrd="0" destOrd="3" presId="urn:microsoft.com/office/officeart/2005/8/layout/hList1"/>
+    <dgm:cxn modelId="{5B011732-8CED-8C4E-A63D-E0A5C57BAA82}" srcId="{4A2900C2-53C6-4B2F-B47A-B2392D7ECC37}" destId="{FAF89E37-0ABA-B04D-A096-3A7664A5A18F}" srcOrd="2" destOrd="0" parTransId="{3FFBC856-0C24-184E-9414-9B7C2361C307}" sibTransId="{EE8FED47-AC01-6240-BBC8-1F1CF0F746FE}"/>
+    <dgm:cxn modelId="{8489A941-E2AC-C445-BE12-D29F5CB06F54}" type="presOf" srcId="{5A34AAA1-B5AF-C945-89C2-02DD63E104F8}" destId="{D751903A-223F-214D-B6D1-9549C39ECE22}" srcOrd="0" destOrd="0" presId="urn:microsoft.com/office/officeart/2005/8/layout/hList1"/>
     <dgm:cxn modelId="{34B27C45-80D3-4B5B-B8CB-282CC0311666}" srcId="{CF6E1856-EC80-45A0-B876-F4B0F8BA2D64}" destId="{9D4447C1-93A7-4953-9216-9327D1DD6E7D}" srcOrd="0" destOrd="0" parTransId="{82AA83C7-181C-4327-8081-B42915FFD25D}" sibTransId="{4C70C8D0-0580-421A-94E8-6B3807344B2E}"/>
-    <dgm:cxn modelId="{D8366653-A9EA-1D48-BA38-BE8565DE71DB}" type="presOf" srcId="{4F042268-B43E-45F9-924B-229D72A0A237}" destId="{8A426991-5E41-B745-A12A-81E28BB2634E}" srcOrd="0" destOrd="0" presId="urn:microsoft.com/office/officeart/2005/8/layout/hList1"/>
-    <dgm:cxn modelId="{D40E9A6D-914C-344E-9381-A0F4FBD955B6}" type="presOf" srcId="{7390425E-DC86-4221-A3EF-0E7E98C92E97}" destId="{8A426991-5E41-B745-A12A-81E28BB2634E}" srcOrd="0" destOrd="1" presId="urn:microsoft.com/office/officeart/2005/8/layout/hList1"/>
-    <dgm:cxn modelId="{9F67C36D-B134-2B47-9E6E-93EE6450AC73}" type="presOf" srcId="{CCB79840-C45F-4ADA-8846-581FE1589C7A}" destId="{BF73365E-28D5-9944-9420-FDD5D5FE2908}" srcOrd="0" destOrd="0" presId="urn:microsoft.com/office/officeart/2005/8/layout/hList1"/>
-    <dgm:cxn modelId="{E2B7357A-188E-C544-AB16-C0C526A7C8DD}" type="presOf" srcId="{5A34AAA1-B5AF-C945-89C2-02DD63E104F8}" destId="{3098161A-57FD-4C4E-B4FF-4B4A1BB677BC}" srcOrd="0" destOrd="0" presId="urn:microsoft.com/office/officeart/2005/8/layout/hList1"/>
+    <dgm:cxn modelId="{BB53C649-505F-4C49-B29F-9E9E9C25343D}" srcId="{CF6E1856-EC80-45A0-B876-F4B0F8BA2D64}" destId="{5C7EC3BD-69E5-B949-8249-082D65EAA13D}" srcOrd="5" destOrd="0" parTransId="{06838F00-7508-0746-A51B-3B2FAD6C35F7}" sibTransId="{C3095AE0-06D1-0841-B30F-27864EDB03B4}"/>
+    <dgm:cxn modelId="{F809D54B-3DD8-4642-AB8D-1BEEDA4C06A1}" srcId="{CF6E1856-EC80-45A0-B876-F4B0F8BA2D64}" destId="{2A9DB637-CD07-0644-83B7-4D13A2754E55}" srcOrd="7" destOrd="0" parTransId="{8758A779-F101-8045-86CD-281EE541D868}" sibTransId="{3924919E-90CB-C441-88C7-4B8F51F2970A}"/>
+    <dgm:cxn modelId="{CAF23E51-DED8-054A-932B-2E28AE8163B5}" srcId="{CF6E1856-EC80-45A0-B876-F4B0F8BA2D64}" destId="{E1B0FABA-13F8-0742-BD51-96A029661829}" srcOrd="3" destOrd="0" parTransId="{6F0DFB71-B206-964A-AD03-F127D60E7246}" sibTransId="{49EC677C-84C9-D242-B61D-FCAB88EACA8A}"/>
+    <dgm:cxn modelId="{FF572F52-31BA-434B-85D1-0B6483EDA3B1}" type="presOf" srcId="{5C7EC3BD-69E5-B949-8249-082D65EAA13D}" destId="{7004DD0C-5A86-7142-B52D-E2333164E475}" srcOrd="0" destOrd="5" presId="urn:microsoft.com/office/officeart/2005/8/layout/hList1"/>
+    <dgm:cxn modelId="{F6178356-5449-E747-A238-AE30B96DA27F}" srcId="{CF6E1856-EC80-45A0-B876-F4B0F8BA2D64}" destId="{E2E5CB8D-7808-594C-9445-7D38A941488B}" srcOrd="12" destOrd="0" parTransId="{81C33DFC-3CA5-D443-AB35-55B9B4889A79}" sibTransId="{DC5762E3-815F-6D46-9748-31C381D55993}"/>
+    <dgm:cxn modelId="{6AFB9156-F6E7-E749-A361-283A8C912383}" type="presOf" srcId="{270B5F7E-5BFE-5A47-A560-B214A5D1AE53}" destId="{7004DD0C-5A86-7142-B52D-E2333164E475}" srcOrd="0" destOrd="1" presId="urn:microsoft.com/office/officeart/2005/8/layout/hList1"/>
+    <dgm:cxn modelId="{85FEAA64-77A3-304A-A5C2-0D64FCE10EB4}" type="presOf" srcId="{6DCEDE5C-13AA-FE43-A720-1290A0A65AC2}" destId="{7004DD0C-5A86-7142-B52D-E2333164E475}" srcOrd="0" destOrd="9" presId="urn:microsoft.com/office/officeart/2005/8/layout/hList1"/>
+    <dgm:cxn modelId="{D041DD65-CF05-E743-9D2C-DB358BF162CE}" srcId="{4A2900C2-53C6-4B2F-B47A-B2392D7ECC37}" destId="{4F8BB305-426F-8F4B-9971-D77349A27F71}" srcOrd="1" destOrd="0" parTransId="{DB7E243E-FD12-F04A-9BD5-71AD5EAC3526}" sibTransId="{BAE14E66-C519-3840-A3C6-B45E0CA7BABA}"/>
+    <dgm:cxn modelId="{4930F967-652C-6843-A288-366FECCA7A17}" type="presOf" srcId="{E4F7A731-B465-FE4B-9880-85A772546222}" destId="{5917E128-219F-1E44-87BA-D09B99447936}" srcOrd="0" destOrd="0" presId="urn:microsoft.com/office/officeart/2005/8/layout/hList1"/>
+    <dgm:cxn modelId="{98B1BF72-8F49-D14B-9F36-86E8F2932AFC}" type="presOf" srcId="{4A2900C2-53C6-4B2F-B47A-B2392D7ECC37}" destId="{B92C2A35-BA71-C947-915E-F4DC7442EC9F}" srcOrd="0" destOrd="0" presId="urn:microsoft.com/office/officeart/2005/8/layout/hList1"/>
+    <dgm:cxn modelId="{7E972674-D486-EE4B-8FF3-FD084465B72B}" type="presOf" srcId="{E1B0FABA-13F8-0742-BD51-96A029661829}" destId="{7004DD0C-5A86-7142-B52D-E2333164E475}" srcOrd="0" destOrd="3" presId="urn:microsoft.com/office/officeart/2005/8/layout/hList1"/>
+    <dgm:cxn modelId="{15EAEE76-AD85-7B44-B3C6-423CDAC2ACF1}" srcId="{CF6E1856-EC80-45A0-B876-F4B0F8BA2D64}" destId="{730570E7-7D4A-CB4F-AED6-A3CF4FB4D9A0}" srcOrd="2" destOrd="0" parTransId="{553BBE9D-169D-2C4D-B580-CBAD3D078D4F}" sibTransId="{DBC70A07-6D3A-2142-9266-E6B44DF70958}"/>
+    <dgm:cxn modelId="{1BE21877-C270-6141-9FC4-FFD07AEBFB37}" type="presOf" srcId="{24EFE702-BB9D-B54D-9B04-32625AF8D374}" destId="{7004DD0C-5A86-7142-B52D-E2333164E475}" srcOrd="0" destOrd="13" presId="urn:microsoft.com/office/officeart/2005/8/layout/hList1"/>
     <dgm:cxn modelId="{12653C7F-ED74-469A-98A9-9DF4E724127D}" srcId="{4BDD167D-5A6F-4CF1-A986-524A3A0A96E1}" destId="{CCB79840-C45F-4ADA-8846-581FE1589C7A}" srcOrd="0" destOrd="0" parTransId="{C2696102-F319-4A9D-A45F-7FD913961664}" sibTransId="{1448F7E5-CDF8-4A91-AA0B-793012B55C27}"/>
-    <dgm:cxn modelId="{A741CA88-29A5-E64D-854B-8C14848627DE}" type="presOf" srcId="{D220D7EF-F247-4FD7-99CC-F79B9AD1F03C}" destId="{39A75A59-F114-5243-B95B-5AAEA8513229}" srcOrd="0" destOrd="0" presId="urn:microsoft.com/office/officeart/2005/8/layout/hList1"/>
     <dgm:cxn modelId="{0179D888-09B5-40EC-A64F-5844DDCCB582}" srcId="{37BFDBBA-CBE3-450C-B93F-F65D5BC6BB94}" destId="{CF6E1856-EC80-45A0-B876-F4B0F8BA2D64}" srcOrd="1" destOrd="0" parTransId="{3D2B3359-B325-41C7-B919-F751AA628C00}" sibTransId="{6D5D67D7-9699-4AC7-A308-5BCB0C9AEEE1}"/>
-    <dgm:cxn modelId="{382AFC96-1E41-49B5-8A5A-22FC751D6843}" srcId="{4A2900C2-53C6-4B2F-B47A-B2392D7ECC37}" destId="{7390425E-DC86-4221-A3EF-0E7E98C92E97}" srcOrd="1" destOrd="0" parTransId="{0DEFF18F-4766-4062-8429-7922344356E9}" sibTransId="{7EB3C859-3A39-4385-B86A-5F83DB54DE16}"/>
+    <dgm:cxn modelId="{9E69248B-A8B0-3648-AD1D-3A30AEC5CE85}" type="presOf" srcId="{4F042268-B43E-45F9-924B-229D72A0A237}" destId="{CE41BC9C-0369-1948-A22A-9FFDCF3F656E}" srcOrd="0" destOrd="0" presId="urn:microsoft.com/office/officeart/2005/8/layout/hList1"/>
+    <dgm:cxn modelId="{0E2F3491-DAC8-6643-B6BC-8784EBB5BFC4}" srcId="{CF6E1856-EC80-45A0-B876-F4B0F8BA2D64}" destId="{812750C7-0E9F-DC48-B746-22A7B7E418C1}" srcOrd="10" destOrd="0" parTransId="{8008FA8D-1F2A-8444-914E-2C01BF92A8EC}" sibTransId="{5F73AD8E-7628-0E47-8FAF-36CBDE43BDF6}"/>
+    <dgm:cxn modelId="{ECA43D91-CDE2-5B4D-B89A-6ECC45AE9AE2}" srcId="{CF6E1856-EC80-45A0-B876-F4B0F8BA2D64}" destId="{4CD007B8-D530-1D4D-B845-3EC82E08E4FC}" srcOrd="4" destOrd="0" parTransId="{FC422D98-23D3-4F46-9B68-5B0E8C2BC308}" sibTransId="{F6EF2123-A9CA-B04C-8BF6-335D57B0A888}"/>
+    <dgm:cxn modelId="{8B7FE893-04C2-D246-822D-902FE65F7014}" srcId="{CF6E1856-EC80-45A0-B876-F4B0F8BA2D64}" destId="{6DCEDE5C-13AA-FE43-A720-1290A0A65AC2}" srcOrd="9" destOrd="0" parTransId="{D503C45F-EAFF-9243-A33A-4547C4339374}" sibTransId="{876AD257-215F-D64D-9EB6-550918C983CB}"/>
+    <dgm:cxn modelId="{CE716594-FE74-2442-BB10-29381BB699B5}" type="presOf" srcId="{D220D7EF-F247-4FD7-99CC-F79B9AD1F03C}" destId="{EC1D1830-C299-014C-83A0-889B4832154E}" srcOrd="0" destOrd="0" presId="urn:microsoft.com/office/officeart/2005/8/layout/hList1"/>
+    <dgm:cxn modelId="{382AFC96-1E41-49B5-8A5A-22FC751D6843}" srcId="{4A2900C2-53C6-4B2F-B47A-B2392D7ECC37}" destId="{7390425E-DC86-4221-A3EF-0E7E98C92E97}" srcOrd="3" destOrd="0" parTransId="{0DEFF18F-4766-4062-8429-7922344356E9}" sibTransId="{7EB3C859-3A39-4385-B86A-5F83DB54DE16}"/>
+    <dgm:cxn modelId="{24A9F298-AC47-8E45-A223-A9320BAAFE8D}" type="presOf" srcId="{9107C22D-1A00-C845-86AA-421A21E7EEAB}" destId="{7004DD0C-5A86-7142-B52D-E2333164E475}" srcOrd="0" destOrd="14" presId="urn:microsoft.com/office/officeart/2005/8/layout/hList1"/>
+    <dgm:cxn modelId="{1304F599-D301-7D4D-91C3-98A9D3E39F01}" srcId="{CF6E1856-EC80-45A0-B876-F4B0F8BA2D64}" destId="{27BE8794-CB96-5C46-8B15-F2DF4C59D637}" srcOrd="11" destOrd="0" parTransId="{E08FF790-68C3-5844-B161-700A07705E6B}" sibTransId="{5C70BF36-5CAD-094F-9050-101E48432CC7}"/>
+    <dgm:cxn modelId="{C2A0009E-EECE-5B43-B7AF-2C2FD93E5F4C}" type="presOf" srcId="{4F8BB305-426F-8F4B-9971-D77349A27F71}" destId="{CE41BC9C-0369-1948-A22A-9FFDCF3F656E}" srcOrd="0" destOrd="1" presId="urn:microsoft.com/office/officeart/2005/8/layout/hList1"/>
     <dgm:cxn modelId="{6E5620A5-B3F8-4DC9-AB4D-3C611A4EC65D}" srcId="{4A2900C2-53C6-4B2F-B47A-B2392D7ECC37}" destId="{4F042268-B43E-45F9-924B-229D72A0A237}" srcOrd="0" destOrd="0" parTransId="{0EF29D29-3A5B-4937-AB6C-07763B69F552}" sibTransId="{99153986-8C1B-4C95-99E4-283816247D5B}"/>
-    <dgm:cxn modelId="{53497FAC-13F8-584E-AA3B-8B6AC5BC5EA3}" type="presOf" srcId="{03372476-E31E-445A-89D2-F8C43A9963E8}" destId="{8A426991-5E41-B745-A12A-81E28BB2634E}" srcOrd="0" destOrd="2" presId="urn:microsoft.com/office/officeart/2005/8/layout/hList1"/>
-    <dgm:cxn modelId="{112288B5-F104-47BB-9AA6-016F1995632B}" srcId="{4A2900C2-53C6-4B2F-B47A-B2392D7ECC37}" destId="{03372476-E31E-445A-89D2-F8C43A9963E8}" srcOrd="2" destOrd="0" parTransId="{A96803A0-C5F7-44FC-9D54-150C46C47D88}" sibTransId="{50BF3D23-2C7B-4A64-832B-BE72BB211295}"/>
+    <dgm:cxn modelId="{96A71FA8-9406-F648-B6B9-8D944974B463}" type="presOf" srcId="{6F9C7250-77E1-4C67-A0D1-6EADA632973B}" destId="{2344A915-9AFA-AC4F-894D-A7336A379233}" srcOrd="0" destOrd="0" presId="urn:microsoft.com/office/officeart/2005/8/layout/hList1"/>
+    <dgm:cxn modelId="{100D17B2-9A24-FB49-807E-094DA1158EF7}" type="presOf" srcId="{E2E5CB8D-7808-594C-9445-7D38A941488B}" destId="{7004DD0C-5A86-7142-B52D-E2333164E475}" srcOrd="0" destOrd="12" presId="urn:microsoft.com/office/officeart/2005/8/layout/hList1"/>
+    <dgm:cxn modelId="{112288B5-F104-47BB-9AA6-016F1995632B}" srcId="{4A2900C2-53C6-4B2F-B47A-B2392D7ECC37}" destId="{03372476-E31E-445A-89D2-F8C43A9963E8}" srcOrd="4" destOrd="0" parTransId="{A96803A0-C5F7-44FC-9D54-150C46C47D88}" sibTransId="{50BF3D23-2C7B-4A64-832B-BE72BB211295}"/>
+    <dgm:cxn modelId="{3264E3BA-2208-824E-9A28-297190E3D49A}" srcId="{CF6E1856-EC80-45A0-B876-F4B0F8BA2D64}" destId="{F7281A79-68C8-F94A-A794-46856D83E9BC}" srcOrd="6" destOrd="0" parTransId="{DA25561D-A9CB-3D4F-BD9B-041F33D13EE5}" sibTransId="{ABA3CBF3-3ED5-B44C-9E83-B7CC21BE1B57}"/>
     <dgm:cxn modelId="{395E4DBE-FD34-440C-BFDA-59193747135A}" srcId="{4BDD167D-5A6F-4CF1-A986-524A3A0A96E1}" destId="{136EE471-31BA-49CD-B96E-990C1C55AF5E}" srcOrd="1" destOrd="0" parTransId="{4F1AFFD6-AB98-495D-9341-17A9CDEB0D8C}" sibTransId="{0D1C92D1-CDD1-4E22-808B-E3A99F0FED73}"/>
-    <dgm:cxn modelId="{95E3CBCD-3000-5E4E-87FD-3CDB6452B659}" type="presOf" srcId="{4A2900C2-53C6-4B2F-B47A-B2392D7ECC37}" destId="{63B9B307-9835-7B4B-8F93-07E7D87B9FDC}" srcOrd="0" destOrd="0" presId="urn:microsoft.com/office/officeart/2005/8/layout/hList1"/>
+    <dgm:cxn modelId="{DA10BABF-A97D-354A-B88F-417EB0E623DD}" type="presOf" srcId="{37BFDBBA-CBE3-450C-B93F-F65D5BC6BB94}" destId="{4480458D-E09D-3F42-8666-939ABA70CA68}" srcOrd="0" destOrd="0" presId="urn:microsoft.com/office/officeart/2005/8/layout/hList1"/>
+    <dgm:cxn modelId="{A6CA8DC3-B454-E440-8AB3-211819011D35}" type="presOf" srcId="{9D4447C1-93A7-4953-9216-9327D1DD6E7D}" destId="{7004DD0C-5A86-7142-B52D-E2333164E475}" srcOrd="0" destOrd="0" presId="urn:microsoft.com/office/officeart/2005/8/layout/hList1"/>
+    <dgm:cxn modelId="{3CDB4DC4-60C1-E54B-8182-5A0357FF1BAE}" srcId="{CF6E1856-EC80-45A0-B876-F4B0F8BA2D64}" destId="{24EFE702-BB9D-B54D-9B04-32625AF8D374}" srcOrd="13" destOrd="0" parTransId="{F31C3C48-0C93-F24C-A3BA-451EE42DCF03}" sibTransId="{93AF8EDD-8342-164C-BC03-635637739901}"/>
     <dgm:cxn modelId="{EB003ED8-346E-46C9-B8AE-7BA7718CCF85}" srcId="{37BFDBBA-CBE3-450C-B93F-F65D5BC6BB94}" destId="{D220D7EF-F247-4FD7-99CC-F79B9AD1F03C}" srcOrd="2" destOrd="0" parTransId="{A5544344-5D81-4D44-9B2E-C16DE363B4FC}" sibTransId="{6222219F-5E8C-45CB-B991-203842A066A9}"/>
-    <dgm:cxn modelId="{3B805CDA-DB02-D847-9FEA-EBD9F9504219}" type="presOf" srcId="{E4F7A731-B465-FE4B-9880-85A772546222}" destId="{B0F629A0-BD59-A343-8105-05130BF8E144}" srcOrd="0" destOrd="0" presId="urn:microsoft.com/office/officeart/2005/8/layout/hList1"/>
     <dgm:cxn modelId="{545B7CDD-706A-406F-BF5D-851FD17E39EA}" srcId="{37BFDBBA-CBE3-450C-B93F-F65D5BC6BB94}" destId="{4A2900C2-53C6-4B2F-B47A-B2392D7ECC37}" srcOrd="0" destOrd="0" parTransId="{5CAA12BD-9FFF-4A76-B43C-E3BB86D974CF}" sibTransId="{8C997C5B-1FA6-40C6-92DB-11A6538F42B3}"/>
     <dgm:cxn modelId="{6D2F77E1-384C-4092-95F5-B49F2C77B81F}" srcId="{D220D7EF-F247-4FD7-99CC-F79B9AD1F03C}" destId="{6F9C7250-77E1-4C67-A0D1-6EADA632973B}" srcOrd="0" destOrd="0" parTransId="{51337B28-E1BC-4369-A64D-634127CF75B3}" sibTransId="{3F8E83EC-599E-4ED5-AD61-E2AE5073B5DA}"/>
-    <dgm:cxn modelId="{BE2218E2-3732-8D49-A3F4-2B1783409B9E}" type="presOf" srcId="{4BDD167D-5A6F-4CF1-A986-524A3A0A96E1}" destId="{570E4141-FD07-ED43-9091-7A183931E4A0}" srcOrd="0" destOrd="0" presId="urn:microsoft.com/office/officeart/2005/8/layout/hList1"/>
+    <dgm:cxn modelId="{AAE48BE9-B789-1747-93E8-C3A51E3A9855}" type="presOf" srcId="{03372476-E31E-445A-89D2-F8C43A9963E8}" destId="{CE41BC9C-0369-1948-A22A-9FFDCF3F656E}" srcOrd="0" destOrd="4" presId="urn:microsoft.com/office/officeart/2005/8/layout/hList1"/>
     <dgm:cxn modelId="{0B1A7BEB-3B1D-4669-80EA-C81405322BE5}" srcId="{37BFDBBA-CBE3-450C-B93F-F65D5BC6BB94}" destId="{4BDD167D-5A6F-4CF1-A986-524A3A0A96E1}" srcOrd="3" destOrd="0" parTransId="{7706BB16-7F9A-4726-94A1-F3900CF8CD46}" sibTransId="{23C0A3C9-35ED-4053-AA41-04E4931DB632}"/>
+    <dgm:cxn modelId="{23FEB5F0-7D60-4F4A-8F03-62B759C54DB8}" type="presOf" srcId="{CCB79840-C45F-4ADA-8846-581FE1589C7A}" destId="{CED8DECD-1DA5-9B41-974E-69B3684004EB}" srcOrd="0" destOrd="0" presId="urn:microsoft.com/office/officeart/2005/8/layout/hList1"/>
+    <dgm:cxn modelId="{C9C195F4-D7D1-5648-97A2-926D8F80BB20}" srcId="{CF6E1856-EC80-45A0-B876-F4B0F8BA2D64}" destId="{DB9D0D50-8872-1E48-8A8D-E83C35B65206}" srcOrd="8" destOrd="0" parTransId="{6F38238A-6444-5B4C-96ED-B7ECA790844B}" sibTransId="{BBE89379-7888-614B-B6C2-DC49A43E1057}"/>
     <dgm:cxn modelId="{3FB78EFB-0114-A948-B753-A6A5EA47DBBC}" srcId="{E4F7A731-B465-FE4B-9880-85A772546222}" destId="{5A34AAA1-B5AF-C945-89C2-02DD63E104F8}" srcOrd="0" destOrd="0" parTransId="{91AB2CB3-90CB-6149-8769-73DB93A5B3B3}" sibTransId="{A63FBC63-7F34-614C-AFB6-CFE2723EEBDC}"/>
-    <dgm:cxn modelId="{F16891C9-C5D1-4342-8C1D-4DD78E24947C}" type="presParOf" srcId="{5EBAACFB-B23D-BD4E-9517-1FA1E22FAB56}" destId="{6AEAD866-B146-8C43-A772-B47398FF3789}" srcOrd="0" destOrd="0" presId="urn:microsoft.com/office/officeart/2005/8/layout/hList1"/>
-    <dgm:cxn modelId="{83276167-BFE4-B440-A159-67B351CA5F7E}" type="presParOf" srcId="{6AEAD866-B146-8C43-A772-B47398FF3789}" destId="{63B9B307-9835-7B4B-8F93-07E7D87B9FDC}" srcOrd="0" destOrd="0" presId="urn:microsoft.com/office/officeart/2005/8/layout/hList1"/>
-    <dgm:cxn modelId="{5B24F3FE-427E-E64E-B41D-A7A320F7524A}" type="presParOf" srcId="{6AEAD866-B146-8C43-A772-B47398FF3789}" destId="{8A426991-5E41-B745-A12A-81E28BB2634E}" srcOrd="1" destOrd="0" presId="urn:microsoft.com/office/officeart/2005/8/layout/hList1"/>
-    <dgm:cxn modelId="{44BA3C50-C44C-784A-9C46-94D27FF2BE0C}" type="presParOf" srcId="{5EBAACFB-B23D-BD4E-9517-1FA1E22FAB56}" destId="{F83BA5AE-ACBD-2440-BCE1-B9FAF4EB95C5}" srcOrd="1" destOrd="0" presId="urn:microsoft.com/office/officeart/2005/8/layout/hList1"/>
-    <dgm:cxn modelId="{6AD6F5FE-04C7-BB45-A9C3-D536C4E89E89}" type="presParOf" srcId="{5EBAACFB-B23D-BD4E-9517-1FA1E22FAB56}" destId="{11E550B8-6D7F-774B-97F8-72F13533C028}" srcOrd="2" destOrd="0" presId="urn:microsoft.com/office/officeart/2005/8/layout/hList1"/>
-    <dgm:cxn modelId="{FB2FF20E-9511-1641-90F1-8C6DEEF86B5F}" type="presParOf" srcId="{11E550B8-6D7F-774B-97F8-72F13533C028}" destId="{0CDEB85D-9A51-DC42-90CB-ADF512BB022A}" srcOrd="0" destOrd="0" presId="urn:microsoft.com/office/officeart/2005/8/layout/hList1"/>
-    <dgm:cxn modelId="{36AF53E7-B163-184A-92BD-513BBD0E4B08}" type="presParOf" srcId="{11E550B8-6D7F-774B-97F8-72F13533C028}" destId="{A3015A7D-FAAC-404C-AC90-76AA2C1E50F9}" srcOrd="1" destOrd="0" presId="urn:microsoft.com/office/officeart/2005/8/layout/hList1"/>
-    <dgm:cxn modelId="{10DBF89D-2A8D-E147-8A6D-17D2306A62EC}" type="presParOf" srcId="{5EBAACFB-B23D-BD4E-9517-1FA1E22FAB56}" destId="{3BFA24CF-35B3-4343-9847-7D05F58D77C1}" srcOrd="3" destOrd="0" presId="urn:microsoft.com/office/officeart/2005/8/layout/hList1"/>
-    <dgm:cxn modelId="{D3B1A577-5D02-754C-8B10-4811575C045B}" type="presParOf" srcId="{5EBAACFB-B23D-BD4E-9517-1FA1E22FAB56}" destId="{CB79DA31-4E1A-A14F-B1A5-3ECDF0C95FCA}" srcOrd="4" destOrd="0" presId="urn:microsoft.com/office/officeart/2005/8/layout/hList1"/>
-    <dgm:cxn modelId="{A6EFC4F0-090B-7644-8703-FE156ED73AAD}" type="presParOf" srcId="{CB79DA31-4E1A-A14F-B1A5-3ECDF0C95FCA}" destId="{39A75A59-F114-5243-B95B-5AAEA8513229}" srcOrd="0" destOrd="0" presId="urn:microsoft.com/office/officeart/2005/8/layout/hList1"/>
-    <dgm:cxn modelId="{36F88FF3-F3E1-0242-846A-7841764B83E6}" type="presParOf" srcId="{CB79DA31-4E1A-A14F-B1A5-3ECDF0C95FCA}" destId="{6C8C4256-C811-6F42-970D-023567063CA1}" srcOrd="1" destOrd="0" presId="urn:microsoft.com/office/officeart/2005/8/layout/hList1"/>
-    <dgm:cxn modelId="{9125D564-E7B0-944C-832B-5045FD65DE6C}" type="presParOf" srcId="{5EBAACFB-B23D-BD4E-9517-1FA1E22FAB56}" destId="{2E323AFA-E098-7540-B927-E56C719A6110}" srcOrd="5" destOrd="0" presId="urn:microsoft.com/office/officeart/2005/8/layout/hList1"/>
-    <dgm:cxn modelId="{BFF53139-08CF-B746-B4DC-4356C5998332}" type="presParOf" srcId="{5EBAACFB-B23D-BD4E-9517-1FA1E22FAB56}" destId="{F33A4F27-1BB9-6842-AD82-EE3E5F969BEB}" srcOrd="6" destOrd="0" presId="urn:microsoft.com/office/officeart/2005/8/layout/hList1"/>
-    <dgm:cxn modelId="{BE4B23A0-5BAB-5940-8B59-99AC51A6E5EF}" type="presParOf" srcId="{F33A4F27-1BB9-6842-AD82-EE3E5F969BEB}" destId="{570E4141-FD07-ED43-9091-7A183931E4A0}" srcOrd="0" destOrd="0" presId="urn:microsoft.com/office/officeart/2005/8/layout/hList1"/>
-    <dgm:cxn modelId="{16A98572-4C4B-CC4D-9629-3FD5A2EED27E}" type="presParOf" srcId="{F33A4F27-1BB9-6842-AD82-EE3E5F969BEB}" destId="{BF73365E-28D5-9944-9420-FDD5D5FE2908}" srcOrd="1" destOrd="0" presId="urn:microsoft.com/office/officeart/2005/8/layout/hList1"/>
-    <dgm:cxn modelId="{E061DA23-E55E-4643-A156-D870D755FB30}" type="presParOf" srcId="{5EBAACFB-B23D-BD4E-9517-1FA1E22FAB56}" destId="{B05EBB58-D9F4-2342-8184-7CD8F7EB9512}" srcOrd="7" destOrd="0" presId="urn:microsoft.com/office/officeart/2005/8/layout/hList1"/>
-    <dgm:cxn modelId="{08251C92-35AC-3E4B-8644-B90BC446198C}" type="presParOf" srcId="{5EBAACFB-B23D-BD4E-9517-1FA1E22FAB56}" destId="{13B07CAB-50C2-3D48-9FA1-8D90B0DD2A51}" srcOrd="8" destOrd="0" presId="urn:microsoft.com/office/officeart/2005/8/layout/hList1"/>
-    <dgm:cxn modelId="{51F1D365-1A1A-A849-BE50-2A6FAD07670B}" type="presParOf" srcId="{13B07CAB-50C2-3D48-9FA1-8D90B0DD2A51}" destId="{B0F629A0-BD59-A343-8105-05130BF8E144}" srcOrd="0" destOrd="0" presId="urn:microsoft.com/office/officeart/2005/8/layout/hList1"/>
-    <dgm:cxn modelId="{E693585B-EE0C-9742-9383-8881FD7011C0}" type="presParOf" srcId="{13B07CAB-50C2-3D48-9FA1-8D90B0DD2A51}" destId="{3098161A-57FD-4C4E-B4FF-4B4A1BB677BC}" srcOrd="1" destOrd="0" presId="urn:microsoft.com/office/officeart/2005/8/layout/hList1"/>
+    <dgm:cxn modelId="{94AB4DFC-E63E-FB44-82AA-55985B1328E2}" type="presParOf" srcId="{4480458D-E09D-3F42-8666-939ABA70CA68}" destId="{507CB2C6-83A7-2040-B58D-AE72E923EFA8}" srcOrd="0" destOrd="0" presId="urn:microsoft.com/office/officeart/2005/8/layout/hList1"/>
+    <dgm:cxn modelId="{1038F99A-ABF7-B942-8C20-61EC4962B4BA}" type="presParOf" srcId="{507CB2C6-83A7-2040-B58D-AE72E923EFA8}" destId="{B92C2A35-BA71-C947-915E-F4DC7442EC9F}" srcOrd="0" destOrd="0" presId="urn:microsoft.com/office/officeart/2005/8/layout/hList1"/>
+    <dgm:cxn modelId="{0369137D-2C43-1045-9BD6-94F8EDFE5DF3}" type="presParOf" srcId="{507CB2C6-83A7-2040-B58D-AE72E923EFA8}" destId="{CE41BC9C-0369-1948-A22A-9FFDCF3F656E}" srcOrd="1" destOrd="0" presId="urn:microsoft.com/office/officeart/2005/8/layout/hList1"/>
+    <dgm:cxn modelId="{E12F8582-66C6-DC40-92B5-1EBB3C28F59B}" type="presParOf" srcId="{4480458D-E09D-3F42-8666-939ABA70CA68}" destId="{49546F35-4BF2-334B-AF59-A46E46DC9E9D}" srcOrd="1" destOrd="0" presId="urn:microsoft.com/office/officeart/2005/8/layout/hList1"/>
+    <dgm:cxn modelId="{51A17D05-5DDB-154D-A65A-4CBAD67B9DE8}" type="presParOf" srcId="{4480458D-E09D-3F42-8666-939ABA70CA68}" destId="{FAF4E183-78E1-8045-B1EE-12965E7BB250}" srcOrd="2" destOrd="0" presId="urn:microsoft.com/office/officeart/2005/8/layout/hList1"/>
+    <dgm:cxn modelId="{19BF756E-1711-974D-9691-39CDDD9881BF}" type="presParOf" srcId="{FAF4E183-78E1-8045-B1EE-12965E7BB250}" destId="{F213BFC7-37F7-5449-91CB-93B754CD8CEB}" srcOrd="0" destOrd="0" presId="urn:microsoft.com/office/officeart/2005/8/layout/hList1"/>
+    <dgm:cxn modelId="{F7C09DA7-CC1C-9241-9ED9-1C451C90C26D}" type="presParOf" srcId="{FAF4E183-78E1-8045-B1EE-12965E7BB250}" destId="{7004DD0C-5A86-7142-B52D-E2333164E475}" srcOrd="1" destOrd="0" presId="urn:microsoft.com/office/officeart/2005/8/layout/hList1"/>
+    <dgm:cxn modelId="{FF7B146A-A570-E348-88DF-A560883D8FBD}" type="presParOf" srcId="{4480458D-E09D-3F42-8666-939ABA70CA68}" destId="{A01D2790-EA11-3A4E-9406-A1F70C05A453}" srcOrd="3" destOrd="0" presId="urn:microsoft.com/office/officeart/2005/8/layout/hList1"/>
+    <dgm:cxn modelId="{26520390-49B7-F440-A7AF-C349D1EBCD24}" type="presParOf" srcId="{4480458D-E09D-3F42-8666-939ABA70CA68}" destId="{4E3D5CE4-31AD-6E43-9343-6BDEFFBE9996}" srcOrd="4" destOrd="0" presId="urn:microsoft.com/office/officeart/2005/8/layout/hList1"/>
+    <dgm:cxn modelId="{3548CDE2-D12C-A046-9A34-88956BB5A4E1}" type="presParOf" srcId="{4E3D5CE4-31AD-6E43-9343-6BDEFFBE9996}" destId="{EC1D1830-C299-014C-83A0-889B4832154E}" srcOrd="0" destOrd="0" presId="urn:microsoft.com/office/officeart/2005/8/layout/hList1"/>
+    <dgm:cxn modelId="{8C082434-8D60-E24F-98E6-FC4152E91104}" type="presParOf" srcId="{4E3D5CE4-31AD-6E43-9343-6BDEFFBE9996}" destId="{2344A915-9AFA-AC4F-894D-A7336A379233}" srcOrd="1" destOrd="0" presId="urn:microsoft.com/office/officeart/2005/8/layout/hList1"/>
+    <dgm:cxn modelId="{1EAF8DA1-77E3-6048-935B-39AB5DDCFA6B}" type="presParOf" srcId="{4480458D-E09D-3F42-8666-939ABA70CA68}" destId="{5FFCAB0A-8BBE-F543-98F1-F9B9376A19F3}" srcOrd="5" destOrd="0" presId="urn:microsoft.com/office/officeart/2005/8/layout/hList1"/>
+    <dgm:cxn modelId="{A11A4859-5779-2348-A6E5-6B01F6B409A0}" type="presParOf" srcId="{4480458D-E09D-3F42-8666-939ABA70CA68}" destId="{5E891A14-CE2D-EE41-90AB-CB8565CCBF0B}" srcOrd="6" destOrd="0" presId="urn:microsoft.com/office/officeart/2005/8/layout/hList1"/>
+    <dgm:cxn modelId="{9C45B9F9-4FD2-EF4C-973B-2AECC66EE0F0}" type="presParOf" srcId="{5E891A14-CE2D-EE41-90AB-CB8565CCBF0B}" destId="{5C642EE7-F46F-684B-915D-0D39C3B97B72}" srcOrd="0" destOrd="0" presId="urn:microsoft.com/office/officeart/2005/8/layout/hList1"/>
+    <dgm:cxn modelId="{DDDA6374-7CD6-8D43-9896-13F33BADD0F1}" type="presParOf" srcId="{5E891A14-CE2D-EE41-90AB-CB8565CCBF0B}" destId="{CED8DECD-1DA5-9B41-974E-69B3684004EB}" srcOrd="1" destOrd="0" presId="urn:microsoft.com/office/officeart/2005/8/layout/hList1"/>
+    <dgm:cxn modelId="{BBE743E0-02C3-C743-A376-396A210FE59A}" type="presParOf" srcId="{4480458D-E09D-3F42-8666-939ABA70CA68}" destId="{7A49F5D0-CD3F-2749-ABE3-C199F0B37BA5}" srcOrd="7" destOrd="0" presId="urn:microsoft.com/office/officeart/2005/8/layout/hList1"/>
+    <dgm:cxn modelId="{5D756010-7B12-F64F-A4DC-83D42BFF1A14}" type="presParOf" srcId="{4480458D-E09D-3F42-8666-939ABA70CA68}" destId="{303D4D10-9F17-9141-BDE9-099E02B4ABBF}" srcOrd="8" destOrd="0" presId="urn:microsoft.com/office/officeart/2005/8/layout/hList1"/>
+    <dgm:cxn modelId="{38394EC0-9F24-2B4E-83AA-3F87C7CC5A4C}" type="presParOf" srcId="{303D4D10-9F17-9141-BDE9-099E02B4ABBF}" destId="{5917E128-219F-1E44-87BA-D09B99447936}" srcOrd="0" destOrd="0" presId="urn:microsoft.com/office/officeart/2005/8/layout/hList1"/>
+    <dgm:cxn modelId="{B753AFBC-51B1-3046-A9F7-F020B33633AC}" type="presParOf" srcId="{303D4D10-9F17-9141-BDE9-099E02B4ABBF}" destId="{D751903A-223F-214D-B6D1-9549C39ECE22}" srcOrd="1" destOrd="0" presId="urn:microsoft.com/office/officeart/2005/8/layout/hList1"/>
   </dgm:cxnLst>
   <dgm:bg/>
   <dgm:whole/>
@@ -6072,21 +6657,21 @@
       <dsp:cNvGrpSpPr/>
     </dsp:nvGrpSpPr>
     <dsp:grpSpPr/>
-    <dsp:sp modelId="{63B9B307-9835-7B4B-8F93-07E7D87B9FDC}">
+    <dsp:sp modelId="{B92C2A35-BA71-C947-915E-F4DC7442EC9F}">
       <dsp:nvSpPr>
         <dsp:cNvPr id="0" name=""/>
         <dsp:cNvSpPr/>
       </dsp:nvSpPr>
       <dsp:spPr>
         <a:xfrm>
-          <a:off x="4857" y="455690"/>
-          <a:ext cx="1862137" cy="432000"/>
+          <a:off x="5364" y="20427"/>
+          <a:ext cx="2056477" cy="288000"/>
         </a:xfrm>
         <a:prstGeom prst="rect">
           <a:avLst/>
         </a:prstGeom>
         <a:solidFill>
-          <a:schemeClr val="accent2">
+          <a:schemeClr val="accent5">
             <a:hueOff val="0"/>
             <a:satOff val="0"/>
             <a:lumOff val="0"/>
@@ -6095,7 +6680,7 @@
         </a:solidFill>
         <a:ln w="12700" cap="flat" cmpd="sng" algn="ctr">
           <a:solidFill>
-            <a:schemeClr val="accent2">
+            <a:schemeClr val="accent5">
               <a:hueOff val="0"/>
               <a:satOff val="0"/>
               <a:lumOff val="0"/>
@@ -6122,12 +6707,12 @@
         </a:fontRef>
       </dsp:style>
       <dsp:txBody>
-        <a:bodyPr spcFirstLastPara="0" vert="horz" wrap="square" lIns="106680" tIns="60960" rIns="106680" bIns="60960" numCol="1" spcCol="1270" anchor="ctr" anchorCtr="0">
+        <a:bodyPr spcFirstLastPara="0" vert="horz" wrap="square" lIns="71120" tIns="40640" rIns="71120" bIns="40640" numCol="1" spcCol="1270" anchor="ctr" anchorCtr="0">
           <a:noAutofit/>
         </a:bodyPr>
         <a:lstStyle/>
         <a:p>
-          <a:pPr marL="0" lvl="0" indent="0" algn="ctr" defTabSz="666750">
+          <a:pPr marL="0" lvl="0" indent="0" algn="ctr" defTabSz="444500">
             <a:lnSpc>
               <a:spcPct val="90000"/>
             </a:lnSpc>
@@ -6141,31 +6726,31 @@
             <a:defRPr b="1"/>
           </a:pPr>
           <a:r>
-            <a:rPr lang="en-US" sz="1500" kern="1200"/>
+            <a:rPr lang="en-US" sz="1000" kern="1200"/>
             <a:t>Data cleaning</a:t>
           </a:r>
         </a:p>
       </dsp:txBody>
       <dsp:txXfrm>
-        <a:off x="4857" y="455690"/>
-        <a:ext cx="1862137" cy="432000"/>
+        <a:off x="5364" y="20427"/>
+        <a:ext cx="2056477" cy="288000"/>
       </dsp:txXfrm>
     </dsp:sp>
-    <dsp:sp modelId="{8A426991-5E41-B745-A12A-81E28BB2634E}">
+    <dsp:sp modelId="{CE41BC9C-0369-1948-A22A-9FFDCF3F656E}">
       <dsp:nvSpPr>
         <dsp:cNvPr id="0" name=""/>
         <dsp:cNvSpPr/>
       </dsp:nvSpPr>
       <dsp:spPr>
         <a:xfrm>
-          <a:off x="4857" y="887690"/>
-          <a:ext cx="1862137" cy="2346975"/>
+          <a:off x="5364" y="308427"/>
+          <a:ext cx="2056477" cy="4076325"/>
         </a:xfrm>
         <a:prstGeom prst="rect">
           <a:avLst/>
         </a:prstGeom>
         <a:solidFill>
-          <a:schemeClr val="accent2">
+          <a:schemeClr val="accent5">
             <a:tint val="40000"/>
             <a:alpha val="90000"/>
             <a:hueOff val="0"/>
@@ -6176,7 +6761,7 @@
         </a:solidFill>
         <a:ln w="12700" cap="flat" cmpd="sng" algn="ctr">
           <a:solidFill>
-            <a:schemeClr val="accent2">
+            <a:schemeClr val="accent5">
               <a:tint val="40000"/>
               <a:alpha val="90000"/>
               <a:hueOff val="0"/>
@@ -6203,12 +6788,12 @@
         <a:fontRef idx="minor"/>
       </dsp:style>
       <dsp:txBody>
-        <a:bodyPr spcFirstLastPara="0" vert="horz" wrap="square" lIns="80010" tIns="80010" rIns="106680" bIns="120015" numCol="1" spcCol="1270" anchor="t" anchorCtr="0">
+        <a:bodyPr spcFirstLastPara="0" vert="horz" wrap="square" lIns="53340" tIns="53340" rIns="71120" bIns="80010" numCol="1" spcCol="1270" anchor="t" anchorCtr="0">
           <a:noAutofit/>
         </a:bodyPr>
         <a:lstStyle/>
         <a:p>
-          <a:pPr marL="114300" lvl="1" indent="-114300" algn="l" defTabSz="666750">
+          <a:pPr marL="57150" lvl="1" indent="-57150" algn="l" defTabSz="444500">
             <a:lnSpc>
               <a:spcPct val="90000"/>
             </a:lnSpc>
@@ -6221,12 +6806,12 @@
             <a:buChar char="•"/>
           </a:pPr>
           <a:r>
-            <a:rPr lang="en-US" sz="1500" kern="1200" dirty="0"/>
-            <a:t>Imputed missing values with mean and mode</a:t>
+            <a:rPr lang="en-US" sz="1000" kern="1200" dirty="0"/>
+            <a:t>Dropped rows with missing and invalid values (94, 97, 98, 99)</a:t>
           </a:r>
         </a:p>
         <a:p>
-          <a:pPr marL="114300" lvl="1" indent="-114300" algn="l" defTabSz="666750">
+          <a:pPr marL="57150" lvl="1" indent="-57150" algn="l" defTabSz="444500">
             <a:lnSpc>
               <a:spcPct val="90000"/>
             </a:lnSpc>
@@ -6239,12 +6824,12 @@
             <a:buChar char="•"/>
           </a:pPr>
           <a:r>
-            <a:rPr lang="en-US" sz="1500" kern="1200"/>
-            <a:t>Renamed variables to be more readable</a:t>
+            <a:rPr lang="en-US" sz="1000" kern="1200" dirty="0"/>
+            <a:t>Mapped binary variables to 0/1</a:t>
           </a:r>
         </a:p>
         <a:p>
-          <a:pPr marL="114300" lvl="1" indent="-114300" algn="l" defTabSz="666750">
+          <a:pPr marL="57150" lvl="1" indent="-57150" algn="l" defTabSz="444500">
             <a:lnSpc>
               <a:spcPct val="90000"/>
             </a:lnSpc>
@@ -6257,43 +6842,79 @@
             <a:buChar char="•"/>
           </a:pPr>
           <a:r>
-            <a:rPr lang="en-US" sz="1500" kern="1200"/>
+            <a:rPr lang="en-US" sz="1000" kern="1200" dirty="0"/>
+            <a:t>One hot encoded categorical variables</a:t>
+          </a:r>
+        </a:p>
+        <a:p>
+          <a:pPr marL="57150" lvl="1" indent="-57150" algn="l" defTabSz="444500">
+            <a:lnSpc>
+              <a:spcPct val="90000"/>
+            </a:lnSpc>
+            <a:spcBef>
+              <a:spcPct val="0"/>
+            </a:spcBef>
+            <a:spcAft>
+              <a:spcPct val="15000"/>
+            </a:spcAft>
+            <a:buChar char="•"/>
+          </a:pPr>
+          <a:r>
+            <a:rPr lang="en-US" sz="1000" kern="1200" dirty="0"/>
+            <a:t>Renamed variables to be more readable/interpretable</a:t>
+          </a:r>
+        </a:p>
+        <a:p>
+          <a:pPr marL="57150" lvl="1" indent="-57150" algn="l" defTabSz="444500">
+            <a:lnSpc>
+              <a:spcPct val="90000"/>
+            </a:lnSpc>
+            <a:spcBef>
+              <a:spcPct val="0"/>
+            </a:spcBef>
+            <a:spcAft>
+              <a:spcPct val="15000"/>
+            </a:spcAft>
+            <a:buChar char="•"/>
+          </a:pPr>
+          <a:r>
+            <a:rPr lang="en-US" sz="1000" kern="1200" dirty="0"/>
             <a:t>Mapped ordinal labels to midpoints for regression</a:t>
           </a:r>
         </a:p>
       </dsp:txBody>
       <dsp:txXfrm>
-        <a:off x="4857" y="887690"/>
-        <a:ext cx="1862137" cy="2346975"/>
+        <a:off x="5364" y="308427"/>
+        <a:ext cx="2056477" cy="4076325"/>
       </dsp:txXfrm>
     </dsp:sp>
-    <dsp:sp modelId="{0CDEB85D-9A51-DC42-90CB-ADF512BB022A}">
+    <dsp:sp modelId="{F213BFC7-37F7-5449-91CB-93B754CD8CEB}">
       <dsp:nvSpPr>
         <dsp:cNvPr id="0" name=""/>
         <dsp:cNvSpPr/>
       </dsp:nvSpPr>
       <dsp:spPr>
         <a:xfrm>
-          <a:off x="2127694" y="455690"/>
-          <a:ext cx="1862137" cy="432000"/>
+          <a:off x="2349749" y="20427"/>
+          <a:ext cx="2056477" cy="288000"/>
         </a:xfrm>
         <a:prstGeom prst="rect">
           <a:avLst/>
         </a:prstGeom>
         <a:solidFill>
-          <a:schemeClr val="accent2">
-            <a:hueOff val="1768024"/>
-            <a:satOff val="-6660"/>
-            <a:lumOff val="5588"/>
+          <a:schemeClr val="accent5">
+            <a:hueOff val="2252699"/>
+            <a:satOff val="-5635"/>
+            <a:lumOff val="-6127"/>
             <a:alphaOff val="0"/>
           </a:schemeClr>
         </a:solidFill>
         <a:ln w="12700" cap="flat" cmpd="sng" algn="ctr">
           <a:solidFill>
-            <a:schemeClr val="accent2">
-              <a:hueOff val="1768024"/>
-              <a:satOff val="-6660"/>
-              <a:lumOff val="5588"/>
+            <a:schemeClr val="accent5">
+              <a:hueOff val="2252699"/>
+              <a:satOff val="-5635"/>
+              <a:lumOff val="-6127"/>
               <a:alphaOff val="0"/>
             </a:schemeClr>
           </a:solidFill>
@@ -6317,12 +6938,12 @@
         </a:fontRef>
       </dsp:style>
       <dsp:txBody>
-        <a:bodyPr spcFirstLastPara="0" vert="horz" wrap="square" lIns="106680" tIns="60960" rIns="106680" bIns="60960" numCol="1" spcCol="1270" anchor="ctr" anchorCtr="0">
+        <a:bodyPr spcFirstLastPara="0" vert="horz" wrap="square" lIns="71120" tIns="40640" rIns="71120" bIns="40640" numCol="1" spcCol="1270" anchor="ctr" anchorCtr="0">
           <a:noAutofit/>
         </a:bodyPr>
         <a:lstStyle/>
         <a:p>
-          <a:pPr marL="0" lvl="0" indent="0" algn="ctr" defTabSz="666750">
+          <a:pPr marL="0" lvl="0" indent="0" algn="ctr" defTabSz="444500">
             <a:lnSpc>
               <a:spcPct val="90000"/>
             </a:lnSpc>
@@ -6336,47 +6957,47 @@
             <a:defRPr b="1"/>
           </a:pPr>
           <a:r>
-            <a:rPr lang="en-US" sz="1500" kern="1200"/>
+            <a:rPr lang="en-US" sz="1000" kern="1200"/>
             <a:t>Variables</a:t>
           </a:r>
         </a:p>
       </dsp:txBody>
       <dsp:txXfrm>
-        <a:off x="2127694" y="455690"/>
-        <a:ext cx="1862137" cy="432000"/>
+        <a:off x="2349749" y="20427"/>
+        <a:ext cx="2056477" cy="288000"/>
       </dsp:txXfrm>
     </dsp:sp>
-    <dsp:sp modelId="{A3015A7D-FAAC-404C-AC90-76AA2C1E50F9}">
+    <dsp:sp modelId="{7004DD0C-5A86-7142-B52D-E2333164E475}">
       <dsp:nvSpPr>
         <dsp:cNvPr id="0" name=""/>
         <dsp:cNvSpPr/>
       </dsp:nvSpPr>
       <dsp:spPr>
         <a:xfrm>
-          <a:off x="2127694" y="887690"/>
-          <a:ext cx="1862137" cy="2346975"/>
+          <a:off x="2349749" y="308427"/>
+          <a:ext cx="2056477" cy="4076325"/>
         </a:xfrm>
         <a:prstGeom prst="rect">
           <a:avLst/>
         </a:prstGeom>
         <a:solidFill>
-          <a:schemeClr val="accent2">
+          <a:schemeClr val="accent5">
             <a:tint val="40000"/>
             <a:alpha val="90000"/>
-            <a:hueOff val="1853719"/>
-            <a:satOff val="-1852"/>
-            <a:lumOff val="854"/>
+            <a:hueOff val="2066773"/>
+            <a:satOff val="-14735"/>
+            <a:lumOff val="-1335"/>
             <a:alphaOff val="0"/>
           </a:schemeClr>
         </a:solidFill>
         <a:ln w="12700" cap="flat" cmpd="sng" algn="ctr">
           <a:solidFill>
-            <a:schemeClr val="accent2">
+            <a:schemeClr val="accent5">
               <a:tint val="40000"/>
               <a:alpha val="90000"/>
-              <a:hueOff val="1853719"/>
-              <a:satOff val="-1852"/>
-              <a:lumOff val="854"/>
+              <a:hueOff val="2066773"/>
+              <a:satOff val="-14735"/>
+              <a:lumOff val="-1335"/>
               <a:alphaOff val="0"/>
             </a:schemeClr>
           </a:solidFill>
@@ -6398,12 +7019,12 @@
         <a:fontRef idx="minor"/>
       </dsp:style>
       <dsp:txBody>
-        <a:bodyPr spcFirstLastPara="0" vert="horz" wrap="square" lIns="80010" tIns="80010" rIns="106680" bIns="120015" numCol="1" spcCol="1270" anchor="t" anchorCtr="0">
+        <a:bodyPr spcFirstLastPara="0" vert="horz" wrap="square" lIns="53340" tIns="53340" rIns="71120" bIns="80010" numCol="1" spcCol="1270" anchor="t" anchorCtr="0">
           <a:noAutofit/>
         </a:bodyPr>
         <a:lstStyle/>
         <a:p>
-          <a:pPr marL="114300" lvl="1" indent="-114300" algn="l" defTabSz="666750">
+          <a:pPr marL="57150" lvl="1" indent="-57150" algn="l" defTabSz="444500">
             <a:lnSpc>
               <a:spcPct val="90000"/>
             </a:lnSpc>
@@ -6416,43 +7037,295 @@
             <a:buChar char="•"/>
           </a:pPr>
           <a:r>
-            <a:rPr lang="en-US" sz="1500" kern="1200" dirty="0"/>
-            <a:t>Picked 16 variables of interest across peer, education, family, etc.</a:t>
+            <a:rPr lang="en-US" sz="1000" kern="1200" dirty="0"/>
+            <a:t>Average grade, highest grade completed</a:t>
+          </a:r>
+        </a:p>
+        <a:p>
+          <a:pPr marL="57150" lvl="1" indent="-57150" algn="l" defTabSz="444500">
+            <a:lnSpc>
+              <a:spcPct val="90000"/>
+            </a:lnSpc>
+            <a:spcBef>
+              <a:spcPct val="0"/>
+            </a:spcBef>
+            <a:spcAft>
+              <a:spcPct val="15000"/>
+            </a:spcAft>
+            <a:buChar char="•"/>
+          </a:pPr>
+          <a:r>
+            <a:rPr lang="en-US" sz="1000" kern="1200" dirty="0"/>
+            <a:t>Days of school skipped</a:t>
+          </a:r>
+        </a:p>
+        <a:p>
+          <a:pPr marL="57150" lvl="1" indent="-57150" algn="l" defTabSz="444500">
+            <a:lnSpc>
+              <a:spcPct val="90000"/>
+            </a:lnSpc>
+            <a:spcBef>
+              <a:spcPct val="0"/>
+            </a:spcBef>
+            <a:spcAft>
+              <a:spcPct val="15000"/>
+            </a:spcAft>
+            <a:buChar char="•"/>
+          </a:pPr>
+          <a:r>
+            <a:rPr lang="en-US" sz="1000" kern="1200" dirty="0"/>
+            <a:t>Parent checks/helps homework</a:t>
+          </a:r>
+        </a:p>
+        <a:p>
+          <a:pPr marL="57150" lvl="1" indent="-57150" algn="l" defTabSz="444500">
+            <a:lnSpc>
+              <a:spcPct val="90000"/>
+            </a:lnSpc>
+            <a:spcBef>
+              <a:spcPct val="0"/>
+            </a:spcBef>
+            <a:spcAft>
+              <a:spcPct val="15000"/>
+            </a:spcAft>
+            <a:buChar char="•"/>
+          </a:pPr>
+          <a:r>
+            <a:rPr lang="en-US" sz="1000" kern="1200" dirty="0"/>
+            <a:t>parent limits tv time, time out on school nights</a:t>
+          </a:r>
+        </a:p>
+        <a:p>
+          <a:pPr marL="57150" lvl="1" indent="-57150" algn="l" defTabSz="444500">
+            <a:lnSpc>
+              <a:spcPct val="90000"/>
+            </a:lnSpc>
+            <a:spcBef>
+              <a:spcPct val="0"/>
+            </a:spcBef>
+            <a:spcAft>
+              <a:spcPct val="15000"/>
+            </a:spcAft>
+            <a:buChar char="•"/>
+          </a:pPr>
+          <a:r>
+            <a:rPr lang="en-US" sz="1000" kern="1200" dirty="0"/>
+            <a:t>parent acknowledges good job</a:t>
+          </a:r>
+        </a:p>
+        <a:p>
+          <a:pPr marL="57150" lvl="1" indent="-57150" algn="l" defTabSz="444500">
+            <a:lnSpc>
+              <a:spcPct val="90000"/>
+            </a:lnSpc>
+            <a:spcBef>
+              <a:spcPct val="0"/>
+            </a:spcBef>
+            <a:spcAft>
+              <a:spcPct val="15000"/>
+            </a:spcAft>
+            <a:buChar char="•"/>
+          </a:pPr>
+          <a:r>
+            <a:rPr lang="en-US" sz="1000" kern="1200" dirty="0"/>
+            <a:t>times argued with parent</a:t>
+          </a:r>
+        </a:p>
+        <a:p>
+          <a:pPr marL="57150" lvl="1" indent="-57150" algn="l" defTabSz="444500">
+            <a:lnSpc>
+              <a:spcPct val="90000"/>
+            </a:lnSpc>
+            <a:spcBef>
+              <a:spcPct val="0"/>
+            </a:spcBef>
+            <a:spcAft>
+              <a:spcPct val="15000"/>
+            </a:spcAft>
+            <a:buChar char="•"/>
+          </a:pPr>
+          <a:r>
+            <a:rPr lang="en-US" sz="1000" kern="1200" dirty="0"/>
+            <a:t>how close friends feel about about trying/using marijuana</a:t>
+          </a:r>
+        </a:p>
+        <a:p>
+          <a:pPr marL="57150" lvl="1" indent="-57150" algn="l" defTabSz="444500">
+            <a:lnSpc>
+              <a:spcPct val="90000"/>
+            </a:lnSpc>
+            <a:spcBef>
+              <a:spcPct val="0"/>
+            </a:spcBef>
+            <a:spcAft>
+              <a:spcPct val="15000"/>
+            </a:spcAft>
+            <a:buChar char="•"/>
+          </a:pPr>
+          <a:r>
+            <a:rPr lang="en-US" sz="1000" kern="1200" dirty="0"/>
+            <a:t>how the youth felt about going to school</a:t>
+          </a:r>
+        </a:p>
+        <a:p>
+          <a:pPr marL="57150" lvl="1" indent="-57150" algn="l" defTabSz="444500">
+            <a:lnSpc>
+              <a:spcPct val="90000"/>
+            </a:lnSpc>
+            <a:spcBef>
+              <a:spcPct val="0"/>
+            </a:spcBef>
+            <a:spcAft>
+              <a:spcPct val="15000"/>
+            </a:spcAft>
+            <a:buChar char="•"/>
+          </a:pPr>
+          <a:r>
+            <a:rPr lang="en-US" sz="1000" kern="1200" dirty="0"/>
+            <a:t>who youth talks to about serious problems</a:t>
+          </a:r>
+        </a:p>
+        <a:p>
+          <a:pPr marL="57150" lvl="1" indent="-57150" algn="l" defTabSz="444500">
+            <a:lnSpc>
+              <a:spcPct val="90000"/>
+            </a:lnSpc>
+            <a:spcBef>
+              <a:spcPct val="0"/>
+            </a:spcBef>
+            <a:spcAft>
+              <a:spcPct val="15000"/>
+            </a:spcAft>
+            <a:buChar char="•"/>
+          </a:pPr>
+          <a:r>
+            <a:rPr lang="en-US" sz="1000" kern="1200" dirty="0"/>
+            <a:t>talked with parent about substances</a:t>
+          </a:r>
+        </a:p>
+        <a:p>
+          <a:pPr marL="57150" lvl="1" indent="-57150" algn="l" defTabSz="444500">
+            <a:lnSpc>
+              <a:spcPct val="90000"/>
+            </a:lnSpc>
+            <a:spcBef>
+              <a:spcPct val="0"/>
+            </a:spcBef>
+            <a:spcAft>
+              <a:spcPct val="15000"/>
+            </a:spcAft>
+            <a:buChar char="•"/>
+          </a:pPr>
+          <a:r>
+            <a:rPr lang="en-US" sz="1000" kern="1200" dirty="0"/>
+            <a:t>participated in problem solving group, substance prevention group, substance group counseling, pregnancy prevention program, government assistance program</a:t>
+          </a:r>
+        </a:p>
+        <a:p>
+          <a:pPr marL="57150" lvl="1" indent="-57150" algn="l" defTabSz="444500">
+            <a:lnSpc>
+              <a:spcPct val="90000"/>
+            </a:lnSpc>
+            <a:spcBef>
+              <a:spcPct val="0"/>
+            </a:spcBef>
+            <a:spcAft>
+              <a:spcPct val="15000"/>
+            </a:spcAft>
+            <a:buChar char="•"/>
+          </a:pPr>
+          <a:r>
+            <a:rPr lang="en-US" sz="1000" kern="1200" dirty="0"/>
+            <a:t>Sex, race, health status</a:t>
+          </a:r>
+        </a:p>
+        <a:p>
+          <a:pPr marL="57150" lvl="1" indent="-57150" algn="l" defTabSz="444500">
+            <a:lnSpc>
+              <a:spcPct val="90000"/>
+            </a:lnSpc>
+            <a:spcBef>
+              <a:spcPct val="0"/>
+            </a:spcBef>
+            <a:spcAft>
+              <a:spcPct val="15000"/>
+            </a:spcAft>
+            <a:buChar char="•"/>
+          </a:pPr>
+          <a:r>
+            <a:rPr lang="en-US" sz="1000" kern="1200" dirty="0"/>
+            <a:t>Is mother/father present</a:t>
+          </a:r>
+        </a:p>
+        <a:p>
+          <a:pPr marL="57150" lvl="1" indent="-57150" algn="l" defTabSz="444500">
+            <a:lnSpc>
+              <a:spcPct val="90000"/>
+            </a:lnSpc>
+            <a:spcBef>
+              <a:spcPct val="0"/>
+            </a:spcBef>
+            <a:spcAft>
+              <a:spcPct val="15000"/>
+            </a:spcAft>
+            <a:buChar char="•"/>
+          </a:pPr>
+          <a:r>
+            <a:rPr lang="en-US" sz="1000" kern="1200" dirty="0"/>
+            <a:t>household income</a:t>
+          </a:r>
+        </a:p>
+        <a:p>
+          <a:pPr marL="57150" lvl="1" indent="-57150" algn="l" defTabSz="444500">
+            <a:lnSpc>
+              <a:spcPct val="90000"/>
+            </a:lnSpc>
+            <a:spcBef>
+              <a:spcPct val="0"/>
+            </a:spcBef>
+            <a:spcAft>
+              <a:spcPct val="15000"/>
+            </a:spcAft>
+            <a:buChar char="•"/>
+          </a:pPr>
+          <a:r>
+            <a:rPr lang="en-US" sz="1000" kern="1200" dirty="0"/>
+            <a:t>poverty level</a:t>
           </a:r>
         </a:p>
       </dsp:txBody>
       <dsp:txXfrm>
-        <a:off x="2127694" y="887690"/>
-        <a:ext cx="1862137" cy="2346975"/>
+        <a:off x="2349749" y="308427"/>
+        <a:ext cx="2056477" cy="4076325"/>
       </dsp:txXfrm>
     </dsp:sp>
-    <dsp:sp modelId="{39A75A59-F114-5243-B95B-5AAEA8513229}">
+    <dsp:sp modelId="{EC1D1830-C299-014C-83A0-889B4832154E}">
       <dsp:nvSpPr>
         <dsp:cNvPr id="0" name=""/>
         <dsp:cNvSpPr/>
       </dsp:nvSpPr>
       <dsp:spPr>
         <a:xfrm>
-          <a:off x="4250531" y="455690"/>
-          <a:ext cx="1862137" cy="432000"/>
+          <a:off x="4694134" y="20427"/>
+          <a:ext cx="2056477" cy="288000"/>
         </a:xfrm>
         <a:prstGeom prst="rect">
           <a:avLst/>
         </a:prstGeom>
         <a:solidFill>
-          <a:schemeClr val="accent2">
-            <a:hueOff val="3536049"/>
-            <a:satOff val="-13319"/>
-            <a:lumOff val="11176"/>
+          <a:schemeClr val="accent5">
+            <a:hueOff val="4505397"/>
+            <a:satOff val="-11270"/>
+            <a:lumOff val="-12255"/>
             <a:alphaOff val="0"/>
           </a:schemeClr>
         </a:solidFill>
         <a:ln w="12700" cap="flat" cmpd="sng" algn="ctr">
           <a:solidFill>
-            <a:schemeClr val="accent2">
-              <a:hueOff val="3536049"/>
-              <a:satOff val="-13319"/>
-              <a:lumOff val="11176"/>
+            <a:schemeClr val="accent5">
+              <a:hueOff val="4505397"/>
+              <a:satOff val="-11270"/>
+              <a:lumOff val="-12255"/>
               <a:alphaOff val="0"/>
             </a:schemeClr>
           </a:solidFill>
@@ -6476,12 +7349,12 @@
         </a:fontRef>
       </dsp:style>
       <dsp:txBody>
-        <a:bodyPr spcFirstLastPara="0" vert="horz" wrap="square" lIns="106680" tIns="60960" rIns="106680" bIns="60960" numCol="1" spcCol="1270" anchor="ctr" anchorCtr="0">
+        <a:bodyPr spcFirstLastPara="0" vert="horz" wrap="square" lIns="71120" tIns="40640" rIns="71120" bIns="40640" numCol="1" spcCol="1270" anchor="ctr" anchorCtr="0">
           <a:noAutofit/>
         </a:bodyPr>
         <a:lstStyle/>
         <a:p>
-          <a:pPr marL="0" lvl="0" indent="0" algn="ctr" defTabSz="666750">
+          <a:pPr marL="0" lvl="0" indent="0" algn="ctr" defTabSz="444500">
             <a:lnSpc>
               <a:spcPct val="90000"/>
             </a:lnSpc>
@@ -6495,47 +7368,47 @@
             <a:defRPr b="1"/>
           </a:pPr>
           <a:r>
-            <a:rPr lang="en-US" sz="1500" kern="1200"/>
+            <a:rPr lang="en-US" sz="1000" kern="1200"/>
             <a:t>Hyperparameters</a:t>
           </a:r>
         </a:p>
       </dsp:txBody>
       <dsp:txXfrm>
-        <a:off x="4250531" y="455690"/>
-        <a:ext cx="1862137" cy="432000"/>
+        <a:off x="4694134" y="20427"/>
+        <a:ext cx="2056477" cy="288000"/>
       </dsp:txXfrm>
     </dsp:sp>
-    <dsp:sp modelId="{6C8C4256-C811-6F42-970D-023567063CA1}">
+    <dsp:sp modelId="{2344A915-9AFA-AC4F-894D-A7336A379233}">
       <dsp:nvSpPr>
         <dsp:cNvPr id="0" name=""/>
         <dsp:cNvSpPr/>
       </dsp:nvSpPr>
       <dsp:spPr>
         <a:xfrm>
-          <a:off x="4250531" y="887690"/>
-          <a:ext cx="1862137" cy="2346975"/>
+          <a:off x="4694134" y="308427"/>
+          <a:ext cx="2056477" cy="4076325"/>
         </a:xfrm>
         <a:prstGeom prst="rect">
           <a:avLst/>
         </a:prstGeom>
         <a:solidFill>
-          <a:schemeClr val="accent2">
+          <a:schemeClr val="accent5">
             <a:tint val="40000"/>
             <a:alpha val="90000"/>
-            <a:hueOff val="3707439"/>
-            <a:satOff val="-3703"/>
-            <a:lumOff val="1707"/>
+            <a:hueOff val="4133545"/>
+            <a:satOff val="-29471"/>
+            <a:lumOff val="-2669"/>
             <a:alphaOff val="0"/>
           </a:schemeClr>
         </a:solidFill>
         <a:ln w="12700" cap="flat" cmpd="sng" algn="ctr">
           <a:solidFill>
-            <a:schemeClr val="accent2">
+            <a:schemeClr val="accent5">
               <a:tint val="40000"/>
               <a:alpha val="90000"/>
-              <a:hueOff val="3707439"/>
-              <a:satOff val="-3703"/>
-              <a:lumOff val="1707"/>
+              <a:hueOff val="4133545"/>
+              <a:satOff val="-29471"/>
+              <a:lumOff val="-2669"/>
               <a:alphaOff val="0"/>
             </a:schemeClr>
           </a:solidFill>
@@ -6557,12 +7430,12 @@
         <a:fontRef idx="minor"/>
       </dsp:style>
       <dsp:txBody>
-        <a:bodyPr spcFirstLastPara="0" vert="horz" wrap="square" lIns="80010" tIns="80010" rIns="106680" bIns="120015" numCol="1" spcCol="1270" anchor="t" anchorCtr="0">
+        <a:bodyPr spcFirstLastPara="0" vert="horz" wrap="square" lIns="53340" tIns="53340" rIns="71120" bIns="80010" numCol="1" spcCol="1270" anchor="t" anchorCtr="0">
           <a:noAutofit/>
         </a:bodyPr>
         <a:lstStyle/>
         <a:p>
-          <a:pPr marL="114300" lvl="1" indent="-114300" algn="l" defTabSz="666750">
+          <a:pPr marL="57150" lvl="1" indent="-57150" algn="l" defTabSz="444500">
             <a:lnSpc>
               <a:spcPct val="90000"/>
             </a:lnSpc>
@@ -6575,51 +7448,51 @@
             <a:buChar char="•"/>
           </a:pPr>
           <a:r>
-            <a:rPr lang="en-US" sz="1500" kern="1200" dirty="0"/>
-            <a:t>Tuned using </a:t>
+            <a:rPr lang="en-US" sz="1000" kern="1200" dirty="0"/>
+            <a:t>Tuned hyperparameters using </a:t>
           </a:r>
           <a:r>
-            <a:rPr lang="en-US" sz="1500" kern="1200" dirty="0" err="1"/>
+            <a:rPr lang="en-US" sz="1000" kern="1200" dirty="0" err="1"/>
             <a:t>GridSearchCV</a:t>
           </a:r>
           <a:r>
-            <a:rPr lang="en-US" sz="1500" kern="1200" dirty="0"/>
+            <a:rPr lang="en-US" sz="1000" kern="1200" dirty="0"/>
             <a:t> to find optimal hyperparameters</a:t>
           </a:r>
         </a:p>
       </dsp:txBody>
       <dsp:txXfrm>
-        <a:off x="4250531" y="887690"/>
-        <a:ext cx="1862137" cy="2346975"/>
+        <a:off x="4694134" y="308427"/>
+        <a:ext cx="2056477" cy="4076325"/>
       </dsp:txXfrm>
     </dsp:sp>
-    <dsp:sp modelId="{570E4141-FD07-ED43-9091-7A183931E4A0}">
+    <dsp:sp modelId="{5C642EE7-F46F-684B-915D-0D39C3B97B72}">
       <dsp:nvSpPr>
         <dsp:cNvPr id="0" name=""/>
         <dsp:cNvSpPr/>
       </dsp:nvSpPr>
       <dsp:spPr>
         <a:xfrm>
-          <a:off x="6373368" y="455690"/>
-          <a:ext cx="1862137" cy="432000"/>
+          <a:off x="7038519" y="20427"/>
+          <a:ext cx="2056477" cy="288000"/>
         </a:xfrm>
         <a:prstGeom prst="rect">
           <a:avLst/>
         </a:prstGeom>
         <a:solidFill>
-          <a:schemeClr val="accent2">
-            <a:hueOff val="5304073"/>
-            <a:satOff val="-19979"/>
-            <a:lumOff val="16765"/>
+          <a:schemeClr val="accent5">
+            <a:hueOff val="6758096"/>
+            <a:satOff val="-16904"/>
+            <a:lumOff val="-18382"/>
             <a:alphaOff val="0"/>
           </a:schemeClr>
         </a:solidFill>
         <a:ln w="12700" cap="flat" cmpd="sng" algn="ctr">
           <a:solidFill>
-            <a:schemeClr val="accent2">
-              <a:hueOff val="5304073"/>
-              <a:satOff val="-19979"/>
-              <a:lumOff val="16765"/>
+            <a:schemeClr val="accent5">
+              <a:hueOff val="6758096"/>
+              <a:satOff val="-16904"/>
+              <a:lumOff val="-18382"/>
               <a:alphaOff val="0"/>
             </a:schemeClr>
           </a:solidFill>
@@ -6643,12 +7516,12 @@
         </a:fontRef>
       </dsp:style>
       <dsp:txBody>
-        <a:bodyPr spcFirstLastPara="0" vert="horz" wrap="square" lIns="106680" tIns="60960" rIns="106680" bIns="60960" numCol="1" spcCol="1270" anchor="ctr" anchorCtr="0">
+        <a:bodyPr spcFirstLastPara="0" vert="horz" wrap="square" lIns="71120" tIns="40640" rIns="71120" bIns="40640" numCol="1" spcCol="1270" anchor="ctr" anchorCtr="0">
           <a:noAutofit/>
         </a:bodyPr>
         <a:lstStyle/>
         <a:p>
-          <a:pPr marL="0" lvl="0" indent="0" algn="ctr" defTabSz="666750">
+          <a:pPr marL="0" lvl="0" indent="0" algn="ctr" defTabSz="444500">
             <a:lnSpc>
               <a:spcPct val="90000"/>
             </a:lnSpc>
@@ -6662,47 +7535,47 @@
             <a:defRPr b="1"/>
           </a:pPr>
           <a:r>
-            <a:rPr lang="en-US" sz="1500" kern="1200"/>
+            <a:rPr lang="en-US" sz="1000" kern="1200"/>
             <a:t>Metrics</a:t>
           </a:r>
         </a:p>
       </dsp:txBody>
       <dsp:txXfrm>
-        <a:off x="6373368" y="455690"/>
-        <a:ext cx="1862137" cy="432000"/>
+        <a:off x="7038519" y="20427"/>
+        <a:ext cx="2056477" cy="288000"/>
       </dsp:txXfrm>
     </dsp:sp>
-    <dsp:sp modelId="{BF73365E-28D5-9944-9420-FDD5D5FE2908}">
+    <dsp:sp modelId="{CED8DECD-1DA5-9B41-974E-69B3684004EB}">
       <dsp:nvSpPr>
         <dsp:cNvPr id="0" name=""/>
         <dsp:cNvSpPr/>
       </dsp:nvSpPr>
       <dsp:spPr>
         <a:xfrm>
-          <a:off x="6373368" y="887690"/>
-          <a:ext cx="1862137" cy="2346975"/>
+          <a:off x="7038519" y="308427"/>
+          <a:ext cx="2056477" cy="4076325"/>
         </a:xfrm>
         <a:prstGeom prst="rect">
           <a:avLst/>
         </a:prstGeom>
         <a:solidFill>
-          <a:schemeClr val="accent2">
+          <a:schemeClr val="accent5">
             <a:tint val="40000"/>
             <a:alpha val="90000"/>
-            <a:hueOff val="5561158"/>
-            <a:satOff val="-5555"/>
-            <a:lumOff val="2561"/>
+            <a:hueOff val="6200317"/>
+            <a:satOff val="-44206"/>
+            <a:lumOff val="-4004"/>
             <a:alphaOff val="0"/>
           </a:schemeClr>
         </a:solidFill>
         <a:ln w="12700" cap="flat" cmpd="sng" algn="ctr">
           <a:solidFill>
-            <a:schemeClr val="accent2">
+            <a:schemeClr val="accent5">
               <a:tint val="40000"/>
               <a:alpha val="90000"/>
-              <a:hueOff val="5561158"/>
-              <a:satOff val="-5555"/>
-              <a:lumOff val="2561"/>
+              <a:hueOff val="6200317"/>
+              <a:satOff val="-44206"/>
+              <a:lumOff val="-4004"/>
               <a:alphaOff val="0"/>
             </a:schemeClr>
           </a:solidFill>
@@ -6724,12 +7597,12 @@
         <a:fontRef idx="minor"/>
       </dsp:style>
       <dsp:txBody>
-        <a:bodyPr spcFirstLastPara="0" vert="horz" wrap="square" lIns="80010" tIns="80010" rIns="106680" bIns="120015" numCol="1" spcCol="1270" anchor="t" anchorCtr="0">
+        <a:bodyPr spcFirstLastPara="0" vert="horz" wrap="square" lIns="53340" tIns="53340" rIns="71120" bIns="80010" numCol="1" spcCol="1270" anchor="t" anchorCtr="0">
           <a:noAutofit/>
         </a:bodyPr>
         <a:lstStyle/>
         <a:p>
-          <a:pPr marL="114300" lvl="1" indent="-114300" algn="l" defTabSz="666750">
+          <a:pPr marL="57150" lvl="1" indent="-57150" algn="l" defTabSz="444500">
             <a:lnSpc>
               <a:spcPct val="90000"/>
             </a:lnSpc>
@@ -6742,12 +7615,12 @@
             <a:buChar char="•"/>
           </a:pPr>
           <a:r>
-            <a:rPr lang="en-US" sz="1500" kern="1200" dirty="0"/>
+            <a:rPr lang="en-US" sz="1000" kern="1200" dirty="0"/>
             <a:t>Classification:</a:t>
           </a:r>
         </a:p>
         <a:p>
-          <a:pPr marL="114300" lvl="1" indent="-114300" algn="l" defTabSz="666750">
+          <a:pPr marL="57150" lvl="1" indent="-57150" algn="l" defTabSz="444500">
             <a:lnSpc>
               <a:spcPct val="90000"/>
             </a:lnSpc>
@@ -6760,12 +7633,12 @@
             <a:buChar char="•"/>
           </a:pPr>
           <a:r>
-            <a:rPr lang="en-US" sz="1500" kern="1200" dirty="0"/>
+            <a:rPr lang="en-US" sz="1000" kern="1200" dirty="0"/>
             <a:t>- Accuracy, precision, recall, f1</a:t>
           </a:r>
         </a:p>
         <a:p>
-          <a:pPr marL="114300" lvl="1" indent="-114300" algn="l" defTabSz="666750">
+          <a:pPr marL="57150" lvl="1" indent="-57150" algn="l" defTabSz="444500">
             <a:lnSpc>
               <a:spcPct val="90000"/>
             </a:lnSpc>
@@ -6778,12 +7651,12 @@
             <a:buChar char="•"/>
           </a:pPr>
           <a:r>
-            <a:rPr lang="en-US" sz="1500" kern="1200" dirty="0"/>
+            <a:rPr lang="en-US" sz="1000" kern="1200" dirty="0"/>
             <a:t>Regression:</a:t>
           </a:r>
         </a:p>
         <a:p>
-          <a:pPr marL="114300" lvl="1" indent="-114300" algn="l" defTabSz="666750">
+          <a:pPr marL="57150" lvl="1" indent="-57150" algn="l" defTabSz="444500">
             <a:lnSpc>
               <a:spcPct val="90000"/>
             </a:lnSpc>
@@ -6796,43 +7669,43 @@
             <a:buChar char="•"/>
           </a:pPr>
           <a:r>
-            <a:rPr lang="en-US" sz="1500" kern="1200" dirty="0"/>
+            <a:rPr lang="en-US" sz="1000" kern="1200" dirty="0"/>
             <a:t>- R squared, RMSE</a:t>
           </a:r>
         </a:p>
       </dsp:txBody>
       <dsp:txXfrm>
-        <a:off x="6373368" y="887690"/>
-        <a:ext cx="1862137" cy="2346975"/>
+        <a:off x="7038519" y="308427"/>
+        <a:ext cx="2056477" cy="4076325"/>
       </dsp:txXfrm>
     </dsp:sp>
-    <dsp:sp modelId="{B0F629A0-BD59-A343-8105-05130BF8E144}">
+    <dsp:sp modelId="{5917E128-219F-1E44-87BA-D09B99447936}">
       <dsp:nvSpPr>
         <dsp:cNvPr id="0" name=""/>
         <dsp:cNvSpPr/>
       </dsp:nvSpPr>
       <dsp:spPr>
         <a:xfrm>
-          <a:off x="8496204" y="455690"/>
-          <a:ext cx="1862137" cy="432000"/>
+          <a:off x="9382904" y="20427"/>
+          <a:ext cx="2056477" cy="288000"/>
         </a:xfrm>
         <a:prstGeom prst="rect">
           <a:avLst/>
         </a:prstGeom>
         <a:solidFill>
-          <a:schemeClr val="accent2">
-            <a:hueOff val="7072097"/>
-            <a:satOff val="-26638"/>
-            <a:lumOff val="22353"/>
+          <a:schemeClr val="accent5">
+            <a:hueOff val="9010794"/>
+            <a:satOff val="-22539"/>
+            <a:lumOff val="-24510"/>
             <a:alphaOff val="0"/>
           </a:schemeClr>
         </a:solidFill>
         <a:ln w="12700" cap="flat" cmpd="sng" algn="ctr">
           <a:solidFill>
-            <a:schemeClr val="accent2">
-              <a:hueOff val="7072097"/>
-              <a:satOff val="-26638"/>
-              <a:lumOff val="22353"/>
+            <a:schemeClr val="accent5">
+              <a:hueOff val="9010794"/>
+              <a:satOff val="-22539"/>
+              <a:lumOff val="-24510"/>
               <a:alphaOff val="0"/>
             </a:schemeClr>
           </a:solidFill>
@@ -6856,12 +7729,12 @@
         </a:fontRef>
       </dsp:style>
       <dsp:txBody>
-        <a:bodyPr spcFirstLastPara="0" vert="horz" wrap="square" lIns="106680" tIns="60960" rIns="106680" bIns="60960" numCol="1" spcCol="1270" anchor="ctr" anchorCtr="0">
+        <a:bodyPr spcFirstLastPara="0" vert="horz" wrap="square" lIns="71120" tIns="40640" rIns="71120" bIns="40640" numCol="1" spcCol="1270" anchor="ctr" anchorCtr="0">
           <a:noAutofit/>
         </a:bodyPr>
         <a:lstStyle/>
         <a:p>
-          <a:pPr marL="0" lvl="0" indent="0" algn="ctr" defTabSz="666750">
+          <a:pPr marL="0" lvl="0" indent="0" algn="ctr" defTabSz="444500">
             <a:lnSpc>
               <a:spcPct val="90000"/>
             </a:lnSpc>
@@ -6874,47 +7747,47 @@
             <a:buNone/>
           </a:pPr>
           <a:r>
-            <a:rPr lang="en-US" sz="1500" kern="1200" dirty="0"/>
+            <a:rPr lang="en-US" sz="1000" kern="1200" dirty="0"/>
             <a:t>Feature Importance</a:t>
           </a:r>
         </a:p>
       </dsp:txBody>
       <dsp:txXfrm>
-        <a:off x="8496204" y="455690"/>
-        <a:ext cx="1862137" cy="432000"/>
+        <a:off x="9382904" y="20427"/>
+        <a:ext cx="2056477" cy="288000"/>
       </dsp:txXfrm>
     </dsp:sp>
-    <dsp:sp modelId="{3098161A-57FD-4C4E-B4FF-4B4A1BB677BC}">
+    <dsp:sp modelId="{D751903A-223F-214D-B6D1-9549C39ECE22}">
       <dsp:nvSpPr>
         <dsp:cNvPr id="0" name=""/>
         <dsp:cNvSpPr/>
       </dsp:nvSpPr>
       <dsp:spPr>
         <a:xfrm>
-          <a:off x="8496204" y="887690"/>
-          <a:ext cx="1862137" cy="2346975"/>
+          <a:off x="9382904" y="308427"/>
+          <a:ext cx="2056477" cy="4076325"/>
         </a:xfrm>
         <a:prstGeom prst="rect">
           <a:avLst/>
         </a:prstGeom>
         <a:solidFill>
-          <a:schemeClr val="accent2">
+          <a:schemeClr val="accent5">
             <a:tint val="40000"/>
             <a:alpha val="90000"/>
-            <a:hueOff val="7414877"/>
-            <a:satOff val="-7406"/>
-            <a:lumOff val="3414"/>
+            <a:hueOff val="8267090"/>
+            <a:satOff val="-58942"/>
+            <a:lumOff val="-5339"/>
             <a:alphaOff val="0"/>
           </a:schemeClr>
         </a:solidFill>
         <a:ln w="12700" cap="flat" cmpd="sng" algn="ctr">
           <a:solidFill>
-            <a:schemeClr val="accent2">
+            <a:schemeClr val="accent5">
               <a:tint val="40000"/>
               <a:alpha val="90000"/>
-              <a:hueOff val="7414877"/>
-              <a:satOff val="-7406"/>
-              <a:lumOff val="3414"/>
+              <a:hueOff val="8267090"/>
+              <a:satOff val="-58942"/>
+              <a:lumOff val="-5339"/>
               <a:alphaOff val="0"/>
             </a:schemeClr>
           </a:solidFill>
@@ -6936,12 +7809,12 @@
         <a:fontRef idx="minor"/>
       </dsp:style>
       <dsp:txBody>
-        <a:bodyPr spcFirstLastPara="0" vert="horz" wrap="square" lIns="80010" tIns="80010" rIns="106680" bIns="120015" numCol="1" spcCol="1270" anchor="t" anchorCtr="0">
+        <a:bodyPr spcFirstLastPara="0" vert="horz" wrap="square" lIns="53340" tIns="53340" rIns="71120" bIns="80010" numCol="1" spcCol="1270" anchor="t" anchorCtr="0">
           <a:noAutofit/>
         </a:bodyPr>
         <a:lstStyle/>
         <a:p>
-          <a:pPr marL="114300" lvl="1" indent="-114300" algn="l" defTabSz="666750">
+          <a:pPr marL="57150" lvl="1" indent="-57150" algn="l" defTabSz="444500">
             <a:lnSpc>
               <a:spcPct val="90000"/>
             </a:lnSpc>
@@ -6954,14 +7827,14 @@
             <a:buChar char="•"/>
           </a:pPr>
           <a:r>
-            <a:rPr lang="en-US" sz="1500" kern="1200" dirty="0"/>
-            <a:t>Compare feature importances across models to find commonality</a:t>
+            <a:rPr lang="en-US" sz="1000" kern="1200" dirty="0"/>
+            <a:t>Compare feature importances across models to find commonality and come to conclusion</a:t>
           </a:r>
         </a:p>
       </dsp:txBody>
       <dsp:txXfrm>
-        <a:off x="8496204" y="887690"/>
-        <a:ext cx="1862137" cy="2346975"/>
+        <a:off x="9382904" y="308427"/>
+        <a:ext cx="2056477" cy="4076325"/>
       </dsp:txXfrm>
     </dsp:sp>
   </dsp:spTree>
@@ -12761,7 +13634,7 @@
           <a:p>
             <a:fld id="{21B4EBA7-011D-1E45-8169-29AE3AFDA16A}" type="datetimeFigureOut">
               <a:rPr lang="en-US" smtClean="0"/>
-              <a:t>4/13/25</a:t>
+              <a:t>4/19/25</a:t>
             </a:fld>
             <a:endParaRPr lang="en-US"/>
           </a:p>
@@ -13326,725 +14199,6 @@
           <a:bodyPr/>
           <a:lstStyle/>
           <a:p>
-            <a:pPr>
-              <a:lnSpc>
-                <a:spcPts val="1350"/>
-              </a:lnSpc>
-              <a:buNone/>
-            </a:pPr>
-            <a:r>
-              <a:rPr lang="en-US" b="0" dirty="0">
-                <a:solidFill>
-                  <a:srgbClr val="CCCCCC"/>
-                </a:solidFill>
-                <a:effectLst/>
-                <a:latin typeface="Menlo" panose="020B0609030804020204" pitchFamily="49" charset="0"/>
-              </a:rPr>
-              <a:t>Follow path to bottom left leaf node:</a:t>
-            </a:r>
-          </a:p>
-          <a:p>
-            <a:pPr>
-              <a:lnSpc>
-                <a:spcPts val="1350"/>
-              </a:lnSpc>
-              <a:buNone/>
-            </a:pPr>
-            <a:br>
-              <a:rPr lang="en-US" b="0" dirty="0">
-                <a:solidFill>
-                  <a:srgbClr val="CCCCCC"/>
-                </a:solidFill>
-                <a:effectLst/>
-                <a:latin typeface="Menlo" panose="020B0609030804020204" pitchFamily="49" charset="0"/>
-              </a:rPr>
-            </a:br>
-            <a:r>
-              <a:rPr lang="en-US" b="0" dirty="0">
-                <a:solidFill>
-                  <a:srgbClr val="CCCCCC"/>
-                </a:solidFill>
-                <a:effectLst/>
-                <a:latin typeface="Menlo" panose="020B0609030804020204" pitchFamily="49" charset="0"/>
-              </a:rPr>
-              <a:t>(1) limited tv time in the past year &lt;= 1.5 --&gt; Yes</a:t>
-            </a:r>
-          </a:p>
-          <a:p>
-            <a:pPr>
-              <a:lnSpc>
-                <a:spcPts val="1350"/>
-              </a:lnSpc>
-              <a:buNone/>
-            </a:pPr>
-            <a:r>
-              <a:rPr lang="en-US" b="0" dirty="0">
-                <a:solidFill>
-                  <a:srgbClr val="6796E6"/>
-                </a:solidFill>
-                <a:effectLst/>
-                <a:latin typeface="Menlo" panose="020B0609030804020204" pitchFamily="49" charset="0"/>
-              </a:rPr>
-              <a:t>-</a:t>
-            </a:r>
-            <a:r>
-              <a:rPr lang="en-US" b="0" dirty="0">
-                <a:solidFill>
-                  <a:srgbClr val="CCCCCC"/>
-                </a:solidFill>
-                <a:effectLst/>
-                <a:latin typeface="Menlo" panose="020B0609030804020204" pitchFamily="49" charset="0"/>
-              </a:rPr>
-              <a:t> 1 = always/sometimes, 2 = seldom/never</a:t>
-            </a:r>
-          </a:p>
-          <a:p>
-            <a:pPr>
-              <a:lnSpc>
-                <a:spcPts val="1350"/>
-              </a:lnSpc>
-              <a:buNone/>
-            </a:pPr>
-            <a:r>
-              <a:rPr lang="en-US" b="0" dirty="0">
-                <a:solidFill>
-                  <a:srgbClr val="6796E6"/>
-                </a:solidFill>
-                <a:effectLst/>
-                <a:latin typeface="Menlo" panose="020B0609030804020204" pitchFamily="49" charset="0"/>
-              </a:rPr>
-              <a:t>-</a:t>
-            </a:r>
-            <a:r>
-              <a:rPr lang="en-US" b="0" dirty="0">
-                <a:solidFill>
-                  <a:srgbClr val="CCCCCC"/>
-                </a:solidFill>
-                <a:effectLst/>
-                <a:latin typeface="Menlo" panose="020B0609030804020204" pitchFamily="49" charset="0"/>
-              </a:rPr>
-              <a:t> The child's parent(s) limit their tv time always or sometimes</a:t>
-            </a:r>
-          </a:p>
-          <a:p>
-            <a:pPr>
-              <a:lnSpc>
-                <a:spcPts val="1350"/>
-              </a:lnSpc>
-              <a:buNone/>
-            </a:pPr>
-            <a:r>
-              <a:rPr lang="en-US" b="0" dirty="0">
-                <a:solidFill>
-                  <a:srgbClr val="6796E6"/>
-                </a:solidFill>
-                <a:effectLst/>
-                <a:latin typeface="Menlo" panose="020B0609030804020204" pitchFamily="49" charset="0"/>
-              </a:rPr>
-              <a:t>-</a:t>
-            </a:r>
-            <a:r>
-              <a:rPr lang="en-US" b="0" dirty="0">
-                <a:solidFill>
-                  <a:srgbClr val="CCCCCC"/>
-                </a:solidFill>
-                <a:effectLst/>
-                <a:latin typeface="Menlo" panose="020B0609030804020204" pitchFamily="49" charset="0"/>
-              </a:rPr>
-              <a:t> Go left</a:t>
-            </a:r>
-          </a:p>
-          <a:p>
-            <a:pPr>
-              <a:lnSpc>
-                <a:spcPts val="1350"/>
-              </a:lnSpc>
-              <a:buNone/>
-            </a:pPr>
-            <a:br>
-              <a:rPr lang="en-US" b="0" dirty="0">
-                <a:solidFill>
-                  <a:srgbClr val="CCCCCC"/>
-                </a:solidFill>
-                <a:effectLst/>
-                <a:latin typeface="Menlo" panose="020B0609030804020204" pitchFamily="49" charset="0"/>
-              </a:rPr>
-            </a:br>
-            <a:r>
-              <a:rPr lang="en-US" b="0" dirty="0">
-                <a:solidFill>
-                  <a:srgbClr val="CCCCCC"/>
-                </a:solidFill>
-                <a:effectLst/>
-                <a:latin typeface="Menlo" panose="020B0609030804020204" pitchFamily="49" charset="0"/>
-              </a:rPr>
-              <a:t>(2) health status &lt;= 2.5 --&gt; Yes</a:t>
-            </a:r>
-          </a:p>
-          <a:p>
-            <a:pPr>
-              <a:lnSpc>
-                <a:spcPts val="1350"/>
-              </a:lnSpc>
-              <a:buNone/>
-            </a:pPr>
-            <a:r>
-              <a:rPr lang="en-US" b="0" dirty="0">
-                <a:solidFill>
-                  <a:srgbClr val="6796E6"/>
-                </a:solidFill>
-                <a:effectLst/>
-                <a:latin typeface="Menlo" panose="020B0609030804020204" pitchFamily="49" charset="0"/>
-              </a:rPr>
-              <a:t>-</a:t>
-            </a:r>
-            <a:r>
-              <a:rPr lang="en-US" b="0" dirty="0">
-                <a:solidFill>
-                  <a:srgbClr val="CCCCCC"/>
-                </a:solidFill>
-                <a:effectLst/>
-                <a:latin typeface="Menlo" panose="020B0609030804020204" pitchFamily="49" charset="0"/>
-              </a:rPr>
-              <a:t> 1 = excellent, 2 = very good, 3 = good, 4 = fair/poor</a:t>
-            </a:r>
-          </a:p>
-          <a:p>
-            <a:pPr>
-              <a:lnSpc>
-                <a:spcPts val="1350"/>
-              </a:lnSpc>
-              <a:buNone/>
-            </a:pPr>
-            <a:r>
-              <a:rPr lang="en-US" b="0" dirty="0">
-                <a:solidFill>
-                  <a:srgbClr val="6796E6"/>
-                </a:solidFill>
-                <a:effectLst/>
-                <a:latin typeface="Menlo" panose="020B0609030804020204" pitchFamily="49" charset="0"/>
-              </a:rPr>
-              <a:t>-</a:t>
-            </a:r>
-            <a:r>
-              <a:rPr lang="en-US" b="0" dirty="0">
-                <a:solidFill>
-                  <a:srgbClr val="CCCCCC"/>
-                </a:solidFill>
-                <a:effectLst/>
-                <a:latin typeface="Menlo" panose="020B0609030804020204" pitchFamily="49" charset="0"/>
-              </a:rPr>
-              <a:t> Child reports very good or excellent health status score</a:t>
-            </a:r>
-          </a:p>
-          <a:p>
-            <a:pPr>
-              <a:lnSpc>
-                <a:spcPts val="1350"/>
-              </a:lnSpc>
-              <a:buNone/>
-            </a:pPr>
-            <a:r>
-              <a:rPr lang="en-US" b="0" dirty="0">
-                <a:solidFill>
-                  <a:srgbClr val="6796E6"/>
-                </a:solidFill>
-                <a:effectLst/>
-                <a:latin typeface="Menlo" panose="020B0609030804020204" pitchFamily="49" charset="0"/>
-              </a:rPr>
-              <a:t>-</a:t>
-            </a:r>
-            <a:r>
-              <a:rPr lang="en-US" b="0" dirty="0">
-                <a:solidFill>
-                  <a:srgbClr val="CCCCCC"/>
-                </a:solidFill>
-                <a:effectLst/>
-                <a:latin typeface="Menlo" panose="020B0609030804020204" pitchFamily="49" charset="0"/>
-              </a:rPr>
-              <a:t> Go left</a:t>
-            </a:r>
-          </a:p>
-          <a:p>
-            <a:pPr>
-              <a:lnSpc>
-                <a:spcPts val="1350"/>
-              </a:lnSpc>
-              <a:buNone/>
-            </a:pPr>
-            <a:br>
-              <a:rPr lang="en-US" b="0" dirty="0">
-                <a:solidFill>
-                  <a:srgbClr val="CCCCCC"/>
-                </a:solidFill>
-                <a:effectLst/>
-                <a:latin typeface="Menlo" panose="020B0609030804020204" pitchFamily="49" charset="0"/>
-              </a:rPr>
-            </a:br>
-            <a:r>
-              <a:rPr lang="en-US" b="0" dirty="0">
-                <a:solidFill>
-                  <a:srgbClr val="CCCCCC"/>
-                </a:solidFill>
-                <a:effectLst/>
-                <a:latin typeface="Menlo" panose="020B0609030804020204" pitchFamily="49" charset="0"/>
-              </a:rPr>
-              <a:t>(3) parent helps with homework in the past year &lt;= 1.5 --&gt; Yes</a:t>
-            </a:r>
-          </a:p>
-          <a:p>
-            <a:pPr>
-              <a:lnSpc>
-                <a:spcPts val="1350"/>
-              </a:lnSpc>
-              <a:buNone/>
-            </a:pPr>
-            <a:r>
-              <a:rPr lang="en-US" b="0" dirty="0">
-                <a:solidFill>
-                  <a:srgbClr val="6796E6"/>
-                </a:solidFill>
-                <a:effectLst/>
-                <a:latin typeface="Menlo" panose="020B0609030804020204" pitchFamily="49" charset="0"/>
-              </a:rPr>
-              <a:t>-</a:t>
-            </a:r>
-            <a:r>
-              <a:rPr lang="en-US" b="0" dirty="0">
-                <a:solidFill>
-                  <a:srgbClr val="CCCCCC"/>
-                </a:solidFill>
-                <a:effectLst/>
-                <a:latin typeface="Menlo" panose="020B0609030804020204" pitchFamily="49" charset="0"/>
-              </a:rPr>
-              <a:t> 1 = always/sometimes, 2 = seldom/never</a:t>
-            </a:r>
-          </a:p>
-          <a:p>
-            <a:pPr>
-              <a:lnSpc>
-                <a:spcPts val="1350"/>
-              </a:lnSpc>
-              <a:buNone/>
-            </a:pPr>
-            <a:r>
-              <a:rPr lang="en-US" b="0" dirty="0">
-                <a:solidFill>
-                  <a:srgbClr val="6796E6"/>
-                </a:solidFill>
-                <a:effectLst/>
-                <a:latin typeface="Menlo" panose="020B0609030804020204" pitchFamily="49" charset="0"/>
-              </a:rPr>
-              <a:t>-</a:t>
-            </a:r>
-            <a:r>
-              <a:rPr lang="en-US" b="0" dirty="0">
-                <a:solidFill>
-                  <a:srgbClr val="CCCCCC"/>
-                </a:solidFill>
-                <a:effectLst/>
-                <a:latin typeface="Menlo" panose="020B0609030804020204" pitchFamily="49" charset="0"/>
-              </a:rPr>
-              <a:t> The child always or sometimes gets help with homework from their parent(s)</a:t>
-            </a:r>
-          </a:p>
-          <a:p>
-            <a:pPr>
-              <a:lnSpc>
-                <a:spcPts val="1350"/>
-              </a:lnSpc>
-              <a:buNone/>
-            </a:pPr>
-            <a:r>
-              <a:rPr lang="en-US" b="0" dirty="0">
-                <a:solidFill>
-                  <a:srgbClr val="6796E6"/>
-                </a:solidFill>
-                <a:effectLst/>
-                <a:latin typeface="Menlo" panose="020B0609030804020204" pitchFamily="49" charset="0"/>
-              </a:rPr>
-              <a:t>-</a:t>
-            </a:r>
-            <a:r>
-              <a:rPr lang="en-US" b="0" dirty="0">
-                <a:solidFill>
-                  <a:srgbClr val="CCCCCC"/>
-                </a:solidFill>
-                <a:effectLst/>
-                <a:latin typeface="Menlo" panose="020B0609030804020204" pitchFamily="49" charset="0"/>
-              </a:rPr>
-              <a:t> Go left</a:t>
-            </a:r>
-          </a:p>
-          <a:p>
-            <a:pPr>
-              <a:lnSpc>
-                <a:spcPts val="1350"/>
-              </a:lnSpc>
-              <a:buNone/>
-            </a:pPr>
-            <a:br>
-              <a:rPr lang="en-US" b="0" dirty="0">
-                <a:solidFill>
-                  <a:srgbClr val="CCCCCC"/>
-                </a:solidFill>
-                <a:effectLst/>
-                <a:latin typeface="Menlo" panose="020B0609030804020204" pitchFamily="49" charset="0"/>
-              </a:rPr>
-            </a:br>
-            <a:r>
-              <a:rPr lang="en-US" b="0" dirty="0">
-                <a:solidFill>
-                  <a:srgbClr val="CCCCCC"/>
-                </a:solidFill>
-                <a:effectLst/>
-                <a:latin typeface="Menlo" panose="020B0609030804020204" pitchFamily="49" charset="0"/>
-              </a:rPr>
-              <a:t>(4) leaf node</a:t>
-            </a:r>
-          </a:p>
-          <a:p>
-            <a:pPr>
-              <a:lnSpc>
-                <a:spcPts val="1350"/>
-              </a:lnSpc>
-              <a:buNone/>
-            </a:pPr>
-            <a:r>
-              <a:rPr lang="en-US" b="0" dirty="0">
-                <a:solidFill>
-                  <a:srgbClr val="6796E6"/>
-                </a:solidFill>
-                <a:effectLst/>
-                <a:latin typeface="Menlo" panose="020B0609030804020204" pitchFamily="49" charset="0"/>
-              </a:rPr>
-              <a:t>-</a:t>
-            </a:r>
-            <a:r>
-              <a:rPr lang="en-US" b="0" dirty="0">
-                <a:solidFill>
-                  <a:srgbClr val="CCCCCC"/>
-                </a:solidFill>
-                <a:effectLst/>
-                <a:latin typeface="Menlo" panose="020B0609030804020204" pitchFamily="49" charset="0"/>
-              </a:rPr>
-              <a:t> Gini index = .372 (moderately pure)</a:t>
-            </a:r>
-          </a:p>
-          <a:p>
-            <a:pPr>
-              <a:lnSpc>
-                <a:spcPts val="1350"/>
-              </a:lnSpc>
-              <a:buNone/>
-            </a:pPr>
-            <a:r>
-              <a:rPr lang="en-US" b="0" dirty="0">
-                <a:solidFill>
-                  <a:srgbClr val="6796E6"/>
-                </a:solidFill>
-                <a:effectLst/>
-                <a:latin typeface="Menlo" panose="020B0609030804020204" pitchFamily="49" charset="0"/>
-              </a:rPr>
-              <a:t>-</a:t>
-            </a:r>
-            <a:r>
-              <a:rPr lang="en-US" b="0" dirty="0">
-                <a:solidFill>
-                  <a:srgbClr val="CCCCCC"/>
-                </a:solidFill>
-                <a:effectLst/>
-                <a:latin typeface="Menlo" panose="020B0609030804020204" pitchFamily="49" charset="0"/>
-              </a:rPr>
-              <a:t> Samples = 1937</a:t>
-            </a:r>
-          </a:p>
-          <a:p>
-            <a:pPr>
-              <a:lnSpc>
-                <a:spcPts val="1350"/>
-              </a:lnSpc>
-              <a:buNone/>
-            </a:pPr>
-            <a:r>
-              <a:rPr lang="en-US" b="0" dirty="0">
-                <a:solidFill>
-                  <a:srgbClr val="6796E6"/>
-                </a:solidFill>
-                <a:effectLst/>
-                <a:latin typeface="Menlo" panose="020B0609030804020204" pitchFamily="49" charset="0"/>
-              </a:rPr>
-              <a:t>-</a:t>
-            </a:r>
-            <a:r>
-              <a:rPr lang="en-US" b="0" dirty="0">
-                <a:solidFill>
-                  <a:srgbClr val="CCCCCC"/>
-                </a:solidFill>
-                <a:effectLst/>
-                <a:latin typeface="Menlo" panose="020B0609030804020204" pitchFamily="49" charset="0"/>
-              </a:rPr>
-              <a:t> Value = [1076.268, 352.56]</a:t>
-            </a:r>
-          </a:p>
-          <a:p>
-            <a:pPr>
-              <a:lnSpc>
-                <a:spcPts val="1350"/>
-              </a:lnSpc>
-              <a:buNone/>
-            </a:pPr>
-            <a:r>
-              <a:rPr lang="en-US" b="0" dirty="0">
-                <a:solidFill>
-                  <a:srgbClr val="6796E6"/>
-                </a:solidFill>
-                <a:effectLst/>
-                <a:latin typeface="Menlo" panose="020B0609030804020204" pitchFamily="49" charset="0"/>
-              </a:rPr>
-              <a:t>-</a:t>
-            </a:r>
-            <a:r>
-              <a:rPr lang="en-US" b="0" dirty="0">
-                <a:solidFill>
-                  <a:srgbClr val="CCCCCC"/>
-                </a:solidFill>
-                <a:effectLst/>
-                <a:latin typeface="Menlo" panose="020B0609030804020204" pitchFamily="49" charset="0"/>
-              </a:rPr>
-              <a:t> Class = Never Used</a:t>
-            </a:r>
-          </a:p>
-          <a:p>
-            <a:pPr>
-              <a:lnSpc>
-                <a:spcPts val="1350"/>
-              </a:lnSpc>
-              <a:buNone/>
-            </a:pPr>
-            <a:br>
-              <a:rPr lang="en-US" b="0" dirty="0">
-                <a:solidFill>
-                  <a:srgbClr val="CCCCCC"/>
-                </a:solidFill>
-                <a:effectLst/>
-                <a:latin typeface="Menlo" panose="020B0609030804020204" pitchFamily="49" charset="0"/>
-              </a:rPr>
-            </a:br>
-            <a:r>
-              <a:rPr lang="en-US" b="0" dirty="0">
-                <a:solidFill>
-                  <a:srgbClr val="CCCCCC"/>
-                </a:solidFill>
-                <a:effectLst/>
-                <a:latin typeface="Menlo" panose="020B0609030804020204" pitchFamily="49" charset="0"/>
-              </a:rPr>
-              <a:t>This means that a student:</a:t>
-            </a:r>
-          </a:p>
-          <a:p>
-            <a:pPr>
-              <a:lnSpc>
-                <a:spcPts val="1350"/>
-              </a:lnSpc>
-              <a:buNone/>
-            </a:pPr>
-            <a:r>
-              <a:rPr lang="en-US" b="0" dirty="0">
-                <a:solidFill>
-                  <a:srgbClr val="6796E6"/>
-                </a:solidFill>
-                <a:effectLst/>
-                <a:latin typeface="Menlo" panose="020B0609030804020204" pitchFamily="49" charset="0"/>
-              </a:rPr>
-              <a:t>-</a:t>
-            </a:r>
-            <a:r>
-              <a:rPr lang="en-US" b="0" dirty="0">
-                <a:solidFill>
-                  <a:srgbClr val="CCCCCC"/>
-                </a:solidFill>
-                <a:effectLst/>
-                <a:latin typeface="Menlo" panose="020B0609030804020204" pitchFamily="49" charset="0"/>
-              </a:rPr>
-              <a:t> Whose parent(s) always or sometimes limits the amount of tv they can watch</a:t>
-            </a:r>
-          </a:p>
-          <a:p>
-            <a:pPr>
-              <a:lnSpc>
-                <a:spcPts val="1350"/>
-              </a:lnSpc>
-              <a:buNone/>
-            </a:pPr>
-            <a:r>
-              <a:rPr lang="en-US" b="0" dirty="0">
-                <a:solidFill>
-                  <a:srgbClr val="6796E6"/>
-                </a:solidFill>
-                <a:effectLst/>
-                <a:latin typeface="Menlo" panose="020B0609030804020204" pitchFamily="49" charset="0"/>
-              </a:rPr>
-              <a:t>-</a:t>
-            </a:r>
-            <a:r>
-              <a:rPr lang="en-US" b="0" dirty="0">
-                <a:solidFill>
-                  <a:srgbClr val="CCCCCC"/>
-                </a:solidFill>
-                <a:effectLst/>
-                <a:latin typeface="Menlo" panose="020B0609030804020204" pitchFamily="49" charset="0"/>
-              </a:rPr>
-              <a:t> Who is healthy</a:t>
-            </a:r>
-          </a:p>
-          <a:p>
-            <a:pPr>
-              <a:lnSpc>
-                <a:spcPts val="1350"/>
-              </a:lnSpc>
-              <a:buNone/>
-            </a:pPr>
-            <a:r>
-              <a:rPr lang="en-US" b="0" dirty="0">
-                <a:solidFill>
-                  <a:srgbClr val="6796E6"/>
-                </a:solidFill>
-                <a:effectLst/>
-                <a:latin typeface="Menlo" panose="020B0609030804020204" pitchFamily="49" charset="0"/>
-              </a:rPr>
-              <a:t>-</a:t>
-            </a:r>
-            <a:r>
-              <a:rPr lang="en-US" b="0" dirty="0">
-                <a:solidFill>
-                  <a:srgbClr val="CCCCCC"/>
-                </a:solidFill>
-                <a:effectLst/>
-                <a:latin typeface="Menlo" panose="020B0609030804020204" pitchFamily="49" charset="0"/>
-              </a:rPr>
-              <a:t> Whose parent(s) always or sometimes helps them with homework\</a:t>
-            </a:r>
-          </a:p>
-          <a:p>
-            <a:pPr>
-              <a:lnSpc>
-                <a:spcPts val="1350"/>
-              </a:lnSpc>
-              <a:buNone/>
-            </a:pPr>
-            <a:r>
-              <a:rPr lang="en-US" b="0" dirty="0">
-                <a:solidFill>
-                  <a:srgbClr val="CCCCCC"/>
-                </a:solidFill>
-                <a:effectLst/>
-                <a:latin typeface="Menlo" panose="020B0609030804020204" pitchFamily="49" charset="0"/>
-              </a:rPr>
-              <a:t>is very likely to have never used marijuana. </a:t>
-            </a:r>
-          </a:p>
-          <a:p>
-            <a:pPr>
-              <a:lnSpc>
-                <a:spcPts val="1350"/>
-              </a:lnSpc>
-              <a:buNone/>
-            </a:pPr>
-            <a:br>
-              <a:rPr lang="en-US" b="0" dirty="0">
-                <a:solidFill>
-                  <a:srgbClr val="CCCCCC"/>
-                </a:solidFill>
-                <a:effectLst/>
-                <a:latin typeface="Menlo" panose="020B0609030804020204" pitchFamily="49" charset="0"/>
-              </a:rPr>
-            </a:br>
-            <a:r>
-              <a:rPr lang="en-US" b="0" dirty="0">
-                <a:solidFill>
-                  <a:srgbClr val="CCCCCC"/>
-                </a:solidFill>
-                <a:effectLst/>
-                <a:latin typeface="Menlo" panose="020B0609030804020204" pitchFamily="49" charset="0"/>
-              </a:rPr>
-              <a:t>Of the 1937 individuals who meet the above 3 criteria, roughly 1076 are classified as "never used" marijuana and the 352 are classified as "used" marijuana.\</a:t>
-            </a:r>
-          </a:p>
-          <a:p>
-            <a:pPr>
-              <a:lnSpc>
-                <a:spcPts val="1350"/>
-              </a:lnSpc>
-              <a:buNone/>
-            </a:pPr>
-            <a:r>
-              <a:rPr lang="en-US" b="0" dirty="0">
-                <a:solidFill>
-                  <a:srgbClr val="CCCCCC"/>
-                </a:solidFill>
-                <a:effectLst/>
-                <a:latin typeface="Menlo" panose="020B0609030804020204" pitchFamily="49" charset="0"/>
-              </a:rPr>
-              <a:t>One thing to note about the tree is that we used class weight = balanced. This means that each </a:t>
-            </a:r>
-            <a:r>
-              <a:rPr lang="en-US" b="0" dirty="0" err="1">
-                <a:solidFill>
-                  <a:srgbClr val="CCCCCC"/>
-                </a:solidFill>
-                <a:effectLst/>
-                <a:latin typeface="Menlo" panose="020B0609030804020204" pitchFamily="49" charset="0"/>
-              </a:rPr>
-              <a:t>traiing</a:t>
-            </a:r>
-            <a:r>
-              <a:rPr lang="en-US" b="0" dirty="0">
-                <a:solidFill>
-                  <a:srgbClr val="CCCCCC"/>
-                </a:solidFill>
-                <a:effectLst/>
-                <a:latin typeface="Menlo" panose="020B0609030804020204" pitchFamily="49" charset="0"/>
-              </a:rPr>
-              <a:t> instance does not contribute '1' to the sample count. It may contribute less than one or more than 1 depending on its importance.\</a:t>
-            </a:r>
-          </a:p>
-          <a:p>
-            <a:pPr>
-              <a:lnSpc>
-                <a:spcPts val="1350"/>
-              </a:lnSpc>
-              <a:buNone/>
-            </a:pPr>
-            <a:r>
-              <a:rPr lang="en-US" b="0" dirty="0">
-                <a:solidFill>
-                  <a:srgbClr val="CCCCCC"/>
-                </a:solidFill>
-                <a:effectLst/>
-                <a:latin typeface="Menlo" panose="020B0609030804020204" pitchFamily="49" charset="0"/>
-              </a:rPr>
-              <a:t>So if we look at the first split, we will see 4224, 4224 being sent left and right, but when we look at the left node, only 2961 weighted samples are there. Because our model adds weights to account for class imbalance, some samples might have been down weighted, which is why we are seeing less samples than what is sent from its parent node.\</a:t>
-            </a:r>
-          </a:p>
-          <a:p>
-            <a:pPr>
-              <a:lnSpc>
-                <a:spcPts val="1350"/>
-              </a:lnSpc>
-            </a:pPr>
-            <a:r>
-              <a:rPr lang="en-US" b="0" dirty="0">
-                <a:solidFill>
-                  <a:srgbClr val="CCCCCC"/>
-                </a:solidFill>
-                <a:effectLst/>
-                <a:latin typeface="Menlo" panose="020B0609030804020204" pitchFamily="49" charset="0"/>
-              </a:rPr>
-              <a:t>Gini index indicates some purity, which means that the node is pretty good at separating the two classes. Since 0 is the target for purity, .372 is indicating roughly 70-30 split or 75-25, which is what we see.</a:t>
-            </a:r>
-          </a:p>
-          <a:p>
             <a:endParaRPr lang="en-US" dirty="0"/>
           </a:p>
         </p:txBody>
@@ -14075,7 +14229,7 @@
     </p:spTree>
     <p:extLst>
       <p:ext uri="{BB962C8B-B14F-4D97-AF65-F5344CB8AC3E}">
-        <p14:creationId xmlns:p14="http://schemas.microsoft.com/office/powerpoint/2010/main" val="3451741222"/>
+        <p14:creationId xmlns:p14="http://schemas.microsoft.com/office/powerpoint/2010/main" val="2910426363"/>
       </p:ext>
     </p:extLst>
   </p:cSld>
@@ -14150,7 +14304,7 @@
           <a:p>
             <a:fld id="{C3FAC37C-8F47-9D43-A633-CAD93C566C10}" type="slidenum">
               <a:rPr lang="en-US" smtClean="0"/>
-              <a:t>10</a:t>
+              <a:t>12</a:t>
             </a:fld>
             <a:endParaRPr lang="en-US"/>
           </a:p>
@@ -14159,7 +14313,7 @@
     </p:spTree>
     <p:extLst>
       <p:ext uri="{BB962C8B-B14F-4D97-AF65-F5344CB8AC3E}">
-        <p14:creationId xmlns:p14="http://schemas.microsoft.com/office/powerpoint/2010/main" val="2910426363"/>
+        <p14:creationId xmlns:p14="http://schemas.microsoft.com/office/powerpoint/2010/main" val="1353944264"/>
       </p:ext>
     </p:extLst>
   </p:cSld>
@@ -14213,7 +14367,436 @@
           <a:bodyPr/>
           <a:lstStyle/>
           <a:p>
-            <a:endParaRPr lang="en-US" dirty="0"/>
+            <a:pPr>
+              <a:lnSpc>
+                <a:spcPts val="1350"/>
+              </a:lnSpc>
+              <a:buNone/>
+            </a:pPr>
+            <a:r>
+              <a:rPr lang="en-US" b="0" dirty="0">
+                <a:solidFill>
+                  <a:srgbClr val="CCCCCC"/>
+                </a:solidFill>
+                <a:effectLst/>
+                <a:latin typeface="Menlo" panose="020B0609030804020204" pitchFamily="49" charset="0"/>
+              </a:rPr>
+              <a:t>Follow path to bottom left leaf node:</a:t>
+            </a:r>
+          </a:p>
+          <a:p>
+            <a:pPr>
+              <a:lnSpc>
+                <a:spcPts val="1350"/>
+              </a:lnSpc>
+              <a:buNone/>
+            </a:pPr>
+            <a:br>
+              <a:rPr lang="en-US" b="0" dirty="0">
+                <a:solidFill>
+                  <a:srgbClr val="CCCCCC"/>
+                </a:solidFill>
+                <a:effectLst/>
+                <a:latin typeface="Menlo" panose="020B0609030804020204" pitchFamily="49" charset="0"/>
+              </a:rPr>
+            </a:br>
+            <a:r>
+              <a:rPr lang="en-US" b="0" dirty="0">
+                <a:solidFill>
+                  <a:srgbClr val="CCCCCC"/>
+                </a:solidFill>
+                <a:effectLst/>
+                <a:latin typeface="Menlo" panose="020B0609030804020204" pitchFamily="49" charset="0"/>
+              </a:rPr>
+              <a:t>(1) How close friends feel about using marijuana</a:t>
+            </a:r>
+          </a:p>
+          <a:p>
+            <a:pPr>
+              <a:lnSpc>
+                <a:spcPts val="1350"/>
+              </a:lnSpc>
+              <a:buNone/>
+            </a:pPr>
+            <a:r>
+              <a:rPr lang="en-US" b="0" dirty="0">
+                <a:solidFill>
+                  <a:srgbClr val="6796E6"/>
+                </a:solidFill>
+                <a:effectLst/>
+                <a:latin typeface="Menlo" panose="020B0609030804020204" pitchFamily="49" charset="0"/>
+              </a:rPr>
+              <a:t>-</a:t>
+            </a:r>
+            <a:r>
+              <a:rPr lang="en-US" b="0" dirty="0">
+                <a:solidFill>
+                  <a:srgbClr val="CCCCCC"/>
+                </a:solidFill>
+                <a:effectLst/>
+                <a:latin typeface="Menlo" panose="020B0609030804020204" pitchFamily="49" charset="0"/>
+              </a:rPr>
+              <a:t> 1 = strongly/somewhat disapprove, 0 = neither approve nor disapprove</a:t>
+            </a:r>
+          </a:p>
+          <a:p>
+            <a:pPr>
+              <a:lnSpc>
+                <a:spcPts val="1350"/>
+              </a:lnSpc>
+              <a:buNone/>
+            </a:pPr>
+            <a:r>
+              <a:rPr lang="en-US" b="0" dirty="0">
+                <a:solidFill>
+                  <a:srgbClr val="6796E6"/>
+                </a:solidFill>
+                <a:effectLst/>
+                <a:latin typeface="Menlo" panose="020B0609030804020204" pitchFamily="49" charset="0"/>
+              </a:rPr>
+              <a:t>-</a:t>
+            </a:r>
+            <a:r>
+              <a:rPr lang="en-US" b="0" dirty="0">
+                <a:solidFill>
+                  <a:srgbClr val="CCCCCC"/>
+                </a:solidFill>
+                <a:effectLst/>
+                <a:latin typeface="Menlo" panose="020B0609030804020204" pitchFamily="49" charset="0"/>
+              </a:rPr>
+              <a:t> close friends are neutral to marijuana use</a:t>
+            </a:r>
+          </a:p>
+          <a:p>
+            <a:pPr>
+              <a:lnSpc>
+                <a:spcPts val="1350"/>
+              </a:lnSpc>
+              <a:buNone/>
+            </a:pPr>
+            <a:r>
+              <a:rPr lang="en-US" b="0" dirty="0">
+                <a:solidFill>
+                  <a:srgbClr val="6796E6"/>
+                </a:solidFill>
+                <a:effectLst/>
+                <a:latin typeface="Menlo" panose="020B0609030804020204" pitchFamily="49" charset="0"/>
+              </a:rPr>
+              <a:t>-</a:t>
+            </a:r>
+            <a:r>
+              <a:rPr lang="en-US" b="0" dirty="0">
+                <a:solidFill>
+                  <a:srgbClr val="CCCCCC"/>
+                </a:solidFill>
+                <a:effectLst/>
+                <a:latin typeface="Menlo" panose="020B0609030804020204" pitchFamily="49" charset="0"/>
+              </a:rPr>
+              <a:t> go left</a:t>
+            </a:r>
+          </a:p>
+          <a:p>
+            <a:pPr>
+              <a:lnSpc>
+                <a:spcPts val="1350"/>
+              </a:lnSpc>
+              <a:buNone/>
+            </a:pPr>
+            <a:br>
+              <a:rPr lang="en-US" b="0" dirty="0">
+                <a:solidFill>
+                  <a:srgbClr val="CCCCCC"/>
+                </a:solidFill>
+                <a:effectLst/>
+                <a:latin typeface="Menlo" panose="020B0609030804020204" pitchFamily="49" charset="0"/>
+              </a:rPr>
+            </a:br>
+            <a:r>
+              <a:rPr lang="en-US" b="0" dirty="0">
+                <a:solidFill>
+                  <a:srgbClr val="CCCCCC"/>
+                </a:solidFill>
+                <a:effectLst/>
+                <a:latin typeface="Menlo" panose="020B0609030804020204" pitchFamily="49" charset="0"/>
+              </a:rPr>
+              <a:t>(2) Is Mother Present in Household</a:t>
+            </a:r>
+          </a:p>
+          <a:p>
+            <a:pPr>
+              <a:lnSpc>
+                <a:spcPts val="1350"/>
+              </a:lnSpc>
+              <a:buNone/>
+            </a:pPr>
+            <a:r>
+              <a:rPr lang="en-US" b="0" dirty="0">
+                <a:solidFill>
+                  <a:srgbClr val="6796E6"/>
+                </a:solidFill>
+                <a:effectLst/>
+                <a:latin typeface="Menlo" panose="020B0609030804020204" pitchFamily="49" charset="0"/>
+              </a:rPr>
+              <a:t>-</a:t>
+            </a:r>
+            <a:r>
+              <a:rPr lang="en-US" b="0" dirty="0">
+                <a:solidFill>
+                  <a:srgbClr val="CCCCCC"/>
+                </a:solidFill>
+                <a:effectLst/>
+                <a:latin typeface="Menlo" panose="020B0609030804020204" pitchFamily="49" charset="0"/>
+              </a:rPr>
+              <a:t> 1 = present, 0 = not present</a:t>
+            </a:r>
+          </a:p>
+          <a:p>
+            <a:pPr>
+              <a:lnSpc>
+                <a:spcPts val="1350"/>
+              </a:lnSpc>
+              <a:buNone/>
+            </a:pPr>
+            <a:r>
+              <a:rPr lang="en-US" b="0" dirty="0">
+                <a:solidFill>
+                  <a:srgbClr val="6796E6"/>
+                </a:solidFill>
+                <a:effectLst/>
+                <a:latin typeface="Menlo" panose="020B0609030804020204" pitchFamily="49" charset="0"/>
+              </a:rPr>
+              <a:t>-</a:t>
+            </a:r>
+            <a:r>
+              <a:rPr lang="en-US" b="0" dirty="0">
+                <a:solidFill>
+                  <a:srgbClr val="CCCCCC"/>
+                </a:solidFill>
+                <a:effectLst/>
+                <a:latin typeface="Menlo" panose="020B0609030804020204" pitchFamily="49" charset="0"/>
+              </a:rPr>
+              <a:t> mother is not present</a:t>
+            </a:r>
+          </a:p>
+          <a:p>
+            <a:pPr>
+              <a:lnSpc>
+                <a:spcPts val="1350"/>
+              </a:lnSpc>
+              <a:buNone/>
+            </a:pPr>
+            <a:r>
+              <a:rPr lang="en-US" b="0" dirty="0">
+                <a:solidFill>
+                  <a:srgbClr val="6796E6"/>
+                </a:solidFill>
+                <a:effectLst/>
+                <a:latin typeface="Menlo" panose="020B0609030804020204" pitchFamily="49" charset="0"/>
+              </a:rPr>
+              <a:t>-</a:t>
+            </a:r>
+            <a:r>
+              <a:rPr lang="en-US" b="0" dirty="0">
+                <a:solidFill>
+                  <a:srgbClr val="CCCCCC"/>
+                </a:solidFill>
+                <a:effectLst/>
+                <a:latin typeface="Menlo" panose="020B0609030804020204" pitchFamily="49" charset="0"/>
+              </a:rPr>
+              <a:t> go left</a:t>
+            </a:r>
+          </a:p>
+          <a:p>
+            <a:pPr>
+              <a:lnSpc>
+                <a:spcPts val="1350"/>
+              </a:lnSpc>
+              <a:buNone/>
+            </a:pPr>
+            <a:br>
+              <a:rPr lang="en-US" b="0" dirty="0">
+                <a:solidFill>
+                  <a:srgbClr val="CCCCCC"/>
+                </a:solidFill>
+                <a:effectLst/>
+                <a:latin typeface="Menlo" panose="020B0609030804020204" pitchFamily="49" charset="0"/>
+              </a:rPr>
+            </a:br>
+            <a:r>
+              <a:rPr lang="en-US" b="0" dirty="0">
+                <a:solidFill>
+                  <a:srgbClr val="CCCCCC"/>
+                </a:solidFill>
+                <a:effectLst/>
+                <a:latin typeface="Menlo" panose="020B0609030804020204" pitchFamily="49" charset="0"/>
+              </a:rPr>
+              <a:t>(3) Sex</a:t>
+            </a:r>
+          </a:p>
+          <a:p>
+            <a:pPr>
+              <a:lnSpc>
+                <a:spcPts val="1350"/>
+              </a:lnSpc>
+              <a:buNone/>
+            </a:pPr>
+            <a:r>
+              <a:rPr lang="en-US" b="0" dirty="0">
+                <a:solidFill>
+                  <a:srgbClr val="6796E6"/>
+                </a:solidFill>
+                <a:effectLst/>
+                <a:latin typeface="Menlo" panose="020B0609030804020204" pitchFamily="49" charset="0"/>
+              </a:rPr>
+              <a:t>-</a:t>
+            </a:r>
+            <a:r>
+              <a:rPr lang="en-US" b="0" dirty="0">
+                <a:solidFill>
+                  <a:srgbClr val="CCCCCC"/>
+                </a:solidFill>
+                <a:effectLst/>
+                <a:latin typeface="Menlo" panose="020B0609030804020204" pitchFamily="49" charset="0"/>
+              </a:rPr>
+              <a:t> 1 = male, 0 = female</a:t>
+            </a:r>
+          </a:p>
+          <a:p>
+            <a:pPr>
+              <a:lnSpc>
+                <a:spcPts val="1350"/>
+              </a:lnSpc>
+              <a:buNone/>
+            </a:pPr>
+            <a:r>
+              <a:rPr lang="en-US" b="0" dirty="0">
+                <a:solidFill>
+                  <a:srgbClr val="6796E6"/>
+                </a:solidFill>
+                <a:effectLst/>
+                <a:latin typeface="Menlo" panose="020B0609030804020204" pitchFamily="49" charset="0"/>
+              </a:rPr>
+              <a:t>-</a:t>
+            </a:r>
+            <a:r>
+              <a:rPr lang="en-US" b="0" dirty="0">
+                <a:solidFill>
+                  <a:srgbClr val="CCCCCC"/>
+                </a:solidFill>
+                <a:effectLst/>
+                <a:latin typeface="Menlo" panose="020B0609030804020204" pitchFamily="49" charset="0"/>
+              </a:rPr>
+              <a:t> female</a:t>
+            </a:r>
+          </a:p>
+          <a:p>
+            <a:pPr>
+              <a:lnSpc>
+                <a:spcPts val="1350"/>
+              </a:lnSpc>
+              <a:buNone/>
+            </a:pPr>
+            <a:r>
+              <a:rPr lang="en-US" b="0" dirty="0">
+                <a:solidFill>
+                  <a:srgbClr val="6796E6"/>
+                </a:solidFill>
+                <a:effectLst/>
+                <a:latin typeface="Menlo" panose="020B0609030804020204" pitchFamily="49" charset="0"/>
+              </a:rPr>
+              <a:t>-</a:t>
+            </a:r>
+            <a:r>
+              <a:rPr lang="en-US" b="0" dirty="0">
+                <a:solidFill>
+                  <a:srgbClr val="CCCCCC"/>
+                </a:solidFill>
+                <a:effectLst/>
+                <a:latin typeface="Menlo" panose="020B0609030804020204" pitchFamily="49" charset="0"/>
+              </a:rPr>
+              <a:t> go left</a:t>
+            </a:r>
+          </a:p>
+          <a:p>
+            <a:pPr>
+              <a:lnSpc>
+                <a:spcPts val="1350"/>
+              </a:lnSpc>
+              <a:buNone/>
+            </a:pPr>
+            <a:br>
+              <a:rPr lang="en-US" b="0" dirty="0">
+                <a:solidFill>
+                  <a:srgbClr val="CCCCCC"/>
+                </a:solidFill>
+                <a:effectLst/>
+                <a:latin typeface="Menlo" panose="020B0609030804020204" pitchFamily="49" charset="0"/>
+              </a:rPr>
+            </a:br>
+            <a:r>
+              <a:rPr lang="en-US" b="0" dirty="0">
+                <a:solidFill>
+                  <a:srgbClr val="CCCCCC"/>
+                </a:solidFill>
+                <a:effectLst/>
+                <a:latin typeface="Menlo" panose="020B0609030804020204" pitchFamily="49" charset="0"/>
+              </a:rPr>
+              <a:t>(4) leaf node</a:t>
+            </a:r>
+          </a:p>
+          <a:p>
+            <a:pPr>
+              <a:lnSpc>
+                <a:spcPts val="1350"/>
+              </a:lnSpc>
+              <a:buNone/>
+            </a:pPr>
+            <a:r>
+              <a:rPr lang="en-US" b="0" dirty="0">
+                <a:solidFill>
+                  <a:srgbClr val="6796E6"/>
+                </a:solidFill>
+                <a:effectLst/>
+                <a:latin typeface="Menlo" panose="020B0609030804020204" pitchFamily="49" charset="0"/>
+              </a:rPr>
+              <a:t>-</a:t>
+            </a:r>
+            <a:r>
+              <a:rPr lang="en-US" b="0" dirty="0">
+                <a:solidFill>
+                  <a:srgbClr val="CCCCCC"/>
+                </a:solidFill>
+                <a:effectLst/>
+                <a:latin typeface="Menlo" panose="020B0609030804020204" pitchFamily="49" charset="0"/>
+              </a:rPr>
+              <a:t> 102 days of marijuana use in the past year</a:t>
+            </a:r>
+          </a:p>
+          <a:p>
+            <a:pPr>
+              <a:lnSpc>
+                <a:spcPts val="1350"/>
+              </a:lnSpc>
+            </a:pPr>
+            <a:br>
+              <a:rPr lang="en-US" b="0" dirty="0">
+                <a:solidFill>
+                  <a:srgbClr val="CCCCCC"/>
+                </a:solidFill>
+                <a:effectLst/>
+                <a:latin typeface="Menlo" panose="020B0609030804020204" pitchFamily="49" charset="0"/>
+              </a:rPr>
+            </a:br>
+            <a:r>
+              <a:rPr lang="en-US" b="0" dirty="0">
+                <a:solidFill>
+                  <a:srgbClr val="CCCCCC"/>
+                </a:solidFill>
+                <a:effectLst/>
+                <a:latin typeface="Menlo" panose="020B0609030804020204" pitchFamily="49" charset="0"/>
+              </a:rPr>
+              <a:t>So if your friends do not have a strong disapproval for marijuana use, your mother is not present in the household, and you are female, then our model predicts that you have used marijuana for around 102 days in the past year.</a:t>
+            </a:r>
           </a:p>
         </p:txBody>
       </p:sp>
@@ -14243,7 +14826,7 @@
     </p:spTree>
     <p:extLst>
       <p:ext uri="{BB962C8B-B14F-4D97-AF65-F5344CB8AC3E}">
-        <p14:creationId xmlns:p14="http://schemas.microsoft.com/office/powerpoint/2010/main" val="1353944264"/>
+        <p14:creationId xmlns:p14="http://schemas.microsoft.com/office/powerpoint/2010/main" val="3451741222"/>
       </p:ext>
     </p:extLst>
   </p:cSld>
@@ -14577,7 +15160,7 @@
           <a:p>
             <a:fld id="{2569756D-5336-064F-995F-F3CE35658738}" type="datetime1">
               <a:rPr lang="en-US" smtClean="0"/>
-              <a:t>4/13/25</a:t>
+              <a:t>4/19/25</a:t>
             </a:fld>
             <a:endParaRPr lang="en-US"/>
           </a:p>
@@ -14777,7 +15360,7 @@
           <a:p>
             <a:fld id="{3C423B5E-3683-0549-A9EA-3F6ED104A775}" type="datetime1">
               <a:rPr lang="en-US" smtClean="0"/>
-              <a:t>4/13/25</a:t>
+              <a:t>4/19/25</a:t>
             </a:fld>
             <a:endParaRPr lang="en-US"/>
           </a:p>
@@ -15036,7 +15619,7 @@
           <a:p>
             <a:fld id="{8F2E49C1-4ED4-8040-9F08-CB6847E0456F}" type="datetime1">
               <a:rPr lang="en-US" smtClean="0"/>
-              <a:t>4/13/25</a:t>
+              <a:t>4/19/25</a:t>
             </a:fld>
             <a:endParaRPr lang="en-US"/>
           </a:p>
@@ -15277,7 +15860,7 @@
           <a:p>
             <a:fld id="{22DC6F78-82FE-0148-8742-207988C0AD35}" type="datetime1">
               <a:rPr lang="en-US" smtClean="0"/>
-              <a:t>4/13/25</a:t>
+              <a:t>4/19/25</a:t>
             </a:fld>
             <a:endParaRPr lang="en-US"/>
           </a:p>
@@ -15604,7 +16187,7 @@
           <a:p>
             <a:fld id="{4173938F-DC7E-FE45-B39E-24E7EF7E7AD3}" type="datetime1">
               <a:rPr lang="en-US" smtClean="0"/>
-              <a:t>4/13/25</a:t>
+              <a:t>4/19/25</a:t>
             </a:fld>
             <a:endParaRPr lang="en-US"/>
           </a:p>
@@ -15914,7 +16497,7 @@
           <a:p>
             <a:fld id="{7CFD97BB-C48A-DC4C-BC32-0E2DC73FBF6F}" type="datetime1">
               <a:rPr lang="en-US" smtClean="0"/>
-              <a:t>4/13/25</a:t>
+              <a:t>4/19/25</a:t>
             </a:fld>
             <a:endParaRPr lang="en-US"/>
           </a:p>
@@ -16332,7 +16915,7 @@
           <a:p>
             <a:fld id="{7E267486-A2B2-6845-A236-84D356BA576A}" type="datetime1">
               <a:rPr lang="en-US" smtClean="0"/>
-              <a:t>4/13/25</a:t>
+              <a:t>4/19/25</a:t>
             </a:fld>
             <a:endParaRPr lang="en-US"/>
           </a:p>
@@ -16474,7 +17057,7 @@
           <a:p>
             <a:fld id="{8548AC95-AC85-D946-AFB2-1924602F50E8}" type="datetime1">
               <a:rPr lang="en-US" smtClean="0"/>
-              <a:t>4/13/25</a:t>
+              <a:t>4/19/25</a:t>
             </a:fld>
             <a:endParaRPr lang="en-US"/>
           </a:p>
@@ -16636,7 +17219,7 @@
           <a:p>
             <a:fld id="{1A0D6FE4-87B2-104A-B641-5A8E48C9B5A6}" type="datetime1">
               <a:rPr lang="en-US" smtClean="0"/>
-              <a:t>4/13/25</a:t>
+              <a:t>4/19/25</a:t>
             </a:fld>
             <a:endParaRPr lang="en-US"/>
           </a:p>
@@ -16953,7 +17536,7 @@
           <a:p>
             <a:fld id="{2E6D4B36-D401-8A49-BD59-ECA5E99A15A9}" type="datetime1">
               <a:rPr lang="en-US" smtClean="0"/>
-              <a:t>4/13/25</a:t>
+              <a:t>4/19/25</a:t>
             </a:fld>
             <a:endParaRPr lang="en-US"/>
           </a:p>
@@ -17248,7 +17831,7 @@
           <a:p>
             <a:fld id="{260DDC9A-BCEE-7444-B6B8-7A73C78E1667}" type="datetime1">
               <a:rPr lang="en-US" smtClean="0"/>
-              <a:t>4/13/25</a:t>
+              <a:t>4/19/25</a:t>
             </a:fld>
             <a:endParaRPr lang="en-US"/>
           </a:p>
@@ -17489,7 +18072,7 @@
           <a:p>
             <a:fld id="{7793A318-8EA3-BB45-90BE-A95E768A7FF6}" type="datetime1">
               <a:rPr lang="en-US" smtClean="0"/>
-              <a:t>4/13/25</a:t>
+              <a:t>4/19/25</a:t>
             </a:fld>
             <a:endParaRPr lang="en-US"/>
           </a:p>
@@ -18271,1003 +18854,6 @@
         <p:cNvPr id="1" name="">
           <a:extLst>
             <a:ext uri="{FF2B5EF4-FFF2-40B4-BE49-F238E27FC236}">
-              <a16:creationId xmlns:a16="http://schemas.microsoft.com/office/drawing/2014/main" id="{F5891CAE-4505-D4EF-289C-0C3A4000B2FF}"/>
-            </a:ext>
-          </a:extLst>
-        </p:cNvPr>
-        <p:cNvGrpSpPr/>
-        <p:nvPr/>
-      </p:nvGrpSpPr>
-      <p:grpSpPr>
-        <a:xfrm>
-          <a:off x="0" y="0"/>
-          <a:ext cx="0" cy="0"/>
-          <a:chOff x="0" y="0"/>
-          <a:chExt cx="0" cy="0"/>
-        </a:xfrm>
-      </p:grpSpPr>
-      <p:sp useBgFill="1">
-        <p:nvSpPr>
-          <p:cNvPr id="29" name="Rectangle 28">
-            <a:extLst>
-              <a:ext uri="{FF2B5EF4-FFF2-40B4-BE49-F238E27FC236}">
-                <a16:creationId xmlns:a16="http://schemas.microsoft.com/office/drawing/2014/main" id="{DBDA151C-5770-45E4-AAFF-59E7F403866D}"/>
-              </a:ext>
-              <a:ext uri="{C183D7F6-B498-43B3-948B-1728B52AA6E4}">
-                <adec:decorative xmlns:adec="http://schemas.microsoft.com/office/drawing/2017/decorative" val="1"/>
-              </a:ext>
-            </a:extLst>
-          </p:cNvPr>
-          <p:cNvSpPr>
-            <a:spLocks noGrp="1" noRot="1" noChangeAspect="1" noMove="1" noResize="1" noEditPoints="1" noAdjustHandles="1" noChangeArrowheads="1" noChangeShapeType="1" noTextEdit="1"/>
-          </p:cNvSpPr>
-          <p:nvPr>
-            <p:extLst>
-              <p:ext uri="{386F3935-93C4-4BCD-93E2-E3B085C9AB24}">
-                <p16:designElem xmlns:p16="http://schemas.microsoft.com/office/powerpoint/2015/main" val="1"/>
-              </p:ext>
-            </p:extLst>
-          </p:nvPr>
-        </p:nvSpPr>
-        <p:spPr>
-          <a:xfrm>
-            <a:off x="0" y="0"/>
-            <a:ext cx="12192000" cy="6858000"/>
-          </a:xfrm>
-          <a:prstGeom prst="rect">
-            <a:avLst/>
-          </a:prstGeom>
-          <a:ln w="12700" cap="flat" cmpd="sng" algn="ctr">
-            <a:noFill/>
-            <a:prstDash val="solid"/>
-            <a:miter lim="800000"/>
-          </a:ln>
-          <a:effectLst/>
-          <a:extLst>
-            <a:ext uri="{91240B29-F687-4F45-9708-019B960494DF}">
-              <a14:hiddenLine xmlns:a14="http://schemas.microsoft.com/office/drawing/2010/main" w="12700" cap="flat" cmpd="sng" algn="ctr">
-                <a:solidFill>
-                  <a:schemeClr val="accent1">
-                    <a:shade val="50000"/>
-                  </a:schemeClr>
-                </a:solidFill>
-                <a:prstDash val="solid"/>
-                <a:miter lim="800000"/>
-              </a14:hiddenLine>
-            </a:ext>
-          </a:extLst>
-        </p:spPr>
-        <p:style>
-          <a:lnRef idx="2">
-            <a:schemeClr val="accent1">
-              <a:shade val="50000"/>
-            </a:schemeClr>
-          </a:lnRef>
-          <a:fillRef idx="1">
-            <a:schemeClr val="accent1"/>
-          </a:fillRef>
-          <a:effectRef idx="0">
-            <a:schemeClr val="accent1"/>
-          </a:effectRef>
-          <a:fontRef idx="minor">
-            <a:schemeClr val="lt1"/>
-          </a:fontRef>
-        </p:style>
-        <p:txBody>
-          <a:bodyPr rtlCol="0" anchor="ctr"/>
-          <a:lstStyle/>
-          <a:p>
-            <a:pPr algn="ctr"/>
-            <a:endParaRPr lang="en-US"/>
-          </a:p>
-        </p:txBody>
-      </p:sp>
-      <p:sp>
-        <p:nvSpPr>
-          <p:cNvPr id="2" name="Title 1">
-            <a:extLst>
-              <a:ext uri="{FF2B5EF4-FFF2-40B4-BE49-F238E27FC236}">
-                <a16:creationId xmlns:a16="http://schemas.microsoft.com/office/drawing/2014/main" id="{111D2559-F2DB-B615-1683-7399BD8F9EBB}"/>
-              </a:ext>
-            </a:extLst>
-          </p:cNvPr>
-          <p:cNvSpPr>
-            <a:spLocks noGrp="1"/>
-          </p:cNvSpPr>
-          <p:nvPr>
-            <p:ph type="title"/>
-          </p:nvPr>
-        </p:nvSpPr>
-        <p:spPr>
-          <a:xfrm>
-            <a:off x="640079" y="570750"/>
-            <a:ext cx="10890929" cy="1387934"/>
-          </a:xfrm>
-        </p:spPr>
-        <p:txBody>
-          <a:bodyPr anchor="b">
-            <a:normAutofit/>
-          </a:bodyPr>
-          <a:lstStyle/>
-          <a:p>
-            <a:r>
-              <a:rPr lang="en-US" dirty="0"/>
-              <a:t>Multi-class Classification Results</a:t>
-            </a:r>
-          </a:p>
-        </p:txBody>
-      </p:sp>
-      <p:cxnSp>
-        <p:nvCxnSpPr>
-          <p:cNvPr id="31" name="Straight Connector 30">
-            <a:extLst>
-              <a:ext uri="{FF2B5EF4-FFF2-40B4-BE49-F238E27FC236}">
-                <a16:creationId xmlns:a16="http://schemas.microsoft.com/office/drawing/2014/main" id="{E62D3963-2153-4637-96E6-E31BD2CE5D0D}"/>
-              </a:ext>
-              <a:ext uri="{C183D7F6-B498-43B3-948B-1728B52AA6E4}">
-                <adec:decorative xmlns:adec="http://schemas.microsoft.com/office/drawing/2017/decorative" val="1"/>
-              </a:ext>
-            </a:extLst>
-          </p:cNvPr>
-          <p:cNvCxnSpPr>
-            <a:cxnSpLocks noGrp="1" noRot="1" noChangeAspect="1" noMove="1" noResize="1" noEditPoints="1" noAdjustHandles="1" noChangeArrowheads="1" noChangeShapeType="1"/>
-          </p:cNvCxnSpPr>
-          <p:nvPr>
-            <p:extLst>
-              <p:ext uri="{386F3935-93C4-4BCD-93E2-E3B085C9AB24}">
-                <p16:designElem xmlns:p16="http://schemas.microsoft.com/office/powerpoint/2015/main" val="1"/>
-              </p:ext>
-            </p:extLst>
-          </p:nvPr>
-        </p:nvCxnSpPr>
-        <p:spPr>
-          <a:xfrm>
-            <a:off x="713232" y="2307479"/>
-            <a:ext cx="978862" cy="0"/>
-          </a:xfrm>
-          <a:prstGeom prst="line">
-            <a:avLst/>
-          </a:prstGeom>
-          <a:ln w="76200"/>
-        </p:spPr>
-        <p:style>
-          <a:lnRef idx="1">
-            <a:schemeClr val="accent1"/>
-          </a:lnRef>
-          <a:fillRef idx="0">
-            <a:schemeClr val="accent1"/>
-          </a:fillRef>
-          <a:effectRef idx="0">
-            <a:schemeClr val="accent1"/>
-          </a:effectRef>
-          <a:fontRef idx="minor">
-            <a:schemeClr val="tx1"/>
-          </a:fontRef>
-        </p:style>
-      </p:cxnSp>
-      <p:sp>
-        <p:nvSpPr>
-          <p:cNvPr id="4" name="Slide Number Placeholder 3">
-            <a:extLst>
-              <a:ext uri="{FF2B5EF4-FFF2-40B4-BE49-F238E27FC236}">
-                <a16:creationId xmlns:a16="http://schemas.microsoft.com/office/drawing/2014/main" id="{76347355-0446-AC45-D874-A2C5C938FE54}"/>
-              </a:ext>
-            </a:extLst>
-          </p:cNvPr>
-          <p:cNvSpPr>
-            <a:spLocks noGrp="1"/>
-          </p:cNvSpPr>
-          <p:nvPr>
-            <p:ph type="sldNum" sz="quarter" idx="12"/>
-          </p:nvPr>
-        </p:nvSpPr>
-        <p:spPr>
-          <a:xfrm>
-            <a:off x="10807995" y="6356350"/>
-            <a:ext cx="723014" cy="365125"/>
-          </a:xfrm>
-        </p:spPr>
-        <p:txBody>
-          <a:bodyPr>
-            <a:normAutofit/>
-          </a:bodyPr>
-          <a:lstStyle/>
-          <a:p>
-            <a:pPr>
-              <a:spcAft>
-                <a:spcPts val="600"/>
-              </a:spcAft>
-            </a:pPr>
-            <a:fld id="{70C12960-6E85-460F-B6E3-5B82CB31AF3D}" type="slidenum">
-              <a:rPr lang="en-US" smtClean="0"/>
-              <a:pPr>
-                <a:spcAft>
-                  <a:spcPts val="600"/>
-                </a:spcAft>
-              </a:pPr>
-              <a:t>10</a:t>
-            </a:fld>
-            <a:endParaRPr lang="en-US"/>
-          </a:p>
-        </p:txBody>
-      </p:sp>
-      <p:graphicFrame>
-        <p:nvGraphicFramePr>
-          <p:cNvPr id="14" name="Content Placeholder 13">
-            <a:extLst>
-              <a:ext uri="{FF2B5EF4-FFF2-40B4-BE49-F238E27FC236}">
-                <a16:creationId xmlns:a16="http://schemas.microsoft.com/office/drawing/2014/main" id="{6EA1C66D-048D-31E4-8F3E-EDF4BCA02C11}"/>
-              </a:ext>
-            </a:extLst>
-          </p:cNvPr>
-          <p:cNvGraphicFramePr>
-            <a:graphicFrameLocks noGrp="1"/>
-          </p:cNvGraphicFramePr>
-          <p:nvPr>
-            <p:ph idx="1"/>
-            <p:extLst>
-              <p:ext uri="{D42A27DB-BD31-4B8C-83A1-F6EECF244321}">
-                <p14:modId xmlns:p14="http://schemas.microsoft.com/office/powerpoint/2010/main" val="254251285"/>
-              </p:ext>
-            </p:extLst>
-          </p:nvPr>
-        </p:nvGraphicFramePr>
-        <p:xfrm>
-          <a:off x="640079" y="2714162"/>
-          <a:ext cx="10890933" cy="3428643"/>
-        </p:xfrm>
-        <a:graphic>
-          <a:graphicData uri="http://schemas.openxmlformats.org/drawingml/2006/table">
-            <a:tbl>
-              <a:tblPr firstRow="1" bandRow="1">
-                <a:tableStyleId>{5C22544A-7EE6-4342-B048-85BDC9FD1C3A}</a:tableStyleId>
-              </a:tblPr>
-              <a:tblGrid>
-                <a:gridCol w="2170977">
-                  <a:extLst>
-                    <a:ext uri="{9D8B030D-6E8A-4147-A177-3AD203B41FA5}">
-                      <a16:colId xmlns:a16="http://schemas.microsoft.com/office/drawing/2014/main" val="3368357862"/>
-                    </a:ext>
-                  </a:extLst>
-                </a:gridCol>
-                <a:gridCol w="1736255">
-                  <a:extLst>
-                    <a:ext uri="{9D8B030D-6E8A-4147-A177-3AD203B41FA5}">
-                      <a16:colId xmlns:a16="http://schemas.microsoft.com/office/drawing/2014/main" val="118088368"/>
-                    </a:ext>
-                  </a:extLst>
-                </a:gridCol>
-                <a:gridCol w="1481081">
-                  <a:extLst>
-                    <a:ext uri="{9D8B030D-6E8A-4147-A177-3AD203B41FA5}">
-                      <a16:colId xmlns:a16="http://schemas.microsoft.com/office/drawing/2014/main" val="502612973"/>
-                    </a:ext>
-                  </a:extLst>
-                </a:gridCol>
-                <a:gridCol w="1481081">
-                  <a:extLst>
-                    <a:ext uri="{9D8B030D-6E8A-4147-A177-3AD203B41FA5}">
-                      <a16:colId xmlns:a16="http://schemas.microsoft.com/office/drawing/2014/main" val="1944276556"/>
-                    </a:ext>
-                  </a:extLst>
-                </a:gridCol>
-                <a:gridCol w="1121305">
-                  <a:extLst>
-                    <a:ext uri="{9D8B030D-6E8A-4147-A177-3AD203B41FA5}">
-                      <a16:colId xmlns:a16="http://schemas.microsoft.com/office/drawing/2014/main" val="3216139937"/>
-                    </a:ext>
-                  </a:extLst>
-                </a:gridCol>
-                <a:gridCol w="1479116">
-                  <a:extLst>
-                    <a:ext uri="{9D8B030D-6E8A-4147-A177-3AD203B41FA5}">
-                      <a16:colId xmlns:a16="http://schemas.microsoft.com/office/drawing/2014/main" val="3748864580"/>
-                    </a:ext>
-                  </a:extLst>
-                </a:gridCol>
-                <a:gridCol w="1421118">
-                  <a:extLst>
-                    <a:ext uri="{9D8B030D-6E8A-4147-A177-3AD203B41FA5}">
-                      <a16:colId xmlns:a16="http://schemas.microsoft.com/office/drawing/2014/main" val="3346956763"/>
-                    </a:ext>
-                  </a:extLst>
-                </a:gridCol>
-              </a:tblGrid>
-              <a:tr h="467985">
-                <a:tc>
-                  <a:txBody>
-                    <a:bodyPr/>
-                    <a:lstStyle/>
-                    <a:p>
-                      <a:r>
-                        <a:rPr lang="en-US" sz="2100"/>
-                        <a:t>Model</a:t>
-                      </a:r>
-                    </a:p>
-                  </a:txBody>
-                  <a:tcPr marL="107933" marR="107933" marT="53966" marB="53966"/>
-                </a:tc>
-                <a:tc>
-                  <a:txBody>
-                    <a:bodyPr/>
-                    <a:lstStyle/>
-                    <a:p>
-                      <a:r>
-                        <a:rPr lang="en-US" sz="2100" dirty="0"/>
-                        <a:t>Class</a:t>
-                      </a:r>
-                    </a:p>
-                  </a:txBody>
-                  <a:tcPr marL="107933" marR="107933" marT="53966" marB="53966"/>
-                </a:tc>
-                <a:tc>
-                  <a:txBody>
-                    <a:bodyPr/>
-                    <a:lstStyle/>
-                    <a:p>
-                      <a:r>
-                        <a:rPr lang="en-US" sz="2100"/>
-                        <a:t>Accuracy</a:t>
-                      </a:r>
-                    </a:p>
-                  </a:txBody>
-                  <a:tcPr marL="107933" marR="107933" marT="53966" marB="53966"/>
-                </a:tc>
-                <a:tc>
-                  <a:txBody>
-                    <a:bodyPr/>
-                    <a:lstStyle/>
-                    <a:p>
-                      <a:r>
-                        <a:rPr lang="en-US" sz="2100"/>
-                        <a:t>Precision</a:t>
-                      </a:r>
-                    </a:p>
-                  </a:txBody>
-                  <a:tcPr marL="107933" marR="107933" marT="53966" marB="53966"/>
-                </a:tc>
-                <a:tc>
-                  <a:txBody>
-                    <a:bodyPr/>
-                    <a:lstStyle/>
-                    <a:p>
-                      <a:r>
-                        <a:rPr lang="en-US" sz="2100"/>
-                        <a:t>Recall</a:t>
-                      </a:r>
-                    </a:p>
-                  </a:txBody>
-                  <a:tcPr marL="107933" marR="107933" marT="53966" marB="53966"/>
-                </a:tc>
-                <a:tc>
-                  <a:txBody>
-                    <a:bodyPr/>
-                    <a:lstStyle/>
-                    <a:p>
-                      <a:r>
-                        <a:rPr lang="en-US" sz="2100"/>
-                        <a:t>F1-Score</a:t>
-                      </a:r>
-                    </a:p>
-                  </a:txBody>
-                  <a:tcPr marL="107933" marR="107933" marT="53966" marB="53966"/>
-                </a:tc>
-                <a:tc>
-                  <a:txBody>
-                    <a:bodyPr/>
-                    <a:lstStyle/>
-                    <a:p>
-                      <a:r>
-                        <a:rPr lang="en-US" sz="2100"/>
-                        <a:t>Samples</a:t>
-                      </a:r>
-                    </a:p>
-                  </a:txBody>
-                  <a:tcPr marL="107933" marR="107933" marT="53966" marB="53966"/>
-                </a:tc>
-                <a:extLst>
-                  <a:ext uri="{0D108BD9-81ED-4DB2-BD59-A6C34878D82A}">
-                    <a16:rowId xmlns:a16="http://schemas.microsoft.com/office/drawing/2014/main" val="2777716675"/>
-                  </a:ext>
-                </a:extLst>
-              </a:tr>
-              <a:tr h="544359">
-                <a:tc>
-                  <a:txBody>
-                    <a:bodyPr/>
-                    <a:lstStyle/>
-                    <a:p>
-                      <a:r>
-                        <a:rPr lang="en-US" sz="2100" dirty="0"/>
-                        <a:t>Random Forest</a:t>
-                      </a:r>
-                    </a:p>
-                  </a:txBody>
-                  <a:tcPr marL="107933" marR="107933" marT="53966" marB="53966"/>
-                </a:tc>
-                <a:tc>
-                  <a:txBody>
-                    <a:bodyPr/>
-                    <a:lstStyle/>
-                    <a:p>
-                      <a:r>
-                        <a:rPr lang="en-US" sz="2100" dirty="0"/>
-                        <a:t>Never</a:t>
-                      </a:r>
-                    </a:p>
-                  </a:txBody>
-                  <a:tcPr marL="107933" marR="107933" marT="53966" marB="53966"/>
-                </a:tc>
-                <a:tc>
-                  <a:txBody>
-                    <a:bodyPr/>
-                    <a:lstStyle/>
-                    <a:p>
-                      <a:r>
-                        <a:rPr lang="en-US" sz="2100" dirty="0"/>
-                        <a:t>0.92</a:t>
-                      </a:r>
-                    </a:p>
-                  </a:txBody>
-                  <a:tcPr marL="107933" marR="107933" marT="53966" marB="53966"/>
-                </a:tc>
-                <a:tc>
-                  <a:txBody>
-                    <a:bodyPr/>
-                    <a:lstStyle/>
-                    <a:p>
-                      <a:r>
-                        <a:rPr lang="en-US" sz="2100" dirty="0"/>
-                        <a:t>0.93</a:t>
-                      </a:r>
-                    </a:p>
-                  </a:txBody>
-                  <a:tcPr marL="107933" marR="107933" marT="53966" marB="53966"/>
-                </a:tc>
-                <a:tc>
-                  <a:txBody>
-                    <a:bodyPr/>
-                    <a:lstStyle/>
-                    <a:p>
-                      <a:r>
-                        <a:rPr lang="en-US" sz="2100" dirty="0"/>
-                        <a:t>1.00</a:t>
-                      </a:r>
-                    </a:p>
-                  </a:txBody>
-                  <a:tcPr marL="107933" marR="107933" marT="53966" marB="53966"/>
-                </a:tc>
-                <a:tc>
-                  <a:txBody>
-                    <a:bodyPr/>
-                    <a:lstStyle/>
-                    <a:p>
-                      <a:r>
-                        <a:rPr lang="en-US" sz="2100" dirty="0"/>
-                        <a:t>0.96</a:t>
-                      </a:r>
-                    </a:p>
-                  </a:txBody>
-                  <a:tcPr marL="107933" marR="107933" marT="53966" marB="53966"/>
-                </a:tc>
-                <a:tc>
-                  <a:txBody>
-                    <a:bodyPr/>
-                    <a:lstStyle/>
-                    <a:p>
-                      <a:r>
-                        <a:rPr lang="en-US" sz="2100" dirty="0"/>
-                        <a:t>1954</a:t>
-                      </a:r>
-                    </a:p>
-                  </a:txBody>
-                  <a:tcPr marL="107933" marR="107933" marT="53966" marB="53966"/>
-                </a:tc>
-                <a:extLst>
-                  <a:ext uri="{0D108BD9-81ED-4DB2-BD59-A6C34878D82A}">
-                    <a16:rowId xmlns:a16="http://schemas.microsoft.com/office/drawing/2014/main" val="2860637076"/>
-                  </a:ext>
-                </a:extLst>
-              </a:tr>
-              <a:tr h="467985">
-                <a:tc>
-                  <a:txBody>
-                    <a:bodyPr/>
-                    <a:lstStyle/>
-                    <a:p>
-                      <a:endParaRPr lang="en-US" sz="2100" dirty="0"/>
-                    </a:p>
-                  </a:txBody>
-                  <a:tcPr marL="107933" marR="107933" marT="53966" marB="53966"/>
-                </a:tc>
-                <a:tc>
-                  <a:txBody>
-                    <a:bodyPr/>
-                    <a:lstStyle/>
-                    <a:p>
-                      <a:r>
-                        <a:rPr lang="en-US" sz="2100" dirty="0"/>
-                        <a:t>Sometimes</a:t>
-                      </a:r>
-                    </a:p>
-                  </a:txBody>
-                  <a:tcPr marL="107933" marR="107933" marT="53966" marB="53966"/>
-                </a:tc>
-                <a:tc>
-                  <a:txBody>
-                    <a:bodyPr/>
-                    <a:lstStyle/>
-                    <a:p>
-                      <a:endParaRPr lang="en-US" sz="2100" dirty="0"/>
-                    </a:p>
-                  </a:txBody>
-                  <a:tcPr marL="107933" marR="107933" marT="53966" marB="53966"/>
-                </a:tc>
-                <a:tc>
-                  <a:txBody>
-                    <a:bodyPr/>
-                    <a:lstStyle/>
-                    <a:p>
-                      <a:r>
-                        <a:rPr lang="en-US" sz="2100" dirty="0"/>
-                        <a:t>0.00</a:t>
-                      </a:r>
-                    </a:p>
-                  </a:txBody>
-                  <a:tcPr marL="107933" marR="107933" marT="53966" marB="53966"/>
-                </a:tc>
-                <a:tc>
-                  <a:txBody>
-                    <a:bodyPr/>
-                    <a:lstStyle/>
-                    <a:p>
-                      <a:r>
-                        <a:rPr lang="en-US" sz="2100" dirty="0"/>
-                        <a:t>0.00</a:t>
-                      </a:r>
-                    </a:p>
-                  </a:txBody>
-                  <a:tcPr marL="107933" marR="107933" marT="53966" marB="53966"/>
-                </a:tc>
-                <a:tc>
-                  <a:txBody>
-                    <a:bodyPr/>
-                    <a:lstStyle/>
-                    <a:p>
-                      <a:r>
-                        <a:rPr lang="en-US" sz="2100" dirty="0"/>
-                        <a:t>0.00</a:t>
-                      </a:r>
-                    </a:p>
-                  </a:txBody>
-                  <a:tcPr marL="107933" marR="107933" marT="53966" marB="53966"/>
-                </a:tc>
-                <a:tc>
-                  <a:txBody>
-                    <a:bodyPr/>
-                    <a:lstStyle/>
-                    <a:p>
-                      <a:r>
-                        <a:rPr lang="en-US" sz="2100" dirty="0"/>
-                        <a:t>81</a:t>
-                      </a:r>
-                    </a:p>
-                  </a:txBody>
-                  <a:tcPr marL="107933" marR="107933" marT="53966" marB="53966"/>
-                </a:tc>
-                <a:extLst>
-                  <a:ext uri="{0D108BD9-81ED-4DB2-BD59-A6C34878D82A}">
-                    <a16:rowId xmlns:a16="http://schemas.microsoft.com/office/drawing/2014/main" val="1779465877"/>
-                  </a:ext>
-                </a:extLst>
-              </a:tr>
-              <a:tr h="467985">
-                <a:tc>
-                  <a:txBody>
-                    <a:bodyPr/>
-                    <a:lstStyle/>
-                    <a:p>
-                      <a:endParaRPr lang="en-US" sz="2100"/>
-                    </a:p>
-                  </a:txBody>
-                  <a:tcPr marL="107933" marR="107933" marT="53966" marB="53966"/>
-                </a:tc>
-                <a:tc>
-                  <a:txBody>
-                    <a:bodyPr/>
-                    <a:lstStyle/>
-                    <a:p>
-                      <a:r>
-                        <a:rPr lang="en-US" sz="2100" dirty="0"/>
-                        <a:t>Addict</a:t>
-                      </a:r>
-                    </a:p>
-                  </a:txBody>
-                  <a:tcPr marL="107933" marR="107933" marT="53966" marB="53966"/>
-                </a:tc>
-                <a:tc>
-                  <a:txBody>
-                    <a:bodyPr/>
-                    <a:lstStyle/>
-                    <a:p>
-                      <a:endParaRPr lang="en-US" sz="2100" dirty="0"/>
-                    </a:p>
-                  </a:txBody>
-                  <a:tcPr marL="107933" marR="107933" marT="53966" marB="53966"/>
-                </a:tc>
-                <a:tc>
-                  <a:txBody>
-                    <a:bodyPr/>
-                    <a:lstStyle/>
-                    <a:p>
-                      <a:r>
-                        <a:rPr lang="en-US" sz="2100" dirty="0"/>
-                        <a:t>0.50</a:t>
-                      </a:r>
-                    </a:p>
-                  </a:txBody>
-                  <a:tcPr marL="107933" marR="107933" marT="53966" marB="53966"/>
-                </a:tc>
-                <a:tc>
-                  <a:txBody>
-                    <a:bodyPr/>
-                    <a:lstStyle/>
-                    <a:p>
-                      <a:r>
-                        <a:rPr lang="en-US" sz="2100" dirty="0"/>
-                        <a:t>0.03</a:t>
-                      </a:r>
-                    </a:p>
-                  </a:txBody>
-                  <a:tcPr marL="107933" marR="107933" marT="53966" marB="53966"/>
-                </a:tc>
-                <a:tc>
-                  <a:txBody>
-                    <a:bodyPr/>
-                    <a:lstStyle/>
-                    <a:p>
-                      <a:r>
-                        <a:rPr lang="en-US" sz="2100" dirty="0"/>
-                        <a:t>0.05</a:t>
-                      </a:r>
-                    </a:p>
-                  </a:txBody>
-                  <a:tcPr marL="107933" marR="107933" marT="53966" marB="53966"/>
-                </a:tc>
-                <a:tc>
-                  <a:txBody>
-                    <a:bodyPr/>
-                    <a:lstStyle/>
-                    <a:p>
-                      <a:r>
-                        <a:rPr lang="en-US" sz="2100" dirty="0"/>
-                        <a:t>78</a:t>
-                      </a:r>
-                    </a:p>
-                  </a:txBody>
-                  <a:tcPr marL="107933" marR="107933" marT="53966" marB="53966"/>
-                </a:tc>
-                <a:extLst>
-                  <a:ext uri="{0D108BD9-81ED-4DB2-BD59-A6C34878D82A}">
-                    <a16:rowId xmlns:a16="http://schemas.microsoft.com/office/drawing/2014/main" val="1505452115"/>
-                  </a:ext>
-                </a:extLst>
-              </a:tr>
-              <a:tr h="467985">
-                <a:tc>
-                  <a:txBody>
-                    <a:bodyPr/>
-                    <a:lstStyle/>
-                    <a:p>
-                      <a:r>
-                        <a:rPr lang="en-US" sz="2100" dirty="0"/>
-                        <a:t>Decision Tree</a:t>
-                      </a:r>
-                    </a:p>
-                  </a:txBody>
-                  <a:tcPr marL="107933" marR="107933" marT="53966" marB="53966"/>
-                </a:tc>
-                <a:tc>
-                  <a:txBody>
-                    <a:bodyPr/>
-                    <a:lstStyle/>
-                    <a:p>
-                      <a:r>
-                        <a:rPr lang="en-US" sz="2100" dirty="0"/>
-                        <a:t>Never</a:t>
-                      </a:r>
-                    </a:p>
-                  </a:txBody>
-                  <a:tcPr marL="107933" marR="107933" marT="53966" marB="53966"/>
-                </a:tc>
-                <a:tc>
-                  <a:txBody>
-                    <a:bodyPr/>
-                    <a:lstStyle/>
-                    <a:p>
-                      <a:r>
-                        <a:rPr lang="en-US" sz="2100" dirty="0"/>
-                        <a:t>0.91</a:t>
-                      </a:r>
-                    </a:p>
-                  </a:txBody>
-                  <a:tcPr marL="107933" marR="107933" marT="53966" marB="53966"/>
-                </a:tc>
-                <a:tc>
-                  <a:txBody>
-                    <a:bodyPr/>
-                    <a:lstStyle/>
-                    <a:p>
-                      <a:r>
-                        <a:rPr lang="en-US" sz="2100" dirty="0"/>
-                        <a:t>0.93</a:t>
-                      </a:r>
-                    </a:p>
-                  </a:txBody>
-                  <a:tcPr marL="107933" marR="107933" marT="53966" marB="53966"/>
-                </a:tc>
-                <a:tc>
-                  <a:txBody>
-                    <a:bodyPr/>
-                    <a:lstStyle/>
-                    <a:p>
-                      <a:r>
-                        <a:rPr lang="en-US" sz="2100" dirty="0"/>
-                        <a:t>0.98</a:t>
-                      </a:r>
-                    </a:p>
-                  </a:txBody>
-                  <a:tcPr marL="107933" marR="107933" marT="53966" marB="53966"/>
-                </a:tc>
-                <a:tc>
-                  <a:txBody>
-                    <a:bodyPr/>
-                    <a:lstStyle/>
-                    <a:p>
-                      <a:r>
-                        <a:rPr lang="en-US" sz="2100" dirty="0"/>
-                        <a:t>0.96</a:t>
-                      </a:r>
-                    </a:p>
-                  </a:txBody>
-                  <a:tcPr marL="107933" marR="107933" marT="53966" marB="53966"/>
-                </a:tc>
-                <a:tc>
-                  <a:txBody>
-                    <a:bodyPr/>
-                    <a:lstStyle/>
-                    <a:p>
-                      <a:r>
-                        <a:rPr lang="en-US" sz="2100" dirty="0"/>
-                        <a:t>1954</a:t>
-                      </a:r>
-                    </a:p>
-                  </a:txBody>
-                  <a:tcPr marL="107933" marR="107933" marT="53966" marB="53966"/>
-                </a:tc>
-                <a:extLst>
-                  <a:ext uri="{0D108BD9-81ED-4DB2-BD59-A6C34878D82A}">
-                    <a16:rowId xmlns:a16="http://schemas.microsoft.com/office/drawing/2014/main" val="3902795263"/>
-                  </a:ext>
-                </a:extLst>
-              </a:tr>
-              <a:tr h="544359">
-                <a:tc>
-                  <a:txBody>
-                    <a:bodyPr/>
-                    <a:lstStyle/>
-                    <a:p>
-                      <a:endParaRPr lang="en-US" sz="2100"/>
-                    </a:p>
-                  </a:txBody>
-                  <a:tcPr marL="107933" marR="107933" marT="53966" marB="53966"/>
-                </a:tc>
-                <a:tc>
-                  <a:txBody>
-                    <a:bodyPr/>
-                    <a:lstStyle/>
-                    <a:p>
-                      <a:r>
-                        <a:rPr lang="en-US" sz="2100" dirty="0"/>
-                        <a:t>Sometimes</a:t>
-                      </a:r>
-                    </a:p>
-                  </a:txBody>
-                  <a:tcPr marL="107933" marR="107933" marT="53966" marB="53966"/>
-                </a:tc>
-                <a:tc>
-                  <a:txBody>
-                    <a:bodyPr/>
-                    <a:lstStyle/>
-                    <a:p>
-                      <a:endParaRPr lang="en-US" sz="2100"/>
-                    </a:p>
-                  </a:txBody>
-                  <a:tcPr marL="107933" marR="107933" marT="53966" marB="53966"/>
-                </a:tc>
-                <a:tc>
-                  <a:txBody>
-                    <a:bodyPr/>
-                    <a:lstStyle/>
-                    <a:p>
-                      <a:r>
-                        <a:rPr lang="en-US" sz="2100" dirty="0"/>
-                        <a:t>0.00</a:t>
-                      </a:r>
-                    </a:p>
-                  </a:txBody>
-                  <a:tcPr marL="107933" marR="107933" marT="53966" marB="53966"/>
-                </a:tc>
-                <a:tc>
-                  <a:txBody>
-                    <a:bodyPr/>
-                    <a:lstStyle/>
-                    <a:p>
-                      <a:r>
-                        <a:rPr lang="en-US" sz="2100" dirty="0"/>
-                        <a:t>0.00</a:t>
-                      </a:r>
-                    </a:p>
-                  </a:txBody>
-                  <a:tcPr marL="107933" marR="107933" marT="53966" marB="53966"/>
-                </a:tc>
-                <a:tc>
-                  <a:txBody>
-                    <a:bodyPr/>
-                    <a:lstStyle/>
-                    <a:p>
-                      <a:r>
-                        <a:rPr lang="en-US" sz="2100" dirty="0"/>
-                        <a:t>0.00</a:t>
-                      </a:r>
-                    </a:p>
-                  </a:txBody>
-                  <a:tcPr marL="107933" marR="107933" marT="53966" marB="53966"/>
-                </a:tc>
-                <a:tc>
-                  <a:txBody>
-                    <a:bodyPr/>
-                    <a:lstStyle/>
-                    <a:p>
-                      <a:r>
-                        <a:rPr lang="en-US" sz="2100" dirty="0"/>
-                        <a:t>81</a:t>
-                      </a:r>
-                    </a:p>
-                  </a:txBody>
-                  <a:tcPr marL="107933" marR="107933" marT="53966" marB="53966"/>
-                </a:tc>
-                <a:extLst>
-                  <a:ext uri="{0D108BD9-81ED-4DB2-BD59-A6C34878D82A}">
-                    <a16:rowId xmlns:a16="http://schemas.microsoft.com/office/drawing/2014/main" val="858381829"/>
-                  </a:ext>
-                </a:extLst>
-              </a:tr>
-              <a:tr h="467985">
-                <a:tc>
-                  <a:txBody>
-                    <a:bodyPr/>
-                    <a:lstStyle/>
-                    <a:p>
-                      <a:endParaRPr lang="en-US" sz="2100"/>
-                    </a:p>
-                  </a:txBody>
-                  <a:tcPr marL="107933" marR="107933" marT="53966" marB="53966"/>
-                </a:tc>
-                <a:tc>
-                  <a:txBody>
-                    <a:bodyPr/>
-                    <a:lstStyle/>
-                    <a:p>
-                      <a:r>
-                        <a:rPr lang="en-US" sz="2100" dirty="0"/>
-                        <a:t>Addict</a:t>
-                      </a:r>
-                    </a:p>
-                  </a:txBody>
-                  <a:tcPr marL="107933" marR="107933" marT="53966" marB="53966"/>
-                </a:tc>
-                <a:tc>
-                  <a:txBody>
-                    <a:bodyPr/>
-                    <a:lstStyle/>
-                    <a:p>
-                      <a:endParaRPr lang="en-US" sz="2100"/>
-                    </a:p>
-                  </a:txBody>
-                  <a:tcPr marL="107933" marR="107933" marT="53966" marB="53966"/>
-                </a:tc>
-                <a:tc>
-                  <a:txBody>
-                    <a:bodyPr/>
-                    <a:lstStyle/>
-                    <a:p>
-                      <a:r>
-                        <a:rPr lang="en-US" sz="2100" dirty="0"/>
-                        <a:t>0.21</a:t>
-                      </a:r>
-                    </a:p>
-                  </a:txBody>
-                  <a:tcPr marL="107933" marR="107933" marT="53966" marB="53966"/>
-                </a:tc>
-                <a:tc>
-                  <a:txBody>
-                    <a:bodyPr/>
-                    <a:lstStyle/>
-                    <a:p>
-                      <a:r>
-                        <a:rPr lang="en-US" sz="2100" dirty="0"/>
-                        <a:t>0.12</a:t>
-                      </a:r>
-                    </a:p>
-                  </a:txBody>
-                  <a:tcPr marL="107933" marR="107933" marT="53966" marB="53966"/>
-                </a:tc>
-                <a:tc>
-                  <a:txBody>
-                    <a:bodyPr/>
-                    <a:lstStyle/>
-                    <a:p>
-                      <a:r>
-                        <a:rPr lang="en-US" sz="2100" dirty="0"/>
-                        <a:t>0.15</a:t>
-                      </a:r>
-                    </a:p>
-                  </a:txBody>
-                  <a:tcPr marL="107933" marR="107933" marT="53966" marB="53966"/>
-                </a:tc>
-                <a:tc>
-                  <a:txBody>
-                    <a:bodyPr/>
-                    <a:lstStyle/>
-                    <a:p>
-                      <a:r>
-                        <a:rPr lang="en-US" sz="2100" dirty="0"/>
-                        <a:t>78</a:t>
-                      </a:r>
-                    </a:p>
-                  </a:txBody>
-                  <a:tcPr marL="107933" marR="107933" marT="53966" marB="53966"/>
-                </a:tc>
-                <a:extLst>
-                  <a:ext uri="{0D108BD9-81ED-4DB2-BD59-A6C34878D82A}">
-                    <a16:rowId xmlns:a16="http://schemas.microsoft.com/office/drawing/2014/main" val="3793748114"/>
-                  </a:ext>
-                </a:extLst>
-              </a:tr>
-            </a:tbl>
-          </a:graphicData>
-        </a:graphic>
-      </p:graphicFrame>
-    </p:spTree>
-    <p:extLst>
-      <p:ext uri="{BB962C8B-B14F-4D97-AF65-F5344CB8AC3E}">
-        <p14:creationId xmlns:p14="http://schemas.microsoft.com/office/powerpoint/2010/main" val="4213290168"/>
-      </p:ext>
-    </p:extLst>
-  </p:cSld>
-  <p:clrMapOvr>
-    <a:masterClrMapping/>
-  </p:clrMapOvr>
-</p:sld>
-</file>
-
-<file path=ppt/slides/slide11.xml><?xml version="1.0" encoding="utf-8"?>
-<p:sld xmlns:a="http://schemas.openxmlformats.org/drawingml/2006/main" xmlns:r="http://schemas.openxmlformats.org/officeDocument/2006/relationships" xmlns:p="http://schemas.openxmlformats.org/presentationml/2006/main">
-  <p:cSld>
-    <p:bg>
-      <p:bgPr>
-        <a:solidFill>
-          <a:schemeClr val="bg1"/>
-        </a:solidFill>
-        <a:effectLst/>
-      </p:bgPr>
-    </p:bg>
-    <p:spTree>
-      <p:nvGrpSpPr>
-        <p:cNvPr id="1" name="">
-          <a:extLst>
-            <a:ext uri="{FF2B5EF4-FFF2-40B4-BE49-F238E27FC236}">
               <a16:creationId xmlns:a16="http://schemas.microsoft.com/office/drawing/2014/main" id="{9286DB0E-757F-AF25-2175-39349EB3ED62}"/>
             </a:ext>
           </a:extLst>
@@ -19516,8 +19102,8 @@
         </p:blipFill>
         <p:spPr>
           <a:xfrm>
-            <a:off x="129424" y="2129187"/>
-            <a:ext cx="5644284" cy="3361202"/>
+            <a:off x="129424" y="2186195"/>
+            <a:ext cx="5644284" cy="3247186"/>
           </a:xfrm>
           <a:prstGeom prst="rect">
             <a:avLst/>
@@ -19595,7 +19181,7 @@
                   <a:spcPts val="600"/>
                 </a:spcAft>
               </a:pPr>
-              <a:t>11</a:t>
+              <a:t>10</a:t>
             </a:fld>
             <a:endParaRPr lang="en-US"/>
           </a:p>
@@ -19614,7 +19200,7 @@
 </p:sld>
 </file>
 
-<file path=ppt/slides/slide12.xml><?xml version="1.0" encoding="utf-8"?>
+<file path=ppt/slides/slide11.xml><?xml version="1.0" encoding="utf-8"?>
 <p:sld xmlns:a="http://schemas.openxmlformats.org/drawingml/2006/main" xmlns:r="http://schemas.openxmlformats.org/officeDocument/2006/relationships" xmlns:p="http://schemas.openxmlformats.org/presentationml/2006/main">
   <p:cSld>
     <p:bg>
@@ -19844,7 +19430,7 @@
                   <a:spcPts val="600"/>
                 </a:spcAft>
               </a:pPr>
-              <a:t>12</a:t>
+              <a:t>11</a:t>
             </a:fld>
             <a:endParaRPr lang="en-US"/>
           </a:p>
@@ -19866,7 +19452,7 @@
             <p:ph idx="1"/>
             <p:extLst>
               <p:ext uri="{D42A27DB-BD31-4B8C-83A1-F6EECF244321}">
-                <p14:modId xmlns:p14="http://schemas.microsoft.com/office/powerpoint/2010/main" val="3917298887"/>
+                <p14:modId xmlns:p14="http://schemas.microsoft.com/office/powerpoint/2010/main" val="3331202654"/>
               </p:ext>
             </p:extLst>
           </p:nvPr>
@@ -19971,7 +19557,7 @@
                     <a:p>
                       <a:r>
                         <a:rPr lang="en-US" sz="3300" dirty="0"/>
-                        <a:t>0.1356</a:t>
+                        <a:t>0.1418</a:t>
                       </a:r>
                     </a:p>
                   </a:txBody>
@@ -19984,7 +19570,7 @@
                     <a:p>
                       <a:r>
                         <a:rPr lang="en-US" sz="3300" dirty="0"/>
-                        <a:t>41.906</a:t>
+                        <a:t>41.635</a:t>
                       </a:r>
                     </a:p>
                   </a:txBody>
@@ -20017,7 +19603,7 @@
                     <a:p>
                       <a:r>
                         <a:rPr lang="en-US" sz="3300" dirty="0"/>
-                        <a:t>0.1361</a:t>
+                        <a:t>0.1619</a:t>
                       </a:r>
                     </a:p>
                   </a:txBody>
@@ -20030,7 +19616,7 @@
                     <a:p>
                       <a:r>
                         <a:rPr lang="en-US" sz="3300" dirty="0"/>
-                        <a:t>41.894</a:t>
+                        <a:t>41.298</a:t>
                       </a:r>
                     </a:p>
                   </a:txBody>
@@ -20059,7 +19645,7 @@
 </p:sld>
 </file>
 
-<file path=ppt/slides/slide13.xml><?xml version="1.0" encoding="utf-8"?>
+<file path=ppt/slides/slide12.xml><?xml version="1.0" encoding="utf-8"?>
 <p:sld xmlns:a="http://schemas.openxmlformats.org/drawingml/2006/main" xmlns:r="http://schemas.openxmlformats.org/officeDocument/2006/relationships" xmlns:p="http://schemas.openxmlformats.org/presentationml/2006/main">
   <p:cSld>
     <p:bg>
@@ -20319,8 +19905,8 @@
         </p:blipFill>
         <p:spPr>
           <a:xfrm>
-            <a:off x="116046" y="2694181"/>
-            <a:ext cx="5854700" cy="3486506"/>
+            <a:off x="116046" y="2746431"/>
+            <a:ext cx="5854700" cy="3382006"/>
           </a:xfrm>
           <a:prstGeom prst="rect">
             <a:avLst/>
@@ -20398,6 +19984,419 @@
                   <a:spcPts val="600"/>
                 </a:spcAft>
               </a:pPr>
+              <a:t>12</a:t>
+            </a:fld>
+            <a:endParaRPr lang="en-US"/>
+          </a:p>
+        </p:txBody>
+      </p:sp>
+    </p:spTree>
+    <p:extLst>
+      <p:ext uri="{BB962C8B-B14F-4D97-AF65-F5344CB8AC3E}">
+        <p14:creationId xmlns:p14="http://schemas.microsoft.com/office/powerpoint/2010/main" val="1721206922"/>
+      </p:ext>
+    </p:extLst>
+  </p:cSld>
+  <p:clrMapOvr>
+    <a:masterClrMapping/>
+  </p:clrMapOvr>
+</p:sld>
+</file>
+
+<file path=ppt/slides/slide13.xml><?xml version="1.0" encoding="utf-8"?>
+<p:sld xmlns:a="http://schemas.openxmlformats.org/drawingml/2006/main" xmlns:r="http://schemas.openxmlformats.org/officeDocument/2006/relationships" xmlns:p="http://schemas.openxmlformats.org/presentationml/2006/main">
+  <p:cSld>
+    <p:bg>
+      <p:bgPr>
+        <a:solidFill>
+          <a:schemeClr val="bg1"/>
+        </a:solidFill>
+        <a:effectLst/>
+      </p:bgPr>
+    </p:bg>
+    <p:spTree>
+      <p:nvGrpSpPr>
+        <p:cNvPr id="1" name=""/>
+        <p:cNvGrpSpPr/>
+        <p:nvPr/>
+      </p:nvGrpSpPr>
+      <p:grpSpPr>
+        <a:xfrm>
+          <a:off x="0" y="0"/>
+          <a:ext cx="0" cy="0"/>
+          <a:chOff x="0" y="0"/>
+          <a:chExt cx="0" cy="0"/>
+        </a:xfrm>
+      </p:grpSpPr>
+      <p:cxnSp>
+        <p:nvCxnSpPr>
+          <p:cNvPr id="24" name="Straight Connector 23">
+            <a:extLst>
+              <a:ext uri="{FF2B5EF4-FFF2-40B4-BE49-F238E27FC236}">
+                <a16:creationId xmlns:a16="http://schemas.microsoft.com/office/drawing/2014/main" id="{118E06E4-607B-144B-382B-AD3D06B1EE8C}"/>
+              </a:ext>
+              <a:ext uri="{C183D7F6-B498-43B3-948B-1728B52AA6E4}">
+                <adec:decorative xmlns:adec="http://schemas.microsoft.com/office/drawing/2017/decorative" val="1"/>
+              </a:ext>
+            </a:extLst>
+          </p:cNvPr>
+          <p:cNvCxnSpPr>
+            <a:cxnSpLocks noGrp="1" noRot="1" noChangeAspect="1" noMove="1" noResize="1" noEditPoints="1" noAdjustHandles="1" noChangeArrowheads="1" noChangeShapeType="1"/>
+          </p:cNvCxnSpPr>
+          <p:nvPr>
+            <p:extLst>
+              <p:ext uri="{386F3935-93C4-4BCD-93E2-E3B085C9AB24}">
+                <p16:designElem xmlns:p16="http://schemas.microsoft.com/office/powerpoint/2015/main" val="1"/>
+              </p:ext>
+            </p:extLst>
+          </p:nvPr>
+        </p:nvCxnSpPr>
+        <p:spPr>
+          <a:xfrm>
+            <a:off x="713232" y="1031001"/>
+            <a:ext cx="978862" cy="0"/>
+          </a:xfrm>
+          <a:prstGeom prst="line">
+            <a:avLst/>
+          </a:prstGeom>
+          <a:ln w="76200"/>
+        </p:spPr>
+        <p:style>
+          <a:lnRef idx="1">
+            <a:schemeClr val="accent1"/>
+          </a:lnRef>
+          <a:fillRef idx="0">
+            <a:schemeClr val="accent1"/>
+          </a:fillRef>
+          <a:effectRef idx="0">
+            <a:schemeClr val="accent1"/>
+          </a:effectRef>
+          <a:fontRef idx="minor">
+            <a:schemeClr val="tx1"/>
+          </a:fontRef>
+        </p:style>
+      </p:cxnSp>
+      <p:sp useBgFill="1">
+        <p:nvSpPr>
+          <p:cNvPr id="26" name="Rectangle 25">
+            <a:extLst>
+              <a:ext uri="{FF2B5EF4-FFF2-40B4-BE49-F238E27FC236}">
+                <a16:creationId xmlns:a16="http://schemas.microsoft.com/office/drawing/2014/main" id="{149F9F0F-FB8C-5565-247C-BDCC156B5CAF}"/>
+              </a:ext>
+              <a:ext uri="{C183D7F6-B498-43B3-948B-1728B52AA6E4}">
+                <adec:decorative xmlns:adec="http://schemas.microsoft.com/office/drawing/2017/decorative" val="1"/>
+              </a:ext>
+            </a:extLst>
+          </p:cNvPr>
+          <p:cNvSpPr>
+            <a:spLocks noGrp="1" noRot="1" noChangeAspect="1" noMove="1" noResize="1" noEditPoints="1" noAdjustHandles="1" noChangeArrowheads="1" noChangeShapeType="1" noTextEdit="1"/>
+          </p:cNvSpPr>
+          <p:nvPr>
+            <p:extLst>
+              <p:ext uri="{386F3935-93C4-4BCD-93E2-E3B085C9AB24}">
+                <p16:designElem xmlns:p16="http://schemas.microsoft.com/office/powerpoint/2015/main" val="1"/>
+              </p:ext>
+            </p:extLst>
+          </p:nvPr>
+        </p:nvSpPr>
+        <p:spPr>
+          <a:xfrm>
+            <a:off x="0" y="0"/>
+            <a:ext cx="12192000" cy="6858000"/>
+          </a:xfrm>
+          <a:prstGeom prst="rect">
+            <a:avLst/>
+          </a:prstGeom>
+          <a:ln>
+            <a:noFill/>
+          </a:ln>
+        </p:spPr>
+        <p:style>
+          <a:lnRef idx="2">
+            <a:schemeClr val="accent1">
+              <a:shade val="15000"/>
+            </a:schemeClr>
+          </a:lnRef>
+          <a:fillRef idx="1">
+            <a:schemeClr val="accent1"/>
+          </a:fillRef>
+          <a:effectRef idx="0">
+            <a:schemeClr val="accent1"/>
+          </a:effectRef>
+          <a:fontRef idx="minor">
+            <a:schemeClr val="lt1"/>
+          </a:fontRef>
+        </p:style>
+        <p:txBody>
+          <a:bodyPr rtlCol="0" anchor="ctr"/>
+          <a:lstStyle/>
+          <a:p>
+            <a:pPr algn="ctr"/>
+            <a:endParaRPr lang="en-US"/>
+          </a:p>
+        </p:txBody>
+      </p:sp>
+      <p:sp useBgFill="1">
+        <p:nvSpPr>
+          <p:cNvPr id="28" name="Rectangle 27">
+            <a:extLst>
+              <a:ext uri="{FF2B5EF4-FFF2-40B4-BE49-F238E27FC236}">
+                <a16:creationId xmlns:a16="http://schemas.microsoft.com/office/drawing/2014/main" id="{ABA4FDDF-F59C-428B-8603-3A86D75931AB}"/>
+              </a:ext>
+              <a:ext uri="{C183D7F6-B498-43B3-948B-1728B52AA6E4}">
+                <adec:decorative xmlns:adec="http://schemas.microsoft.com/office/drawing/2017/decorative" val="1"/>
+              </a:ext>
+            </a:extLst>
+          </p:cNvPr>
+          <p:cNvSpPr>
+            <a:spLocks noGrp="1" noRot="1" noChangeAspect="1" noMove="1" noResize="1" noEditPoints="1" noAdjustHandles="1" noChangeArrowheads="1" noChangeShapeType="1" noTextEdit="1"/>
+          </p:cNvSpPr>
+          <p:nvPr>
+            <p:extLst>
+              <p:ext uri="{386F3935-93C4-4BCD-93E2-E3B085C9AB24}">
+                <p16:designElem xmlns:p16="http://schemas.microsoft.com/office/powerpoint/2015/main" val="1"/>
+              </p:ext>
+            </p:extLst>
+          </p:nvPr>
+        </p:nvSpPr>
+        <p:spPr>
+          <a:xfrm>
+            <a:off x="0" y="0"/>
+            <a:ext cx="12192000" cy="6858000"/>
+          </a:xfrm>
+          <a:prstGeom prst="rect">
+            <a:avLst/>
+          </a:prstGeom>
+          <a:ln w="12700" cap="flat" cmpd="sng" algn="ctr">
+            <a:noFill/>
+            <a:prstDash val="solid"/>
+            <a:miter lim="800000"/>
+          </a:ln>
+          <a:effectLst/>
+          <a:extLst>
+            <a:ext uri="{91240B29-F687-4F45-9708-019B960494DF}">
+              <a14:hiddenLine xmlns:a14="http://schemas.microsoft.com/office/drawing/2010/main" w="12700" cap="flat" cmpd="sng" algn="ctr">
+                <a:solidFill>
+                  <a:schemeClr val="accent1">
+                    <a:shade val="50000"/>
+                  </a:schemeClr>
+                </a:solidFill>
+                <a:prstDash val="solid"/>
+                <a:miter lim="800000"/>
+              </a14:hiddenLine>
+            </a:ext>
+          </a:extLst>
+        </p:spPr>
+        <p:style>
+          <a:lnRef idx="2">
+            <a:schemeClr val="accent1">
+              <a:shade val="50000"/>
+            </a:schemeClr>
+          </a:lnRef>
+          <a:fillRef idx="1">
+            <a:schemeClr val="accent1"/>
+          </a:fillRef>
+          <a:effectRef idx="0">
+            <a:schemeClr val="accent1"/>
+          </a:effectRef>
+          <a:fontRef idx="minor">
+            <a:schemeClr val="lt1"/>
+          </a:fontRef>
+        </p:style>
+        <p:txBody>
+          <a:bodyPr rtlCol="0" anchor="ctr"/>
+          <a:lstStyle/>
+          <a:p>
+            <a:pPr algn="ctr"/>
+            <a:endParaRPr lang="en-US"/>
+          </a:p>
+        </p:txBody>
+      </p:sp>
+      <p:sp>
+        <p:nvSpPr>
+          <p:cNvPr id="30" name="Rectangle 29">
+            <a:extLst>
+              <a:ext uri="{FF2B5EF4-FFF2-40B4-BE49-F238E27FC236}">
+                <a16:creationId xmlns:a16="http://schemas.microsoft.com/office/drawing/2014/main" id="{3701323A-3BD4-99D2-F90B-51E5AB342D48}"/>
+              </a:ext>
+              <a:ext uri="{C183D7F6-B498-43B3-948B-1728B52AA6E4}">
+                <adec:decorative xmlns:adec="http://schemas.microsoft.com/office/drawing/2017/decorative" val="1"/>
+              </a:ext>
+            </a:extLst>
+          </p:cNvPr>
+          <p:cNvSpPr>
+            <a:spLocks noGrp="1" noRot="1" noChangeAspect="1" noMove="1" noResize="1" noEditPoints="1" noAdjustHandles="1" noChangeArrowheads="1" noChangeShapeType="1" noTextEdit="1"/>
+          </p:cNvSpPr>
+          <p:nvPr>
+            <p:extLst>
+              <p:ext uri="{386F3935-93C4-4BCD-93E2-E3B085C9AB24}">
+                <p16:designElem xmlns:p16="http://schemas.microsoft.com/office/powerpoint/2015/main" val="1"/>
+              </p:ext>
+            </p:extLst>
+          </p:nvPr>
+        </p:nvSpPr>
+        <p:spPr>
+          <a:xfrm>
+            <a:off x="643467" y="640311"/>
+            <a:ext cx="10887542" cy="5577378"/>
+          </a:xfrm>
+          <a:prstGeom prst="rect">
+            <a:avLst/>
+          </a:prstGeom>
+          <a:solidFill>
+            <a:schemeClr val="bg1">
+              <a:lumMod val="95000"/>
+              <a:alpha val="60000"/>
+            </a:schemeClr>
+          </a:solidFill>
+          <a:ln>
+            <a:noFill/>
+          </a:ln>
+        </p:spPr>
+        <p:style>
+          <a:lnRef idx="2">
+            <a:schemeClr val="accent1">
+              <a:shade val="15000"/>
+            </a:schemeClr>
+          </a:lnRef>
+          <a:fillRef idx="1">
+            <a:schemeClr val="accent1"/>
+          </a:fillRef>
+          <a:effectRef idx="0">
+            <a:schemeClr val="accent1"/>
+          </a:effectRef>
+          <a:fontRef idx="minor">
+            <a:schemeClr val="lt1"/>
+          </a:fontRef>
+        </p:style>
+        <p:txBody>
+          <a:bodyPr rtlCol="0" anchor="ctr"/>
+          <a:lstStyle/>
+          <a:p>
+            <a:pPr algn="ctr"/>
+            <a:endParaRPr lang="en-US"/>
+          </a:p>
+        </p:txBody>
+      </p:sp>
+      <p:pic>
+        <p:nvPicPr>
+          <p:cNvPr id="6" name="Content Placeholder 5" descr="A diagram of a group of people&#10;&#10;AI-generated content may be incorrect.">
+            <a:extLst>
+              <a:ext uri="{FF2B5EF4-FFF2-40B4-BE49-F238E27FC236}">
+                <a16:creationId xmlns:a16="http://schemas.microsoft.com/office/drawing/2014/main" id="{51F4EF02-F644-3519-AECF-B9255CD4573A}"/>
+              </a:ext>
+            </a:extLst>
+          </p:cNvPr>
+          <p:cNvPicPr>
+            <a:picLocks noGrp="1" noChangeAspect="1"/>
+          </p:cNvPicPr>
+          <p:nvPr>
+            <p:ph idx="1"/>
+          </p:nvPr>
+        </p:nvPicPr>
+        <p:blipFill>
+          <a:blip r:embed="rId3"/>
+          <a:srcRect t="627"/>
+          <a:stretch/>
+        </p:blipFill>
+        <p:spPr>
+          <a:xfrm>
+            <a:off x="643467" y="640311"/>
+            <a:ext cx="10902365" cy="5579514"/>
+          </a:xfrm>
+          <a:prstGeom prst="rect">
+            <a:avLst/>
+          </a:prstGeom>
+        </p:spPr>
+      </p:pic>
+      <p:cxnSp>
+        <p:nvCxnSpPr>
+          <p:cNvPr id="32" name="Straight Connector 31">
+            <a:extLst>
+              <a:ext uri="{FF2B5EF4-FFF2-40B4-BE49-F238E27FC236}">
+                <a16:creationId xmlns:a16="http://schemas.microsoft.com/office/drawing/2014/main" id="{9AE2764D-E1C7-4C0E-A5A4-12411550ABAD}"/>
+              </a:ext>
+              <a:ext uri="{C183D7F6-B498-43B3-948B-1728B52AA6E4}">
+                <adec:decorative xmlns:adec="http://schemas.microsoft.com/office/drawing/2017/decorative" val="1"/>
+              </a:ext>
+            </a:extLst>
+          </p:cNvPr>
+          <p:cNvCxnSpPr>
+            <a:cxnSpLocks noGrp="1" noRot="1" noChangeAspect="1" noMove="1" noResize="1" noEditPoints="1" noAdjustHandles="1" noChangeArrowheads="1" noChangeShapeType="1"/>
+          </p:cNvCxnSpPr>
+          <p:nvPr>
+            <p:extLst>
+              <p:ext uri="{386F3935-93C4-4BCD-93E2-E3B085C9AB24}">
+                <p16:designElem xmlns:p16="http://schemas.microsoft.com/office/powerpoint/2015/main" val="1"/>
+              </p:ext>
+            </p:extLst>
+          </p:nvPr>
+        </p:nvCxnSpPr>
+        <p:spPr>
+          <a:xfrm flipV="1">
+            <a:off x="11537289" y="640311"/>
+            <a:ext cx="0" cy="5579514"/>
+          </a:xfrm>
+          <a:prstGeom prst="line">
+            <a:avLst/>
+          </a:prstGeom>
+          <a:ln w="76200"/>
+        </p:spPr>
+        <p:style>
+          <a:lnRef idx="1">
+            <a:schemeClr val="accent1"/>
+          </a:lnRef>
+          <a:fillRef idx="0">
+            <a:schemeClr val="accent1"/>
+          </a:fillRef>
+          <a:effectRef idx="0">
+            <a:schemeClr val="accent1"/>
+          </a:effectRef>
+          <a:fontRef idx="minor">
+            <a:schemeClr val="tx1"/>
+          </a:fontRef>
+        </p:style>
+      </p:cxnSp>
+      <p:sp>
+        <p:nvSpPr>
+          <p:cNvPr id="4" name="Slide Number Placeholder 3">
+            <a:extLst>
+              <a:ext uri="{FF2B5EF4-FFF2-40B4-BE49-F238E27FC236}">
+                <a16:creationId xmlns:a16="http://schemas.microsoft.com/office/drawing/2014/main" id="{75D31F0B-C060-6DC4-C1CC-A382DBDDD62C}"/>
+              </a:ext>
+            </a:extLst>
+          </p:cNvPr>
+          <p:cNvSpPr>
+            <a:spLocks noGrp="1"/>
+          </p:cNvSpPr>
+          <p:nvPr>
+            <p:ph type="sldNum" sz="quarter" idx="12"/>
+          </p:nvPr>
+        </p:nvSpPr>
+        <p:spPr>
+          <a:xfrm>
+            <a:off x="10807995" y="6356350"/>
+            <a:ext cx="723014" cy="365125"/>
+          </a:xfrm>
+        </p:spPr>
+        <p:txBody>
+          <a:bodyPr vert="horz" lIns="91440" tIns="45720" rIns="91440" bIns="45720" rtlCol="0" anchor="ctr">
+            <a:normAutofit/>
+          </a:bodyPr>
+          <a:lstStyle/>
+          <a:p>
+            <a:pPr defTabSz="914400">
+              <a:spcAft>
+                <a:spcPts val="600"/>
+              </a:spcAft>
+            </a:pPr>
+            <a:fld id="{70C12960-6E85-460F-B6E3-5B82CB31AF3D}" type="slidenum">
+              <a:rPr lang="en-US" smtClean="0"/>
+              <a:pPr defTabSz="914400">
+                <a:spcAft>
+                  <a:spcPts val="600"/>
+                </a:spcAft>
+              </a:pPr>
               <a:t>13</a:t>
             </a:fld>
             <a:endParaRPr lang="en-US"/>
@@ -20407,7 +20406,7 @@
     </p:spTree>
     <p:extLst>
       <p:ext uri="{BB962C8B-B14F-4D97-AF65-F5344CB8AC3E}">
-        <p14:creationId xmlns:p14="http://schemas.microsoft.com/office/powerpoint/2010/main" val="1721206922"/>
+        <p14:creationId xmlns:p14="http://schemas.microsoft.com/office/powerpoint/2010/main" val="3480897458"/>
       </p:ext>
     </p:extLst>
   </p:cSld>
@@ -20444,10 +20443,10 @@
       </p:grpSpPr>
       <p:sp useBgFill="1">
         <p:nvSpPr>
-          <p:cNvPr id="17" name="Rectangle 16">
+          <p:cNvPr id="24" name="Rectangle 23">
             <a:extLst>
               <a:ext uri="{FF2B5EF4-FFF2-40B4-BE49-F238E27FC236}">
-                <a16:creationId xmlns:a16="http://schemas.microsoft.com/office/drawing/2014/main" id="{DBDA151C-5770-45E4-AAFF-59E7F403866D}"/>
+                <a16:creationId xmlns:a16="http://schemas.microsoft.com/office/drawing/2014/main" id="{A637580D-1176-4083-A9A1-BD8ED08996EC}"/>
               </a:ext>
               <a:ext uri="{C183D7F6-B498-43B3-948B-1728B52AA6E4}">
                 <adec:decorative xmlns:adec="http://schemas.microsoft.com/office/drawing/2017/decorative" val="1"/>
@@ -20536,12 +20535,12 @@
         </p:nvSpPr>
         <p:spPr>
           <a:xfrm>
-            <a:off x="640079" y="570750"/>
-            <a:ext cx="10890929" cy="1387934"/>
+            <a:off x="914400" y="1371600"/>
+            <a:ext cx="10360152" cy="1139911"/>
           </a:xfrm>
         </p:spPr>
         <p:txBody>
-          <a:bodyPr anchor="b">
+          <a:bodyPr>
             <a:normAutofit/>
           </a:bodyPr>
           <a:lstStyle/>
@@ -20555,10 +20554,10 @@
       </p:sp>
       <p:cxnSp>
         <p:nvCxnSpPr>
-          <p:cNvPr id="19" name="Straight Connector 18">
+          <p:cNvPr id="26" name="Straight Connector 25">
             <a:extLst>
               <a:ext uri="{FF2B5EF4-FFF2-40B4-BE49-F238E27FC236}">
-                <a16:creationId xmlns:a16="http://schemas.microsoft.com/office/drawing/2014/main" id="{E62D3963-2153-4637-96E6-E31BD2CE5D0D}"/>
+                <a16:creationId xmlns:a16="http://schemas.microsoft.com/office/drawing/2014/main" id="{B9C96FDC-E4C2-7D8A-44BA-572E7CD9E899}"/>
               </a:ext>
               <a:ext uri="{C183D7F6-B498-43B3-948B-1728B52AA6E4}">
                 <adec:decorative xmlns:adec="http://schemas.microsoft.com/office/drawing/2017/decorative" val="1"/>
@@ -20578,8 +20577,8 @@
         </p:nvCxnSpPr>
         <p:spPr>
           <a:xfrm>
-            <a:off x="713232" y="2307479"/>
-            <a:ext cx="978862" cy="0"/>
+            <a:off x="991585" y="1027306"/>
+            <a:ext cx="10208830" cy="0"/>
           </a:xfrm>
           <a:prstGeom prst="line">
             <a:avLst/>
@@ -20663,14 +20662,14 @@
             <p:ph idx="1"/>
             <p:extLst>
               <p:ext uri="{D42A27DB-BD31-4B8C-83A1-F6EECF244321}">
-                <p14:modId xmlns:p14="http://schemas.microsoft.com/office/powerpoint/2010/main" val="2189236401"/>
+                <p14:modId xmlns:p14="http://schemas.microsoft.com/office/powerpoint/2010/main" val="1147663049"/>
               </p:ext>
             </p:extLst>
           </p:nvPr>
         </p:nvGraphicFramePr>
         <p:xfrm>
-          <a:off x="640079" y="2659232"/>
-          <a:ext cx="10890932" cy="3538500"/>
+          <a:off x="914400" y="2737169"/>
+          <a:ext cx="10363202" cy="3431144"/>
         </p:xfrm>
         <a:graphic>
           <a:graphicData uri="http://schemas.openxmlformats.org/drawingml/2006/table">
@@ -20679,56 +20678,56 @@
                 <a:tableStyleId>{5C22544A-7EE6-4342-B048-85BDC9FD1C3A}</a:tableStyleId>
               </a:tblPr>
               <a:tblGrid>
-                <a:gridCol w="1332720">
+                <a:gridCol w="1185014">
                   <a:extLst>
                     <a:ext uri="{9D8B030D-6E8A-4147-A177-3AD203B41FA5}">
                       <a16:colId xmlns:a16="http://schemas.microsoft.com/office/drawing/2014/main" val="2069110352"/>
                     </a:ext>
                   </a:extLst>
                 </a:gridCol>
-                <a:gridCol w="1088567">
+                <a:gridCol w="967253">
                   <a:extLst>
                     <a:ext uri="{9D8B030D-6E8A-4147-A177-3AD203B41FA5}">
                       <a16:colId xmlns:a16="http://schemas.microsoft.com/office/drawing/2014/main" val="1757248993"/>
                     </a:ext>
                   </a:extLst>
                 </a:gridCol>
-                <a:gridCol w="1421094">
+                <a:gridCol w="1263185">
                   <a:extLst>
                     <a:ext uri="{9D8B030D-6E8A-4147-A177-3AD203B41FA5}">
                       <a16:colId xmlns:a16="http://schemas.microsoft.com/office/drawing/2014/main" val="3433683394"/>
                     </a:ext>
                   </a:extLst>
                 </a:gridCol>
-                <a:gridCol w="2286865">
+                <a:gridCol w="2010870">
                   <a:extLst>
                     <a:ext uri="{9D8B030D-6E8A-4147-A177-3AD203B41FA5}">
                       <a16:colId xmlns:a16="http://schemas.microsoft.com/office/drawing/2014/main" val="786595983"/>
                     </a:ext>
                   </a:extLst>
                 </a:gridCol>
-                <a:gridCol w="1421094">
+                <a:gridCol w="1263185">
                   <a:extLst>
                     <a:ext uri="{9D8B030D-6E8A-4147-A177-3AD203B41FA5}">
                       <a16:colId xmlns:a16="http://schemas.microsoft.com/office/drawing/2014/main" val="2307013201"/>
                     </a:ext>
                   </a:extLst>
                 </a:gridCol>
-                <a:gridCol w="1018166">
+                <a:gridCol w="1249226">
                   <a:extLst>
                     <a:ext uri="{9D8B030D-6E8A-4147-A177-3AD203B41FA5}">
                       <a16:colId xmlns:a16="http://schemas.microsoft.com/office/drawing/2014/main" val="5176228"/>
                     </a:ext>
                   </a:extLst>
                 </a:gridCol>
-                <a:gridCol w="1018166">
+                <a:gridCol w="1249226">
                   <a:extLst>
                     <a:ext uri="{9D8B030D-6E8A-4147-A177-3AD203B41FA5}">
                       <a16:colId xmlns:a16="http://schemas.microsoft.com/office/drawing/2014/main" val="129548333"/>
                     </a:ext>
                   </a:extLst>
                 </a:gridCol>
-                <a:gridCol w="1304260">
+                <a:gridCol w="1175243">
                   <a:extLst>
                     <a:ext uri="{9D8B030D-6E8A-4147-A177-3AD203B41FA5}">
                       <a16:colId xmlns:a16="http://schemas.microsoft.com/office/drawing/2014/main" val="1032448653"/>
@@ -20736,19 +20735,19 @@
                   </a:extLst>
                 </a:gridCol>
               </a:tblGrid>
-              <a:tr h="770970">
+              <a:tr h="967644">
                 <a:tc>
                   <a:txBody>
                     <a:bodyPr/>
                     <a:lstStyle/>
                     <a:p>
                       <a:r>
-                        <a:rPr lang="en-US" sz="2100"/>
+                        <a:rPr lang="en-US" sz="1800"/>
                         <a:t>Model</a:t>
                       </a:r>
                     </a:p>
                   </a:txBody>
-                  <a:tcPr marL="103758" marR="103758" marT="51879" marB="51879"/>
+                  <a:tcPr marL="91236" marR="91236" marT="45618" marB="45618"/>
                 </a:tc>
                 <a:tc>
                   <a:txBody>
@@ -20756,12 +20755,12 @@
                     <a:lstStyle/>
                     <a:p>
                       <a:r>
-                        <a:rPr lang="en-US" sz="2100"/>
+                        <a:rPr lang="en-US" sz="1800"/>
                         <a:t>Type</a:t>
                       </a:r>
                     </a:p>
                   </a:txBody>
-                  <a:tcPr marL="103758" marR="103758" marT="51879" marB="51879"/>
+                  <a:tcPr marL="91236" marR="91236" marT="45618" marB="45618"/>
                 </a:tc>
                 <a:tc>
                   <a:txBody>
@@ -20769,12 +20768,12 @@
                     <a:lstStyle/>
                     <a:p>
                       <a:r>
-                        <a:rPr lang="en-US" sz="2100"/>
+                        <a:rPr lang="en-US" sz="1800"/>
                         <a:t>Accuracy</a:t>
                       </a:r>
                     </a:p>
                   </a:txBody>
-                  <a:tcPr marL="103758" marR="103758" marT="51879" marB="51879"/>
+                  <a:tcPr marL="91236" marR="91236" marT="45618" marB="45618"/>
                 </a:tc>
                 <a:tc>
                   <a:txBody>
@@ -20782,12 +20781,12 @@
                     <a:lstStyle/>
                     <a:p>
                       <a:r>
-                        <a:rPr lang="en-US" sz="2100"/>
-                        <a:t>F1 (Used/Addict)</a:t>
+                        <a:rPr lang="en-US" sz="1800"/>
+                        <a:t>F1 Weighted (Used/Addict)</a:t>
                       </a:r>
                     </a:p>
                   </a:txBody>
-                  <a:tcPr marL="103758" marR="103758" marT="51879" marB="51879"/>
+                  <a:tcPr marL="91236" marR="91236" marT="45618" marB="45618"/>
                 </a:tc>
                 <a:tc>
                   <a:txBody>
@@ -20795,12 +20794,12 @@
                     <a:lstStyle/>
                     <a:p>
                       <a:r>
-                        <a:rPr lang="en-US" sz="2100"/>
+                        <a:rPr lang="en-US" sz="1800"/>
                         <a:t>Macro F1</a:t>
                       </a:r>
                     </a:p>
                   </a:txBody>
-                  <a:tcPr marL="103758" marR="103758" marT="51879" marB="51879"/>
+                  <a:tcPr marL="91236" marR="91236" marT="45618" marB="45618"/>
                 </a:tc>
                 <a:tc>
                   <a:txBody>
@@ -20808,12 +20807,12 @@
                     <a:lstStyle/>
                     <a:p>
                       <a:r>
-                        <a:rPr lang="en-US" sz="2100"/>
-                        <a:t>CV F1 mean</a:t>
+                        <a:rPr lang="en-US" sz="1800"/>
+                        <a:t>CV F1 Weighted Mean</a:t>
                       </a:r>
                     </a:p>
                   </a:txBody>
-                  <a:tcPr marL="103758" marR="103758" marT="51879" marB="51879"/>
+                  <a:tcPr marL="91236" marR="91236" marT="45618" marB="45618"/>
                 </a:tc>
                 <a:tc>
                   <a:txBody>
@@ -20821,12 +20820,12 @@
                     <a:lstStyle/>
                     <a:p>
                       <a:r>
-                        <a:rPr lang="en-US" sz="2100"/>
-                        <a:t>CV F1 STD</a:t>
+                        <a:rPr lang="en-US" sz="1800" dirty="0"/>
+                        <a:t>CV F1 Weighted STD</a:t>
                       </a:r>
                     </a:p>
                   </a:txBody>
-                  <a:tcPr marL="103758" marR="103758" marT="51879" marB="51879"/>
+                  <a:tcPr marL="91236" marR="91236" marT="45618" marB="45618"/>
                 </a:tc>
                 <a:tc>
                   <a:txBody>
@@ -20834,12 +20833,12 @@
                     <a:lstStyle/>
                     <a:p>
                       <a:r>
-                        <a:rPr lang="en-US" sz="2100"/>
+                        <a:rPr lang="en-US" sz="1800"/>
                         <a:t>Runtime</a:t>
                       </a:r>
                     </a:p>
                   </a:txBody>
-                  <a:tcPr marL="103758" marR="103758" marT="51879" marB="51879"/>
+                  <a:tcPr marL="91236" marR="91236" marT="45618" marB="45618"/>
                 </a:tc>
                 <a:extLst>
                   <a:ext uri="{0D108BD9-81ED-4DB2-BD59-A6C34878D82A}">
@@ -20847,19 +20846,19 @@
                   </a:ext>
                 </a:extLst>
               </a:tr>
-              <a:tr h="770970">
+              <a:tr h="686229">
                 <a:tc>
                   <a:txBody>
                     <a:bodyPr/>
                     <a:lstStyle/>
                     <a:p>
                       <a:r>
-                        <a:rPr lang="en-US" sz="2100"/>
+                        <a:rPr lang="en-US" sz="1800"/>
                         <a:t>Decision Tree</a:t>
                       </a:r>
                     </a:p>
                   </a:txBody>
-                  <a:tcPr marL="103758" marR="103758" marT="51879" marB="51879"/>
+                  <a:tcPr marL="91236" marR="91236" marT="45618" marB="45618"/>
                 </a:tc>
                 <a:tc>
                   <a:txBody>
@@ -20867,12 +20866,12 @@
                     <a:lstStyle/>
                     <a:p>
                       <a:r>
-                        <a:rPr lang="en-US" sz="2100"/>
+                        <a:rPr lang="en-US" sz="1800"/>
                         <a:t>Binary</a:t>
                       </a:r>
                     </a:p>
                   </a:txBody>
-                  <a:tcPr marL="103758" marR="103758" marT="51879" marB="51879"/>
+                  <a:tcPr marL="91236" marR="91236" marT="45618" marB="45618"/>
                 </a:tc>
                 <a:tc>
                   <a:txBody>
@@ -20880,12 +20879,12 @@
                     <a:lstStyle/>
                     <a:p>
                       <a:r>
-                        <a:rPr lang="en-US" sz="2100"/>
-                        <a:t>85%</a:t>
+                        <a:rPr lang="en-US" sz="1800"/>
+                        <a:t>82%</a:t>
                       </a:r>
                     </a:p>
                   </a:txBody>
-                  <a:tcPr marL="103758" marR="103758" marT="51879" marB="51879"/>
+                  <a:tcPr marL="91236" marR="91236" marT="45618" marB="45618"/>
                 </a:tc>
                 <a:tc>
                   <a:txBody>
@@ -20893,12 +20892,12 @@
                     <a:lstStyle/>
                     <a:p>
                       <a:r>
-                        <a:rPr lang="en-US" sz="2100"/>
-                        <a:t>0.55 (Used)</a:t>
+                        <a:rPr lang="en-US" sz="1800"/>
+                        <a:t>0.85 (Used)</a:t>
                       </a:r>
                     </a:p>
                   </a:txBody>
-                  <a:tcPr marL="103758" marR="103758" marT="51879" marB="51879"/>
+                  <a:tcPr marL="91236" marR="91236" marT="45618" marB="45618"/>
                 </a:tc>
                 <a:tc>
                   <a:txBody>
@@ -20906,12 +20905,12 @@
                     <a:lstStyle/>
                     <a:p>
                       <a:r>
-                        <a:rPr lang="en-US" sz="2100"/>
-                        <a:t>0.73</a:t>
+                        <a:rPr lang="en-US" sz="1800" dirty="0"/>
+                        <a:t>0.65</a:t>
                       </a:r>
                     </a:p>
                   </a:txBody>
-                  <a:tcPr marL="103758" marR="103758" marT="51879" marB="51879"/>
+                  <a:tcPr marL="91236" marR="91236" marT="45618" marB="45618"/>
                 </a:tc>
                 <a:tc>
                   <a:txBody>
@@ -20919,12 +20918,12 @@
                     <a:lstStyle/>
                     <a:p>
                       <a:r>
-                        <a:rPr lang="en-US" sz="2100"/>
-                        <a:t>0.53</a:t>
+                        <a:rPr lang="en-US" sz="1800" dirty="0"/>
+                        <a:t>0.8393</a:t>
                       </a:r>
                     </a:p>
                   </a:txBody>
-                  <a:tcPr marL="103758" marR="103758" marT="51879" marB="51879"/>
+                  <a:tcPr marL="91236" marR="91236" marT="45618" marB="45618"/>
                 </a:tc>
                 <a:tc>
                   <a:txBody>
@@ -20932,12 +20931,12 @@
                     <a:lstStyle/>
                     <a:p>
                       <a:r>
-                        <a:rPr lang="en-US" sz="2100"/>
-                        <a:t>0.03</a:t>
+                        <a:rPr lang="en-US" sz="1800" dirty="0"/>
+                        <a:t>0.0145</a:t>
                       </a:r>
                     </a:p>
                   </a:txBody>
-                  <a:tcPr marL="103758" marR="103758" marT="51879" marB="51879"/>
+                  <a:tcPr marL="91236" marR="91236" marT="45618" marB="45618"/>
                 </a:tc>
                 <a:tc>
                   <a:txBody>
@@ -20945,12 +20944,12 @@
                     <a:lstStyle/>
                     <a:p>
                       <a:r>
-                        <a:rPr lang="en-US" sz="2100" dirty="0"/>
-                        <a:t>~24s</a:t>
+                        <a:rPr lang="en-US" sz="1800"/>
+                        <a:t>~12s</a:t>
                       </a:r>
                     </a:p>
                   </a:txBody>
-                  <a:tcPr marL="103758" marR="103758" marT="51879" marB="51879"/>
+                  <a:tcPr marL="91236" marR="91236" marT="45618" marB="45618"/>
                 </a:tc>
                 <a:extLst>
                   <a:ext uri="{0D108BD9-81ED-4DB2-BD59-A6C34878D82A}">
@@ -20958,19 +20957,19 @@
                   </a:ext>
                 </a:extLst>
               </a:tr>
-              <a:tr h="454620">
+              <a:tr h="404813">
                 <a:tc>
                   <a:txBody>
                     <a:bodyPr/>
                     <a:lstStyle/>
                     <a:p>
                       <a:r>
-                        <a:rPr lang="en-US" sz="2100"/>
+                        <a:rPr lang="en-US" sz="1800"/>
                         <a:t>Bagging</a:t>
                       </a:r>
                     </a:p>
                   </a:txBody>
-                  <a:tcPr marL="103758" marR="103758" marT="51879" marB="51879"/>
+                  <a:tcPr marL="91236" marR="91236" marT="45618" marB="45618"/>
                 </a:tc>
                 <a:tc>
                   <a:txBody>
@@ -20978,12 +20977,12 @@
                     <a:lstStyle/>
                     <a:p>
                       <a:r>
-                        <a:rPr lang="en-US" sz="2100"/>
+                        <a:rPr lang="en-US" sz="1800"/>
                         <a:t>Binary</a:t>
                       </a:r>
                     </a:p>
                   </a:txBody>
-                  <a:tcPr marL="103758" marR="103758" marT="51879" marB="51879"/>
+                  <a:tcPr marL="91236" marR="91236" marT="45618" marB="45618"/>
                 </a:tc>
                 <a:tc>
                   <a:txBody>
@@ -20991,12 +20990,12 @@
                     <a:lstStyle/>
                     <a:p>
                       <a:r>
-                        <a:rPr lang="en-US" sz="2100"/>
-                        <a:t>86%</a:t>
+                        <a:rPr lang="en-US" sz="1800"/>
+                        <a:t>87%</a:t>
                       </a:r>
                     </a:p>
                   </a:txBody>
-                  <a:tcPr marL="103758" marR="103758" marT="51879" marB="51879"/>
+                  <a:tcPr marL="91236" marR="91236" marT="45618" marB="45618"/>
                 </a:tc>
                 <a:tc>
                   <a:txBody>
@@ -21004,12 +21003,12 @@
                     <a:lstStyle/>
                     <a:p>
                       <a:r>
-                        <a:rPr lang="en-US" sz="2100"/>
-                        <a:t>0.41 (Used)</a:t>
+                        <a:rPr lang="en-US" sz="1800" dirty="0"/>
+                        <a:t>0.85 (Used)</a:t>
                       </a:r>
                     </a:p>
                   </a:txBody>
-                  <a:tcPr marL="103758" marR="103758" marT="51879" marB="51879"/>
+                  <a:tcPr marL="91236" marR="91236" marT="45618" marB="45618"/>
                 </a:tc>
                 <a:tc>
                   <a:txBody>
@@ -21017,12 +21016,12 @@
                     <a:lstStyle/>
                     <a:p>
                       <a:r>
-                        <a:rPr lang="en-US" sz="2100"/>
+                        <a:rPr lang="en-US" sz="1800"/>
                         <a:t>0.66</a:t>
                       </a:r>
                     </a:p>
                   </a:txBody>
-                  <a:tcPr marL="103758" marR="103758" marT="51879" marB="51879"/>
+                  <a:tcPr marL="91236" marR="91236" marT="45618" marB="45618"/>
                 </a:tc>
                 <a:tc>
                   <a:txBody>
@@ -21030,12 +21029,12 @@
                     <a:lstStyle/>
                     <a:p>
                       <a:r>
-                        <a:rPr lang="en-US" sz="2100"/>
-                        <a:t>0.39</a:t>
+                        <a:rPr lang="en-US" sz="1800" dirty="0"/>
+                        <a:t>0.8442</a:t>
                       </a:r>
                     </a:p>
                   </a:txBody>
-                  <a:tcPr marL="103758" marR="103758" marT="51879" marB="51879"/>
+                  <a:tcPr marL="91236" marR="91236" marT="45618" marB="45618"/>
                 </a:tc>
                 <a:tc>
                   <a:txBody>
@@ -21043,12 +21042,12 @@
                     <a:lstStyle/>
                     <a:p>
                       <a:r>
-                        <a:rPr lang="en-US" sz="2100"/>
-                        <a:t>0.02</a:t>
+                        <a:rPr lang="en-US" sz="1800" dirty="0"/>
+                        <a:t>0.0047</a:t>
                       </a:r>
                     </a:p>
                   </a:txBody>
-                  <a:tcPr marL="103758" marR="103758" marT="51879" marB="51879"/>
+                  <a:tcPr marL="91236" marR="91236" marT="45618" marB="45618"/>
                 </a:tc>
                 <a:tc>
                   <a:txBody>
@@ -21056,12 +21055,12 @@
                     <a:lstStyle/>
                     <a:p>
                       <a:r>
-                        <a:rPr lang="en-US" sz="2100" dirty="0"/>
-                        <a:t>~30s</a:t>
+                        <a:rPr lang="en-US" sz="1800"/>
+                        <a:t>~32s</a:t>
                       </a:r>
                     </a:p>
                   </a:txBody>
-                  <a:tcPr marL="103758" marR="103758" marT="51879" marB="51879"/>
+                  <a:tcPr marL="91236" marR="91236" marT="45618" marB="45618"/>
                 </a:tc>
                 <a:extLst>
                   <a:ext uri="{0D108BD9-81ED-4DB2-BD59-A6C34878D82A}">
@@ -21069,19 +21068,19 @@
                   </a:ext>
                 </a:extLst>
               </a:tr>
-              <a:tr h="770970">
+              <a:tr h="686229">
                 <a:tc>
                   <a:txBody>
                     <a:bodyPr/>
                     <a:lstStyle/>
                     <a:p>
                       <a:r>
-                        <a:rPr lang="en-US" sz="2100"/>
+                        <a:rPr lang="en-US" sz="1800"/>
                         <a:t>Random Forest</a:t>
                       </a:r>
                     </a:p>
                   </a:txBody>
-                  <a:tcPr marL="103758" marR="103758" marT="51879" marB="51879"/>
+                  <a:tcPr marL="91236" marR="91236" marT="45618" marB="45618"/>
                 </a:tc>
                 <a:tc>
                   <a:txBody>
@@ -21089,12 +21088,12 @@
                     <a:lstStyle/>
                     <a:p>
                       <a:r>
-                        <a:rPr lang="en-US" sz="2100"/>
+                        <a:rPr lang="en-US" sz="1800"/>
                         <a:t>Multi</a:t>
                       </a:r>
                     </a:p>
                   </a:txBody>
-                  <a:tcPr marL="103758" marR="103758" marT="51879" marB="51879"/>
+                  <a:tcPr marL="91236" marR="91236" marT="45618" marB="45618"/>
                 </a:tc>
                 <a:tc>
                   <a:txBody>
@@ -21102,12 +21101,12 @@
                     <a:lstStyle/>
                     <a:p>
                       <a:r>
-                        <a:rPr lang="en-US" sz="2100"/>
-                        <a:t>92%</a:t>
+                        <a:rPr lang="en-US" sz="1800"/>
+                        <a:t>93%</a:t>
                       </a:r>
                     </a:p>
                   </a:txBody>
-                  <a:tcPr marL="103758" marR="103758" marT="51879" marB="51879"/>
+                  <a:tcPr marL="91236" marR="91236" marT="45618" marB="45618"/>
                 </a:tc>
                 <a:tc>
                   <a:txBody>
@@ -21115,12 +21114,12 @@
                     <a:lstStyle/>
                     <a:p>
                       <a:r>
-                        <a:rPr lang="en-US" sz="2100"/>
-                        <a:t>0.07 (Addict)</a:t>
+                        <a:rPr lang="en-US" sz="1800" dirty="0"/>
+                        <a:t>0.90 (Addict)</a:t>
                       </a:r>
                     </a:p>
                   </a:txBody>
-                  <a:tcPr marL="103758" marR="103758" marT="51879" marB="51879"/>
+                  <a:tcPr marL="91236" marR="91236" marT="45618" marB="45618"/>
                 </a:tc>
                 <a:tc>
                   <a:txBody>
@@ -21128,12 +21127,12 @@
                     <a:lstStyle/>
                     <a:p>
                       <a:r>
-                        <a:rPr lang="en-US" sz="2100"/>
-                        <a:t>0.35</a:t>
+                        <a:rPr lang="en-US" sz="1800"/>
+                        <a:t>0.34</a:t>
                       </a:r>
                     </a:p>
                   </a:txBody>
-                  <a:tcPr marL="103758" marR="103758" marT="51879" marB="51879"/>
+                  <a:tcPr marL="91236" marR="91236" marT="45618" marB="45618"/>
                 </a:tc>
                 <a:tc>
                   <a:txBody>
@@ -21141,12 +21140,12 @@
                     <a:lstStyle/>
                     <a:p>
                       <a:r>
-                        <a:rPr lang="en-US" sz="2100"/>
-                        <a:t>0.90</a:t>
+                        <a:rPr lang="en-US" sz="1800" dirty="0"/>
+                        <a:t>0.8957</a:t>
                       </a:r>
                     </a:p>
                   </a:txBody>
-                  <a:tcPr marL="103758" marR="103758" marT="51879" marB="51879"/>
+                  <a:tcPr marL="91236" marR="91236" marT="45618" marB="45618"/>
                 </a:tc>
                 <a:tc>
                   <a:txBody>
@@ -21154,12 +21153,12 @@
                     <a:lstStyle/>
                     <a:p>
                       <a:r>
-                        <a:rPr lang="en-US" sz="2100"/>
-                        <a:t>0.004</a:t>
+                        <a:rPr lang="en-US" sz="1800" dirty="0"/>
+                        <a:t>0.0011</a:t>
                       </a:r>
                     </a:p>
                   </a:txBody>
-                  <a:tcPr marL="103758" marR="103758" marT="51879" marB="51879"/>
+                  <a:tcPr marL="91236" marR="91236" marT="45618" marB="45618"/>
                 </a:tc>
                 <a:tc>
                   <a:txBody>
@@ -21167,12 +21166,12 @@
                     <a:lstStyle/>
                     <a:p>
                       <a:r>
-                        <a:rPr lang="en-US" sz="2100" dirty="0"/>
-                        <a:t>~5m 18s</a:t>
+                        <a:rPr lang="en-US" sz="1800"/>
+                        <a:t>~3m 36s</a:t>
                       </a:r>
                     </a:p>
                   </a:txBody>
-                  <a:tcPr marL="103758" marR="103758" marT="51879" marB="51879"/>
+                  <a:tcPr marL="91236" marR="91236" marT="45618" marB="45618"/>
                 </a:tc>
                 <a:extLst>
                   <a:ext uri="{0D108BD9-81ED-4DB2-BD59-A6C34878D82A}">
@@ -21180,19 +21179,19 @@
                   </a:ext>
                 </a:extLst>
               </a:tr>
-              <a:tr h="770970">
+              <a:tr h="686229">
                 <a:tc>
                   <a:txBody>
                     <a:bodyPr/>
                     <a:lstStyle/>
                     <a:p>
                       <a:r>
-                        <a:rPr lang="en-US" sz="2100"/>
+                        <a:rPr lang="en-US" sz="1800"/>
                         <a:t>Decision Tree</a:t>
                       </a:r>
                     </a:p>
                   </a:txBody>
-                  <a:tcPr marL="103758" marR="103758" marT="51879" marB="51879"/>
+                  <a:tcPr marL="91236" marR="91236" marT="45618" marB="45618"/>
                 </a:tc>
                 <a:tc>
                   <a:txBody>
@@ -21200,12 +21199,12 @@
                     <a:lstStyle/>
                     <a:p>
                       <a:r>
-                        <a:rPr lang="en-US" sz="2100"/>
+                        <a:rPr lang="en-US" sz="1800"/>
                         <a:t>Multi</a:t>
                       </a:r>
                     </a:p>
                   </a:txBody>
-                  <a:tcPr marL="103758" marR="103758" marT="51879" marB="51879"/>
+                  <a:tcPr marL="91236" marR="91236" marT="45618" marB="45618"/>
                 </a:tc>
                 <a:tc>
                   <a:txBody>
@@ -21213,12 +21212,12 @@
                     <a:lstStyle/>
                     <a:p>
                       <a:r>
-                        <a:rPr lang="en-US" sz="2100"/>
+                        <a:rPr lang="en-US" sz="1800"/>
                         <a:t>91%</a:t>
                       </a:r>
                     </a:p>
                   </a:txBody>
-                  <a:tcPr marL="103758" marR="103758" marT="51879" marB="51879"/>
+                  <a:tcPr marL="91236" marR="91236" marT="45618" marB="45618"/>
                 </a:tc>
                 <a:tc>
                   <a:txBody>
@@ -21226,12 +21225,12 @@
                     <a:lstStyle/>
                     <a:p>
                       <a:r>
-                        <a:rPr lang="en-US" sz="2100"/>
-                        <a:t>0.17 (Addict)</a:t>
+                        <a:rPr lang="en-US" sz="1800" dirty="0"/>
+                        <a:t>0.90 (Addict)</a:t>
                       </a:r>
                     </a:p>
                   </a:txBody>
-                  <a:tcPr marL="103758" marR="103758" marT="51879" marB="51879"/>
+                  <a:tcPr marL="91236" marR="91236" marT="45618" marB="45618"/>
                 </a:tc>
                 <a:tc>
                   <a:txBody>
@@ -21239,12 +21238,12 @@
                     <a:lstStyle/>
                     <a:p>
                       <a:r>
-                        <a:rPr lang="en-US" sz="2100" dirty="0"/>
-                        <a:t>0.41</a:t>
+                        <a:rPr lang="en-US" sz="1800"/>
+                        <a:t>0.37</a:t>
                       </a:r>
                     </a:p>
                   </a:txBody>
-                  <a:tcPr marL="103758" marR="103758" marT="51879" marB="51879"/>
+                  <a:tcPr marL="91236" marR="91236" marT="45618" marB="45618"/>
                 </a:tc>
                 <a:tc>
                   <a:txBody>
@@ -21252,12 +21251,12 @@
                     <a:lstStyle/>
                     <a:p>
                       <a:r>
-                        <a:rPr lang="en-US" sz="2100"/>
-                        <a:t>0.90</a:t>
+                        <a:rPr lang="en-US" sz="1800" dirty="0"/>
+                        <a:t>0.8960</a:t>
                       </a:r>
                     </a:p>
                   </a:txBody>
-                  <a:tcPr marL="103758" marR="103758" marT="51879" marB="51879"/>
+                  <a:tcPr marL="91236" marR="91236" marT="45618" marB="45618"/>
                 </a:tc>
                 <a:tc>
                   <a:txBody>
@@ -21265,12 +21264,12 @@
                     <a:lstStyle/>
                     <a:p>
                       <a:r>
-                        <a:rPr lang="en-US" sz="2100"/>
-                        <a:t>0.004</a:t>
+                        <a:rPr lang="en-US" sz="1800" dirty="0"/>
+                        <a:t>0.0017</a:t>
                       </a:r>
                     </a:p>
                   </a:txBody>
-                  <a:tcPr marL="103758" marR="103758" marT="51879" marB="51879"/>
+                  <a:tcPr marL="91236" marR="91236" marT="45618" marB="45618"/>
                 </a:tc>
                 <a:tc>
                   <a:txBody>
@@ -21278,12 +21277,12 @@
                     <a:lstStyle/>
                     <a:p>
                       <a:r>
-                        <a:rPr lang="en-US" sz="2100" dirty="0"/>
-                        <a:t>~10s</a:t>
+                        <a:rPr lang="en-US" sz="1800" dirty="0"/>
+                        <a:t>~3s</a:t>
                       </a:r>
                     </a:p>
                   </a:txBody>
-                  <a:tcPr marL="103758" marR="103758" marT="51879" marB="51879"/>
+                  <a:tcPr marL="91236" marR="91236" marT="45618" marB="45618"/>
                 </a:tc>
                 <a:extLst>
                   <a:ext uri="{0D108BD9-81ED-4DB2-BD59-A6C34878D82A}">
@@ -21554,7 +21553,7 @@
             <p:ph idx="1"/>
             <p:extLst>
               <p:ext uri="{D42A27DB-BD31-4B8C-83A1-F6EECF244321}">
-                <p14:modId xmlns:p14="http://schemas.microsoft.com/office/powerpoint/2010/main" val="1639749114"/>
+                <p14:modId xmlns:p14="http://schemas.microsoft.com/office/powerpoint/2010/main" val="1263234472"/>
               </p:ext>
             </p:extLst>
           </p:nvPr>
@@ -21758,8 +21757,8 @@
                     <a:lstStyle/>
                     <a:p>
                       <a:r>
-                        <a:rPr lang="en-US" sz="2500"/>
-                        <a:t>0.136</a:t>
+                        <a:rPr lang="en-US" sz="2500" dirty="0"/>
+                        <a:t>0.1481</a:t>
                       </a:r>
                     </a:p>
                   </a:txBody>
@@ -21771,8 +21770,8 @@
                     <a:lstStyle/>
                     <a:p>
                       <a:r>
-                        <a:rPr lang="en-US" sz="2500"/>
-                        <a:t>41.91</a:t>
+                        <a:rPr lang="en-US" sz="2500" dirty="0"/>
+                        <a:t>41.635</a:t>
                       </a:r>
                     </a:p>
                   </a:txBody>
@@ -21784,8 +21783,8 @@
                     <a:lstStyle/>
                     <a:p>
                       <a:r>
-                        <a:rPr lang="en-US" sz="2500"/>
-                        <a:t>0.162</a:t>
+                        <a:rPr lang="en-US" sz="2500" dirty="0"/>
+                        <a:t>0.1369</a:t>
                       </a:r>
                     </a:p>
                   </a:txBody>
@@ -21797,8 +21796,8 @@
                     <a:lstStyle/>
                     <a:p>
                       <a:r>
-                        <a:rPr lang="en-US" sz="2500"/>
-                        <a:t>0.018</a:t>
+                        <a:rPr lang="en-US" sz="2500" dirty="0"/>
+                        <a:t>0.0106</a:t>
                       </a:r>
                     </a:p>
                   </a:txBody>
@@ -21810,8 +21809,8 @@
                     <a:lstStyle/>
                     <a:p>
                       <a:r>
-                        <a:rPr lang="en-US" sz="2500"/>
-                        <a:t>45.41</a:t>
+                        <a:rPr lang="en-US" sz="2500" dirty="0"/>
+                        <a:t>43.574</a:t>
                       </a:r>
                     </a:p>
                   </a:txBody>
@@ -21823,8 +21822,8 @@
                     <a:lstStyle/>
                     <a:p>
                       <a:r>
-                        <a:rPr lang="en-US" sz="2500"/>
-                        <a:t>2.47</a:t>
+                        <a:rPr lang="en-US" sz="2500" dirty="0"/>
+                        <a:t>4.176</a:t>
                       </a:r>
                     </a:p>
                   </a:txBody>
@@ -21836,8 +21835,8 @@
                     <a:lstStyle/>
                     <a:p>
                       <a:r>
-                        <a:rPr lang="en-US" sz="2500"/>
-                        <a:t>~6m 45s</a:t>
+                        <a:rPr lang="en-US" sz="2500" dirty="0"/>
+                        <a:t>~3m 53s</a:t>
                       </a:r>
                     </a:p>
                   </a:txBody>
@@ -21869,8 +21868,8 @@
                     <a:lstStyle/>
                     <a:p>
                       <a:r>
-                        <a:rPr lang="en-US" sz="2500"/>
-                        <a:t>0.135</a:t>
+                        <a:rPr lang="en-US" sz="2500" dirty="0"/>
+                        <a:t>0.1619</a:t>
                       </a:r>
                     </a:p>
                   </a:txBody>
@@ -21882,8 +21881,8 @@
                     <a:lstStyle/>
                     <a:p>
                       <a:r>
-                        <a:rPr lang="en-US" sz="2500"/>
-                        <a:t>41.91</a:t>
+                        <a:rPr lang="en-US" sz="2500" dirty="0"/>
+                        <a:t>41.298</a:t>
                       </a:r>
                     </a:p>
                   </a:txBody>
@@ -21895,8 +21894,8 @@
                     <a:lstStyle/>
                     <a:p>
                       <a:r>
-                        <a:rPr lang="en-US" sz="2500"/>
-                        <a:t>0.167</a:t>
+                        <a:rPr lang="en-US" sz="2500" dirty="0"/>
+                        <a:t>0.1390</a:t>
                       </a:r>
                     </a:p>
                   </a:txBody>
@@ -21908,8 +21907,8 @@
                     <a:lstStyle/>
                     <a:p>
                       <a:r>
-                        <a:rPr lang="en-US" sz="2500"/>
-                        <a:t>0.013</a:t>
+                        <a:rPr lang="en-US" sz="2500" dirty="0"/>
+                        <a:t>0.0083</a:t>
                       </a:r>
                     </a:p>
                   </a:txBody>
@@ -21921,8 +21920,8 @@
                     <a:lstStyle/>
                     <a:p>
                       <a:r>
-                        <a:rPr lang="en-US" sz="2500"/>
-                        <a:t>45.28</a:t>
+                        <a:rPr lang="en-US" sz="2500" dirty="0"/>
+                        <a:t>43.51</a:t>
                       </a:r>
                     </a:p>
                   </a:txBody>
@@ -21934,8 +21933,8 @@
                     <a:lstStyle/>
                     <a:p>
                       <a:r>
-                        <a:rPr lang="en-US" sz="2500"/>
-                        <a:t>2.66</a:t>
+                        <a:rPr lang="en-US" sz="2500" dirty="0"/>
+                        <a:t>4.06</a:t>
                       </a:r>
                     </a:p>
                   </a:txBody>
@@ -21947,8 +21946,8 @@
                     <a:lstStyle/>
                     <a:p>
                       <a:r>
-                        <a:rPr lang="en-US" sz="2500"/>
-                        <a:t>~1m</a:t>
+                        <a:rPr lang="en-US" sz="2500" dirty="0"/>
+                        <a:t>~44s</a:t>
                       </a:r>
                     </a:p>
                   </a:txBody>
@@ -23791,7 +23790,7 @@
       </p:grpSpPr>
       <p:sp useBgFill="1">
         <p:nvSpPr>
-          <p:cNvPr id="27" name="Rectangle 26">
+          <p:cNvPr id="47" name="Rectangle 46">
             <a:extLst>
               <a:ext uri="{FF2B5EF4-FFF2-40B4-BE49-F238E27FC236}">
                 <a16:creationId xmlns:a16="http://schemas.microsoft.com/office/drawing/2014/main" id="{A637580D-1176-4083-A9A1-BD8ED08996EC}"/>
@@ -23902,7 +23901,7 @@
       </p:sp>
       <p:cxnSp>
         <p:nvCxnSpPr>
-          <p:cNvPr id="28" name="Straight Connector 27">
+          <p:cNvPr id="49" name="Straight Connector 48">
             <a:extLst>
               <a:ext uri="{FF2B5EF4-FFF2-40B4-BE49-F238E27FC236}">
                 <a16:creationId xmlns:a16="http://schemas.microsoft.com/office/drawing/2014/main" id="{B9C96FDC-E4C2-7D8A-44BA-572E7CD9E899}"/>
@@ -24010,14 +24009,14 @@
             <p:ph idx="1"/>
             <p:extLst>
               <p:ext uri="{D42A27DB-BD31-4B8C-83A1-F6EECF244321}">
-                <p14:modId xmlns:p14="http://schemas.microsoft.com/office/powerpoint/2010/main" val="2692750691"/>
+                <p14:modId xmlns:p14="http://schemas.microsoft.com/office/powerpoint/2010/main" val="2260610042"/>
               </p:ext>
             </p:extLst>
           </p:nvPr>
         </p:nvGraphicFramePr>
         <p:xfrm>
-          <a:off x="914400" y="2607561"/>
-          <a:ext cx="10363200" cy="3690357"/>
+          <a:off x="363794" y="2054613"/>
+          <a:ext cx="11444747" cy="4405181"/>
         </p:xfrm>
         <a:graphic>
           <a:graphicData uri="http://schemas.openxmlformats.org/drawingml/2006/diagram">
@@ -24290,7 +24289,7 @@
             <p:ph idx="1"/>
             <p:extLst>
               <p:ext uri="{D42A27DB-BD31-4B8C-83A1-F6EECF244321}">
-                <p14:modId xmlns:p14="http://schemas.microsoft.com/office/powerpoint/2010/main" val="872415807"/>
+                <p14:modId xmlns:p14="http://schemas.microsoft.com/office/powerpoint/2010/main" val="4039775859"/>
               </p:ext>
             </p:extLst>
           </p:nvPr>
@@ -24441,7 +24440,7 @@
                     <a:lstStyle/>
                     <a:p>
                       <a:r>
-                        <a:rPr lang="en-US" sz="2400"/>
+                        <a:rPr lang="en-US" sz="2400" dirty="0"/>
                         <a:t>Samples</a:t>
                       </a:r>
                     </a:p>
@@ -24488,7 +24487,7 @@
                     <a:p>
                       <a:r>
                         <a:rPr lang="en-US" sz="2400" dirty="0"/>
-                        <a:t>0.85</a:t>
+                        <a:t>0.87</a:t>
                       </a:r>
                     </a:p>
                   </a:txBody>
@@ -24500,8 +24499,8 @@
                     <a:lstStyle/>
                     <a:p>
                       <a:r>
-                        <a:rPr lang="en-US" sz="2400"/>
-                        <a:t>0.92</a:t>
+                        <a:rPr lang="en-US" sz="2400" dirty="0"/>
+                        <a:t>0.89</a:t>
                       </a:r>
                     </a:p>
                   </a:txBody>
@@ -24513,8 +24512,8 @@
                     <a:lstStyle/>
                     <a:p>
                       <a:r>
-                        <a:rPr lang="en-US" sz="2400"/>
-                        <a:t>0.90</a:t>
+                        <a:rPr lang="en-US" sz="2400" dirty="0"/>
+                        <a:t>0.96</a:t>
                       </a:r>
                     </a:p>
                   </a:txBody>
@@ -24526,8 +24525,8 @@
                     <a:lstStyle/>
                     <a:p>
                       <a:r>
-                        <a:rPr lang="en-US" sz="2400"/>
-                        <a:t>0.91</a:t>
+                        <a:rPr lang="en-US" sz="2400" dirty="0"/>
+                        <a:t>0.93</a:t>
                       </a:r>
                     </a:p>
                   </a:txBody>
@@ -24539,8 +24538,8 @@
                     <a:lstStyle/>
                     <a:p>
                       <a:r>
-                        <a:rPr lang="en-US" sz="2400"/>
-                        <a:t>1781</a:t>
+                        <a:rPr lang="en-US" sz="2400" dirty="0"/>
+                        <a:t>1149</a:t>
                       </a:r>
                     </a:p>
                   </a:txBody>
@@ -24592,21 +24591,8 @@
                     <a:lstStyle/>
                     <a:p>
                       <a:r>
-                        <a:rPr lang="en-US" sz="2400"/>
-                        <a:t>0.52</a:t>
-                      </a:r>
-                    </a:p>
-                  </a:txBody>
-                  <a:tcPr marL="120608" marR="120608" marT="60304" marB="60304"/>
-                </a:tc>
-                <a:tc>
-                  <a:txBody>
-                    <a:bodyPr/>
-                    <a:lstStyle/>
-                    <a:p>
-                      <a:r>
-                        <a:rPr lang="en-US" sz="2400"/>
-                        <a:t>0.60</a:t>
+                        <a:rPr lang="en-US" sz="2400" dirty="0"/>
+                        <a:t>0.54</a:t>
                       </a:r>
                     </a:p>
                   </a:txBody>
@@ -24619,7 +24605,7 @@
                     <a:p>
                       <a:r>
                         <a:rPr lang="en-US" sz="2400" dirty="0"/>
-                        <a:t>0.55</a:t>
+                        <a:t>0.28</a:t>
                       </a:r>
                     </a:p>
                   </a:txBody>
@@ -24631,8 +24617,21 @@
                     <a:lstStyle/>
                     <a:p>
                       <a:r>
-                        <a:rPr lang="en-US" sz="2400"/>
-                        <a:t>332</a:t>
+                        <a:rPr lang="en-US" sz="2400" dirty="0"/>
+                        <a:t>0.37</a:t>
+                      </a:r>
+                    </a:p>
+                  </a:txBody>
+                  <a:tcPr marL="120608" marR="120608" marT="60304" marB="60304"/>
+                </a:tc>
+                <a:tc>
+                  <a:txBody>
+                    <a:bodyPr/>
+                    <a:lstStyle/>
+                    <a:p>
+                      <a:r>
+                        <a:rPr lang="en-US" sz="2400" dirty="0"/>
+                        <a:t>184</a:t>
                       </a:r>
                     </a:p>
                   </a:txBody>
@@ -24678,7 +24677,7 @@
                     <a:p>
                       <a:r>
                         <a:rPr lang="en-US" sz="2400" dirty="0"/>
-                        <a:t>0.86</a:t>
+                        <a:t>0.87</a:t>
                       </a:r>
                     </a:p>
                   </a:txBody>
@@ -24691,7 +24690,7 @@
                     <a:p>
                       <a:r>
                         <a:rPr lang="en-US" sz="2400" dirty="0"/>
-                        <a:t>0.88</a:t>
+                        <a:t>0.90</a:t>
                       </a:r>
                     </a:p>
                   </a:txBody>
@@ -24704,7 +24703,7 @@
                     <a:p>
                       <a:r>
                         <a:rPr lang="en-US" sz="2400" dirty="0"/>
-                        <a:t>0.97</a:t>
+                        <a:t>0.95</a:t>
                       </a:r>
                     </a:p>
                   </a:txBody>
@@ -24730,7 +24729,7 @@
                     <a:p>
                       <a:r>
                         <a:rPr lang="en-US" sz="2400" dirty="0"/>
-                        <a:t>1781</a:t>
+                        <a:t>1149</a:t>
                       </a:r>
                     </a:p>
                   </a:txBody>
@@ -24783,7 +24782,7 @@
                     <a:p>
                       <a:r>
                         <a:rPr lang="en-US" sz="2400" dirty="0"/>
-                        <a:t>0.62</a:t>
+                        <a:t>0.52</a:t>
                       </a:r>
                     </a:p>
                   </a:txBody>
@@ -24796,7 +24795,7 @@
                     <a:p>
                       <a:r>
                         <a:rPr lang="en-US" sz="2400" dirty="0"/>
-                        <a:t>0.30</a:t>
+                        <a:t>0.33</a:t>
                       </a:r>
                     </a:p>
                   </a:txBody>
@@ -24809,7 +24808,7 @@
                     <a:p>
                       <a:r>
                         <a:rPr lang="en-US" sz="2400" dirty="0"/>
-                        <a:t>0.41</a:t>
+                        <a:t>0.40</a:t>
                       </a:r>
                     </a:p>
                   </a:txBody>
@@ -24822,7 +24821,7 @@
                     <a:p>
                       <a:r>
                         <a:rPr lang="en-US" sz="2400" dirty="0"/>
-                        <a:t>332</a:t>
+                        <a:t>184</a:t>
                       </a:r>
                     </a:p>
                   </a:txBody>
@@ -25107,7 +25106,7 @@
         <p:spPr>
           <a:xfrm>
             <a:off x="78986" y="2672074"/>
-            <a:ext cx="5891760" cy="3508576"/>
+            <a:ext cx="5891759" cy="3508576"/>
           </a:xfrm>
           <a:prstGeom prst="rect">
             <a:avLst/>
@@ -25217,7 +25216,13 @@
     </p:bg>
     <p:spTree>
       <p:nvGrpSpPr>
-        <p:cNvPr id="1" name=""/>
+        <p:cNvPr id="1" name="">
+          <a:extLst>
+            <a:ext uri="{FF2B5EF4-FFF2-40B4-BE49-F238E27FC236}">
+              <a16:creationId xmlns:a16="http://schemas.microsoft.com/office/drawing/2014/main" id="{F5891CAE-4505-D4EF-289C-0C3A4000B2FF}"/>
+            </a:ext>
+          </a:extLst>
+        </p:cNvPr>
         <p:cNvGrpSpPr/>
         <p:nvPr/>
       </p:nvGrpSpPr>
@@ -25229,60 +25234,12 @@
           <a:chExt cx="0" cy="0"/>
         </a:xfrm>
       </p:grpSpPr>
-      <p:cxnSp>
-        <p:nvCxnSpPr>
-          <p:cNvPr id="17" name="Straight Connector 16">
+      <p:sp useBgFill="1">
+        <p:nvSpPr>
+          <p:cNvPr id="29" name="Rectangle 28">
             <a:extLst>
               <a:ext uri="{FF2B5EF4-FFF2-40B4-BE49-F238E27FC236}">
-                <a16:creationId xmlns:a16="http://schemas.microsoft.com/office/drawing/2014/main" id="{118E06E4-607B-144B-382B-AD3D06B1EE8C}"/>
-              </a:ext>
-              <a:ext uri="{C183D7F6-B498-43B3-948B-1728B52AA6E4}">
-                <adec:decorative xmlns:adec="http://schemas.microsoft.com/office/drawing/2017/decorative" val="1"/>
-              </a:ext>
-            </a:extLst>
-          </p:cNvPr>
-          <p:cNvCxnSpPr>
-            <a:cxnSpLocks noGrp="1" noRot="1" noChangeAspect="1" noMove="1" noResize="1" noEditPoints="1" noAdjustHandles="1" noChangeArrowheads="1" noChangeShapeType="1"/>
-          </p:cNvCxnSpPr>
-          <p:nvPr>
-            <p:extLst>
-              <p:ext uri="{386F3935-93C4-4BCD-93E2-E3B085C9AB24}">
-                <p16:designElem xmlns:p16="http://schemas.microsoft.com/office/powerpoint/2015/main" val="1"/>
-              </p:ext>
-            </p:extLst>
-          </p:nvPr>
-        </p:nvCxnSpPr>
-        <p:spPr>
-          <a:xfrm>
-            <a:off x="713232" y="1031001"/>
-            <a:ext cx="978862" cy="0"/>
-          </a:xfrm>
-          <a:prstGeom prst="line">
-            <a:avLst/>
-          </a:prstGeom>
-          <a:ln w="76200"/>
-        </p:spPr>
-        <p:style>
-          <a:lnRef idx="1">
-            <a:schemeClr val="accent1"/>
-          </a:lnRef>
-          <a:fillRef idx="0">
-            <a:schemeClr val="accent1"/>
-          </a:fillRef>
-          <a:effectRef idx="0">
-            <a:schemeClr val="accent1"/>
-          </a:effectRef>
-          <a:fontRef idx="minor">
-            <a:schemeClr val="tx1"/>
-          </a:fontRef>
-        </p:style>
-      </p:cxnSp>
-      <p:sp useBgFill="1">
-        <p:nvSpPr>
-          <p:cNvPr id="18" name="Rectangle 17">
-            <a:extLst>
-              <a:ext uri="{FF2B5EF4-FFF2-40B4-BE49-F238E27FC236}">
-                <a16:creationId xmlns:a16="http://schemas.microsoft.com/office/drawing/2014/main" id="{19F9BF86-FE94-4517-B97D-026C7515E589}"/>
+                <a16:creationId xmlns:a16="http://schemas.microsoft.com/office/drawing/2014/main" id="{DBDA151C-5770-45E4-AAFF-59E7F403866D}"/>
               </a:ext>
               <a:ext uri="{C183D7F6-B498-43B3-948B-1728B52AA6E4}">
                 <adec:decorative xmlns:adec="http://schemas.microsoft.com/office/drawing/2017/decorative" val="1"/>
@@ -25358,7 +25315,7 @@
           <p:cNvPr id="2" name="Title 1">
             <a:extLst>
               <a:ext uri="{FF2B5EF4-FFF2-40B4-BE49-F238E27FC236}">
-                <a16:creationId xmlns:a16="http://schemas.microsoft.com/office/drawing/2014/main" id="{357B8682-B9A5-D05A-4B3A-A02A6C79E45F}"/>
+                <a16:creationId xmlns:a16="http://schemas.microsoft.com/office/drawing/2014/main" id="{111D2559-F2DB-B615-1683-7399BD8F9EBB}"/>
               </a:ext>
             </a:extLst>
           </p:cNvPr>
@@ -25371,65 +25328,29 @@
         </p:nvSpPr>
         <p:spPr>
           <a:xfrm>
-            <a:off x="640080" y="1434438"/>
-            <a:ext cx="2983229" cy="2612976"/>
+            <a:off x="640079" y="570750"/>
+            <a:ext cx="10890929" cy="1387934"/>
           </a:xfrm>
         </p:spPr>
         <p:txBody>
-          <a:bodyPr vert="horz" lIns="91440" tIns="45720" rIns="91440" bIns="45720" rtlCol="0" anchor="t">
+          <a:bodyPr anchor="b">
             <a:normAutofit/>
           </a:bodyPr>
           <a:lstStyle/>
           <a:p>
-            <a:pPr>
-              <a:lnSpc>
-                <a:spcPct val="90000"/>
-              </a:lnSpc>
-            </a:pPr>
             <a:r>
-              <a:rPr lang="en-US" sz="4400"/>
-              <a:t>Best Binary Decision Tree</a:t>
+              <a:rPr lang="en-US" dirty="0"/>
+              <a:t>Multi-class Classification Results</a:t>
             </a:r>
           </a:p>
         </p:txBody>
       </p:sp>
-      <p:pic>
-        <p:nvPicPr>
-          <p:cNvPr id="6" name="Content Placeholder 5">
+      <p:cxnSp>
+        <p:nvCxnSpPr>
+          <p:cNvPr id="31" name="Straight Connector 30">
             <a:extLst>
               <a:ext uri="{FF2B5EF4-FFF2-40B4-BE49-F238E27FC236}">
-                <a16:creationId xmlns:a16="http://schemas.microsoft.com/office/drawing/2014/main" id="{51F4EF02-F644-3519-AECF-B9255CD4573A}"/>
-              </a:ext>
-            </a:extLst>
-          </p:cNvPr>
-          <p:cNvPicPr>
-            <a:picLocks noGrp="1" noChangeAspect="1"/>
-          </p:cNvPicPr>
-          <p:nvPr>
-            <p:ph idx="1"/>
-          </p:nvPr>
-        </p:nvPicPr>
-        <p:blipFill>
-          <a:blip r:embed="rId3"/>
-          <a:srcRect/>
-          <a:stretch/>
-        </p:blipFill>
-        <p:spPr>
-          <a:xfrm>
-            <a:off x="2990351" y="896128"/>
-            <a:ext cx="8529397" cy="4371316"/>
-          </a:xfrm>
-          <a:prstGeom prst="rect">
-            <a:avLst/>
-          </a:prstGeom>
-        </p:spPr>
-      </p:pic>
-      <p:cxnSp>
-        <p:nvCxnSpPr>
-          <p:cNvPr id="19" name="Straight Connector 18">
-            <a:extLst>
-              <a:ext uri="{FF2B5EF4-FFF2-40B4-BE49-F238E27FC236}">
-                <a16:creationId xmlns:a16="http://schemas.microsoft.com/office/drawing/2014/main" id="{426B4E86-32C4-273A-1ADF-6B44243549D7}"/>
+                <a16:creationId xmlns:a16="http://schemas.microsoft.com/office/drawing/2014/main" id="{E62D3963-2153-4637-96E6-E31BD2CE5D0D}"/>
               </a:ext>
               <a:ext uri="{C183D7F6-B498-43B3-948B-1728B52AA6E4}">
                 <adec:decorative xmlns:adec="http://schemas.microsoft.com/office/drawing/2017/decorative" val="1"/>
@@ -25449,8 +25370,8 @@
         </p:nvCxnSpPr>
         <p:spPr>
           <a:xfrm>
-            <a:off x="672253" y="6272784"/>
-            <a:ext cx="10847495" cy="0"/>
+            <a:off x="713232" y="2307479"/>
+            <a:ext cx="978862" cy="0"/>
           </a:xfrm>
           <a:prstGeom prst="line">
             <a:avLst/>
@@ -25477,7 +25398,7 @@
           <p:cNvPr id="4" name="Slide Number Placeholder 3">
             <a:extLst>
               <a:ext uri="{FF2B5EF4-FFF2-40B4-BE49-F238E27FC236}">
-                <a16:creationId xmlns:a16="http://schemas.microsoft.com/office/drawing/2014/main" id="{75D31F0B-C060-6DC4-C1CC-A382DBDDD62C}"/>
+                <a16:creationId xmlns:a16="http://schemas.microsoft.com/office/drawing/2014/main" id="{76347355-0446-AC45-D874-A2C5C938FE54}"/>
               </a:ext>
             </a:extLst>
           </p:cNvPr>
@@ -25495,19 +25416,19 @@
           </a:xfrm>
         </p:spPr>
         <p:txBody>
-          <a:bodyPr vert="horz" lIns="91440" tIns="45720" rIns="91440" bIns="45720" rtlCol="0" anchor="ctr">
+          <a:bodyPr>
             <a:normAutofit/>
           </a:bodyPr>
           <a:lstStyle/>
           <a:p>
-            <a:pPr defTabSz="914400">
+            <a:pPr>
               <a:spcAft>
                 <a:spcPts val="600"/>
               </a:spcAft>
             </a:pPr>
             <a:fld id="{70C12960-6E85-460F-B6E3-5B82CB31AF3D}" type="slidenum">
               <a:rPr lang="en-US" smtClean="0"/>
-              <a:pPr defTabSz="914400">
+              <a:pPr>
                 <a:spcAft>
                   <a:spcPts val="600"/>
                 </a:spcAft>
@@ -25518,10 +25439,758 @@
           </a:p>
         </p:txBody>
       </p:sp>
+      <p:graphicFrame>
+        <p:nvGraphicFramePr>
+          <p:cNvPr id="14" name="Content Placeholder 13">
+            <a:extLst>
+              <a:ext uri="{FF2B5EF4-FFF2-40B4-BE49-F238E27FC236}">
+                <a16:creationId xmlns:a16="http://schemas.microsoft.com/office/drawing/2014/main" id="{6EA1C66D-048D-31E4-8F3E-EDF4BCA02C11}"/>
+              </a:ext>
+            </a:extLst>
+          </p:cNvPr>
+          <p:cNvGraphicFramePr>
+            <a:graphicFrameLocks noGrp="1"/>
+          </p:cNvGraphicFramePr>
+          <p:nvPr>
+            <p:ph idx="1"/>
+            <p:extLst>
+              <p:ext uri="{D42A27DB-BD31-4B8C-83A1-F6EECF244321}">
+                <p14:modId xmlns:p14="http://schemas.microsoft.com/office/powerpoint/2010/main" val="2532806671"/>
+              </p:ext>
+            </p:extLst>
+          </p:nvPr>
+        </p:nvGraphicFramePr>
+        <p:xfrm>
+          <a:off x="640079" y="2714162"/>
+          <a:ext cx="10890933" cy="3428643"/>
+        </p:xfrm>
+        <a:graphic>
+          <a:graphicData uri="http://schemas.openxmlformats.org/drawingml/2006/table">
+            <a:tbl>
+              <a:tblPr firstRow="1" bandRow="1">
+                <a:tableStyleId>{5C22544A-7EE6-4342-B048-85BDC9FD1C3A}</a:tableStyleId>
+              </a:tblPr>
+              <a:tblGrid>
+                <a:gridCol w="2170977">
+                  <a:extLst>
+                    <a:ext uri="{9D8B030D-6E8A-4147-A177-3AD203B41FA5}">
+                      <a16:colId xmlns:a16="http://schemas.microsoft.com/office/drawing/2014/main" val="3368357862"/>
+                    </a:ext>
+                  </a:extLst>
+                </a:gridCol>
+                <a:gridCol w="1736255">
+                  <a:extLst>
+                    <a:ext uri="{9D8B030D-6E8A-4147-A177-3AD203B41FA5}">
+                      <a16:colId xmlns:a16="http://schemas.microsoft.com/office/drawing/2014/main" val="118088368"/>
+                    </a:ext>
+                  </a:extLst>
+                </a:gridCol>
+                <a:gridCol w="1481081">
+                  <a:extLst>
+                    <a:ext uri="{9D8B030D-6E8A-4147-A177-3AD203B41FA5}">
+                      <a16:colId xmlns:a16="http://schemas.microsoft.com/office/drawing/2014/main" val="502612973"/>
+                    </a:ext>
+                  </a:extLst>
+                </a:gridCol>
+                <a:gridCol w="1481081">
+                  <a:extLst>
+                    <a:ext uri="{9D8B030D-6E8A-4147-A177-3AD203B41FA5}">
+                      <a16:colId xmlns:a16="http://schemas.microsoft.com/office/drawing/2014/main" val="1944276556"/>
+                    </a:ext>
+                  </a:extLst>
+                </a:gridCol>
+                <a:gridCol w="1121305">
+                  <a:extLst>
+                    <a:ext uri="{9D8B030D-6E8A-4147-A177-3AD203B41FA5}">
+                      <a16:colId xmlns:a16="http://schemas.microsoft.com/office/drawing/2014/main" val="3216139937"/>
+                    </a:ext>
+                  </a:extLst>
+                </a:gridCol>
+                <a:gridCol w="1479116">
+                  <a:extLst>
+                    <a:ext uri="{9D8B030D-6E8A-4147-A177-3AD203B41FA5}">
+                      <a16:colId xmlns:a16="http://schemas.microsoft.com/office/drawing/2014/main" val="3748864580"/>
+                    </a:ext>
+                  </a:extLst>
+                </a:gridCol>
+                <a:gridCol w="1421118">
+                  <a:extLst>
+                    <a:ext uri="{9D8B030D-6E8A-4147-A177-3AD203B41FA5}">
+                      <a16:colId xmlns:a16="http://schemas.microsoft.com/office/drawing/2014/main" val="3346956763"/>
+                    </a:ext>
+                  </a:extLst>
+                </a:gridCol>
+              </a:tblGrid>
+              <a:tr h="467985">
+                <a:tc>
+                  <a:txBody>
+                    <a:bodyPr/>
+                    <a:lstStyle/>
+                    <a:p>
+                      <a:r>
+                        <a:rPr lang="en-US" sz="2100"/>
+                        <a:t>Model</a:t>
+                      </a:r>
+                    </a:p>
+                  </a:txBody>
+                  <a:tcPr marL="107933" marR="107933" marT="53966" marB="53966"/>
+                </a:tc>
+                <a:tc>
+                  <a:txBody>
+                    <a:bodyPr/>
+                    <a:lstStyle/>
+                    <a:p>
+                      <a:r>
+                        <a:rPr lang="en-US" sz="2100" dirty="0"/>
+                        <a:t>Class</a:t>
+                      </a:r>
+                    </a:p>
+                  </a:txBody>
+                  <a:tcPr marL="107933" marR="107933" marT="53966" marB="53966"/>
+                </a:tc>
+                <a:tc>
+                  <a:txBody>
+                    <a:bodyPr/>
+                    <a:lstStyle/>
+                    <a:p>
+                      <a:r>
+                        <a:rPr lang="en-US" sz="2100"/>
+                        <a:t>Accuracy</a:t>
+                      </a:r>
+                    </a:p>
+                  </a:txBody>
+                  <a:tcPr marL="107933" marR="107933" marT="53966" marB="53966"/>
+                </a:tc>
+                <a:tc>
+                  <a:txBody>
+                    <a:bodyPr/>
+                    <a:lstStyle/>
+                    <a:p>
+                      <a:r>
+                        <a:rPr lang="en-US" sz="2100"/>
+                        <a:t>Precision</a:t>
+                      </a:r>
+                    </a:p>
+                  </a:txBody>
+                  <a:tcPr marL="107933" marR="107933" marT="53966" marB="53966"/>
+                </a:tc>
+                <a:tc>
+                  <a:txBody>
+                    <a:bodyPr/>
+                    <a:lstStyle/>
+                    <a:p>
+                      <a:r>
+                        <a:rPr lang="en-US" sz="2100"/>
+                        <a:t>Recall</a:t>
+                      </a:r>
+                    </a:p>
+                  </a:txBody>
+                  <a:tcPr marL="107933" marR="107933" marT="53966" marB="53966"/>
+                </a:tc>
+                <a:tc>
+                  <a:txBody>
+                    <a:bodyPr/>
+                    <a:lstStyle/>
+                    <a:p>
+                      <a:r>
+                        <a:rPr lang="en-US" sz="2100"/>
+                        <a:t>F1-Score</a:t>
+                      </a:r>
+                    </a:p>
+                  </a:txBody>
+                  <a:tcPr marL="107933" marR="107933" marT="53966" marB="53966"/>
+                </a:tc>
+                <a:tc>
+                  <a:txBody>
+                    <a:bodyPr/>
+                    <a:lstStyle/>
+                    <a:p>
+                      <a:r>
+                        <a:rPr lang="en-US" sz="2100"/>
+                        <a:t>Samples</a:t>
+                      </a:r>
+                    </a:p>
+                  </a:txBody>
+                  <a:tcPr marL="107933" marR="107933" marT="53966" marB="53966"/>
+                </a:tc>
+                <a:extLst>
+                  <a:ext uri="{0D108BD9-81ED-4DB2-BD59-A6C34878D82A}">
+                    <a16:rowId xmlns:a16="http://schemas.microsoft.com/office/drawing/2014/main" val="2777716675"/>
+                  </a:ext>
+                </a:extLst>
+              </a:tr>
+              <a:tr h="544359">
+                <a:tc>
+                  <a:txBody>
+                    <a:bodyPr/>
+                    <a:lstStyle/>
+                    <a:p>
+                      <a:r>
+                        <a:rPr lang="en-US" sz="2100" dirty="0"/>
+                        <a:t>Random Forest</a:t>
+                      </a:r>
+                    </a:p>
+                  </a:txBody>
+                  <a:tcPr marL="107933" marR="107933" marT="53966" marB="53966"/>
+                </a:tc>
+                <a:tc>
+                  <a:txBody>
+                    <a:bodyPr/>
+                    <a:lstStyle/>
+                    <a:p>
+                      <a:r>
+                        <a:rPr lang="en-US" sz="2100" dirty="0"/>
+                        <a:t>Never</a:t>
+                      </a:r>
+                    </a:p>
+                  </a:txBody>
+                  <a:tcPr marL="107933" marR="107933" marT="53966" marB="53966"/>
+                </a:tc>
+                <a:tc>
+                  <a:txBody>
+                    <a:bodyPr/>
+                    <a:lstStyle/>
+                    <a:p>
+                      <a:r>
+                        <a:rPr lang="en-US" sz="2100" dirty="0"/>
+                        <a:t>0.93</a:t>
+                      </a:r>
+                    </a:p>
+                  </a:txBody>
+                  <a:tcPr marL="107933" marR="107933" marT="53966" marB="53966"/>
+                </a:tc>
+                <a:tc>
+                  <a:txBody>
+                    <a:bodyPr/>
+                    <a:lstStyle/>
+                    <a:p>
+                      <a:r>
+                        <a:rPr lang="en-US" sz="2100" dirty="0"/>
+                        <a:t>0.93</a:t>
+                      </a:r>
+                    </a:p>
+                  </a:txBody>
+                  <a:tcPr marL="107933" marR="107933" marT="53966" marB="53966"/>
+                </a:tc>
+                <a:tc>
+                  <a:txBody>
+                    <a:bodyPr/>
+                    <a:lstStyle/>
+                    <a:p>
+                      <a:r>
+                        <a:rPr lang="en-US" sz="2100" dirty="0"/>
+                        <a:t>1.00</a:t>
+                      </a:r>
+                    </a:p>
+                  </a:txBody>
+                  <a:tcPr marL="107933" marR="107933" marT="53966" marB="53966"/>
+                </a:tc>
+                <a:tc>
+                  <a:txBody>
+                    <a:bodyPr/>
+                    <a:lstStyle/>
+                    <a:p>
+                      <a:r>
+                        <a:rPr lang="en-US" sz="2100" dirty="0"/>
+                        <a:t>0.96</a:t>
+                      </a:r>
+                    </a:p>
+                  </a:txBody>
+                  <a:tcPr marL="107933" marR="107933" marT="53966" marB="53966"/>
+                </a:tc>
+                <a:tc>
+                  <a:txBody>
+                    <a:bodyPr/>
+                    <a:lstStyle/>
+                    <a:p>
+                      <a:r>
+                        <a:rPr lang="en-US" sz="2100" dirty="0"/>
+                        <a:t>1241</a:t>
+                      </a:r>
+                    </a:p>
+                  </a:txBody>
+                  <a:tcPr marL="107933" marR="107933" marT="53966" marB="53966"/>
+                </a:tc>
+                <a:extLst>
+                  <a:ext uri="{0D108BD9-81ED-4DB2-BD59-A6C34878D82A}">
+                    <a16:rowId xmlns:a16="http://schemas.microsoft.com/office/drawing/2014/main" val="2860637076"/>
+                  </a:ext>
+                </a:extLst>
+              </a:tr>
+              <a:tr h="467985">
+                <a:tc>
+                  <a:txBody>
+                    <a:bodyPr/>
+                    <a:lstStyle/>
+                    <a:p>
+                      <a:endParaRPr lang="en-US" sz="2100" dirty="0"/>
+                    </a:p>
+                  </a:txBody>
+                  <a:tcPr marL="107933" marR="107933" marT="53966" marB="53966"/>
+                </a:tc>
+                <a:tc>
+                  <a:txBody>
+                    <a:bodyPr/>
+                    <a:lstStyle/>
+                    <a:p>
+                      <a:r>
+                        <a:rPr lang="en-US" sz="2100" dirty="0"/>
+                        <a:t>Sometimes</a:t>
+                      </a:r>
+                    </a:p>
+                  </a:txBody>
+                  <a:tcPr marL="107933" marR="107933" marT="53966" marB="53966"/>
+                </a:tc>
+                <a:tc>
+                  <a:txBody>
+                    <a:bodyPr/>
+                    <a:lstStyle/>
+                    <a:p>
+                      <a:endParaRPr lang="en-US" sz="2100" dirty="0"/>
+                    </a:p>
+                  </a:txBody>
+                  <a:tcPr marL="107933" marR="107933" marT="53966" marB="53966"/>
+                </a:tc>
+                <a:tc>
+                  <a:txBody>
+                    <a:bodyPr/>
+                    <a:lstStyle/>
+                    <a:p>
+                      <a:r>
+                        <a:rPr lang="en-US" sz="2100" dirty="0"/>
+                        <a:t>0.00</a:t>
+                      </a:r>
+                    </a:p>
+                  </a:txBody>
+                  <a:tcPr marL="107933" marR="107933" marT="53966" marB="53966"/>
+                </a:tc>
+                <a:tc>
+                  <a:txBody>
+                    <a:bodyPr/>
+                    <a:lstStyle/>
+                    <a:p>
+                      <a:r>
+                        <a:rPr lang="en-US" sz="2100" dirty="0"/>
+                        <a:t>0.00</a:t>
+                      </a:r>
+                    </a:p>
+                  </a:txBody>
+                  <a:tcPr marL="107933" marR="107933" marT="53966" marB="53966"/>
+                </a:tc>
+                <a:tc>
+                  <a:txBody>
+                    <a:bodyPr/>
+                    <a:lstStyle/>
+                    <a:p>
+                      <a:r>
+                        <a:rPr lang="en-US" sz="2100" dirty="0"/>
+                        <a:t>0.00</a:t>
+                      </a:r>
+                    </a:p>
+                  </a:txBody>
+                  <a:tcPr marL="107933" marR="107933" marT="53966" marB="53966"/>
+                </a:tc>
+                <a:tc>
+                  <a:txBody>
+                    <a:bodyPr/>
+                    <a:lstStyle/>
+                    <a:p>
+                      <a:r>
+                        <a:rPr lang="en-US" sz="2100" dirty="0"/>
+                        <a:t>47</a:t>
+                      </a:r>
+                    </a:p>
+                  </a:txBody>
+                  <a:tcPr marL="107933" marR="107933" marT="53966" marB="53966"/>
+                </a:tc>
+                <a:extLst>
+                  <a:ext uri="{0D108BD9-81ED-4DB2-BD59-A6C34878D82A}">
+                    <a16:rowId xmlns:a16="http://schemas.microsoft.com/office/drawing/2014/main" val="1779465877"/>
+                  </a:ext>
+                </a:extLst>
+              </a:tr>
+              <a:tr h="467985">
+                <a:tc>
+                  <a:txBody>
+                    <a:bodyPr/>
+                    <a:lstStyle/>
+                    <a:p>
+                      <a:endParaRPr lang="en-US" sz="2100"/>
+                    </a:p>
+                  </a:txBody>
+                  <a:tcPr marL="107933" marR="107933" marT="53966" marB="53966"/>
+                </a:tc>
+                <a:tc>
+                  <a:txBody>
+                    <a:bodyPr/>
+                    <a:lstStyle/>
+                    <a:p>
+                      <a:r>
+                        <a:rPr lang="en-US" sz="2100" dirty="0"/>
+                        <a:t>Addict</a:t>
+                      </a:r>
+                    </a:p>
+                  </a:txBody>
+                  <a:tcPr marL="107933" marR="107933" marT="53966" marB="53966"/>
+                </a:tc>
+                <a:tc>
+                  <a:txBody>
+                    <a:bodyPr/>
+                    <a:lstStyle/>
+                    <a:p>
+                      <a:endParaRPr lang="en-US" sz="2100" dirty="0"/>
+                    </a:p>
+                  </a:txBody>
+                  <a:tcPr marL="107933" marR="107933" marT="53966" marB="53966"/>
+                </a:tc>
+                <a:tc>
+                  <a:txBody>
+                    <a:bodyPr/>
+                    <a:lstStyle/>
+                    <a:p>
+                      <a:r>
+                        <a:rPr lang="en-US" sz="2100" dirty="0"/>
+                        <a:t>1.00</a:t>
+                      </a:r>
+                    </a:p>
+                  </a:txBody>
+                  <a:tcPr marL="107933" marR="107933" marT="53966" marB="53966"/>
+                </a:tc>
+                <a:tc>
+                  <a:txBody>
+                    <a:bodyPr/>
+                    <a:lstStyle/>
+                    <a:p>
+                      <a:r>
+                        <a:rPr lang="en-US" sz="2100" dirty="0"/>
+                        <a:t>0.02</a:t>
+                      </a:r>
+                    </a:p>
+                  </a:txBody>
+                  <a:tcPr marL="107933" marR="107933" marT="53966" marB="53966"/>
+                </a:tc>
+                <a:tc>
+                  <a:txBody>
+                    <a:bodyPr/>
+                    <a:lstStyle/>
+                    <a:p>
+                      <a:r>
+                        <a:rPr lang="en-US" sz="2100" dirty="0"/>
+                        <a:t>0.04</a:t>
+                      </a:r>
+                    </a:p>
+                  </a:txBody>
+                  <a:tcPr marL="107933" marR="107933" marT="53966" marB="53966"/>
+                </a:tc>
+                <a:tc>
+                  <a:txBody>
+                    <a:bodyPr/>
+                    <a:lstStyle/>
+                    <a:p>
+                      <a:r>
+                        <a:rPr lang="en-US" sz="2100" dirty="0"/>
+                        <a:t>45</a:t>
+                      </a:r>
+                    </a:p>
+                  </a:txBody>
+                  <a:tcPr marL="107933" marR="107933" marT="53966" marB="53966"/>
+                </a:tc>
+                <a:extLst>
+                  <a:ext uri="{0D108BD9-81ED-4DB2-BD59-A6C34878D82A}">
+                    <a16:rowId xmlns:a16="http://schemas.microsoft.com/office/drawing/2014/main" val="1505452115"/>
+                  </a:ext>
+                </a:extLst>
+              </a:tr>
+              <a:tr h="467985">
+                <a:tc>
+                  <a:txBody>
+                    <a:bodyPr/>
+                    <a:lstStyle/>
+                    <a:p>
+                      <a:r>
+                        <a:rPr lang="en-US" sz="2100" dirty="0"/>
+                        <a:t>Decision Tree</a:t>
+                      </a:r>
+                    </a:p>
+                  </a:txBody>
+                  <a:tcPr marL="107933" marR="107933" marT="53966" marB="53966"/>
+                </a:tc>
+                <a:tc>
+                  <a:txBody>
+                    <a:bodyPr/>
+                    <a:lstStyle/>
+                    <a:p>
+                      <a:r>
+                        <a:rPr lang="en-US" sz="2100" dirty="0"/>
+                        <a:t>Never</a:t>
+                      </a:r>
+                    </a:p>
+                  </a:txBody>
+                  <a:tcPr marL="107933" marR="107933" marT="53966" marB="53966"/>
+                </a:tc>
+                <a:tc>
+                  <a:txBody>
+                    <a:bodyPr/>
+                    <a:lstStyle/>
+                    <a:p>
+                      <a:r>
+                        <a:rPr lang="en-US" sz="2100" dirty="0"/>
+                        <a:t>0.91</a:t>
+                      </a:r>
+                    </a:p>
+                  </a:txBody>
+                  <a:tcPr marL="107933" marR="107933" marT="53966" marB="53966"/>
+                </a:tc>
+                <a:tc>
+                  <a:txBody>
+                    <a:bodyPr/>
+                    <a:lstStyle/>
+                    <a:p>
+                      <a:r>
+                        <a:rPr lang="en-US" sz="2100" dirty="0"/>
+                        <a:t>0.94</a:t>
+                      </a:r>
+                    </a:p>
+                  </a:txBody>
+                  <a:tcPr marL="107933" marR="107933" marT="53966" marB="53966"/>
+                </a:tc>
+                <a:tc>
+                  <a:txBody>
+                    <a:bodyPr/>
+                    <a:lstStyle/>
+                    <a:p>
+                      <a:r>
+                        <a:rPr lang="en-US" sz="2100" dirty="0"/>
+                        <a:t>0.98</a:t>
+                      </a:r>
+                    </a:p>
+                  </a:txBody>
+                  <a:tcPr marL="107933" marR="107933" marT="53966" marB="53966"/>
+                </a:tc>
+                <a:tc>
+                  <a:txBody>
+                    <a:bodyPr/>
+                    <a:lstStyle/>
+                    <a:p>
+                      <a:r>
+                        <a:rPr lang="en-US" sz="2100" dirty="0"/>
+                        <a:t>0.96</a:t>
+                      </a:r>
+                    </a:p>
+                  </a:txBody>
+                  <a:tcPr marL="107933" marR="107933" marT="53966" marB="53966"/>
+                </a:tc>
+                <a:tc>
+                  <a:txBody>
+                    <a:bodyPr/>
+                    <a:lstStyle/>
+                    <a:p>
+                      <a:r>
+                        <a:rPr lang="en-US" sz="2100" dirty="0"/>
+                        <a:t>1241</a:t>
+                      </a:r>
+                    </a:p>
+                  </a:txBody>
+                  <a:tcPr marL="107933" marR="107933" marT="53966" marB="53966"/>
+                </a:tc>
+                <a:extLst>
+                  <a:ext uri="{0D108BD9-81ED-4DB2-BD59-A6C34878D82A}">
+                    <a16:rowId xmlns:a16="http://schemas.microsoft.com/office/drawing/2014/main" val="3902795263"/>
+                  </a:ext>
+                </a:extLst>
+              </a:tr>
+              <a:tr h="544359">
+                <a:tc>
+                  <a:txBody>
+                    <a:bodyPr/>
+                    <a:lstStyle/>
+                    <a:p>
+                      <a:endParaRPr lang="en-US" sz="2100"/>
+                    </a:p>
+                  </a:txBody>
+                  <a:tcPr marL="107933" marR="107933" marT="53966" marB="53966"/>
+                </a:tc>
+                <a:tc>
+                  <a:txBody>
+                    <a:bodyPr/>
+                    <a:lstStyle/>
+                    <a:p>
+                      <a:r>
+                        <a:rPr lang="en-US" sz="2100" dirty="0"/>
+                        <a:t>Sometimes</a:t>
+                      </a:r>
+                    </a:p>
+                  </a:txBody>
+                  <a:tcPr marL="107933" marR="107933" marT="53966" marB="53966"/>
+                </a:tc>
+                <a:tc>
+                  <a:txBody>
+                    <a:bodyPr/>
+                    <a:lstStyle/>
+                    <a:p>
+                      <a:endParaRPr lang="en-US" sz="2100"/>
+                    </a:p>
+                  </a:txBody>
+                  <a:tcPr marL="107933" marR="107933" marT="53966" marB="53966"/>
+                </a:tc>
+                <a:tc>
+                  <a:txBody>
+                    <a:bodyPr/>
+                    <a:lstStyle/>
+                    <a:p>
+                      <a:r>
+                        <a:rPr lang="en-US" sz="2100" dirty="0"/>
+                        <a:t>0.00</a:t>
+                      </a:r>
+                    </a:p>
+                  </a:txBody>
+                  <a:tcPr marL="107933" marR="107933" marT="53966" marB="53966"/>
+                </a:tc>
+                <a:tc>
+                  <a:txBody>
+                    <a:bodyPr/>
+                    <a:lstStyle/>
+                    <a:p>
+                      <a:r>
+                        <a:rPr lang="en-US" sz="2100" dirty="0"/>
+                        <a:t>0.00</a:t>
+                      </a:r>
+                    </a:p>
+                  </a:txBody>
+                  <a:tcPr marL="107933" marR="107933" marT="53966" marB="53966"/>
+                </a:tc>
+                <a:tc>
+                  <a:txBody>
+                    <a:bodyPr/>
+                    <a:lstStyle/>
+                    <a:p>
+                      <a:r>
+                        <a:rPr lang="en-US" sz="2100" dirty="0"/>
+                        <a:t>0.00</a:t>
+                      </a:r>
+                    </a:p>
+                  </a:txBody>
+                  <a:tcPr marL="107933" marR="107933" marT="53966" marB="53966"/>
+                </a:tc>
+                <a:tc>
+                  <a:txBody>
+                    <a:bodyPr/>
+                    <a:lstStyle/>
+                    <a:p>
+                      <a:r>
+                        <a:rPr lang="en-US" sz="2100" dirty="0"/>
+                        <a:t>47</a:t>
+                      </a:r>
+                    </a:p>
+                  </a:txBody>
+                  <a:tcPr marL="107933" marR="107933" marT="53966" marB="53966"/>
+                </a:tc>
+                <a:extLst>
+                  <a:ext uri="{0D108BD9-81ED-4DB2-BD59-A6C34878D82A}">
+                    <a16:rowId xmlns:a16="http://schemas.microsoft.com/office/drawing/2014/main" val="858381829"/>
+                  </a:ext>
+                </a:extLst>
+              </a:tr>
+              <a:tr h="467985">
+                <a:tc>
+                  <a:txBody>
+                    <a:bodyPr/>
+                    <a:lstStyle/>
+                    <a:p>
+                      <a:endParaRPr lang="en-US" sz="2100"/>
+                    </a:p>
+                  </a:txBody>
+                  <a:tcPr marL="107933" marR="107933" marT="53966" marB="53966"/>
+                </a:tc>
+                <a:tc>
+                  <a:txBody>
+                    <a:bodyPr/>
+                    <a:lstStyle/>
+                    <a:p>
+                      <a:r>
+                        <a:rPr lang="en-US" sz="2100" dirty="0"/>
+                        <a:t>Addict</a:t>
+                      </a:r>
+                    </a:p>
+                  </a:txBody>
+                  <a:tcPr marL="107933" marR="107933" marT="53966" marB="53966"/>
+                </a:tc>
+                <a:tc>
+                  <a:txBody>
+                    <a:bodyPr/>
+                    <a:lstStyle/>
+                    <a:p>
+                      <a:endParaRPr lang="en-US" sz="2100"/>
+                    </a:p>
+                  </a:txBody>
+                  <a:tcPr marL="107933" marR="107933" marT="53966" marB="53966"/>
+                </a:tc>
+                <a:tc>
+                  <a:txBody>
+                    <a:bodyPr/>
+                    <a:lstStyle/>
+                    <a:p>
+                      <a:r>
+                        <a:rPr lang="en-US" sz="2100" dirty="0"/>
+                        <a:t>0.22</a:t>
+                      </a:r>
+                    </a:p>
+                  </a:txBody>
+                  <a:tcPr marL="107933" marR="107933" marT="53966" marB="53966"/>
+                </a:tc>
+                <a:tc>
+                  <a:txBody>
+                    <a:bodyPr/>
+                    <a:lstStyle/>
+                    <a:p>
+                      <a:r>
+                        <a:rPr lang="en-US" sz="2100" dirty="0"/>
+                        <a:t>0.13</a:t>
+                      </a:r>
+                    </a:p>
+                  </a:txBody>
+                  <a:tcPr marL="107933" marR="107933" marT="53966" marB="53966"/>
+                </a:tc>
+                <a:tc>
+                  <a:txBody>
+                    <a:bodyPr/>
+                    <a:lstStyle/>
+                    <a:p>
+                      <a:r>
+                        <a:rPr lang="en-US" sz="2100" dirty="0"/>
+                        <a:t>0.17</a:t>
+                      </a:r>
+                    </a:p>
+                  </a:txBody>
+                  <a:tcPr marL="107933" marR="107933" marT="53966" marB="53966"/>
+                </a:tc>
+                <a:tc>
+                  <a:txBody>
+                    <a:bodyPr/>
+                    <a:lstStyle/>
+                    <a:p>
+                      <a:r>
+                        <a:rPr lang="en-US" sz="2100" dirty="0"/>
+                        <a:t>45</a:t>
+                      </a:r>
+                    </a:p>
+                  </a:txBody>
+                  <a:tcPr marL="107933" marR="107933" marT="53966" marB="53966"/>
+                </a:tc>
+                <a:extLst>
+                  <a:ext uri="{0D108BD9-81ED-4DB2-BD59-A6C34878D82A}">
+                    <a16:rowId xmlns:a16="http://schemas.microsoft.com/office/drawing/2014/main" val="3793748114"/>
+                  </a:ext>
+                </a:extLst>
+              </a:tr>
+            </a:tbl>
+          </a:graphicData>
+        </a:graphic>
+      </p:graphicFrame>
     </p:spTree>
     <p:extLst>
       <p:ext uri="{BB962C8B-B14F-4D97-AF65-F5344CB8AC3E}">
-        <p14:creationId xmlns:p14="http://schemas.microsoft.com/office/powerpoint/2010/main" val="3480897458"/>
+        <p14:creationId xmlns:p14="http://schemas.microsoft.com/office/powerpoint/2010/main" val="4213290168"/>
       </p:ext>
     </p:extLst>
   </p:cSld>

--- a/hw1/slides.pptx
+++ b/hw1/slides.pptx
@@ -20,7 +20,7 @@
     <p:sldId id="273" r:id="rId11"/>
     <p:sldId id="274" r:id="rId12"/>
     <p:sldId id="275" r:id="rId13"/>
-    <p:sldId id="277" r:id="rId14"/>
+    <p:sldId id="280" r:id="rId14"/>
     <p:sldId id="268" r:id="rId15"/>
     <p:sldId id="278" r:id="rId16"/>
     <p:sldId id="269" r:id="rId17"/>
@@ -13634,7 +13634,7 @@
           <a:p>
             <a:fld id="{21B4EBA7-011D-1E45-8169-29AE3AFDA16A}" type="datetimeFigureOut">
               <a:rPr lang="en-US" smtClean="0"/>
-              <a:t>4/19/25</a:t>
+              <a:t>4/20/25</a:t>
             </a:fld>
             <a:endParaRPr lang="en-US"/>
           </a:p>
@@ -14798,6 +14798,9 @@
               <a:t>So if your friends do not have a strong disapproval for marijuana use, your mother is not present in the household, and you are female, then our model predicts that you have used marijuana for around 102 days in the past year.</a:t>
             </a:r>
           </a:p>
+          <a:p>
+            <a:endParaRPr lang="en-US" dirty="0"/>
+          </a:p>
         </p:txBody>
       </p:sp>
       <p:sp>
@@ -14826,7 +14829,7 @@
     </p:spTree>
     <p:extLst>
       <p:ext uri="{BB962C8B-B14F-4D97-AF65-F5344CB8AC3E}">
-        <p14:creationId xmlns:p14="http://schemas.microsoft.com/office/powerpoint/2010/main" val="3451741222"/>
+        <p14:creationId xmlns:p14="http://schemas.microsoft.com/office/powerpoint/2010/main" val="1820638502"/>
       </p:ext>
     </p:extLst>
   </p:cSld>
@@ -15160,7 +15163,7 @@
           <a:p>
             <a:fld id="{2569756D-5336-064F-995F-F3CE35658738}" type="datetime1">
               <a:rPr lang="en-US" smtClean="0"/>
-              <a:t>4/19/25</a:t>
+              <a:t>4/20/25</a:t>
             </a:fld>
             <a:endParaRPr lang="en-US"/>
           </a:p>
@@ -15360,7 +15363,7 @@
           <a:p>
             <a:fld id="{3C423B5E-3683-0549-A9EA-3F6ED104A775}" type="datetime1">
               <a:rPr lang="en-US" smtClean="0"/>
-              <a:t>4/19/25</a:t>
+              <a:t>4/20/25</a:t>
             </a:fld>
             <a:endParaRPr lang="en-US"/>
           </a:p>
@@ -15619,7 +15622,7 @@
           <a:p>
             <a:fld id="{8F2E49C1-4ED4-8040-9F08-CB6847E0456F}" type="datetime1">
               <a:rPr lang="en-US" smtClean="0"/>
-              <a:t>4/19/25</a:t>
+              <a:t>4/20/25</a:t>
             </a:fld>
             <a:endParaRPr lang="en-US"/>
           </a:p>
@@ -15860,7 +15863,7 @@
           <a:p>
             <a:fld id="{22DC6F78-82FE-0148-8742-207988C0AD35}" type="datetime1">
               <a:rPr lang="en-US" smtClean="0"/>
-              <a:t>4/19/25</a:t>
+              <a:t>4/20/25</a:t>
             </a:fld>
             <a:endParaRPr lang="en-US"/>
           </a:p>
@@ -16187,7 +16190,7 @@
           <a:p>
             <a:fld id="{4173938F-DC7E-FE45-B39E-24E7EF7E7AD3}" type="datetime1">
               <a:rPr lang="en-US" smtClean="0"/>
-              <a:t>4/19/25</a:t>
+              <a:t>4/20/25</a:t>
             </a:fld>
             <a:endParaRPr lang="en-US"/>
           </a:p>
@@ -16497,7 +16500,7 @@
           <a:p>
             <a:fld id="{7CFD97BB-C48A-DC4C-BC32-0E2DC73FBF6F}" type="datetime1">
               <a:rPr lang="en-US" smtClean="0"/>
-              <a:t>4/19/25</a:t>
+              <a:t>4/20/25</a:t>
             </a:fld>
             <a:endParaRPr lang="en-US"/>
           </a:p>
@@ -16915,7 +16918,7 @@
           <a:p>
             <a:fld id="{7E267486-A2B2-6845-A236-84D356BA576A}" type="datetime1">
               <a:rPr lang="en-US" smtClean="0"/>
-              <a:t>4/19/25</a:t>
+              <a:t>4/20/25</a:t>
             </a:fld>
             <a:endParaRPr lang="en-US"/>
           </a:p>
@@ -17057,7 +17060,7 @@
           <a:p>
             <a:fld id="{8548AC95-AC85-D946-AFB2-1924602F50E8}" type="datetime1">
               <a:rPr lang="en-US" smtClean="0"/>
-              <a:t>4/19/25</a:t>
+              <a:t>4/20/25</a:t>
             </a:fld>
             <a:endParaRPr lang="en-US"/>
           </a:p>
@@ -17219,7 +17222,7 @@
           <a:p>
             <a:fld id="{1A0D6FE4-87B2-104A-B641-5A8E48C9B5A6}" type="datetime1">
               <a:rPr lang="en-US" smtClean="0"/>
-              <a:t>4/19/25</a:t>
+              <a:t>4/20/25</a:t>
             </a:fld>
             <a:endParaRPr lang="en-US"/>
           </a:p>
@@ -17536,7 +17539,7 @@
           <a:p>
             <a:fld id="{2E6D4B36-D401-8A49-BD59-ECA5E99A15A9}" type="datetime1">
               <a:rPr lang="en-US" smtClean="0"/>
-              <a:t>4/19/25</a:t>
+              <a:t>4/20/25</a:t>
             </a:fld>
             <a:endParaRPr lang="en-US"/>
           </a:p>
@@ -17831,7 +17834,7 @@
           <a:p>
             <a:fld id="{260DDC9A-BCEE-7444-B6B8-7A73C78E1667}" type="datetime1">
               <a:rPr lang="en-US" smtClean="0"/>
-              <a:t>4/19/25</a:t>
+              <a:t>4/20/25</a:t>
             </a:fld>
             <a:endParaRPr lang="en-US"/>
           </a:p>
@@ -18072,7 +18075,7 @@
           <a:p>
             <a:fld id="{7793A318-8EA3-BB45-90BE-A95E768A7FF6}" type="datetime1">
               <a:rPr lang="en-US" smtClean="0"/>
-              <a:t>4/19/25</a:t>
+              <a:t>4/20/25</a:t>
             </a:fld>
             <a:endParaRPr lang="en-US"/>
           </a:p>
@@ -20006,14 +20009,6 @@
 <file path=ppt/slides/slide13.xml><?xml version="1.0" encoding="utf-8"?>
 <p:sld xmlns:a="http://schemas.openxmlformats.org/drawingml/2006/main" xmlns:r="http://schemas.openxmlformats.org/officeDocument/2006/relationships" xmlns:p="http://schemas.openxmlformats.org/presentationml/2006/main">
   <p:cSld>
-    <p:bg>
-      <p:bgPr>
-        <a:solidFill>
-          <a:schemeClr val="bg1"/>
-        </a:solidFill>
-        <a:effectLst/>
-      </p:bgPr>
-    </p:bg>
     <p:spTree>
       <p:nvGrpSpPr>
         <p:cNvPr id="1" name=""/>
@@ -20028,88 +20023,61 @@
           <a:chExt cx="0" cy="0"/>
         </a:xfrm>
       </p:grpSpPr>
-      <p:cxnSp>
-        <p:nvCxnSpPr>
-          <p:cNvPr id="24" name="Straight Connector 23">
+      <p:sp>
+        <p:nvSpPr>
+          <p:cNvPr id="2" name="Slide Number Placeholder 1">
             <a:extLst>
               <a:ext uri="{FF2B5EF4-FFF2-40B4-BE49-F238E27FC236}">
-                <a16:creationId xmlns:a16="http://schemas.microsoft.com/office/drawing/2014/main" id="{118E06E4-607B-144B-382B-AD3D06B1EE8C}"/>
-              </a:ext>
-              <a:ext uri="{C183D7F6-B498-43B3-948B-1728B52AA6E4}">
-                <adec:decorative xmlns:adec="http://schemas.microsoft.com/office/drawing/2017/decorative" val="1"/>
-              </a:ext>
-            </a:extLst>
-          </p:cNvPr>
-          <p:cNvCxnSpPr>
-            <a:cxnSpLocks noGrp="1" noRot="1" noChangeAspect="1" noMove="1" noResize="1" noEditPoints="1" noAdjustHandles="1" noChangeArrowheads="1" noChangeShapeType="1"/>
-          </p:cNvCxnSpPr>
-          <p:nvPr>
-            <p:extLst>
-              <p:ext uri="{386F3935-93C4-4BCD-93E2-E3B085C9AB24}">
-                <p16:designElem xmlns:p16="http://schemas.microsoft.com/office/powerpoint/2015/main" val="1"/>
-              </p:ext>
-            </p:extLst>
-          </p:nvPr>
-        </p:nvCxnSpPr>
-        <p:spPr>
-          <a:xfrm>
-            <a:off x="713232" y="1031001"/>
-            <a:ext cx="978862" cy="0"/>
-          </a:xfrm>
-          <a:prstGeom prst="line">
-            <a:avLst/>
-          </a:prstGeom>
-          <a:ln w="76200"/>
-        </p:spPr>
-        <p:style>
-          <a:lnRef idx="1">
-            <a:schemeClr val="accent1"/>
-          </a:lnRef>
-          <a:fillRef idx="0">
-            <a:schemeClr val="accent1"/>
-          </a:fillRef>
-          <a:effectRef idx="0">
-            <a:schemeClr val="accent1"/>
-          </a:effectRef>
-          <a:fontRef idx="minor">
-            <a:schemeClr val="tx1"/>
-          </a:fontRef>
-        </p:style>
-      </p:cxnSp>
-      <p:sp useBgFill="1">
-        <p:nvSpPr>
-          <p:cNvPr id="26" name="Rectangle 25">
-            <a:extLst>
-              <a:ext uri="{FF2B5EF4-FFF2-40B4-BE49-F238E27FC236}">
-                <a16:creationId xmlns:a16="http://schemas.microsoft.com/office/drawing/2014/main" id="{149F9F0F-FB8C-5565-247C-BDCC156B5CAF}"/>
-              </a:ext>
-              <a:ext uri="{C183D7F6-B498-43B3-948B-1728B52AA6E4}">
-                <adec:decorative xmlns:adec="http://schemas.microsoft.com/office/drawing/2017/decorative" val="1"/>
+                <a16:creationId xmlns:a16="http://schemas.microsoft.com/office/drawing/2014/main" id="{5CF398B2-1426-D1C5-6559-833D924EA6B7}"/>
               </a:ext>
             </a:extLst>
           </p:cNvPr>
           <p:cNvSpPr>
-            <a:spLocks noGrp="1" noRot="1" noChangeAspect="1" noMove="1" noResize="1" noEditPoints="1" noAdjustHandles="1" noChangeArrowheads="1" noChangeShapeType="1" noTextEdit="1"/>
+            <a:spLocks noGrp="1"/>
           </p:cNvSpPr>
           <p:nvPr>
-            <p:extLst>
-              <p:ext uri="{386F3935-93C4-4BCD-93E2-E3B085C9AB24}">
-                <p16:designElem xmlns:p16="http://schemas.microsoft.com/office/powerpoint/2015/main" val="1"/>
-              </p:ext>
-            </p:extLst>
+            <p:ph type="sldNum" sz="quarter" idx="12"/>
           </p:nvPr>
+        </p:nvSpPr>
+        <p:spPr/>
+        <p:txBody>
+          <a:bodyPr/>
+          <a:lstStyle/>
+          <a:p>
+            <a:fld id="{70C12960-6E85-460F-B6E3-5B82CB31AF3D}" type="slidenum">
+              <a:rPr lang="en-US" smtClean="0"/>
+              <a:t>13</a:t>
+            </a:fld>
+            <a:endParaRPr lang="en-US"/>
+          </a:p>
+        </p:txBody>
+      </p:sp>
+      <p:sp>
+        <p:nvSpPr>
+          <p:cNvPr id="8" name="Rounded Rectangle 7">
+            <a:extLst>
+              <a:ext uri="{FF2B5EF4-FFF2-40B4-BE49-F238E27FC236}">
+                <a16:creationId xmlns:a16="http://schemas.microsoft.com/office/drawing/2014/main" id="{C2D66622-3050-5FF0-A77E-AB1CD42592C1}"/>
+              </a:ext>
+            </a:extLst>
+          </p:cNvPr>
+          <p:cNvSpPr/>
+          <p:nvPr/>
         </p:nvSpPr>
         <p:spPr>
           <a:xfrm>
-            <a:off x="0" y="0"/>
-            <a:ext cx="12192000" cy="6858000"/>
+            <a:off x="9186813" y="3678711"/>
+            <a:ext cx="2227634" cy="982494"/>
           </a:xfrm>
-          <a:prstGeom prst="rect">
+          <a:prstGeom prst="roundRect">
             <a:avLst/>
           </a:prstGeom>
-          <a:ln>
-            <a:noFill/>
-          </a:ln>
+          <a:solidFill>
+            <a:schemeClr val="accent1">
+              <a:lumMod val="20000"/>
+              <a:lumOff val="80000"/>
+            </a:schemeClr>
+          </a:solidFill>
         </p:spPr>
         <p:style>
           <a:lnRef idx="2">
@@ -20136,122 +20104,32 @@
           </a:p>
         </p:txBody>
       </p:sp>
-      <p:sp useBgFill="1">
+      <p:sp>
         <p:nvSpPr>
-          <p:cNvPr id="28" name="Rectangle 27">
+          <p:cNvPr id="9" name="Rounded Rectangle 8">
             <a:extLst>
               <a:ext uri="{FF2B5EF4-FFF2-40B4-BE49-F238E27FC236}">
-                <a16:creationId xmlns:a16="http://schemas.microsoft.com/office/drawing/2014/main" id="{ABA4FDDF-F59C-428B-8603-3A86D75931AB}"/>
-              </a:ext>
-              <a:ext uri="{C183D7F6-B498-43B3-948B-1728B52AA6E4}">
-                <adec:decorative xmlns:adec="http://schemas.microsoft.com/office/drawing/2017/decorative" val="1"/>
+                <a16:creationId xmlns:a16="http://schemas.microsoft.com/office/drawing/2014/main" id="{85EBF71E-90D1-0106-04A3-617DC49E5FC4}"/>
               </a:ext>
             </a:extLst>
           </p:cNvPr>
-          <p:cNvSpPr>
-            <a:spLocks noGrp="1" noRot="1" noChangeAspect="1" noMove="1" noResize="1" noEditPoints="1" noAdjustHandles="1" noChangeArrowheads="1" noChangeShapeType="1" noTextEdit="1"/>
-          </p:cNvSpPr>
-          <p:nvPr>
-            <p:extLst>
-              <p:ext uri="{386F3935-93C4-4BCD-93E2-E3B085C9AB24}">
-                <p16:designElem xmlns:p16="http://schemas.microsoft.com/office/powerpoint/2015/main" val="1"/>
-              </p:ext>
-            </p:extLst>
-          </p:nvPr>
+          <p:cNvSpPr/>
+          <p:nvPr/>
         </p:nvSpPr>
         <p:spPr>
           <a:xfrm>
-            <a:off x="0" y="0"/>
-            <a:ext cx="12192000" cy="6858000"/>
+            <a:off x="6448776" y="3678711"/>
+            <a:ext cx="2227634" cy="982494"/>
           </a:xfrm>
-          <a:prstGeom prst="rect">
-            <a:avLst/>
-          </a:prstGeom>
-          <a:ln w="12700" cap="flat" cmpd="sng" algn="ctr">
-            <a:noFill/>
-            <a:prstDash val="solid"/>
-            <a:miter lim="800000"/>
-          </a:ln>
-          <a:effectLst/>
-          <a:extLst>
-            <a:ext uri="{91240B29-F687-4F45-9708-019B960494DF}">
-              <a14:hiddenLine xmlns:a14="http://schemas.microsoft.com/office/drawing/2010/main" w="12700" cap="flat" cmpd="sng" algn="ctr">
-                <a:solidFill>
-                  <a:schemeClr val="accent1">
-                    <a:shade val="50000"/>
-                  </a:schemeClr>
-                </a:solidFill>
-                <a:prstDash val="solid"/>
-                <a:miter lim="800000"/>
-              </a14:hiddenLine>
-            </a:ext>
-          </a:extLst>
-        </p:spPr>
-        <p:style>
-          <a:lnRef idx="2">
-            <a:schemeClr val="accent1">
-              <a:shade val="50000"/>
-            </a:schemeClr>
-          </a:lnRef>
-          <a:fillRef idx="1">
-            <a:schemeClr val="accent1"/>
-          </a:fillRef>
-          <a:effectRef idx="0">
-            <a:schemeClr val="accent1"/>
-          </a:effectRef>
-          <a:fontRef idx="minor">
-            <a:schemeClr val="lt1"/>
-          </a:fontRef>
-        </p:style>
-        <p:txBody>
-          <a:bodyPr rtlCol="0" anchor="ctr"/>
-          <a:lstStyle/>
-          <a:p>
-            <a:pPr algn="ctr"/>
-            <a:endParaRPr lang="en-US"/>
-          </a:p>
-        </p:txBody>
-      </p:sp>
-      <p:sp>
-        <p:nvSpPr>
-          <p:cNvPr id="30" name="Rectangle 29">
-            <a:extLst>
-              <a:ext uri="{FF2B5EF4-FFF2-40B4-BE49-F238E27FC236}">
-                <a16:creationId xmlns:a16="http://schemas.microsoft.com/office/drawing/2014/main" id="{3701323A-3BD4-99D2-F90B-51E5AB342D48}"/>
-              </a:ext>
-              <a:ext uri="{C183D7F6-B498-43B3-948B-1728B52AA6E4}">
-                <adec:decorative xmlns:adec="http://schemas.microsoft.com/office/drawing/2017/decorative" val="1"/>
-              </a:ext>
-            </a:extLst>
-          </p:cNvPr>
-          <p:cNvSpPr>
-            <a:spLocks noGrp="1" noRot="1" noChangeAspect="1" noMove="1" noResize="1" noEditPoints="1" noAdjustHandles="1" noChangeArrowheads="1" noChangeShapeType="1" noTextEdit="1"/>
-          </p:cNvSpPr>
-          <p:nvPr>
-            <p:extLst>
-              <p:ext uri="{386F3935-93C4-4BCD-93E2-E3B085C9AB24}">
-                <p16:designElem xmlns:p16="http://schemas.microsoft.com/office/powerpoint/2015/main" val="1"/>
-              </p:ext>
-            </p:extLst>
-          </p:nvPr>
-        </p:nvSpPr>
-        <p:spPr>
-          <a:xfrm>
-            <a:off x="643467" y="640311"/>
-            <a:ext cx="10887542" cy="5577378"/>
-          </a:xfrm>
-          <a:prstGeom prst="rect">
+          <a:prstGeom prst="roundRect">
             <a:avLst/>
           </a:prstGeom>
           <a:solidFill>
-            <a:schemeClr val="bg1">
-              <a:lumMod val="95000"/>
-              <a:alpha val="60000"/>
+            <a:schemeClr val="accent1">
+              <a:lumMod val="20000"/>
+              <a:lumOff val="80000"/>
             </a:schemeClr>
           </a:solidFill>
-          <a:ln>
-            <a:noFill/>
-          </a:ln>
         </p:spPr>
         <p:style>
           <a:lnRef idx="2">
@@ -20278,69 +20156,1546 @@
           </a:p>
         </p:txBody>
       </p:sp>
-      <p:pic>
-        <p:nvPicPr>
-          <p:cNvPr id="6" name="Content Placeholder 5" descr="A diagram of a group of people&#10;&#10;AI-generated content may be incorrect.">
+      <p:sp>
+        <p:nvSpPr>
+          <p:cNvPr id="10" name="Rounded Rectangle 9">
             <a:extLst>
               <a:ext uri="{FF2B5EF4-FFF2-40B4-BE49-F238E27FC236}">
-                <a16:creationId xmlns:a16="http://schemas.microsoft.com/office/drawing/2014/main" id="{51F4EF02-F644-3519-AECF-B9255CD4573A}"/>
+                <a16:creationId xmlns:a16="http://schemas.microsoft.com/office/drawing/2014/main" id="{7EA64377-A264-DEAC-2804-96FA41B5ADE0}"/>
               </a:ext>
             </a:extLst>
           </p:cNvPr>
-          <p:cNvPicPr>
-            <a:picLocks noGrp="1" noChangeAspect="1"/>
-          </p:cNvPicPr>
-          <p:nvPr>
-            <p:ph idx="1"/>
-          </p:nvPr>
-        </p:nvPicPr>
-        <p:blipFill>
-          <a:blip r:embed="rId3"/>
-          <a:srcRect t="627"/>
-          <a:stretch/>
-        </p:blipFill>
+          <p:cNvSpPr/>
+          <p:nvPr/>
+        </p:nvSpPr>
         <p:spPr>
           <a:xfrm>
-            <a:off x="643467" y="640311"/>
-            <a:ext cx="10902365" cy="5579514"/>
+            <a:off x="3594369" y="3531760"/>
+            <a:ext cx="2344003" cy="1129445"/>
+          </a:xfrm>
+          <a:prstGeom prst="roundRect">
+            <a:avLst/>
+          </a:prstGeom>
+          <a:solidFill>
+            <a:schemeClr val="accent1">
+              <a:lumMod val="20000"/>
+              <a:lumOff val="80000"/>
+            </a:schemeClr>
+          </a:solidFill>
+        </p:spPr>
+        <p:style>
+          <a:lnRef idx="2">
+            <a:schemeClr val="accent1">
+              <a:shade val="15000"/>
+            </a:schemeClr>
+          </a:lnRef>
+          <a:fillRef idx="1">
+            <a:schemeClr val="accent1"/>
+          </a:fillRef>
+          <a:effectRef idx="0">
+            <a:schemeClr val="accent1"/>
+          </a:effectRef>
+          <a:fontRef idx="minor">
+            <a:schemeClr val="lt1"/>
+          </a:fontRef>
+        </p:style>
+        <p:txBody>
+          <a:bodyPr rtlCol="0" anchor="ctr"/>
+          <a:lstStyle/>
+          <a:p>
+            <a:pPr algn="ctr"/>
+            <a:endParaRPr lang="en-US"/>
+          </a:p>
+        </p:txBody>
+      </p:sp>
+      <p:sp>
+        <p:nvSpPr>
+          <p:cNvPr id="11" name="Rounded Rectangle 10">
+            <a:extLst>
+              <a:ext uri="{FF2B5EF4-FFF2-40B4-BE49-F238E27FC236}">
+                <a16:creationId xmlns:a16="http://schemas.microsoft.com/office/drawing/2014/main" id="{6538926E-B9E5-5238-52CD-505A101422F7}"/>
+              </a:ext>
+            </a:extLst>
+          </p:cNvPr>
+          <p:cNvSpPr/>
+          <p:nvPr/>
+        </p:nvSpPr>
+        <p:spPr>
+          <a:xfrm>
+            <a:off x="777553" y="3678711"/>
+            <a:ext cx="2227634" cy="982494"/>
+          </a:xfrm>
+          <a:prstGeom prst="roundRect">
+            <a:avLst/>
+          </a:prstGeom>
+          <a:solidFill>
+            <a:schemeClr val="accent1">
+              <a:lumMod val="20000"/>
+              <a:lumOff val="80000"/>
+            </a:schemeClr>
+          </a:solidFill>
+        </p:spPr>
+        <p:style>
+          <a:lnRef idx="2">
+            <a:schemeClr val="accent1">
+              <a:shade val="15000"/>
+            </a:schemeClr>
+          </a:lnRef>
+          <a:fillRef idx="1">
+            <a:schemeClr val="accent1"/>
+          </a:fillRef>
+          <a:effectRef idx="0">
+            <a:schemeClr val="accent1"/>
+          </a:effectRef>
+          <a:fontRef idx="minor">
+            <a:schemeClr val="lt1"/>
+          </a:fontRef>
+        </p:style>
+        <p:txBody>
+          <a:bodyPr rtlCol="0" anchor="ctr"/>
+          <a:lstStyle/>
+          <a:p>
+            <a:pPr algn="ctr"/>
+            <a:endParaRPr lang="en-US"/>
+          </a:p>
+        </p:txBody>
+      </p:sp>
+      <p:sp>
+        <p:nvSpPr>
+          <p:cNvPr id="16" name="Rounded Rectangle 15">
+            <a:extLst>
+              <a:ext uri="{FF2B5EF4-FFF2-40B4-BE49-F238E27FC236}">
+                <a16:creationId xmlns:a16="http://schemas.microsoft.com/office/drawing/2014/main" id="{B14F0A84-BA1B-1FDB-EBCC-C14A9EA0A264}"/>
+              </a:ext>
+            </a:extLst>
+          </p:cNvPr>
+          <p:cNvSpPr/>
+          <p:nvPr/>
+        </p:nvSpPr>
+        <p:spPr>
+          <a:xfrm>
+            <a:off x="9190584" y="5388713"/>
+            <a:ext cx="886518" cy="945880"/>
+          </a:xfrm>
+          <a:prstGeom prst="roundRect">
+            <a:avLst/>
+          </a:prstGeom>
+          <a:solidFill>
+            <a:schemeClr val="accent1">
+              <a:lumMod val="20000"/>
+              <a:lumOff val="80000"/>
+            </a:schemeClr>
+          </a:solidFill>
+        </p:spPr>
+        <p:style>
+          <a:lnRef idx="2">
+            <a:schemeClr val="accent1">
+              <a:shade val="15000"/>
+            </a:schemeClr>
+          </a:lnRef>
+          <a:fillRef idx="1">
+            <a:schemeClr val="accent1"/>
+          </a:fillRef>
+          <a:effectRef idx="0">
+            <a:schemeClr val="accent1"/>
+          </a:effectRef>
+          <a:fontRef idx="minor">
+            <a:schemeClr val="lt1"/>
+          </a:fontRef>
+        </p:style>
+        <p:txBody>
+          <a:bodyPr rtlCol="0" anchor="ctr"/>
+          <a:lstStyle/>
+          <a:p>
+            <a:pPr algn="ctr"/>
+            <a:endParaRPr lang="en-US"/>
+          </a:p>
+        </p:txBody>
+      </p:sp>
+      <p:sp>
+        <p:nvSpPr>
+          <p:cNvPr id="18" name="Rounded Rectangle 17">
+            <a:extLst>
+              <a:ext uri="{FF2B5EF4-FFF2-40B4-BE49-F238E27FC236}">
+                <a16:creationId xmlns:a16="http://schemas.microsoft.com/office/drawing/2014/main" id="{DEC6C4AD-C373-3381-98C7-FF51E236F46A}"/>
+              </a:ext>
+            </a:extLst>
+          </p:cNvPr>
+          <p:cNvSpPr/>
+          <p:nvPr/>
+        </p:nvSpPr>
+        <p:spPr>
+          <a:xfrm>
+            <a:off x="10524641" y="5388713"/>
+            <a:ext cx="886518" cy="945880"/>
+          </a:xfrm>
+          <a:prstGeom prst="roundRect">
+            <a:avLst/>
+          </a:prstGeom>
+          <a:solidFill>
+            <a:schemeClr val="accent1">
+              <a:lumMod val="20000"/>
+              <a:lumOff val="80000"/>
+            </a:schemeClr>
+          </a:solidFill>
+        </p:spPr>
+        <p:style>
+          <a:lnRef idx="2">
+            <a:schemeClr val="accent1">
+              <a:shade val="15000"/>
+            </a:schemeClr>
+          </a:lnRef>
+          <a:fillRef idx="1">
+            <a:schemeClr val="accent1"/>
+          </a:fillRef>
+          <a:effectRef idx="0">
+            <a:schemeClr val="accent1"/>
+          </a:effectRef>
+          <a:fontRef idx="minor">
+            <a:schemeClr val="lt1"/>
+          </a:fontRef>
+        </p:style>
+        <p:txBody>
+          <a:bodyPr rtlCol="0" anchor="ctr"/>
+          <a:lstStyle/>
+          <a:p>
+            <a:pPr algn="ctr"/>
+            <a:endParaRPr lang="en-US"/>
+          </a:p>
+        </p:txBody>
+      </p:sp>
+      <p:sp>
+        <p:nvSpPr>
+          <p:cNvPr id="19" name="Rounded Rectangle 18">
+            <a:extLst>
+              <a:ext uri="{FF2B5EF4-FFF2-40B4-BE49-F238E27FC236}">
+                <a16:creationId xmlns:a16="http://schemas.microsoft.com/office/drawing/2014/main" id="{F9803070-134F-0254-7843-523DE987BF68}"/>
+              </a:ext>
+            </a:extLst>
+          </p:cNvPr>
+          <p:cNvSpPr/>
+          <p:nvPr/>
+        </p:nvSpPr>
+        <p:spPr>
+          <a:xfrm>
+            <a:off x="780841" y="5393853"/>
+            <a:ext cx="886518" cy="945880"/>
+          </a:xfrm>
+          <a:prstGeom prst="roundRect">
+            <a:avLst/>
+          </a:prstGeom>
+          <a:solidFill>
+            <a:schemeClr val="accent1">
+              <a:lumMod val="20000"/>
+              <a:lumOff val="80000"/>
+            </a:schemeClr>
+          </a:solidFill>
+        </p:spPr>
+        <p:style>
+          <a:lnRef idx="2">
+            <a:schemeClr val="accent1">
+              <a:shade val="15000"/>
+            </a:schemeClr>
+          </a:lnRef>
+          <a:fillRef idx="1">
+            <a:schemeClr val="accent1"/>
+          </a:fillRef>
+          <a:effectRef idx="0">
+            <a:schemeClr val="accent1"/>
+          </a:effectRef>
+          <a:fontRef idx="minor">
+            <a:schemeClr val="lt1"/>
+          </a:fontRef>
+        </p:style>
+        <p:txBody>
+          <a:bodyPr rtlCol="0" anchor="ctr"/>
+          <a:lstStyle/>
+          <a:p>
+            <a:pPr algn="ctr"/>
+            <a:endParaRPr lang="en-US"/>
+          </a:p>
+        </p:txBody>
+      </p:sp>
+      <p:sp>
+        <p:nvSpPr>
+          <p:cNvPr id="20" name="Rounded Rectangle 19">
+            <a:extLst>
+              <a:ext uri="{FF2B5EF4-FFF2-40B4-BE49-F238E27FC236}">
+                <a16:creationId xmlns:a16="http://schemas.microsoft.com/office/drawing/2014/main" id="{7EE32516-F189-47A0-C449-F44A8F5B0169}"/>
+              </a:ext>
+            </a:extLst>
+          </p:cNvPr>
+          <p:cNvSpPr/>
+          <p:nvPr/>
+        </p:nvSpPr>
+        <p:spPr>
+          <a:xfrm>
+            <a:off x="2114898" y="5393853"/>
+            <a:ext cx="886518" cy="945880"/>
+          </a:xfrm>
+          <a:prstGeom prst="roundRect">
+            <a:avLst/>
+          </a:prstGeom>
+          <a:solidFill>
+            <a:schemeClr val="accent1">
+              <a:lumMod val="20000"/>
+              <a:lumOff val="80000"/>
+            </a:schemeClr>
+          </a:solidFill>
+        </p:spPr>
+        <p:style>
+          <a:lnRef idx="2">
+            <a:schemeClr val="accent1">
+              <a:shade val="15000"/>
+            </a:schemeClr>
+          </a:lnRef>
+          <a:fillRef idx="1">
+            <a:schemeClr val="accent1"/>
+          </a:fillRef>
+          <a:effectRef idx="0">
+            <a:schemeClr val="accent1"/>
+          </a:effectRef>
+          <a:fontRef idx="minor">
+            <a:schemeClr val="lt1"/>
+          </a:fontRef>
+        </p:style>
+        <p:txBody>
+          <a:bodyPr rtlCol="0" anchor="ctr"/>
+          <a:lstStyle/>
+          <a:p>
+            <a:pPr algn="ctr"/>
+            <a:endParaRPr lang="en-US"/>
+          </a:p>
+        </p:txBody>
+      </p:sp>
+      <p:sp>
+        <p:nvSpPr>
+          <p:cNvPr id="21" name="Rounded Rectangle 20">
+            <a:extLst>
+              <a:ext uri="{FF2B5EF4-FFF2-40B4-BE49-F238E27FC236}">
+                <a16:creationId xmlns:a16="http://schemas.microsoft.com/office/drawing/2014/main" id="{6E445BD2-ED49-AA64-2810-78AA6A1BAB19}"/>
+              </a:ext>
+            </a:extLst>
+          </p:cNvPr>
+          <p:cNvSpPr/>
+          <p:nvPr/>
+        </p:nvSpPr>
+        <p:spPr>
+          <a:xfrm>
+            <a:off x="3594370" y="5388713"/>
+            <a:ext cx="886518" cy="945880"/>
+          </a:xfrm>
+          <a:prstGeom prst="roundRect">
+            <a:avLst/>
+          </a:prstGeom>
+          <a:solidFill>
+            <a:schemeClr val="accent1">
+              <a:lumMod val="20000"/>
+              <a:lumOff val="80000"/>
+            </a:schemeClr>
+          </a:solidFill>
+        </p:spPr>
+        <p:style>
+          <a:lnRef idx="2">
+            <a:schemeClr val="accent1">
+              <a:shade val="15000"/>
+            </a:schemeClr>
+          </a:lnRef>
+          <a:fillRef idx="1">
+            <a:schemeClr val="accent1"/>
+          </a:fillRef>
+          <a:effectRef idx="0">
+            <a:schemeClr val="accent1"/>
+          </a:effectRef>
+          <a:fontRef idx="minor">
+            <a:schemeClr val="lt1"/>
+          </a:fontRef>
+        </p:style>
+        <p:txBody>
+          <a:bodyPr rtlCol="0" anchor="ctr"/>
+          <a:lstStyle/>
+          <a:p>
+            <a:pPr algn="ctr"/>
+            <a:endParaRPr lang="en-US"/>
+          </a:p>
+        </p:txBody>
+      </p:sp>
+      <p:sp>
+        <p:nvSpPr>
+          <p:cNvPr id="22" name="Rounded Rectangle 21">
+            <a:extLst>
+              <a:ext uri="{FF2B5EF4-FFF2-40B4-BE49-F238E27FC236}">
+                <a16:creationId xmlns:a16="http://schemas.microsoft.com/office/drawing/2014/main" id="{2F263691-B127-F211-E794-492BA66A49B4}"/>
+              </a:ext>
+            </a:extLst>
+          </p:cNvPr>
+          <p:cNvSpPr/>
+          <p:nvPr/>
+        </p:nvSpPr>
+        <p:spPr>
+          <a:xfrm>
+            <a:off x="4937439" y="5388713"/>
+            <a:ext cx="886518" cy="945880"/>
+          </a:xfrm>
+          <a:prstGeom prst="roundRect">
+            <a:avLst/>
+          </a:prstGeom>
+          <a:solidFill>
+            <a:schemeClr val="accent1">
+              <a:lumMod val="20000"/>
+              <a:lumOff val="80000"/>
+            </a:schemeClr>
+          </a:solidFill>
+        </p:spPr>
+        <p:style>
+          <a:lnRef idx="2">
+            <a:schemeClr val="accent1">
+              <a:shade val="15000"/>
+            </a:schemeClr>
+          </a:lnRef>
+          <a:fillRef idx="1">
+            <a:schemeClr val="accent1"/>
+          </a:fillRef>
+          <a:effectRef idx="0">
+            <a:schemeClr val="accent1"/>
+          </a:effectRef>
+          <a:fontRef idx="minor">
+            <a:schemeClr val="lt1"/>
+          </a:fontRef>
+        </p:style>
+        <p:txBody>
+          <a:bodyPr rtlCol="0" anchor="ctr"/>
+          <a:lstStyle/>
+          <a:p>
+            <a:pPr algn="ctr"/>
+            <a:endParaRPr lang="en-US"/>
+          </a:p>
+        </p:txBody>
+      </p:sp>
+      <p:sp>
+        <p:nvSpPr>
+          <p:cNvPr id="23" name="Rounded Rectangle 22">
+            <a:extLst>
+              <a:ext uri="{FF2B5EF4-FFF2-40B4-BE49-F238E27FC236}">
+                <a16:creationId xmlns:a16="http://schemas.microsoft.com/office/drawing/2014/main" id="{F7A16E9C-109B-8FC4-DB49-16204A73A85A}"/>
+              </a:ext>
+            </a:extLst>
+          </p:cNvPr>
+          <p:cNvSpPr/>
+          <p:nvPr/>
+        </p:nvSpPr>
+        <p:spPr>
+          <a:xfrm>
+            <a:off x="6448776" y="5388713"/>
+            <a:ext cx="886518" cy="945880"/>
+          </a:xfrm>
+          <a:prstGeom prst="roundRect">
+            <a:avLst/>
+          </a:prstGeom>
+          <a:solidFill>
+            <a:schemeClr val="accent1">
+              <a:lumMod val="20000"/>
+              <a:lumOff val="80000"/>
+            </a:schemeClr>
+          </a:solidFill>
+        </p:spPr>
+        <p:style>
+          <a:lnRef idx="2">
+            <a:schemeClr val="accent1">
+              <a:shade val="15000"/>
+            </a:schemeClr>
+          </a:lnRef>
+          <a:fillRef idx="1">
+            <a:schemeClr val="accent1"/>
+          </a:fillRef>
+          <a:effectRef idx="0">
+            <a:schemeClr val="accent1"/>
+          </a:effectRef>
+          <a:fontRef idx="minor">
+            <a:schemeClr val="lt1"/>
+          </a:fontRef>
+        </p:style>
+        <p:txBody>
+          <a:bodyPr rtlCol="0" anchor="ctr"/>
+          <a:lstStyle/>
+          <a:p>
+            <a:pPr algn="ctr"/>
+            <a:endParaRPr lang="en-US"/>
+          </a:p>
+        </p:txBody>
+      </p:sp>
+      <p:sp>
+        <p:nvSpPr>
+          <p:cNvPr id="24" name="Rounded Rectangle 23">
+            <a:extLst>
+              <a:ext uri="{FF2B5EF4-FFF2-40B4-BE49-F238E27FC236}">
+                <a16:creationId xmlns:a16="http://schemas.microsoft.com/office/drawing/2014/main" id="{C5E56408-8357-A610-80CC-9031B52086DF}"/>
+              </a:ext>
+            </a:extLst>
+          </p:cNvPr>
+          <p:cNvSpPr/>
+          <p:nvPr/>
+        </p:nvSpPr>
+        <p:spPr>
+          <a:xfrm>
+            <a:off x="7789892" y="5388713"/>
+            <a:ext cx="886518" cy="945880"/>
+          </a:xfrm>
+          <a:prstGeom prst="roundRect">
+            <a:avLst/>
+          </a:prstGeom>
+          <a:solidFill>
+            <a:schemeClr val="accent1">
+              <a:lumMod val="20000"/>
+              <a:lumOff val="80000"/>
+            </a:schemeClr>
+          </a:solidFill>
+        </p:spPr>
+        <p:style>
+          <a:lnRef idx="2">
+            <a:schemeClr val="accent1">
+              <a:shade val="15000"/>
+            </a:schemeClr>
+          </a:lnRef>
+          <a:fillRef idx="1">
+            <a:schemeClr val="accent1"/>
+          </a:fillRef>
+          <a:effectRef idx="0">
+            <a:schemeClr val="accent1"/>
+          </a:effectRef>
+          <a:fontRef idx="minor">
+            <a:schemeClr val="lt1"/>
+          </a:fontRef>
+        </p:style>
+        <p:txBody>
+          <a:bodyPr rtlCol="0" anchor="ctr"/>
+          <a:lstStyle/>
+          <a:p>
+            <a:pPr algn="ctr"/>
+            <a:endParaRPr lang="en-US"/>
+          </a:p>
+        </p:txBody>
+      </p:sp>
+      <p:grpSp>
+        <p:nvGrpSpPr>
+          <p:cNvPr id="85" name="Group 84">
+            <a:extLst>
+              <a:ext uri="{FF2B5EF4-FFF2-40B4-BE49-F238E27FC236}">
+                <a16:creationId xmlns:a16="http://schemas.microsoft.com/office/drawing/2014/main" id="{20CABE8F-6963-76A4-7486-D11A6968B95F}"/>
+              </a:ext>
+            </a:extLst>
+          </p:cNvPr>
+          <p:cNvGrpSpPr/>
+          <p:nvPr/>
+        </p:nvGrpSpPr>
+        <p:grpSpPr>
+          <a:xfrm>
+            <a:off x="4807647" y="746497"/>
+            <a:ext cx="2539558" cy="1200330"/>
+            <a:chOff x="4795736" y="378341"/>
+            <a:chExt cx="2539558" cy="1200330"/>
+          </a:xfrm>
+        </p:grpSpPr>
+        <p:sp>
+          <p:nvSpPr>
+            <p:cNvPr id="3" name="Rounded Rectangle 2">
+              <a:extLst>
+                <a:ext uri="{FF2B5EF4-FFF2-40B4-BE49-F238E27FC236}">
+                  <a16:creationId xmlns:a16="http://schemas.microsoft.com/office/drawing/2014/main" id="{5970B885-85A7-84BC-78BB-C1F1CCC505C7}"/>
+                </a:ext>
+              </a:extLst>
+            </p:cNvPr>
+            <p:cNvSpPr/>
+            <p:nvPr/>
+          </p:nvSpPr>
+          <p:spPr>
+            <a:xfrm>
+              <a:off x="4795736" y="378341"/>
+              <a:ext cx="2539558" cy="1129445"/>
+            </a:xfrm>
+            <a:prstGeom prst="roundRect">
+              <a:avLst/>
+            </a:prstGeom>
+            <a:solidFill>
+              <a:schemeClr val="accent1">
+                <a:lumMod val="20000"/>
+                <a:lumOff val="80000"/>
+              </a:schemeClr>
+            </a:solidFill>
+          </p:spPr>
+          <p:style>
+            <a:lnRef idx="2">
+              <a:schemeClr val="accent1">
+                <a:shade val="15000"/>
+              </a:schemeClr>
+            </a:lnRef>
+            <a:fillRef idx="1">
+              <a:schemeClr val="accent1"/>
+            </a:fillRef>
+            <a:effectRef idx="0">
+              <a:schemeClr val="accent1"/>
+            </a:effectRef>
+            <a:fontRef idx="minor">
+              <a:schemeClr val="lt1"/>
+            </a:fontRef>
+          </p:style>
+          <p:txBody>
+            <a:bodyPr rtlCol="0" anchor="ctr"/>
+            <a:lstStyle/>
+            <a:p>
+              <a:pPr algn="ctr"/>
+              <a:endParaRPr lang="en-US"/>
+            </a:p>
+          </p:txBody>
+        </p:sp>
+        <p:sp>
+          <p:nvSpPr>
+            <p:cNvPr id="26" name="TextBox 25">
+              <a:extLst>
+                <a:ext uri="{FF2B5EF4-FFF2-40B4-BE49-F238E27FC236}">
+                  <a16:creationId xmlns:a16="http://schemas.microsoft.com/office/drawing/2014/main" id="{FF3615AC-A2FC-59E4-DFB6-88E50750ACFC}"/>
+                </a:ext>
+              </a:extLst>
+            </p:cNvPr>
+            <p:cNvSpPr txBox="1"/>
+            <p:nvPr/>
+          </p:nvSpPr>
+          <p:spPr>
+            <a:xfrm>
+              <a:off x="5380698" y="378342"/>
+              <a:ext cx="1527242" cy="1200329"/>
+            </a:xfrm>
+            <a:prstGeom prst="rect">
+              <a:avLst/>
+            </a:prstGeom>
+            <a:noFill/>
+          </p:spPr>
+          <p:txBody>
+            <a:bodyPr wrap="square" rtlCol="0">
+              <a:spAutoFit/>
+            </a:bodyPr>
+            <a:lstStyle/>
+            <a:p>
+              <a:r>
+                <a:rPr lang="en-US" dirty="0"/>
+                <a:t>How close friends feel about using marijuana?</a:t>
+              </a:r>
+            </a:p>
+          </p:txBody>
+        </p:sp>
+      </p:grpSp>
+      <p:grpSp>
+        <p:nvGrpSpPr>
+          <p:cNvPr id="84" name="Group 83">
+            <a:extLst>
+              <a:ext uri="{FF2B5EF4-FFF2-40B4-BE49-F238E27FC236}">
+                <a16:creationId xmlns:a16="http://schemas.microsoft.com/office/drawing/2014/main" id="{4A99FB49-1EA8-C59F-1DF3-2CC83DA212C8}"/>
+              </a:ext>
+            </a:extLst>
+          </p:cNvPr>
+          <p:cNvGrpSpPr/>
+          <p:nvPr/>
+        </p:nvGrpSpPr>
+        <p:grpSpPr>
+          <a:xfrm>
+            <a:off x="2103637" y="2023425"/>
+            <a:ext cx="2344003" cy="1129445"/>
+            <a:chOff x="2136885" y="1674807"/>
+            <a:chExt cx="2344003" cy="1129445"/>
+          </a:xfrm>
+        </p:grpSpPr>
+        <p:sp>
+          <p:nvSpPr>
+            <p:cNvPr id="7" name="Rounded Rectangle 6">
+              <a:extLst>
+                <a:ext uri="{FF2B5EF4-FFF2-40B4-BE49-F238E27FC236}">
+                  <a16:creationId xmlns:a16="http://schemas.microsoft.com/office/drawing/2014/main" id="{7D028213-9186-7BFE-8AB4-9026D9A56BDA}"/>
+                </a:ext>
+              </a:extLst>
+            </p:cNvPr>
+            <p:cNvSpPr/>
+            <p:nvPr/>
+          </p:nvSpPr>
+          <p:spPr>
+            <a:xfrm>
+              <a:off x="2136885" y="1674807"/>
+              <a:ext cx="2344003" cy="1129445"/>
+            </a:xfrm>
+            <a:prstGeom prst="roundRect">
+              <a:avLst/>
+            </a:prstGeom>
+            <a:solidFill>
+              <a:schemeClr val="accent1">
+                <a:lumMod val="20000"/>
+                <a:lumOff val="80000"/>
+              </a:schemeClr>
+            </a:solidFill>
+          </p:spPr>
+          <p:style>
+            <a:lnRef idx="2">
+              <a:schemeClr val="accent1">
+                <a:shade val="15000"/>
+              </a:schemeClr>
+            </a:lnRef>
+            <a:fillRef idx="1">
+              <a:schemeClr val="accent1"/>
+            </a:fillRef>
+            <a:effectRef idx="0">
+              <a:schemeClr val="accent1"/>
+            </a:effectRef>
+            <a:fontRef idx="minor">
+              <a:schemeClr val="lt1"/>
+            </a:fontRef>
+          </p:style>
+          <p:txBody>
+            <a:bodyPr rtlCol="0" anchor="ctr"/>
+            <a:lstStyle/>
+            <a:p>
+              <a:pPr algn="ctr"/>
+              <a:endParaRPr lang="en-US"/>
+            </a:p>
+          </p:txBody>
+        </p:sp>
+        <p:sp>
+          <p:nvSpPr>
+            <p:cNvPr id="27" name="TextBox 26">
+              <a:extLst>
+                <a:ext uri="{FF2B5EF4-FFF2-40B4-BE49-F238E27FC236}">
+                  <a16:creationId xmlns:a16="http://schemas.microsoft.com/office/drawing/2014/main" id="{8C23600C-C947-5E88-DCC7-D955C1B8B741}"/>
+                </a:ext>
+              </a:extLst>
+            </p:cNvPr>
+            <p:cNvSpPr txBox="1"/>
+            <p:nvPr/>
+          </p:nvSpPr>
+          <p:spPr>
+            <a:xfrm>
+              <a:off x="2821020" y="1916348"/>
+              <a:ext cx="1546698" cy="646331"/>
+            </a:xfrm>
+            <a:prstGeom prst="rect">
+              <a:avLst/>
+            </a:prstGeom>
+            <a:noFill/>
+          </p:spPr>
+          <p:txBody>
+            <a:bodyPr wrap="square" rtlCol="0">
+              <a:spAutoFit/>
+            </a:bodyPr>
+            <a:lstStyle/>
+            <a:p>
+              <a:r>
+                <a:rPr lang="en-US" dirty="0"/>
+                <a:t>Is mother present?</a:t>
+              </a:r>
+            </a:p>
+          </p:txBody>
+        </p:sp>
+      </p:grpSp>
+      <p:grpSp>
+        <p:nvGrpSpPr>
+          <p:cNvPr id="86" name="Group 85">
+            <a:extLst>
+              <a:ext uri="{FF2B5EF4-FFF2-40B4-BE49-F238E27FC236}">
+                <a16:creationId xmlns:a16="http://schemas.microsoft.com/office/drawing/2014/main" id="{3C3B27BA-FDA0-159E-4811-0F2523F04F5B}"/>
+              </a:ext>
+            </a:extLst>
+          </p:cNvPr>
+          <p:cNvGrpSpPr/>
+          <p:nvPr/>
+        </p:nvGrpSpPr>
+        <p:grpSpPr>
+          <a:xfrm>
+            <a:off x="7811176" y="1952541"/>
+            <a:ext cx="2344003" cy="1200329"/>
+            <a:chOff x="7789892" y="1603923"/>
+            <a:chExt cx="2344003" cy="1200329"/>
+          </a:xfrm>
+        </p:grpSpPr>
+        <p:sp>
+          <p:nvSpPr>
+            <p:cNvPr id="6" name="Rounded Rectangle 5">
+              <a:extLst>
+                <a:ext uri="{FF2B5EF4-FFF2-40B4-BE49-F238E27FC236}">
+                  <a16:creationId xmlns:a16="http://schemas.microsoft.com/office/drawing/2014/main" id="{45A119F1-3195-5E25-9ED4-1CE37E3734D8}"/>
+                </a:ext>
+              </a:extLst>
+            </p:cNvPr>
+            <p:cNvSpPr/>
+            <p:nvPr/>
+          </p:nvSpPr>
+          <p:spPr>
+            <a:xfrm>
+              <a:off x="7789892" y="1603923"/>
+              <a:ext cx="2344003" cy="1200329"/>
+            </a:xfrm>
+            <a:prstGeom prst="roundRect">
+              <a:avLst/>
+            </a:prstGeom>
+            <a:solidFill>
+              <a:schemeClr val="accent1">
+                <a:lumMod val="20000"/>
+                <a:lumOff val="80000"/>
+              </a:schemeClr>
+            </a:solidFill>
+          </p:spPr>
+          <p:style>
+            <a:lnRef idx="2">
+              <a:schemeClr val="accent1">
+                <a:shade val="15000"/>
+              </a:schemeClr>
+            </a:lnRef>
+            <a:fillRef idx="1">
+              <a:schemeClr val="accent1"/>
+            </a:fillRef>
+            <a:effectRef idx="0">
+              <a:schemeClr val="accent1"/>
+            </a:effectRef>
+            <a:fontRef idx="minor">
+              <a:schemeClr val="lt1"/>
+            </a:fontRef>
+          </p:style>
+          <p:txBody>
+            <a:bodyPr rtlCol="0" anchor="ctr"/>
+            <a:lstStyle/>
+            <a:p>
+              <a:pPr algn="ctr"/>
+              <a:endParaRPr lang="en-US"/>
+            </a:p>
+          </p:txBody>
+        </p:sp>
+        <p:sp>
+          <p:nvSpPr>
+            <p:cNvPr id="28" name="TextBox 27">
+              <a:extLst>
+                <a:ext uri="{FF2B5EF4-FFF2-40B4-BE49-F238E27FC236}">
+                  <a16:creationId xmlns:a16="http://schemas.microsoft.com/office/drawing/2014/main" id="{6A9E39F2-A25E-AB01-12D1-B6CB93CB6EC6}"/>
+                </a:ext>
+              </a:extLst>
+            </p:cNvPr>
+            <p:cNvSpPr txBox="1"/>
+            <p:nvPr/>
+          </p:nvSpPr>
+          <p:spPr>
+            <a:xfrm>
+              <a:off x="8423191" y="1603923"/>
+              <a:ext cx="1527243" cy="1200329"/>
+            </a:xfrm>
+            <a:prstGeom prst="rect">
+              <a:avLst/>
+            </a:prstGeom>
+            <a:noFill/>
+          </p:spPr>
+          <p:txBody>
+            <a:bodyPr wrap="square" rtlCol="0">
+              <a:spAutoFit/>
+            </a:bodyPr>
+            <a:lstStyle/>
+            <a:p>
+              <a:r>
+                <a:rPr lang="en-US" dirty="0"/>
+                <a:t>How many days of school skipped?</a:t>
+              </a:r>
+            </a:p>
+          </p:txBody>
+        </p:sp>
+      </p:grpSp>
+      <p:sp>
+        <p:nvSpPr>
+          <p:cNvPr id="29" name="TextBox 28">
+            <a:extLst>
+              <a:ext uri="{FF2B5EF4-FFF2-40B4-BE49-F238E27FC236}">
+                <a16:creationId xmlns:a16="http://schemas.microsoft.com/office/drawing/2014/main" id="{57B6205F-7A7B-138D-0FF5-C55B3F4E22D7}"/>
+              </a:ext>
+            </a:extLst>
+          </p:cNvPr>
+          <p:cNvSpPr txBox="1"/>
+          <p:nvPr/>
+        </p:nvSpPr>
+        <p:spPr>
+          <a:xfrm>
+            <a:off x="4173817" y="3514391"/>
+            <a:ext cx="1527243" cy="1200329"/>
           </a:xfrm>
           <a:prstGeom prst="rect">
             <a:avLst/>
           </a:prstGeom>
+          <a:noFill/>
         </p:spPr>
-      </p:pic>
+        <p:txBody>
+          <a:bodyPr wrap="square" rtlCol="0">
+            <a:spAutoFit/>
+          </a:bodyPr>
+          <a:lstStyle/>
+          <a:p>
+            <a:r>
+              <a:rPr lang="en-US" dirty="0"/>
+              <a:t>How many days of school skipped?</a:t>
+            </a:r>
+          </a:p>
+        </p:txBody>
+      </p:sp>
+      <p:sp>
+        <p:nvSpPr>
+          <p:cNvPr id="30" name="TextBox 29">
+            <a:extLst>
+              <a:ext uri="{FF2B5EF4-FFF2-40B4-BE49-F238E27FC236}">
+                <a16:creationId xmlns:a16="http://schemas.microsoft.com/office/drawing/2014/main" id="{1C2E9AC7-CCAA-F200-043A-82A0ED7E41FB}"/>
+              </a:ext>
+            </a:extLst>
+          </p:cNvPr>
+          <p:cNvSpPr txBox="1"/>
+          <p:nvPr/>
+        </p:nvSpPr>
+        <p:spPr>
+          <a:xfrm>
+            <a:off x="1580950" y="3983077"/>
+            <a:ext cx="1029154" cy="369332"/>
+          </a:xfrm>
+          <a:prstGeom prst="rect">
+            <a:avLst/>
+          </a:prstGeom>
+          <a:noFill/>
+        </p:spPr>
+        <p:txBody>
+          <a:bodyPr wrap="square" rtlCol="0">
+            <a:spAutoFit/>
+          </a:bodyPr>
+          <a:lstStyle/>
+          <a:p>
+            <a:r>
+              <a:rPr lang="en-US" dirty="0"/>
+              <a:t>Sex?</a:t>
+            </a:r>
+          </a:p>
+        </p:txBody>
+      </p:sp>
+      <p:sp>
+        <p:nvSpPr>
+          <p:cNvPr id="31" name="TextBox 30">
+            <a:extLst>
+              <a:ext uri="{FF2B5EF4-FFF2-40B4-BE49-F238E27FC236}">
+                <a16:creationId xmlns:a16="http://schemas.microsoft.com/office/drawing/2014/main" id="{954ADEE7-9885-27F8-5B99-6D545520508B}"/>
+              </a:ext>
+            </a:extLst>
+          </p:cNvPr>
+          <p:cNvSpPr txBox="1"/>
+          <p:nvPr/>
+        </p:nvSpPr>
+        <p:spPr>
+          <a:xfrm>
+            <a:off x="6968691" y="3721711"/>
+            <a:ext cx="1425114" cy="923330"/>
+          </a:xfrm>
+          <a:prstGeom prst="rect">
+            <a:avLst/>
+          </a:prstGeom>
+          <a:noFill/>
+        </p:spPr>
+        <p:txBody>
+          <a:bodyPr wrap="square" rtlCol="0">
+            <a:spAutoFit/>
+          </a:bodyPr>
+          <a:lstStyle/>
+          <a:p>
+            <a:r>
+              <a:rPr lang="en-US" dirty="0"/>
+              <a:t>Highest grade completed?</a:t>
+            </a:r>
+          </a:p>
+        </p:txBody>
+      </p:sp>
+      <p:sp>
+        <p:nvSpPr>
+          <p:cNvPr id="32" name="TextBox 31">
+            <a:extLst>
+              <a:ext uri="{FF2B5EF4-FFF2-40B4-BE49-F238E27FC236}">
+                <a16:creationId xmlns:a16="http://schemas.microsoft.com/office/drawing/2014/main" id="{1C7B9D28-5AAB-6447-24F3-AFB00E9DAF7A}"/>
+              </a:ext>
+            </a:extLst>
+          </p:cNvPr>
+          <p:cNvSpPr txBox="1"/>
+          <p:nvPr/>
+        </p:nvSpPr>
+        <p:spPr>
+          <a:xfrm>
+            <a:off x="9558914" y="3983077"/>
+            <a:ext cx="1483432" cy="369332"/>
+          </a:xfrm>
+          <a:prstGeom prst="rect">
+            <a:avLst/>
+          </a:prstGeom>
+          <a:noFill/>
+        </p:spPr>
+        <p:txBody>
+          <a:bodyPr wrap="square" rtlCol="0">
+            <a:spAutoFit/>
+          </a:bodyPr>
+          <a:lstStyle/>
+          <a:p>
+            <a:r>
+              <a:rPr lang="en-US" dirty="0"/>
+              <a:t>Avg grade?</a:t>
+            </a:r>
+          </a:p>
+        </p:txBody>
+      </p:sp>
       <p:cxnSp>
         <p:nvCxnSpPr>
-          <p:cNvPr id="32" name="Straight Connector 31">
+          <p:cNvPr id="34" name="Elbow Connector 33">
             <a:extLst>
               <a:ext uri="{FF2B5EF4-FFF2-40B4-BE49-F238E27FC236}">
-                <a16:creationId xmlns:a16="http://schemas.microsoft.com/office/drawing/2014/main" id="{9AE2764D-E1C7-4C0E-A5A4-12411550ABAD}"/>
-              </a:ext>
-              <a:ext uri="{C183D7F6-B498-43B3-948B-1728B52AA6E4}">
-                <adec:decorative xmlns:adec="http://schemas.microsoft.com/office/drawing/2017/decorative" val="1"/>
+                <a16:creationId xmlns:a16="http://schemas.microsoft.com/office/drawing/2014/main" id="{BF808CF2-D6D3-679C-537E-14EAAB5440EE}"/>
               </a:ext>
             </a:extLst>
           </p:cNvPr>
           <p:cNvCxnSpPr>
-            <a:cxnSpLocks noGrp="1" noRot="1" noChangeAspect="1" noMove="1" noResize="1" noEditPoints="1" noAdjustHandles="1" noChangeArrowheads="1" noChangeShapeType="1"/>
+            <a:cxnSpLocks/>
+            <a:stCxn id="3" idx="1"/>
+            <a:endCxn id="7" idx="0"/>
           </p:cNvCxnSpPr>
-          <p:nvPr>
-            <p:extLst>
-              <p:ext uri="{386F3935-93C4-4BCD-93E2-E3B085C9AB24}">
-                <p16:designElem xmlns:p16="http://schemas.microsoft.com/office/powerpoint/2015/main" val="1"/>
-              </p:ext>
-            </p:extLst>
-          </p:nvPr>
+          <p:nvPr/>
         </p:nvCxnSpPr>
         <p:spPr>
-          <a:xfrm flipV="1">
-            <a:off x="11537289" y="640311"/>
-            <a:ext cx="0" cy="5579514"/>
+          <a:xfrm rot="10800000" flipV="1">
+            <a:off x="3275639" y="1311219"/>
+            <a:ext cx="1532008" cy="712205"/>
           </a:xfrm>
-          <a:prstGeom prst="line">
+          <a:prstGeom prst="bentConnector2">
             <a:avLst/>
           </a:prstGeom>
-          <a:ln w="76200"/>
+          <a:ln>
+            <a:tailEnd type="triangle"/>
+          </a:ln>
+        </p:spPr>
+        <p:style>
+          <a:lnRef idx="1">
+            <a:schemeClr val="accent1"/>
+          </a:lnRef>
+          <a:fillRef idx="0">
+            <a:schemeClr val="accent1"/>
+          </a:fillRef>
+          <a:effectRef idx="0">
+            <a:schemeClr val="accent1"/>
+          </a:effectRef>
+          <a:fontRef idx="minor">
+            <a:schemeClr val="tx1"/>
+          </a:fontRef>
+        </p:style>
+      </p:cxnSp>
+      <p:cxnSp>
+        <p:nvCxnSpPr>
+          <p:cNvPr id="36" name="Elbow Connector 35">
+            <a:extLst>
+              <a:ext uri="{FF2B5EF4-FFF2-40B4-BE49-F238E27FC236}">
+                <a16:creationId xmlns:a16="http://schemas.microsoft.com/office/drawing/2014/main" id="{95411222-EAE3-9350-6762-0E13FED2B072}"/>
+              </a:ext>
+            </a:extLst>
+          </p:cNvPr>
+          <p:cNvCxnSpPr>
+            <a:cxnSpLocks/>
+            <a:stCxn id="6" idx="1"/>
+            <a:endCxn id="9" idx="0"/>
+          </p:cNvCxnSpPr>
+          <p:nvPr/>
+        </p:nvCxnSpPr>
+        <p:spPr>
+          <a:xfrm rot="10800000" flipV="1">
+            <a:off x="7562594" y="2552705"/>
+            <a:ext cx="248583" cy="1126005"/>
+          </a:xfrm>
+          <a:prstGeom prst="bentConnector2">
+            <a:avLst/>
+          </a:prstGeom>
+          <a:ln>
+            <a:tailEnd type="triangle"/>
+          </a:ln>
+        </p:spPr>
+        <p:style>
+          <a:lnRef idx="1">
+            <a:schemeClr val="accent1"/>
+          </a:lnRef>
+          <a:fillRef idx="0">
+            <a:schemeClr val="accent1"/>
+          </a:fillRef>
+          <a:effectRef idx="0">
+            <a:schemeClr val="accent1"/>
+          </a:effectRef>
+          <a:fontRef idx="minor">
+            <a:schemeClr val="tx1"/>
+          </a:fontRef>
+        </p:style>
+      </p:cxnSp>
+      <p:cxnSp>
+        <p:nvCxnSpPr>
+          <p:cNvPr id="37" name="Elbow Connector 36">
+            <a:extLst>
+              <a:ext uri="{FF2B5EF4-FFF2-40B4-BE49-F238E27FC236}">
+                <a16:creationId xmlns:a16="http://schemas.microsoft.com/office/drawing/2014/main" id="{E5E2DB5B-9029-B450-965F-A9B4D24620DC}"/>
+              </a:ext>
+            </a:extLst>
+          </p:cNvPr>
+          <p:cNvCxnSpPr>
+            <a:cxnSpLocks/>
+            <a:stCxn id="7" idx="3"/>
+            <a:endCxn id="29" idx="0"/>
+          </p:cNvCxnSpPr>
+          <p:nvPr/>
+        </p:nvCxnSpPr>
+        <p:spPr>
+          <a:xfrm>
+            <a:off x="4447640" y="2588148"/>
+            <a:ext cx="489799" cy="926243"/>
+          </a:xfrm>
+          <a:prstGeom prst="bentConnector2">
+            <a:avLst/>
+          </a:prstGeom>
+          <a:ln>
+            <a:tailEnd type="triangle"/>
+          </a:ln>
+        </p:spPr>
+        <p:style>
+          <a:lnRef idx="1">
+            <a:schemeClr val="accent1"/>
+          </a:lnRef>
+          <a:fillRef idx="0">
+            <a:schemeClr val="accent1"/>
+          </a:fillRef>
+          <a:effectRef idx="0">
+            <a:schemeClr val="accent1"/>
+          </a:effectRef>
+          <a:fontRef idx="minor">
+            <a:schemeClr val="tx1"/>
+          </a:fontRef>
+        </p:style>
+      </p:cxnSp>
+      <p:cxnSp>
+        <p:nvCxnSpPr>
+          <p:cNvPr id="38" name="Elbow Connector 37">
+            <a:extLst>
+              <a:ext uri="{FF2B5EF4-FFF2-40B4-BE49-F238E27FC236}">
+                <a16:creationId xmlns:a16="http://schemas.microsoft.com/office/drawing/2014/main" id="{7EDAEC1F-94E9-DAD1-241D-2D8F5425A451}"/>
+              </a:ext>
+            </a:extLst>
+          </p:cNvPr>
+          <p:cNvCxnSpPr>
+            <a:cxnSpLocks/>
+            <a:stCxn id="7" idx="1"/>
+            <a:endCxn id="11" idx="0"/>
+          </p:cNvCxnSpPr>
+          <p:nvPr/>
+        </p:nvCxnSpPr>
+        <p:spPr>
+          <a:xfrm rot="10800000" flipV="1">
+            <a:off x="1891371" y="2588147"/>
+            <a:ext cx="212267" cy="1090563"/>
+          </a:xfrm>
+          <a:prstGeom prst="bentConnector2">
+            <a:avLst/>
+          </a:prstGeom>
+          <a:ln>
+            <a:tailEnd type="triangle"/>
+          </a:ln>
+        </p:spPr>
+        <p:style>
+          <a:lnRef idx="1">
+            <a:schemeClr val="accent1"/>
+          </a:lnRef>
+          <a:fillRef idx="0">
+            <a:schemeClr val="accent1"/>
+          </a:fillRef>
+          <a:effectRef idx="0">
+            <a:schemeClr val="accent1"/>
+          </a:effectRef>
+          <a:fontRef idx="minor">
+            <a:schemeClr val="tx1"/>
+          </a:fontRef>
+        </p:style>
+      </p:cxnSp>
+      <p:cxnSp>
+        <p:nvCxnSpPr>
+          <p:cNvPr id="39" name="Elbow Connector 38">
+            <a:extLst>
+              <a:ext uri="{FF2B5EF4-FFF2-40B4-BE49-F238E27FC236}">
+                <a16:creationId xmlns:a16="http://schemas.microsoft.com/office/drawing/2014/main" id="{9DDD2B08-5500-FDDD-0917-1048DBE31BAE}"/>
+              </a:ext>
+            </a:extLst>
+          </p:cNvPr>
+          <p:cNvCxnSpPr>
+            <a:cxnSpLocks/>
+            <a:stCxn id="3" idx="3"/>
+            <a:endCxn id="28" idx="0"/>
+          </p:cNvCxnSpPr>
+          <p:nvPr/>
+        </p:nvCxnSpPr>
+        <p:spPr>
+          <a:xfrm>
+            <a:off x="7347205" y="1311220"/>
+            <a:ext cx="1860892" cy="641321"/>
+          </a:xfrm>
+          <a:prstGeom prst="bentConnector2">
+            <a:avLst/>
+          </a:prstGeom>
+          <a:ln>
+            <a:tailEnd type="triangle"/>
+          </a:ln>
+        </p:spPr>
+        <p:style>
+          <a:lnRef idx="1">
+            <a:schemeClr val="accent1"/>
+          </a:lnRef>
+          <a:fillRef idx="0">
+            <a:schemeClr val="accent1"/>
+          </a:fillRef>
+          <a:effectRef idx="0">
+            <a:schemeClr val="accent1"/>
+          </a:effectRef>
+          <a:fontRef idx="minor">
+            <a:schemeClr val="tx1"/>
+          </a:fontRef>
+        </p:style>
+      </p:cxnSp>
+      <p:cxnSp>
+        <p:nvCxnSpPr>
+          <p:cNvPr id="48" name="Elbow Connector 47">
+            <a:extLst>
+              <a:ext uri="{FF2B5EF4-FFF2-40B4-BE49-F238E27FC236}">
+                <a16:creationId xmlns:a16="http://schemas.microsoft.com/office/drawing/2014/main" id="{57DCFBFE-0092-D16D-F4C9-7F75B947F4E7}"/>
+              </a:ext>
+            </a:extLst>
+          </p:cNvPr>
+          <p:cNvCxnSpPr>
+            <a:cxnSpLocks/>
+            <a:stCxn id="6" idx="3"/>
+            <a:endCxn id="8" idx="0"/>
+          </p:cNvCxnSpPr>
+          <p:nvPr/>
+        </p:nvCxnSpPr>
+        <p:spPr>
+          <a:xfrm>
+            <a:off x="10155179" y="2552706"/>
+            <a:ext cx="145451" cy="1126005"/>
+          </a:xfrm>
+          <a:prstGeom prst="bentConnector2">
+            <a:avLst/>
+          </a:prstGeom>
+          <a:ln>
+            <a:tailEnd type="triangle"/>
+          </a:ln>
+        </p:spPr>
+        <p:style>
+          <a:lnRef idx="1">
+            <a:schemeClr val="accent1"/>
+          </a:lnRef>
+          <a:fillRef idx="0">
+            <a:schemeClr val="accent1"/>
+          </a:fillRef>
+          <a:effectRef idx="0">
+            <a:schemeClr val="accent1"/>
+          </a:effectRef>
+          <a:fontRef idx="minor">
+            <a:schemeClr val="tx1"/>
+          </a:fontRef>
+        </p:style>
+      </p:cxnSp>
+      <p:cxnSp>
+        <p:nvCxnSpPr>
+          <p:cNvPr id="54" name="Straight Arrow Connector 53">
+            <a:extLst>
+              <a:ext uri="{FF2B5EF4-FFF2-40B4-BE49-F238E27FC236}">
+                <a16:creationId xmlns:a16="http://schemas.microsoft.com/office/drawing/2014/main" id="{E5148D42-5DFB-1836-11C5-44FCC3261E1F}"/>
+              </a:ext>
+            </a:extLst>
+          </p:cNvPr>
+          <p:cNvCxnSpPr>
+            <a:endCxn id="19" idx="0"/>
+          </p:cNvCxnSpPr>
+          <p:nvPr/>
+        </p:nvCxnSpPr>
+        <p:spPr>
+          <a:xfrm>
+            <a:off x="1224100" y="4661205"/>
+            <a:ext cx="0" cy="732648"/>
+          </a:xfrm>
+          <a:prstGeom prst="straightConnector1">
+            <a:avLst/>
+          </a:prstGeom>
+          <a:ln>
+            <a:tailEnd type="triangle"/>
+          </a:ln>
+        </p:spPr>
+        <p:style>
+          <a:lnRef idx="1">
+            <a:schemeClr val="accent1"/>
+          </a:lnRef>
+          <a:fillRef idx="0">
+            <a:schemeClr val="accent1"/>
+          </a:fillRef>
+          <a:effectRef idx="0">
+            <a:schemeClr val="accent1"/>
+          </a:effectRef>
+          <a:fontRef idx="minor">
+            <a:schemeClr val="tx1"/>
+          </a:fontRef>
+        </p:style>
+      </p:cxnSp>
+      <p:cxnSp>
+        <p:nvCxnSpPr>
+          <p:cNvPr id="55" name="Straight Arrow Connector 54">
+            <a:extLst>
+              <a:ext uri="{FF2B5EF4-FFF2-40B4-BE49-F238E27FC236}">
+                <a16:creationId xmlns:a16="http://schemas.microsoft.com/office/drawing/2014/main" id="{E0BE7424-BC39-DE5F-2A38-9C8EEEAE7235}"/>
+              </a:ext>
+            </a:extLst>
+          </p:cNvPr>
+          <p:cNvCxnSpPr/>
+          <p:nvPr/>
+        </p:nvCxnSpPr>
+        <p:spPr>
+          <a:xfrm>
+            <a:off x="8218596" y="4661205"/>
+            <a:ext cx="0" cy="732648"/>
+          </a:xfrm>
+          <a:prstGeom prst="straightConnector1">
+            <a:avLst/>
+          </a:prstGeom>
+          <a:ln>
+            <a:tailEnd type="triangle"/>
+          </a:ln>
+        </p:spPr>
+        <p:style>
+          <a:lnRef idx="1">
+            <a:schemeClr val="accent1"/>
+          </a:lnRef>
+          <a:fillRef idx="0">
+            <a:schemeClr val="accent1"/>
+          </a:fillRef>
+          <a:effectRef idx="0">
+            <a:schemeClr val="accent1"/>
+          </a:effectRef>
+          <a:fontRef idx="minor">
+            <a:schemeClr val="tx1"/>
+          </a:fontRef>
+        </p:style>
+      </p:cxnSp>
+      <p:cxnSp>
+        <p:nvCxnSpPr>
+          <p:cNvPr id="56" name="Straight Arrow Connector 55">
+            <a:extLst>
+              <a:ext uri="{FF2B5EF4-FFF2-40B4-BE49-F238E27FC236}">
+                <a16:creationId xmlns:a16="http://schemas.microsoft.com/office/drawing/2014/main" id="{6C8E1040-E2AD-2124-B98A-A77DA62A52D7}"/>
+              </a:ext>
+            </a:extLst>
+          </p:cNvPr>
+          <p:cNvCxnSpPr/>
+          <p:nvPr/>
+        </p:nvCxnSpPr>
+        <p:spPr>
+          <a:xfrm>
+            <a:off x="6918969" y="4661205"/>
+            <a:ext cx="0" cy="732648"/>
+          </a:xfrm>
+          <a:prstGeom prst="straightConnector1">
+            <a:avLst/>
+          </a:prstGeom>
+          <a:ln>
+            <a:tailEnd type="triangle"/>
+          </a:ln>
+        </p:spPr>
+        <p:style>
+          <a:lnRef idx="1">
+            <a:schemeClr val="accent1"/>
+          </a:lnRef>
+          <a:fillRef idx="0">
+            <a:schemeClr val="accent1"/>
+          </a:fillRef>
+          <a:effectRef idx="0">
+            <a:schemeClr val="accent1"/>
+          </a:effectRef>
+          <a:fontRef idx="minor">
+            <a:schemeClr val="tx1"/>
+          </a:fontRef>
+        </p:style>
+      </p:cxnSp>
+      <p:cxnSp>
+        <p:nvCxnSpPr>
+          <p:cNvPr id="57" name="Straight Arrow Connector 56">
+            <a:extLst>
+              <a:ext uri="{FF2B5EF4-FFF2-40B4-BE49-F238E27FC236}">
+                <a16:creationId xmlns:a16="http://schemas.microsoft.com/office/drawing/2014/main" id="{702A3434-80FD-F26D-EBEE-3C8DB56C9391}"/>
+              </a:ext>
+            </a:extLst>
+          </p:cNvPr>
+          <p:cNvCxnSpPr/>
+          <p:nvPr/>
+        </p:nvCxnSpPr>
+        <p:spPr>
+          <a:xfrm>
+            <a:off x="5380698" y="4661205"/>
+            <a:ext cx="0" cy="732648"/>
+          </a:xfrm>
+          <a:prstGeom prst="straightConnector1">
+            <a:avLst/>
+          </a:prstGeom>
+          <a:ln>
+            <a:tailEnd type="triangle"/>
+          </a:ln>
+        </p:spPr>
+        <p:style>
+          <a:lnRef idx="1">
+            <a:schemeClr val="accent1"/>
+          </a:lnRef>
+          <a:fillRef idx="0">
+            <a:schemeClr val="accent1"/>
+          </a:fillRef>
+          <a:effectRef idx="0">
+            <a:schemeClr val="accent1"/>
+          </a:effectRef>
+          <a:fontRef idx="minor">
+            <a:schemeClr val="tx1"/>
+          </a:fontRef>
+        </p:style>
+      </p:cxnSp>
+      <p:cxnSp>
+        <p:nvCxnSpPr>
+          <p:cNvPr id="58" name="Straight Arrow Connector 57">
+            <a:extLst>
+              <a:ext uri="{FF2B5EF4-FFF2-40B4-BE49-F238E27FC236}">
+                <a16:creationId xmlns:a16="http://schemas.microsoft.com/office/drawing/2014/main" id="{26B5AC6F-2459-5902-5170-BB169651F6BE}"/>
+              </a:ext>
+            </a:extLst>
+          </p:cNvPr>
+          <p:cNvCxnSpPr/>
+          <p:nvPr/>
+        </p:nvCxnSpPr>
+        <p:spPr>
+          <a:xfrm>
+            <a:off x="4052312" y="4661205"/>
+            <a:ext cx="0" cy="732648"/>
+          </a:xfrm>
+          <a:prstGeom prst="straightConnector1">
+            <a:avLst/>
+          </a:prstGeom>
+          <a:ln>
+            <a:tailEnd type="triangle"/>
+          </a:ln>
+        </p:spPr>
+        <p:style>
+          <a:lnRef idx="1">
+            <a:schemeClr val="accent1"/>
+          </a:lnRef>
+          <a:fillRef idx="0">
+            <a:schemeClr val="accent1"/>
+          </a:fillRef>
+          <a:effectRef idx="0">
+            <a:schemeClr val="accent1"/>
+          </a:effectRef>
+          <a:fontRef idx="minor">
+            <a:schemeClr val="tx1"/>
+          </a:fontRef>
+        </p:style>
+      </p:cxnSp>
+      <p:cxnSp>
+        <p:nvCxnSpPr>
+          <p:cNvPr id="59" name="Straight Arrow Connector 58">
+            <a:extLst>
+              <a:ext uri="{FF2B5EF4-FFF2-40B4-BE49-F238E27FC236}">
+                <a16:creationId xmlns:a16="http://schemas.microsoft.com/office/drawing/2014/main" id="{113C8C19-1014-E96D-551B-1B04A5DBBE87}"/>
+              </a:ext>
+            </a:extLst>
+          </p:cNvPr>
+          <p:cNvCxnSpPr/>
+          <p:nvPr/>
+        </p:nvCxnSpPr>
+        <p:spPr>
+          <a:xfrm>
+            <a:off x="2558157" y="4661205"/>
+            <a:ext cx="0" cy="732648"/>
+          </a:xfrm>
+          <a:prstGeom prst="straightConnector1">
+            <a:avLst/>
+          </a:prstGeom>
+          <a:ln>
+            <a:tailEnd type="triangle"/>
+          </a:ln>
+        </p:spPr>
+        <p:style>
+          <a:lnRef idx="1">
+            <a:schemeClr val="accent1"/>
+          </a:lnRef>
+          <a:fillRef idx="0">
+            <a:schemeClr val="accent1"/>
+          </a:fillRef>
+          <a:effectRef idx="0">
+            <a:schemeClr val="accent1"/>
+          </a:effectRef>
+          <a:fontRef idx="minor">
+            <a:schemeClr val="tx1"/>
+          </a:fontRef>
+        </p:style>
+      </p:cxnSp>
+      <p:cxnSp>
+        <p:nvCxnSpPr>
+          <p:cNvPr id="60" name="Straight Arrow Connector 59">
+            <a:extLst>
+              <a:ext uri="{FF2B5EF4-FFF2-40B4-BE49-F238E27FC236}">
+                <a16:creationId xmlns:a16="http://schemas.microsoft.com/office/drawing/2014/main" id="{DBDA5FCA-CC41-ABC2-E0DD-3DCF715834E1}"/>
+              </a:ext>
+            </a:extLst>
+          </p:cNvPr>
+          <p:cNvCxnSpPr/>
+          <p:nvPr/>
+        </p:nvCxnSpPr>
+        <p:spPr>
+          <a:xfrm>
+            <a:off x="9625249" y="4661205"/>
+            <a:ext cx="0" cy="732648"/>
+          </a:xfrm>
+          <a:prstGeom prst="straightConnector1">
+            <a:avLst/>
+          </a:prstGeom>
+          <a:ln>
+            <a:tailEnd type="triangle"/>
+          </a:ln>
+        </p:spPr>
+        <p:style>
+          <a:lnRef idx="1">
+            <a:schemeClr val="accent1"/>
+          </a:lnRef>
+          <a:fillRef idx="0">
+            <a:schemeClr val="accent1"/>
+          </a:fillRef>
+          <a:effectRef idx="0">
+            <a:schemeClr val="accent1"/>
+          </a:effectRef>
+          <a:fontRef idx="minor">
+            <a:schemeClr val="tx1"/>
+          </a:fontRef>
+        </p:style>
+      </p:cxnSp>
+      <p:cxnSp>
+        <p:nvCxnSpPr>
+          <p:cNvPr id="61" name="Straight Arrow Connector 60">
+            <a:extLst>
+              <a:ext uri="{FF2B5EF4-FFF2-40B4-BE49-F238E27FC236}">
+                <a16:creationId xmlns:a16="http://schemas.microsoft.com/office/drawing/2014/main" id="{B1E07DAB-9432-7331-30D6-F6FD54E62B48}"/>
+              </a:ext>
+            </a:extLst>
+          </p:cNvPr>
+          <p:cNvCxnSpPr/>
+          <p:nvPr/>
+        </p:nvCxnSpPr>
+        <p:spPr>
+          <a:xfrm>
+            <a:off x="10967900" y="4645041"/>
+            <a:ext cx="0" cy="732648"/>
+          </a:xfrm>
+          <a:prstGeom prst="straightConnector1">
+            <a:avLst/>
+          </a:prstGeom>
+          <a:ln>
+            <a:tailEnd type="triangle"/>
+          </a:ln>
         </p:spPr>
         <p:style>
           <a:lnRef idx="1">
@@ -20359,54 +21714,813 @@
       </p:cxnSp>
       <p:sp>
         <p:nvSpPr>
-          <p:cNvPr id="4" name="Slide Number Placeholder 3">
+          <p:cNvPr id="62" name="TextBox 61">
             <a:extLst>
               <a:ext uri="{FF2B5EF4-FFF2-40B4-BE49-F238E27FC236}">
-                <a16:creationId xmlns:a16="http://schemas.microsoft.com/office/drawing/2014/main" id="{75D31F0B-C060-6DC4-C1CC-A382DBDDD62C}"/>
+                <a16:creationId xmlns:a16="http://schemas.microsoft.com/office/drawing/2014/main" id="{F614FF4D-F7EA-98BA-213F-A62B902F8E33}"/>
               </a:ext>
             </a:extLst>
           </p:cNvPr>
-          <p:cNvSpPr>
-            <a:spLocks noGrp="1"/>
-          </p:cNvSpPr>
-          <p:nvPr>
-            <p:ph type="sldNum" sz="quarter" idx="12"/>
-          </p:nvPr>
+          <p:cNvSpPr txBox="1"/>
+          <p:nvPr/>
         </p:nvSpPr>
         <p:spPr>
           <a:xfrm>
-            <a:off x="10807995" y="6356350"/>
-            <a:ext cx="723014" cy="365125"/>
+            <a:off x="6502428" y="5676987"/>
+            <a:ext cx="839925" cy="369332"/>
           </a:xfrm>
+          <a:prstGeom prst="rect">
+            <a:avLst/>
+          </a:prstGeom>
+          <a:noFill/>
         </p:spPr>
         <p:txBody>
-          <a:bodyPr vert="horz" lIns="91440" tIns="45720" rIns="91440" bIns="45720" rtlCol="0" anchor="ctr">
-            <a:normAutofit/>
+          <a:bodyPr wrap="square" rtlCol="0">
+            <a:spAutoFit/>
           </a:bodyPr>
           <a:lstStyle/>
           <a:p>
-            <a:pPr defTabSz="914400">
-              <a:spcAft>
-                <a:spcPts val="600"/>
-              </a:spcAft>
-            </a:pPr>
-            <a:fld id="{70C12960-6E85-460F-B6E3-5B82CB31AF3D}" type="slidenum">
-              <a:rPr lang="en-US" smtClean="0"/>
-              <a:pPr defTabSz="914400">
-                <a:spcAft>
-                  <a:spcPts val="600"/>
-                </a:spcAft>
-              </a:pPr>
-              <a:t>13</a:t>
-            </a:fld>
-            <a:endParaRPr lang="en-US"/>
+            <a:r>
+              <a:rPr lang="en-US" dirty="0"/>
+              <a:t>-10.2</a:t>
+            </a:r>
+          </a:p>
+        </p:txBody>
+      </p:sp>
+      <p:sp>
+        <p:nvSpPr>
+          <p:cNvPr id="63" name="TextBox 62">
+            <a:extLst>
+              <a:ext uri="{FF2B5EF4-FFF2-40B4-BE49-F238E27FC236}">
+                <a16:creationId xmlns:a16="http://schemas.microsoft.com/office/drawing/2014/main" id="{CCC62435-7ED0-C763-E063-59C0FD6BB2B3}"/>
+              </a:ext>
+            </a:extLst>
+          </p:cNvPr>
+          <p:cNvSpPr txBox="1"/>
+          <p:nvPr/>
+        </p:nvSpPr>
+        <p:spPr>
+          <a:xfrm>
+            <a:off x="7882367" y="5676987"/>
+            <a:ext cx="839925" cy="369332"/>
+          </a:xfrm>
+          <a:prstGeom prst="rect">
+            <a:avLst/>
+          </a:prstGeom>
+          <a:noFill/>
+        </p:spPr>
+        <p:txBody>
+          <a:bodyPr wrap="square" rtlCol="0">
+            <a:spAutoFit/>
+          </a:bodyPr>
+          <a:lstStyle/>
+          <a:p>
+            <a:r>
+              <a:rPr lang="en-US" dirty="0"/>
+              <a:t>-5.7</a:t>
+            </a:r>
+          </a:p>
+        </p:txBody>
+      </p:sp>
+      <p:sp>
+        <p:nvSpPr>
+          <p:cNvPr id="64" name="TextBox 63">
+            <a:extLst>
+              <a:ext uri="{FF2B5EF4-FFF2-40B4-BE49-F238E27FC236}">
+                <a16:creationId xmlns:a16="http://schemas.microsoft.com/office/drawing/2014/main" id="{21D8FB2D-E87E-0833-427D-FA5EF69C704A}"/>
+              </a:ext>
+            </a:extLst>
+          </p:cNvPr>
+          <p:cNvSpPr txBox="1"/>
+          <p:nvPr/>
+        </p:nvSpPr>
+        <p:spPr>
+          <a:xfrm>
+            <a:off x="9377337" y="5682767"/>
+            <a:ext cx="839925" cy="369332"/>
+          </a:xfrm>
+          <a:prstGeom prst="rect">
+            <a:avLst/>
+          </a:prstGeom>
+          <a:noFill/>
+        </p:spPr>
+        <p:txBody>
+          <a:bodyPr wrap="square" rtlCol="0">
+            <a:spAutoFit/>
+          </a:bodyPr>
+          <a:lstStyle/>
+          <a:p>
+            <a:r>
+              <a:rPr lang="en-US" dirty="0"/>
+              <a:t>2.8</a:t>
+            </a:r>
+          </a:p>
+        </p:txBody>
+      </p:sp>
+      <p:sp>
+        <p:nvSpPr>
+          <p:cNvPr id="65" name="TextBox 64">
+            <a:extLst>
+              <a:ext uri="{FF2B5EF4-FFF2-40B4-BE49-F238E27FC236}">
+                <a16:creationId xmlns:a16="http://schemas.microsoft.com/office/drawing/2014/main" id="{E500F8E8-FFBB-B94F-9131-ABFF76B9652A}"/>
+              </a:ext>
+            </a:extLst>
+          </p:cNvPr>
+          <p:cNvSpPr txBox="1"/>
+          <p:nvPr/>
+        </p:nvSpPr>
+        <p:spPr>
+          <a:xfrm>
+            <a:off x="10691084" y="5696586"/>
+            <a:ext cx="839925" cy="369332"/>
+          </a:xfrm>
+          <a:prstGeom prst="rect">
+            <a:avLst/>
+          </a:prstGeom>
+          <a:noFill/>
+        </p:spPr>
+        <p:txBody>
+          <a:bodyPr wrap="square" rtlCol="0">
+            <a:spAutoFit/>
+          </a:bodyPr>
+          <a:lstStyle/>
+          <a:p>
+            <a:r>
+              <a:rPr lang="en-US" dirty="0"/>
+              <a:t>51.9</a:t>
+            </a:r>
+          </a:p>
+        </p:txBody>
+      </p:sp>
+      <p:sp>
+        <p:nvSpPr>
+          <p:cNvPr id="66" name="TextBox 65">
+            <a:extLst>
+              <a:ext uri="{FF2B5EF4-FFF2-40B4-BE49-F238E27FC236}">
+                <a16:creationId xmlns:a16="http://schemas.microsoft.com/office/drawing/2014/main" id="{F219A76B-F502-A2E6-ECA0-45FA916DEE38}"/>
+              </a:ext>
+            </a:extLst>
+          </p:cNvPr>
+          <p:cNvSpPr txBox="1"/>
+          <p:nvPr/>
+        </p:nvSpPr>
+        <p:spPr>
+          <a:xfrm>
+            <a:off x="5009009" y="5676987"/>
+            <a:ext cx="839925" cy="369332"/>
+          </a:xfrm>
+          <a:prstGeom prst="rect">
+            <a:avLst/>
+          </a:prstGeom>
+          <a:noFill/>
+        </p:spPr>
+        <p:txBody>
+          <a:bodyPr wrap="square" rtlCol="0">
+            <a:spAutoFit/>
+          </a:bodyPr>
+          <a:lstStyle/>
+          <a:p>
+            <a:r>
+              <a:rPr lang="en-US" dirty="0"/>
+              <a:t>116.6</a:t>
+            </a:r>
+          </a:p>
+        </p:txBody>
+      </p:sp>
+      <p:sp>
+        <p:nvSpPr>
+          <p:cNvPr id="67" name="TextBox 66">
+            <a:extLst>
+              <a:ext uri="{FF2B5EF4-FFF2-40B4-BE49-F238E27FC236}">
+                <a16:creationId xmlns:a16="http://schemas.microsoft.com/office/drawing/2014/main" id="{DA19FD72-2D76-03F5-BB40-E398B38CBD4C}"/>
+              </a:ext>
+            </a:extLst>
+          </p:cNvPr>
+          <p:cNvSpPr txBox="1"/>
+          <p:nvPr/>
+        </p:nvSpPr>
+        <p:spPr>
+          <a:xfrm>
+            <a:off x="3753854" y="5696586"/>
+            <a:ext cx="839925" cy="369332"/>
+          </a:xfrm>
+          <a:prstGeom prst="rect">
+            <a:avLst/>
+          </a:prstGeom>
+          <a:noFill/>
+        </p:spPr>
+        <p:txBody>
+          <a:bodyPr wrap="square" rtlCol="0">
+            <a:spAutoFit/>
+          </a:bodyPr>
+          <a:lstStyle/>
+          <a:p>
+            <a:r>
+              <a:rPr lang="en-US" dirty="0"/>
+              <a:t>25.4</a:t>
+            </a:r>
+          </a:p>
+        </p:txBody>
+      </p:sp>
+      <p:sp>
+        <p:nvSpPr>
+          <p:cNvPr id="68" name="TextBox 67">
+            <a:extLst>
+              <a:ext uri="{FF2B5EF4-FFF2-40B4-BE49-F238E27FC236}">
+                <a16:creationId xmlns:a16="http://schemas.microsoft.com/office/drawing/2014/main" id="{411E415D-A966-7D9A-74CF-0AE22D95F26C}"/>
+              </a:ext>
+            </a:extLst>
+          </p:cNvPr>
+          <p:cNvSpPr txBox="1"/>
+          <p:nvPr/>
+        </p:nvSpPr>
+        <p:spPr>
+          <a:xfrm>
+            <a:off x="2240271" y="5702649"/>
+            <a:ext cx="839925" cy="369332"/>
+          </a:xfrm>
+          <a:prstGeom prst="rect">
+            <a:avLst/>
+          </a:prstGeom>
+          <a:noFill/>
+        </p:spPr>
+        <p:txBody>
+          <a:bodyPr wrap="square" rtlCol="0">
+            <a:spAutoFit/>
+          </a:bodyPr>
+          <a:lstStyle/>
+          <a:p>
+            <a:r>
+              <a:rPr lang="en-US" dirty="0"/>
+              <a:t>25.7</a:t>
+            </a:r>
+          </a:p>
+        </p:txBody>
+      </p:sp>
+      <p:sp>
+        <p:nvSpPr>
+          <p:cNvPr id="69" name="TextBox 68">
+            <a:extLst>
+              <a:ext uri="{FF2B5EF4-FFF2-40B4-BE49-F238E27FC236}">
+                <a16:creationId xmlns:a16="http://schemas.microsoft.com/office/drawing/2014/main" id="{0DF01F00-8E31-1062-D0EF-6A3A55050957}"/>
+              </a:ext>
+            </a:extLst>
+          </p:cNvPr>
+          <p:cNvSpPr txBox="1"/>
+          <p:nvPr/>
+        </p:nvSpPr>
+        <p:spPr>
+          <a:xfrm>
+            <a:off x="847875" y="5676987"/>
+            <a:ext cx="839925" cy="369332"/>
+          </a:xfrm>
+          <a:prstGeom prst="rect">
+            <a:avLst/>
+          </a:prstGeom>
+          <a:noFill/>
+        </p:spPr>
+        <p:txBody>
+          <a:bodyPr wrap="square" rtlCol="0">
+            <a:spAutoFit/>
+          </a:bodyPr>
+          <a:lstStyle/>
+          <a:p>
+            <a:r>
+              <a:rPr lang="en-US" dirty="0"/>
+              <a:t>102.7</a:t>
+            </a:r>
+          </a:p>
+        </p:txBody>
+      </p:sp>
+      <p:sp>
+        <p:nvSpPr>
+          <p:cNvPr id="70" name="TextBox 69">
+            <a:extLst>
+              <a:ext uri="{FF2B5EF4-FFF2-40B4-BE49-F238E27FC236}">
+                <a16:creationId xmlns:a16="http://schemas.microsoft.com/office/drawing/2014/main" id="{8464F63C-35C5-DD23-DCFA-89E6428BCD15}"/>
+              </a:ext>
+            </a:extLst>
+          </p:cNvPr>
+          <p:cNvSpPr txBox="1"/>
+          <p:nvPr/>
+        </p:nvSpPr>
+        <p:spPr>
+          <a:xfrm>
+            <a:off x="708247" y="4826699"/>
+            <a:ext cx="977198" cy="369332"/>
+          </a:xfrm>
+          <a:prstGeom prst="rect">
+            <a:avLst/>
+          </a:prstGeom>
+          <a:noFill/>
+        </p:spPr>
+        <p:txBody>
+          <a:bodyPr wrap="square" rtlCol="0">
+            <a:spAutoFit/>
+          </a:bodyPr>
+          <a:lstStyle/>
+          <a:p>
+            <a:r>
+              <a:rPr lang="en-US" dirty="0"/>
+              <a:t>Female</a:t>
+            </a:r>
+          </a:p>
+        </p:txBody>
+      </p:sp>
+      <p:sp>
+        <p:nvSpPr>
+          <p:cNvPr id="71" name="TextBox 70">
+            <a:extLst>
+              <a:ext uri="{FF2B5EF4-FFF2-40B4-BE49-F238E27FC236}">
+                <a16:creationId xmlns:a16="http://schemas.microsoft.com/office/drawing/2014/main" id="{15C57FAD-A893-8407-B1B9-1553AD8589EE}"/>
+              </a:ext>
+            </a:extLst>
+          </p:cNvPr>
+          <p:cNvSpPr txBox="1"/>
+          <p:nvPr/>
+        </p:nvSpPr>
+        <p:spPr>
+          <a:xfrm>
+            <a:off x="2146787" y="4826699"/>
+            <a:ext cx="839925" cy="369332"/>
+          </a:xfrm>
+          <a:prstGeom prst="rect">
+            <a:avLst/>
+          </a:prstGeom>
+          <a:noFill/>
+        </p:spPr>
+        <p:txBody>
+          <a:bodyPr wrap="square" rtlCol="0">
+            <a:spAutoFit/>
+          </a:bodyPr>
+          <a:lstStyle/>
+          <a:p>
+            <a:r>
+              <a:rPr lang="en-US" dirty="0"/>
+              <a:t>Male</a:t>
+            </a:r>
+          </a:p>
+        </p:txBody>
+      </p:sp>
+      <p:sp>
+        <p:nvSpPr>
+          <p:cNvPr id="72" name="TextBox 71">
+            <a:extLst>
+              <a:ext uri="{FF2B5EF4-FFF2-40B4-BE49-F238E27FC236}">
+                <a16:creationId xmlns:a16="http://schemas.microsoft.com/office/drawing/2014/main" id="{C8C582E7-1C6D-F96C-41BA-62DE69A2F64A}"/>
+              </a:ext>
+            </a:extLst>
+          </p:cNvPr>
+          <p:cNvSpPr txBox="1"/>
+          <p:nvPr/>
+        </p:nvSpPr>
+        <p:spPr>
+          <a:xfrm>
+            <a:off x="3680439" y="4846458"/>
+            <a:ext cx="839925" cy="369332"/>
+          </a:xfrm>
+          <a:prstGeom prst="rect">
+            <a:avLst/>
+          </a:prstGeom>
+          <a:noFill/>
+        </p:spPr>
+        <p:txBody>
+          <a:bodyPr wrap="square" rtlCol="0">
+            <a:spAutoFit/>
+          </a:bodyPr>
+          <a:lstStyle/>
+          <a:p>
+            <a:r>
+              <a:rPr lang="en-US" dirty="0"/>
+              <a:t>&lt; 17</a:t>
+            </a:r>
+          </a:p>
+        </p:txBody>
+      </p:sp>
+      <p:sp>
+        <p:nvSpPr>
+          <p:cNvPr id="73" name="TextBox 72">
+            <a:extLst>
+              <a:ext uri="{FF2B5EF4-FFF2-40B4-BE49-F238E27FC236}">
+                <a16:creationId xmlns:a16="http://schemas.microsoft.com/office/drawing/2014/main" id="{710A6155-F202-6E65-E5F5-2695B072435D}"/>
+              </a:ext>
+            </a:extLst>
+          </p:cNvPr>
+          <p:cNvSpPr txBox="1"/>
+          <p:nvPr/>
+        </p:nvSpPr>
+        <p:spPr>
+          <a:xfrm>
+            <a:off x="4951931" y="4826699"/>
+            <a:ext cx="839925" cy="369332"/>
+          </a:xfrm>
+          <a:prstGeom prst="rect">
+            <a:avLst/>
+          </a:prstGeom>
+          <a:noFill/>
+        </p:spPr>
+        <p:txBody>
+          <a:bodyPr wrap="square" rtlCol="0">
+            <a:spAutoFit/>
+          </a:bodyPr>
+          <a:lstStyle/>
+          <a:p>
+            <a:r>
+              <a:rPr lang="en-US" dirty="0"/>
+              <a:t>&gt;= 17</a:t>
+            </a:r>
+          </a:p>
+        </p:txBody>
+      </p:sp>
+      <p:sp>
+        <p:nvSpPr>
+          <p:cNvPr id="74" name="TextBox 73">
+            <a:extLst>
+              <a:ext uri="{FF2B5EF4-FFF2-40B4-BE49-F238E27FC236}">
+                <a16:creationId xmlns:a16="http://schemas.microsoft.com/office/drawing/2014/main" id="{6D16F19E-6B48-BCA5-6ABC-E033949888E7}"/>
+              </a:ext>
+            </a:extLst>
+          </p:cNvPr>
+          <p:cNvSpPr txBox="1"/>
+          <p:nvPr/>
+        </p:nvSpPr>
+        <p:spPr>
+          <a:xfrm>
+            <a:off x="6504685" y="4840293"/>
+            <a:ext cx="839925" cy="369332"/>
+          </a:xfrm>
+          <a:prstGeom prst="rect">
+            <a:avLst/>
+          </a:prstGeom>
+          <a:noFill/>
+        </p:spPr>
+        <p:txBody>
+          <a:bodyPr wrap="square" rtlCol="0">
+            <a:spAutoFit/>
+          </a:bodyPr>
+          <a:lstStyle/>
+          <a:p>
+            <a:r>
+              <a:rPr lang="en-US" dirty="0"/>
+              <a:t>&lt;= 9th</a:t>
+            </a:r>
+          </a:p>
+        </p:txBody>
+      </p:sp>
+      <p:sp>
+        <p:nvSpPr>
+          <p:cNvPr id="75" name="TextBox 74">
+            <a:extLst>
+              <a:ext uri="{FF2B5EF4-FFF2-40B4-BE49-F238E27FC236}">
+                <a16:creationId xmlns:a16="http://schemas.microsoft.com/office/drawing/2014/main" id="{525B6A40-C465-ED8F-5B7D-443F512BFC8F}"/>
+              </a:ext>
+            </a:extLst>
+          </p:cNvPr>
+          <p:cNvSpPr txBox="1"/>
+          <p:nvPr/>
+        </p:nvSpPr>
+        <p:spPr>
+          <a:xfrm>
+            <a:off x="7798633" y="4813343"/>
+            <a:ext cx="839925" cy="369332"/>
+          </a:xfrm>
+          <a:prstGeom prst="rect">
+            <a:avLst/>
+          </a:prstGeom>
+          <a:noFill/>
+        </p:spPr>
+        <p:txBody>
+          <a:bodyPr wrap="square" rtlCol="0">
+            <a:spAutoFit/>
+          </a:bodyPr>
+          <a:lstStyle/>
+          <a:p>
+            <a:r>
+              <a:rPr lang="en-US" dirty="0"/>
+              <a:t>&gt; 9th</a:t>
+            </a:r>
+          </a:p>
+        </p:txBody>
+      </p:sp>
+      <p:sp>
+        <p:nvSpPr>
+          <p:cNvPr id="76" name="TextBox 75">
+            <a:extLst>
+              <a:ext uri="{FF2B5EF4-FFF2-40B4-BE49-F238E27FC236}">
+                <a16:creationId xmlns:a16="http://schemas.microsoft.com/office/drawing/2014/main" id="{8871A75E-0B44-C868-FF0E-03D2DD9BC5C5}"/>
+              </a:ext>
+            </a:extLst>
+          </p:cNvPr>
+          <p:cNvSpPr txBox="1"/>
+          <p:nvPr/>
+        </p:nvSpPr>
+        <p:spPr>
+          <a:xfrm>
+            <a:off x="9210032" y="4811495"/>
+            <a:ext cx="920157" cy="369332"/>
+          </a:xfrm>
+          <a:prstGeom prst="rect">
+            <a:avLst/>
+          </a:prstGeom>
+          <a:noFill/>
+        </p:spPr>
+        <p:txBody>
+          <a:bodyPr wrap="square" rtlCol="0">
+            <a:spAutoFit/>
+          </a:bodyPr>
+          <a:lstStyle/>
+          <a:p>
+            <a:r>
+              <a:rPr lang="en-US" dirty="0"/>
+              <a:t>A, B, C</a:t>
+            </a:r>
+          </a:p>
+        </p:txBody>
+      </p:sp>
+      <p:sp>
+        <p:nvSpPr>
+          <p:cNvPr id="77" name="TextBox 76">
+            <a:extLst>
+              <a:ext uri="{FF2B5EF4-FFF2-40B4-BE49-F238E27FC236}">
+                <a16:creationId xmlns:a16="http://schemas.microsoft.com/office/drawing/2014/main" id="{84CAA1CE-2682-54B9-892F-D41EAF3C7C8B}"/>
+              </a:ext>
+            </a:extLst>
+          </p:cNvPr>
+          <p:cNvSpPr txBox="1"/>
+          <p:nvPr/>
+        </p:nvSpPr>
+        <p:spPr>
+          <a:xfrm>
+            <a:off x="10611941" y="4731503"/>
+            <a:ext cx="839925" cy="646331"/>
+          </a:xfrm>
+          <a:prstGeom prst="rect">
+            <a:avLst/>
+          </a:prstGeom>
+          <a:noFill/>
+        </p:spPr>
+        <p:txBody>
+          <a:bodyPr wrap="square" rtlCol="0">
+            <a:spAutoFit/>
+          </a:bodyPr>
+          <a:lstStyle/>
+          <a:p>
+            <a:r>
+              <a:rPr lang="en-US" dirty="0"/>
+              <a:t>D or lower</a:t>
+            </a:r>
+          </a:p>
+        </p:txBody>
+      </p:sp>
+      <p:sp>
+        <p:nvSpPr>
+          <p:cNvPr id="78" name="TextBox 77">
+            <a:extLst>
+              <a:ext uri="{FF2B5EF4-FFF2-40B4-BE49-F238E27FC236}">
+                <a16:creationId xmlns:a16="http://schemas.microsoft.com/office/drawing/2014/main" id="{5C15A0A9-00F0-124E-853C-1759D369A949}"/>
+              </a:ext>
+            </a:extLst>
+          </p:cNvPr>
+          <p:cNvSpPr txBox="1"/>
+          <p:nvPr/>
+        </p:nvSpPr>
+        <p:spPr>
+          <a:xfrm>
+            <a:off x="10388032" y="2582604"/>
+            <a:ext cx="839925" cy="369332"/>
+          </a:xfrm>
+          <a:prstGeom prst="rect">
+            <a:avLst/>
+          </a:prstGeom>
+          <a:noFill/>
+        </p:spPr>
+        <p:txBody>
+          <a:bodyPr wrap="square" rtlCol="0">
+            <a:spAutoFit/>
+          </a:bodyPr>
+          <a:lstStyle/>
+          <a:p>
+            <a:r>
+              <a:rPr lang="en-US" dirty="0"/>
+              <a:t>&gt;= 6</a:t>
+            </a:r>
+          </a:p>
+        </p:txBody>
+      </p:sp>
+      <p:sp>
+        <p:nvSpPr>
+          <p:cNvPr id="79" name="TextBox 78">
+            <a:extLst>
+              <a:ext uri="{FF2B5EF4-FFF2-40B4-BE49-F238E27FC236}">
+                <a16:creationId xmlns:a16="http://schemas.microsoft.com/office/drawing/2014/main" id="{81B8FE2B-274C-780D-E1C5-A90AEF0BE175}"/>
+              </a:ext>
+            </a:extLst>
+          </p:cNvPr>
+          <p:cNvSpPr txBox="1"/>
+          <p:nvPr/>
+        </p:nvSpPr>
+        <p:spPr>
+          <a:xfrm>
+            <a:off x="6907031" y="2586991"/>
+            <a:ext cx="839925" cy="369332"/>
+          </a:xfrm>
+          <a:prstGeom prst="rect">
+            <a:avLst/>
+          </a:prstGeom>
+          <a:noFill/>
+        </p:spPr>
+        <p:txBody>
+          <a:bodyPr wrap="square" rtlCol="0">
+            <a:spAutoFit/>
+          </a:bodyPr>
+          <a:lstStyle/>
+          <a:p>
+            <a:r>
+              <a:rPr lang="en-US" dirty="0"/>
+              <a:t>&lt; 6</a:t>
+            </a:r>
+          </a:p>
+        </p:txBody>
+      </p:sp>
+      <p:sp>
+        <p:nvSpPr>
+          <p:cNvPr id="80" name="TextBox 79">
+            <a:extLst>
+              <a:ext uri="{FF2B5EF4-FFF2-40B4-BE49-F238E27FC236}">
+                <a16:creationId xmlns:a16="http://schemas.microsoft.com/office/drawing/2014/main" id="{F4666C95-66F0-C84A-D67A-B8E3D0161195}"/>
+              </a:ext>
+            </a:extLst>
+          </p:cNvPr>
+          <p:cNvSpPr txBox="1"/>
+          <p:nvPr/>
+        </p:nvSpPr>
+        <p:spPr>
+          <a:xfrm>
+            <a:off x="4929592" y="2583028"/>
+            <a:ext cx="839925" cy="369332"/>
+          </a:xfrm>
+          <a:prstGeom prst="rect">
+            <a:avLst/>
+          </a:prstGeom>
+          <a:noFill/>
+        </p:spPr>
+        <p:txBody>
+          <a:bodyPr wrap="square" rtlCol="0">
+            <a:spAutoFit/>
+          </a:bodyPr>
+          <a:lstStyle/>
+          <a:p>
+            <a:r>
+              <a:rPr lang="en-US" dirty="0"/>
+              <a:t>Yes</a:t>
+            </a:r>
+          </a:p>
+        </p:txBody>
+      </p:sp>
+      <p:sp>
+        <p:nvSpPr>
+          <p:cNvPr id="81" name="TextBox 80">
+            <a:extLst>
+              <a:ext uri="{FF2B5EF4-FFF2-40B4-BE49-F238E27FC236}">
+                <a16:creationId xmlns:a16="http://schemas.microsoft.com/office/drawing/2014/main" id="{89C7B4FA-AE9E-DDF2-50C2-FD9973938A71}"/>
+              </a:ext>
+            </a:extLst>
+          </p:cNvPr>
+          <p:cNvSpPr txBox="1"/>
+          <p:nvPr/>
+        </p:nvSpPr>
+        <p:spPr>
+          <a:xfrm>
+            <a:off x="7709321" y="682962"/>
+            <a:ext cx="2507941" cy="646331"/>
+          </a:xfrm>
+          <a:prstGeom prst="rect">
+            <a:avLst/>
+          </a:prstGeom>
+          <a:noFill/>
+        </p:spPr>
+        <p:txBody>
+          <a:bodyPr wrap="square" rtlCol="0">
+            <a:spAutoFit/>
+          </a:bodyPr>
+          <a:lstStyle/>
+          <a:p>
+            <a:r>
+              <a:rPr lang="en-US" dirty="0"/>
+              <a:t>Strongly/somewhat disapprove</a:t>
+            </a:r>
+          </a:p>
+        </p:txBody>
+      </p:sp>
+      <p:sp>
+        <p:nvSpPr>
+          <p:cNvPr id="82" name="TextBox 81">
+            <a:extLst>
+              <a:ext uri="{FF2B5EF4-FFF2-40B4-BE49-F238E27FC236}">
+                <a16:creationId xmlns:a16="http://schemas.microsoft.com/office/drawing/2014/main" id="{E0DF2B91-71E5-0624-8AF0-8CAEBE74D075}"/>
+              </a:ext>
+            </a:extLst>
+          </p:cNvPr>
+          <p:cNvSpPr txBox="1"/>
+          <p:nvPr/>
+        </p:nvSpPr>
+        <p:spPr>
+          <a:xfrm>
+            <a:off x="2427355" y="685716"/>
+            <a:ext cx="2433381" cy="646331"/>
+          </a:xfrm>
+          <a:prstGeom prst="rect">
+            <a:avLst/>
+          </a:prstGeom>
+          <a:noFill/>
+        </p:spPr>
+        <p:txBody>
+          <a:bodyPr wrap="square" rtlCol="0">
+            <a:spAutoFit/>
+          </a:bodyPr>
+          <a:lstStyle/>
+          <a:p>
+            <a:r>
+              <a:rPr lang="en-US" dirty="0"/>
+              <a:t>Neither approve nor disapprove</a:t>
+            </a:r>
+          </a:p>
+        </p:txBody>
+      </p:sp>
+      <p:sp>
+        <p:nvSpPr>
+          <p:cNvPr id="83" name="TextBox 82">
+            <a:extLst>
+              <a:ext uri="{FF2B5EF4-FFF2-40B4-BE49-F238E27FC236}">
+                <a16:creationId xmlns:a16="http://schemas.microsoft.com/office/drawing/2014/main" id="{26C476CE-B368-63F1-79B2-1B1B5D2064F4}"/>
+              </a:ext>
+            </a:extLst>
+          </p:cNvPr>
+          <p:cNvSpPr txBox="1"/>
+          <p:nvPr/>
+        </p:nvSpPr>
+        <p:spPr>
+          <a:xfrm>
+            <a:off x="1253992" y="2586991"/>
+            <a:ext cx="839925" cy="369332"/>
+          </a:xfrm>
+          <a:prstGeom prst="rect">
+            <a:avLst/>
+          </a:prstGeom>
+          <a:noFill/>
+        </p:spPr>
+        <p:txBody>
+          <a:bodyPr wrap="square" rtlCol="0">
+            <a:spAutoFit/>
+          </a:bodyPr>
+          <a:lstStyle/>
+          <a:p>
+            <a:r>
+              <a:rPr lang="en-US" dirty="0"/>
+              <a:t>No</a:t>
+            </a:r>
+          </a:p>
+        </p:txBody>
+      </p:sp>
+      <p:sp>
+        <p:nvSpPr>
+          <p:cNvPr id="87" name="TextBox 86">
+            <a:extLst>
+              <a:ext uri="{FF2B5EF4-FFF2-40B4-BE49-F238E27FC236}">
+                <a16:creationId xmlns:a16="http://schemas.microsoft.com/office/drawing/2014/main" id="{CE90D124-1698-F6A5-397D-4AA6B3132E70}"/>
+              </a:ext>
+            </a:extLst>
+          </p:cNvPr>
+          <p:cNvSpPr txBox="1"/>
+          <p:nvPr/>
+        </p:nvSpPr>
+        <p:spPr>
+          <a:xfrm>
+            <a:off x="1997504" y="106316"/>
+            <a:ext cx="8521429" cy="369332"/>
+          </a:xfrm>
+          <a:prstGeom prst="rect">
+            <a:avLst/>
+          </a:prstGeom>
+          <a:noFill/>
+        </p:spPr>
+        <p:txBody>
+          <a:bodyPr wrap="square" rtlCol="0">
+            <a:spAutoFit/>
+          </a:bodyPr>
+          <a:lstStyle/>
+          <a:p>
+            <a:r>
+              <a:rPr lang="en-US" b="1" dirty="0"/>
+              <a:t>Gradient Boost Regressor for Youth Marijuana Use in the Past Year (First Tree)</a:t>
+            </a:r>
           </a:p>
         </p:txBody>
       </p:sp>
     </p:spTree>
     <p:extLst>
       <p:ext uri="{BB962C8B-B14F-4D97-AF65-F5344CB8AC3E}">
-        <p14:creationId xmlns:p14="http://schemas.microsoft.com/office/powerpoint/2010/main" val="3480897458"/>
+        <p14:creationId xmlns:p14="http://schemas.microsoft.com/office/powerpoint/2010/main" val="2572550141"/>
       </p:ext>
     </p:extLst>
   </p:cSld>
